--- a/featureToggles.pptx
+++ b/featureToggles.pptx
@@ -11,11 +11,21 @@
     <p:sldId id="257" r:id="rId5"/>
     <p:sldId id="261" r:id="rId6"/>
     <p:sldId id="262" r:id="rId7"/>
-    <p:sldId id="267" r:id="rId8"/>
-    <p:sldId id="258" r:id="rId9"/>
-    <p:sldId id="263" r:id="rId10"/>
-    <p:sldId id="264" r:id="rId11"/>
-    <p:sldId id="266" r:id="rId12"/>
+    <p:sldId id="271" r:id="rId8"/>
+    <p:sldId id="272" r:id="rId9"/>
+    <p:sldId id="267" r:id="rId10"/>
+    <p:sldId id="270" r:id="rId11"/>
+    <p:sldId id="258" r:id="rId12"/>
+    <p:sldId id="273" r:id="rId13"/>
+    <p:sldId id="264" r:id="rId14"/>
+    <p:sldId id="275" r:id="rId15"/>
+    <p:sldId id="266" r:id="rId16"/>
+    <p:sldId id="274" r:id="rId17"/>
+    <p:sldId id="278" r:id="rId18"/>
+    <p:sldId id="276" r:id="rId19"/>
+    <p:sldId id="268" r:id="rId20"/>
+    <p:sldId id="277" r:id="rId21"/>
+    <p:sldId id="269" r:id="rId22"/>
   </p:sldIdLst>
   <p:sldSz cx="12192000" cy="6858000"/>
   <p:notesSz cx="6858000" cy="9144000"/>
@@ -275,7 +285,7 @@
           <a:p>
             <a:fld id="{ABAA4BC0-A8D9-4C08-86B1-EF96D428A184}" type="datetimeFigureOut">
               <a:rPr lang="en-AU" smtClean="0"/>
-              <a:t>29/11/2017</a:t>
+              <a:t>30/11/2017</a:t>
             </a:fld>
             <a:endParaRPr lang="en-AU"/>
           </a:p>
@@ -475,7 +485,7 @@
           <a:p>
             <a:fld id="{ABAA4BC0-A8D9-4C08-86B1-EF96D428A184}" type="datetimeFigureOut">
               <a:rPr lang="en-AU" smtClean="0"/>
-              <a:t>29/11/2017</a:t>
+              <a:t>30/11/2017</a:t>
             </a:fld>
             <a:endParaRPr lang="en-AU"/>
           </a:p>
@@ -685,7 +695,7 @@
           <a:p>
             <a:fld id="{ABAA4BC0-A8D9-4C08-86B1-EF96D428A184}" type="datetimeFigureOut">
               <a:rPr lang="en-AU" smtClean="0"/>
-              <a:t>29/11/2017</a:t>
+              <a:t>30/11/2017</a:t>
             </a:fld>
             <a:endParaRPr lang="en-AU"/>
           </a:p>
@@ -885,7 +895,7 @@
           <a:p>
             <a:fld id="{ABAA4BC0-A8D9-4C08-86B1-EF96D428A184}" type="datetimeFigureOut">
               <a:rPr lang="en-AU" smtClean="0"/>
-              <a:t>29/11/2017</a:t>
+              <a:t>30/11/2017</a:t>
             </a:fld>
             <a:endParaRPr lang="en-AU"/>
           </a:p>
@@ -1161,7 +1171,7 @@
           <a:p>
             <a:fld id="{ABAA4BC0-A8D9-4C08-86B1-EF96D428A184}" type="datetimeFigureOut">
               <a:rPr lang="en-AU" smtClean="0"/>
-              <a:t>29/11/2017</a:t>
+              <a:t>30/11/2017</a:t>
             </a:fld>
             <a:endParaRPr lang="en-AU"/>
           </a:p>
@@ -1429,7 +1439,7 @@
           <a:p>
             <a:fld id="{ABAA4BC0-A8D9-4C08-86B1-EF96D428A184}" type="datetimeFigureOut">
               <a:rPr lang="en-AU" smtClean="0"/>
-              <a:t>29/11/2017</a:t>
+              <a:t>30/11/2017</a:t>
             </a:fld>
             <a:endParaRPr lang="en-AU"/>
           </a:p>
@@ -1844,7 +1854,7 @@
           <a:p>
             <a:fld id="{ABAA4BC0-A8D9-4C08-86B1-EF96D428A184}" type="datetimeFigureOut">
               <a:rPr lang="en-AU" smtClean="0"/>
-              <a:t>29/11/2017</a:t>
+              <a:t>30/11/2017</a:t>
             </a:fld>
             <a:endParaRPr lang="en-AU"/>
           </a:p>
@@ -1986,7 +1996,7 @@
           <a:p>
             <a:fld id="{ABAA4BC0-A8D9-4C08-86B1-EF96D428A184}" type="datetimeFigureOut">
               <a:rPr lang="en-AU" smtClean="0"/>
-              <a:t>29/11/2017</a:t>
+              <a:t>30/11/2017</a:t>
             </a:fld>
             <a:endParaRPr lang="en-AU"/>
           </a:p>
@@ -2099,7 +2109,7 @@
           <a:p>
             <a:fld id="{ABAA4BC0-A8D9-4C08-86B1-EF96D428A184}" type="datetimeFigureOut">
               <a:rPr lang="en-AU" smtClean="0"/>
-              <a:t>29/11/2017</a:t>
+              <a:t>30/11/2017</a:t>
             </a:fld>
             <a:endParaRPr lang="en-AU"/>
           </a:p>
@@ -2412,7 +2422,7 @@
           <a:p>
             <a:fld id="{ABAA4BC0-A8D9-4C08-86B1-EF96D428A184}" type="datetimeFigureOut">
               <a:rPr lang="en-AU" smtClean="0"/>
-              <a:t>29/11/2017</a:t>
+              <a:t>30/11/2017</a:t>
             </a:fld>
             <a:endParaRPr lang="en-AU"/>
           </a:p>
@@ -2701,7 +2711,7 @@
           <a:p>
             <a:fld id="{ABAA4BC0-A8D9-4C08-86B1-EF96D428A184}" type="datetimeFigureOut">
               <a:rPr lang="en-AU" smtClean="0"/>
-              <a:t>29/11/2017</a:t>
+              <a:t>30/11/2017</a:t>
             </a:fld>
             <a:endParaRPr lang="en-AU"/>
           </a:p>
@@ -2944,7 +2954,7 @@
           <a:p>
             <a:fld id="{ABAA4BC0-A8D9-4C08-86B1-EF96D428A184}" type="datetimeFigureOut">
               <a:rPr lang="en-AU" smtClean="0"/>
-              <a:t>29/11/2017</a:t>
+              <a:t>30/11/2017</a:t>
             </a:fld>
             <a:endParaRPr lang="en-AU"/>
           </a:p>
@@ -3454,7 +3464,7 @@
           <p:cNvPr id="2" name="Title 1">
             <a:extLst>
               <a:ext uri="{FF2B5EF4-FFF2-40B4-BE49-F238E27FC236}">
-                <a16:creationId xmlns:a16="http://schemas.microsoft.com/office/drawing/2014/main" id="{42E80B67-816B-4805-81B1-91ED500C40B9}"/>
+                <a16:creationId xmlns:a16="http://schemas.microsoft.com/office/drawing/2014/main" id="{5AEACDF5-E062-45D5-A343-01EC2AD8C1FD}"/>
               </a:ext>
             </a:extLst>
           </p:cNvPr>
@@ -3472,7 +3482,7 @@
           <a:p>
             <a:r>
               <a:rPr lang="en-AU" dirty="0"/>
-              <a:t>CI/CD pipeline</a:t>
+              <a:t>Sanity check</a:t>
             </a:r>
           </a:p>
         </p:txBody>
@@ -3482,7 +3492,7 @@
           <p:cNvPr id="3" name="Content Placeholder 2">
             <a:extLst>
               <a:ext uri="{FF2B5EF4-FFF2-40B4-BE49-F238E27FC236}">
-                <a16:creationId xmlns:a16="http://schemas.microsoft.com/office/drawing/2014/main" id="{B7AE8FF8-276A-4B82-8B87-2A0DB8D7C833}"/>
+                <a16:creationId xmlns:a16="http://schemas.microsoft.com/office/drawing/2014/main" id="{6A6FF85F-C9FB-4F56-8D6B-2583AF24D2E9}"/>
               </a:ext>
             </a:extLst>
           </p:cNvPr>
@@ -3500,57 +3510,7 @@
           <a:p>
             <a:r>
               <a:rPr lang="en-AU" dirty="0"/>
-              <a:t>Naming convention</a:t>
-            </a:r>
-          </a:p>
-          <a:p>
-            <a:pPr marL="971550" lvl="1" indent="-514350">
-              <a:buFont typeface="+mj-lt"/>
-              <a:buAutoNum type="arabicPeriod"/>
-            </a:pPr>
-            <a:r>
-              <a:rPr lang="en-AU" dirty="0"/>
-              <a:t>Feature branch name: feature_???</a:t>
-            </a:r>
-          </a:p>
-          <a:p>
-            <a:pPr marL="971550" lvl="1" indent="-514350">
-              <a:buFont typeface="+mj-lt"/>
-              <a:buAutoNum type="arabicPeriod"/>
-            </a:pPr>
-            <a:r>
-              <a:rPr lang="en-AU" dirty="0"/>
-              <a:t>Comment in commit: </a:t>
-            </a:r>
-          </a:p>
-          <a:p>
-            <a:pPr marL="1428750" lvl="2" indent="-514350">
-              <a:buFont typeface="+mj-lt"/>
-              <a:buAutoNum type="arabicPeriod"/>
-            </a:pPr>
-            <a:r>
-              <a:rPr lang="en-AU" dirty="0"/>
-              <a:t>Not finished: ???</a:t>
-            </a:r>
-          </a:p>
-          <a:p>
-            <a:pPr marL="1428750" lvl="2" indent="-514350">
-              <a:buFont typeface="+mj-lt"/>
-              <a:buAutoNum type="arabicPeriod"/>
-            </a:pPr>
-            <a:r>
-              <a:rPr lang="en-AU" dirty="0"/>
-              <a:t>Finished: completed_???</a:t>
-            </a:r>
-          </a:p>
-          <a:p>
-            <a:pPr marL="1428750" lvl="2" indent="-514350">
-              <a:buFont typeface="+mj-lt"/>
-              <a:buAutoNum type="arabicPeriod"/>
-            </a:pPr>
-            <a:r>
-              <a:rPr lang="en-AU" dirty="0"/>
-              <a:t>Done: done_???</a:t>
+              <a:t>Run full merge from scratch N time/day</a:t>
             </a:r>
           </a:p>
         </p:txBody>
@@ -3558,7 +3518,7 @@
     </p:spTree>
     <p:extLst>
       <p:ext uri="{BB962C8B-B14F-4D97-AF65-F5344CB8AC3E}">
-        <p14:creationId xmlns:p14="http://schemas.microsoft.com/office/powerpoint/2010/main" val="3015427384"/>
+        <p14:creationId xmlns:p14="http://schemas.microsoft.com/office/powerpoint/2010/main" val="360139920"/>
       </p:ext>
     </p:extLst>
   </p:cSld>
@@ -3587,10 +3547,87 @@
       </p:grpSpPr>
       <p:sp>
         <p:nvSpPr>
+          <p:cNvPr id="3" name="Content Placeholder 2">
+            <a:extLst>
+              <a:ext uri="{FF2B5EF4-FFF2-40B4-BE49-F238E27FC236}">
+                <a16:creationId xmlns:a16="http://schemas.microsoft.com/office/drawing/2014/main" id="{C9A5D316-4BC8-407F-B333-AFF90256DD5D}"/>
+              </a:ext>
+            </a:extLst>
+          </p:cNvPr>
+          <p:cNvSpPr>
+            <a:spLocks noGrp="1"/>
+          </p:cNvSpPr>
+          <p:nvPr>
+            <p:ph idx="1"/>
+          </p:nvPr>
+        </p:nvSpPr>
+        <p:spPr/>
+        <p:txBody>
+          <a:bodyPr/>
+          <a:lstStyle/>
+          <a:p>
+            <a:pPr marL="0" indent="0">
+              <a:buNone/>
+            </a:pPr>
+            <a:r>
+              <a:rPr lang="en-AU" dirty="0"/>
+              <a:t>Until now, we are confident that there are </a:t>
+            </a:r>
+            <a:r>
+              <a:rPr lang="en-AU" b="1" dirty="0"/>
+              <a:t>no conflicts</a:t>
+            </a:r>
+            <a:r>
+              <a:rPr lang="en-AU" dirty="0"/>
+              <a:t>, then we can merge whatever </a:t>
+            </a:r>
+            <a:r>
+              <a:rPr lang="en-AU" b="1" dirty="0"/>
+              <a:t>features combination</a:t>
+            </a:r>
+            <a:r>
+              <a:rPr lang="en-AU" dirty="0"/>
+              <a:t> with master by our wish</a:t>
+            </a:r>
+          </a:p>
+        </p:txBody>
+      </p:sp>
+    </p:spTree>
+    <p:extLst>
+      <p:ext uri="{BB962C8B-B14F-4D97-AF65-F5344CB8AC3E}">
+        <p14:creationId xmlns:p14="http://schemas.microsoft.com/office/powerpoint/2010/main" val="1618374647"/>
+      </p:ext>
+    </p:extLst>
+  </p:cSld>
+  <p:clrMapOvr>
+    <a:masterClrMapping/>
+  </p:clrMapOvr>
+</p:sld>
+</file>
+
+<file path=ppt/slides/slide12.xml><?xml version="1.0" encoding="utf-8"?>
+<p:sld xmlns:a="http://schemas.openxmlformats.org/drawingml/2006/main" xmlns:r="http://schemas.openxmlformats.org/officeDocument/2006/relationships" xmlns:p="http://schemas.openxmlformats.org/presentationml/2006/main">
+  <p:cSld>
+    <p:spTree>
+      <p:nvGrpSpPr>
+        <p:cNvPr id="1" name=""/>
+        <p:cNvGrpSpPr/>
+        <p:nvPr/>
+      </p:nvGrpSpPr>
+      <p:grpSpPr>
+        <a:xfrm>
+          <a:off x="0" y="0"/>
+          <a:ext cx="0" cy="0"/>
+          <a:chOff x="0" y="0"/>
+          <a:chExt cx="0" cy="0"/>
+        </a:xfrm>
+      </p:grpSpPr>
+      <p:sp>
+        <p:nvSpPr>
           <p:cNvPr id="2" name="Title 1">
             <a:extLst>
               <a:ext uri="{FF2B5EF4-FFF2-40B4-BE49-F238E27FC236}">
-                <a16:creationId xmlns:a16="http://schemas.microsoft.com/office/drawing/2014/main" id="{8B724A6C-3157-4437-ABBE-4C8B95551AEC}"/>
+                <a16:creationId xmlns:a16="http://schemas.microsoft.com/office/drawing/2014/main" id="{7A314DC1-A148-43FE-A875-9257708AC501}"/>
               </a:ext>
             </a:extLst>
           </p:cNvPr>
@@ -3601,6 +3638,70 @@
             <p:ph type="title"/>
           </p:nvPr>
         </p:nvSpPr>
+        <p:spPr>
+          <a:xfrm>
+            <a:off x="819000" y="2292325"/>
+            <a:ext cx="10515600" cy="1325563"/>
+          </a:xfrm>
+        </p:spPr>
+        <p:txBody>
+          <a:bodyPr/>
+          <a:lstStyle/>
+          <a:p>
+            <a:pPr algn="ctr"/>
+            <a:r>
+              <a:rPr lang="en-AU" dirty="0"/>
+              <a:t>Part2: CI/CD pipeline</a:t>
+            </a:r>
+          </a:p>
+        </p:txBody>
+      </p:sp>
+    </p:spTree>
+    <p:extLst>
+      <p:ext uri="{BB962C8B-B14F-4D97-AF65-F5344CB8AC3E}">
+        <p14:creationId xmlns:p14="http://schemas.microsoft.com/office/powerpoint/2010/main" val="1535798134"/>
+      </p:ext>
+    </p:extLst>
+  </p:cSld>
+  <p:clrMapOvr>
+    <a:masterClrMapping/>
+  </p:clrMapOvr>
+</p:sld>
+</file>
+
+<file path=ppt/slides/slide13.xml><?xml version="1.0" encoding="utf-8"?>
+<p:sld xmlns:a="http://schemas.openxmlformats.org/drawingml/2006/main" xmlns:r="http://schemas.openxmlformats.org/officeDocument/2006/relationships" xmlns:p="http://schemas.openxmlformats.org/presentationml/2006/main">
+  <p:cSld>
+    <p:spTree>
+      <p:nvGrpSpPr>
+        <p:cNvPr id="1" name=""/>
+        <p:cNvGrpSpPr/>
+        <p:nvPr/>
+      </p:nvGrpSpPr>
+      <p:grpSpPr>
+        <a:xfrm>
+          <a:off x="0" y="0"/>
+          <a:ext cx="0" cy="0"/>
+          <a:chOff x="0" y="0"/>
+          <a:chExt cx="0" cy="0"/>
+        </a:xfrm>
+      </p:grpSpPr>
+      <p:sp>
+        <p:nvSpPr>
+          <p:cNvPr id="2" name="Title 1">
+            <a:extLst>
+              <a:ext uri="{FF2B5EF4-FFF2-40B4-BE49-F238E27FC236}">
+                <a16:creationId xmlns:a16="http://schemas.microsoft.com/office/drawing/2014/main" id="{42E80B67-816B-4805-81B1-91ED500C40B9}"/>
+              </a:ext>
+            </a:extLst>
+          </p:cNvPr>
+          <p:cNvSpPr>
+            <a:spLocks noGrp="1"/>
+          </p:cNvSpPr>
+          <p:nvPr>
+            <p:ph type="title"/>
+          </p:nvPr>
+        </p:nvSpPr>
         <p:spPr/>
         <p:txBody>
           <a:bodyPr/>
@@ -3608,7 +3709,7 @@
           <a:p>
             <a:r>
               <a:rPr lang="en-AU" dirty="0"/>
-              <a:t>step1</a:t>
+              <a:t>Naming convention</a:t>
             </a:r>
           </a:p>
         </p:txBody>
@@ -3618,6 +3719,416 @@
           <p:cNvPr id="3" name="Content Placeholder 2">
             <a:extLst>
               <a:ext uri="{FF2B5EF4-FFF2-40B4-BE49-F238E27FC236}">
+                <a16:creationId xmlns:a16="http://schemas.microsoft.com/office/drawing/2014/main" id="{B7AE8FF8-276A-4B82-8B87-2A0DB8D7C833}"/>
+              </a:ext>
+            </a:extLst>
+          </p:cNvPr>
+          <p:cNvSpPr>
+            <a:spLocks noGrp="1"/>
+          </p:cNvSpPr>
+          <p:nvPr>
+            <p:ph idx="1"/>
+          </p:nvPr>
+        </p:nvSpPr>
+        <p:spPr/>
+        <p:txBody>
+          <a:bodyPr/>
+          <a:lstStyle/>
+          <a:p>
+            <a:pPr marL="457200" lvl="1" indent="0">
+              <a:buNone/>
+            </a:pPr>
+            <a:r>
+              <a:rPr lang="en-AU" dirty="0"/>
+              <a:t>Feature branch name: feature_???</a:t>
+            </a:r>
+          </a:p>
+          <a:p>
+            <a:pPr marL="457200" lvl="1" indent="0">
+              <a:buNone/>
+            </a:pPr>
+            <a:r>
+              <a:rPr lang="en-AU" dirty="0"/>
+              <a:t>Others </a:t>
+            </a:r>
+            <a:r>
+              <a:rPr lang="en-AU" dirty="0" err="1"/>
+              <a:t>branchs</a:t>
+            </a:r>
+            <a:r>
+              <a:rPr lang="en-AU" dirty="0"/>
+              <a:t>: story_???, bug-???</a:t>
+            </a:r>
+          </a:p>
+          <a:p>
+            <a:pPr marL="457200" lvl="1" indent="0">
+              <a:buNone/>
+            </a:pPr>
+            <a:endParaRPr lang="en-AU" dirty="0"/>
+          </a:p>
+          <a:p>
+            <a:pPr marL="457200" lvl="1" indent="0">
+              <a:buNone/>
+            </a:pPr>
+            <a:r>
+              <a:rPr lang="en-AU" dirty="0"/>
+              <a:t>Comment in commit: </a:t>
+            </a:r>
+          </a:p>
+          <a:p>
+            <a:pPr marL="1428750" lvl="2" indent="-514350">
+              <a:buFont typeface="+mj-lt"/>
+              <a:buAutoNum type="arabicPeriod"/>
+            </a:pPr>
+            <a:r>
+              <a:rPr lang="en-AU" dirty="0"/>
+              <a:t>Not finished: ???</a:t>
+            </a:r>
+          </a:p>
+          <a:p>
+            <a:pPr marL="1428750" lvl="2" indent="-514350">
+              <a:buFont typeface="+mj-lt"/>
+              <a:buAutoNum type="arabicPeriod"/>
+            </a:pPr>
+            <a:r>
+              <a:rPr lang="en-AU" dirty="0"/>
+              <a:t>Finished: finished_???</a:t>
+            </a:r>
+          </a:p>
+          <a:p>
+            <a:pPr marL="1428750" lvl="2" indent="-514350">
+              <a:buFont typeface="+mj-lt"/>
+              <a:buAutoNum type="arabicPeriod"/>
+            </a:pPr>
+            <a:r>
+              <a:rPr lang="en-AU" dirty="0"/>
+              <a:t>formalize : formalize _???</a:t>
+            </a:r>
+          </a:p>
+          <a:p>
+            <a:pPr marL="1428750" lvl="2" indent="-514350">
+              <a:buFont typeface="+mj-lt"/>
+              <a:buAutoNum type="arabicPeriod"/>
+            </a:pPr>
+            <a:r>
+              <a:rPr lang="en-AU" dirty="0"/>
+              <a:t>Deprecate: deprecate_???</a:t>
+            </a:r>
+          </a:p>
+        </p:txBody>
+      </p:sp>
+    </p:spTree>
+    <p:extLst>
+      <p:ext uri="{BB962C8B-B14F-4D97-AF65-F5344CB8AC3E}">
+        <p14:creationId xmlns:p14="http://schemas.microsoft.com/office/powerpoint/2010/main" val="3015427384"/>
+      </p:ext>
+    </p:extLst>
+  </p:cSld>
+  <p:clrMapOvr>
+    <a:masterClrMapping/>
+  </p:clrMapOvr>
+</p:sld>
+</file>
+
+<file path=ppt/slides/slide14.xml><?xml version="1.0" encoding="utf-8"?>
+<p:sld xmlns:a="http://schemas.openxmlformats.org/drawingml/2006/main" xmlns:r="http://schemas.openxmlformats.org/officeDocument/2006/relationships" xmlns:p="http://schemas.openxmlformats.org/presentationml/2006/main">
+  <p:cSld>
+    <p:spTree>
+      <p:nvGrpSpPr>
+        <p:cNvPr id="1" name=""/>
+        <p:cNvGrpSpPr/>
+        <p:nvPr/>
+      </p:nvGrpSpPr>
+      <p:grpSpPr>
+        <a:xfrm>
+          <a:off x="0" y="0"/>
+          <a:ext cx="0" cy="0"/>
+          <a:chOff x="0" y="0"/>
+          <a:chExt cx="0" cy="0"/>
+        </a:xfrm>
+      </p:grpSpPr>
+      <p:sp>
+        <p:nvSpPr>
+          <p:cNvPr id="2" name="Title 1">
+            <a:extLst>
+              <a:ext uri="{FF2B5EF4-FFF2-40B4-BE49-F238E27FC236}">
+                <a16:creationId xmlns:a16="http://schemas.microsoft.com/office/drawing/2014/main" id="{D1414B65-0177-4A54-A913-98463AB982CF}"/>
+              </a:ext>
+            </a:extLst>
+          </p:cNvPr>
+          <p:cNvSpPr>
+            <a:spLocks noGrp="1"/>
+          </p:cNvSpPr>
+          <p:nvPr>
+            <p:ph type="title"/>
+          </p:nvPr>
+        </p:nvSpPr>
+        <p:spPr/>
+        <p:txBody>
+          <a:bodyPr/>
+          <a:lstStyle/>
+          <a:p>
+            <a:r>
+              <a:rPr lang="en-AU" dirty="0"/>
+              <a:t>How many features got finished?</a:t>
+            </a:r>
+          </a:p>
+        </p:txBody>
+      </p:sp>
+      <p:sp>
+        <p:nvSpPr>
+          <p:cNvPr id="3" name="Content Placeholder 2">
+            <a:extLst>
+              <a:ext uri="{FF2B5EF4-FFF2-40B4-BE49-F238E27FC236}">
+                <a16:creationId xmlns:a16="http://schemas.microsoft.com/office/drawing/2014/main" id="{15AE89D6-962C-4069-9B0D-E280DFCF4FA9}"/>
+              </a:ext>
+            </a:extLst>
+          </p:cNvPr>
+          <p:cNvSpPr>
+            <a:spLocks noGrp="1"/>
+          </p:cNvSpPr>
+          <p:nvPr>
+            <p:ph idx="1"/>
+          </p:nvPr>
+        </p:nvSpPr>
+        <p:spPr/>
+        <p:txBody>
+          <a:bodyPr>
+            <a:normAutofit/>
+          </a:bodyPr>
+          <a:lstStyle/>
+          <a:p>
+            <a:pPr marL="0" indent="0">
+              <a:buNone/>
+            </a:pPr>
+            <a:r>
+              <a:rPr lang="en-AU" sz="1800" dirty="0" err="1"/>
+              <a:t>Const</a:t>
+            </a:r>
+            <a:r>
+              <a:rPr lang="en-AU" sz="1800" dirty="0"/>
+              <a:t> branches= Call </a:t>
+            </a:r>
+            <a:r>
+              <a:rPr lang="en-AU" sz="1800" dirty="0" err="1"/>
+              <a:t>github</a:t>
+            </a:r>
+            <a:r>
+              <a:rPr lang="en-AU" sz="1800" dirty="0"/>
+              <a:t> to get branches // GET /repos/:owner/:repo/branches</a:t>
+            </a:r>
+          </a:p>
+          <a:p>
+            <a:pPr marL="0" indent="0">
+              <a:buNone/>
+            </a:pPr>
+            <a:r>
+              <a:rPr lang="en-AU" sz="1800" dirty="0" err="1"/>
+              <a:t>Const</a:t>
+            </a:r>
+            <a:r>
+              <a:rPr lang="en-AU" sz="1800" dirty="0"/>
+              <a:t> </a:t>
+            </a:r>
+            <a:r>
+              <a:rPr lang="en-AU" sz="1800" dirty="0" err="1"/>
+              <a:t>featureBranches</a:t>
+            </a:r>
+            <a:r>
+              <a:rPr lang="en-AU" sz="1800" dirty="0"/>
+              <a:t>= </a:t>
+            </a:r>
+            <a:r>
+              <a:rPr lang="en-AU" sz="1800" dirty="0" err="1"/>
+              <a:t>branches.filter</a:t>
+            </a:r>
+            <a:r>
+              <a:rPr lang="en-AU" sz="1800" dirty="0"/>
+              <a:t>(branch=&gt;</a:t>
+            </a:r>
+            <a:r>
+              <a:rPr lang="en-AU" sz="1800" dirty="0" err="1"/>
+              <a:t>branch.name.substring</a:t>
+            </a:r>
+            <a:r>
+              <a:rPr lang="en-AU" sz="1800" dirty="0"/>
+              <a:t>(0, 7)===`feature_` || </a:t>
+            </a:r>
+            <a:r>
+              <a:rPr lang="en-AU" sz="1800" dirty="0" err="1"/>
+              <a:t>branch.name.substring</a:t>
+            </a:r>
+            <a:r>
+              <a:rPr lang="en-AU" sz="1800" dirty="0"/>
+              <a:t>(0, 5)===`master`);</a:t>
+            </a:r>
+          </a:p>
+          <a:p>
+            <a:pPr marL="0" indent="0">
+              <a:buNone/>
+            </a:pPr>
+            <a:r>
+              <a:rPr lang="en-AU" sz="1800" dirty="0" err="1"/>
+              <a:t>Const</a:t>
+            </a:r>
+            <a:r>
+              <a:rPr lang="en-AU" sz="1800" dirty="0"/>
+              <a:t> </a:t>
+            </a:r>
+            <a:r>
+              <a:rPr lang="en-AU" sz="1800" dirty="0" err="1"/>
+              <a:t>finishedFeatureBranches</a:t>
+            </a:r>
+            <a:r>
+              <a:rPr lang="en-AU" sz="1800" dirty="0"/>
+              <a:t>=[];</a:t>
+            </a:r>
+          </a:p>
+          <a:p>
+            <a:pPr marL="0" indent="0">
+              <a:buNone/>
+            </a:pPr>
+            <a:r>
+              <a:rPr lang="en-AU" sz="1800" dirty="0" err="1"/>
+              <a:t>featureBranches.forEach</a:t>
+            </a:r>
+            <a:r>
+              <a:rPr lang="en-AU" sz="1800" dirty="0"/>
+              <a:t>(</a:t>
+            </a:r>
+          </a:p>
+          <a:p>
+            <a:pPr marL="0" indent="0">
+              <a:buNone/>
+            </a:pPr>
+            <a:r>
+              <a:rPr lang="en-AU" sz="1800" dirty="0" err="1"/>
+              <a:t>branchInfo</a:t>
+            </a:r>
+            <a:r>
+              <a:rPr lang="en-AU" sz="1800" dirty="0"/>
+              <a:t>= Call </a:t>
+            </a:r>
+            <a:r>
+              <a:rPr lang="en-AU" sz="1800" dirty="0" err="1"/>
+              <a:t>github</a:t>
+            </a:r>
+            <a:r>
+              <a:rPr lang="en-AU" sz="1800" dirty="0"/>
+              <a:t> to get branch info // </a:t>
+            </a:r>
+          </a:p>
+          <a:p>
+            <a:pPr marL="0" indent="0">
+              <a:buNone/>
+            </a:pPr>
+            <a:r>
+              <a:rPr lang="en-AU" sz="1800" dirty="0"/>
+              <a:t>If (</a:t>
+            </a:r>
+            <a:r>
+              <a:rPr lang="en-AU" sz="1800" dirty="0" err="1"/>
+              <a:t>branchInfo.commit.commit.message</a:t>
+            </a:r>
+            <a:r>
+              <a:rPr lang="en-AU" sz="1800" dirty="0"/>
+              <a:t> .substring(0, 8)===`finished_` )</a:t>
+            </a:r>
+          </a:p>
+          <a:p>
+            <a:pPr marL="0" indent="0">
+              <a:buNone/>
+            </a:pPr>
+            <a:r>
+              <a:rPr lang="en-AU" sz="1800" dirty="0"/>
+              <a:t>    </a:t>
+            </a:r>
+            <a:r>
+              <a:rPr lang="en-AU" sz="1800" dirty="0" err="1"/>
+              <a:t>finishedFeatureBranches.push</a:t>
+            </a:r>
+            <a:r>
+              <a:rPr lang="en-AU" sz="1800" dirty="0"/>
+              <a:t>(</a:t>
+            </a:r>
+            <a:r>
+              <a:rPr lang="en-AU" sz="1800" dirty="0" err="1"/>
+              <a:t>branchInfo</a:t>
+            </a:r>
+            <a:r>
+              <a:rPr lang="en-AU" sz="1800" dirty="0"/>
+              <a:t>) // GET /repos/:owner/:repo/branches/:branch</a:t>
+            </a:r>
+          </a:p>
+          <a:p>
+            <a:pPr marL="0" indent="0">
+              <a:buNone/>
+            </a:pPr>
+            <a:r>
+              <a:rPr lang="en-AU" sz="1800" dirty="0"/>
+              <a:t>)</a:t>
+            </a:r>
+          </a:p>
+          <a:p>
+            <a:pPr marL="0" indent="0">
+              <a:buNone/>
+            </a:pPr>
+            <a:r>
+              <a:rPr lang="en-AU" sz="1800" dirty="0"/>
+              <a:t>return </a:t>
+            </a:r>
+            <a:r>
+              <a:rPr lang="en-AU" sz="1800" dirty="0" err="1"/>
+              <a:t>finishedFeatureBranches</a:t>
+            </a:r>
+            <a:r>
+              <a:rPr lang="en-AU" sz="1800" dirty="0"/>
+              <a:t>;</a:t>
+            </a:r>
+          </a:p>
+          <a:p>
+            <a:pPr marL="0" indent="0">
+              <a:buNone/>
+            </a:pPr>
+            <a:endParaRPr lang="en-AU" sz="1800" dirty="0"/>
+          </a:p>
+        </p:txBody>
+      </p:sp>
+    </p:spTree>
+    <p:extLst>
+      <p:ext uri="{BB962C8B-B14F-4D97-AF65-F5344CB8AC3E}">
+        <p14:creationId xmlns:p14="http://schemas.microsoft.com/office/powerpoint/2010/main" val="1347424712"/>
+      </p:ext>
+    </p:extLst>
+  </p:cSld>
+  <p:clrMapOvr>
+    <a:masterClrMapping/>
+  </p:clrMapOvr>
+</p:sld>
+</file>
+
+<file path=ppt/slides/slide15.xml><?xml version="1.0" encoding="utf-8"?>
+<p:sld xmlns:a="http://schemas.openxmlformats.org/drawingml/2006/main" xmlns:r="http://schemas.openxmlformats.org/officeDocument/2006/relationships" xmlns:p="http://schemas.openxmlformats.org/presentationml/2006/main">
+  <p:cSld>
+    <p:spTree>
+      <p:nvGrpSpPr>
+        <p:cNvPr id="1" name=""/>
+        <p:cNvGrpSpPr/>
+        <p:nvPr/>
+      </p:nvGrpSpPr>
+      <p:grpSpPr>
+        <a:xfrm>
+          <a:off x="0" y="0"/>
+          <a:ext cx="0" cy="0"/>
+          <a:chOff x="0" y="0"/>
+          <a:chExt cx="0" cy="0"/>
+        </a:xfrm>
+      </p:grpSpPr>
+      <p:sp>
+        <p:nvSpPr>
+          <p:cNvPr id="3" name="Content Placeholder 2">
+            <a:extLst>
+              <a:ext uri="{FF2B5EF4-FFF2-40B4-BE49-F238E27FC236}">
                 <a16:creationId xmlns:a16="http://schemas.microsoft.com/office/drawing/2014/main" id="{C6D2743B-E048-4C36-BFE3-A63B5EAD2557}"/>
               </a:ext>
             </a:extLst>
@@ -3629,19 +4140,1213 @@
             <p:ph idx="1"/>
           </p:nvPr>
         </p:nvSpPr>
-        <p:spPr/>
+        <p:spPr>
+          <a:xfrm>
+            <a:off x="658200" y="549600"/>
+            <a:ext cx="10515600" cy="5008163"/>
+          </a:xfrm>
+        </p:spPr>
         <p:txBody>
           <a:bodyPr/>
           <a:lstStyle/>
           <a:p>
-            <a:endParaRPr lang="en-AU" dirty="0"/>
-          </a:p>
-        </p:txBody>
-      </p:sp>
+            <a:pPr marL="0" indent="0">
+              <a:buNone/>
+            </a:pPr>
+            <a:r>
+              <a:rPr lang="en-AU" dirty="0"/>
+              <a:t>I want </a:t>
+            </a:r>
+          </a:p>
+          <a:p>
+            <a:r>
+              <a:rPr lang="en-AU" dirty="0"/>
+              <a:t>10% user get feature1</a:t>
+            </a:r>
+          </a:p>
+          <a:p>
+            <a:r>
+              <a:rPr lang="en-AU" dirty="0"/>
+              <a:t>20% user get feature1+feature2</a:t>
+            </a:r>
+          </a:p>
+          <a:p>
+            <a:r>
+              <a:rPr lang="en-AU" dirty="0"/>
+              <a:t>70% user without features</a:t>
+            </a:r>
+          </a:p>
+        </p:txBody>
+      </p:sp>
+      <p:pic>
+        <p:nvPicPr>
+          <p:cNvPr id="6" name="Picture 5">
+            <a:extLst>
+              <a:ext uri="{FF2B5EF4-FFF2-40B4-BE49-F238E27FC236}">
+                <a16:creationId xmlns:a16="http://schemas.microsoft.com/office/drawing/2014/main" id="{84150866-0F51-4A6A-A1C6-41FE94B390F7}"/>
+              </a:ext>
+            </a:extLst>
+          </p:cNvPr>
+          <p:cNvPicPr>
+            <a:picLocks noChangeAspect="1"/>
+          </p:cNvPicPr>
+          <p:nvPr/>
+        </p:nvPicPr>
+        <p:blipFill>
+          <a:blip r:embed="rId2"/>
+          <a:stretch>
+            <a:fillRect/>
+          </a:stretch>
+        </p:blipFill>
+        <p:spPr>
+          <a:xfrm>
+            <a:off x="6317672" y="959427"/>
+            <a:ext cx="2819400" cy="3390900"/>
+          </a:xfrm>
+          <a:prstGeom prst="rect">
+            <a:avLst/>
+          </a:prstGeom>
+        </p:spPr>
+      </p:pic>
     </p:spTree>
     <p:extLst>
       <p:ext uri="{BB962C8B-B14F-4D97-AF65-F5344CB8AC3E}">
         <p14:creationId xmlns:p14="http://schemas.microsoft.com/office/powerpoint/2010/main" val="1618864832"/>
+      </p:ext>
+    </p:extLst>
+  </p:cSld>
+  <p:clrMapOvr>
+    <a:masterClrMapping/>
+  </p:clrMapOvr>
+</p:sld>
+</file>
+
+<file path=ppt/slides/slide16.xml><?xml version="1.0" encoding="utf-8"?>
+<p:sld xmlns:a="http://schemas.openxmlformats.org/drawingml/2006/main" xmlns:r="http://schemas.openxmlformats.org/officeDocument/2006/relationships" xmlns:p="http://schemas.openxmlformats.org/presentationml/2006/main">
+  <p:cSld>
+    <p:spTree>
+      <p:nvGrpSpPr>
+        <p:cNvPr id="1" name=""/>
+        <p:cNvGrpSpPr/>
+        <p:nvPr/>
+      </p:nvGrpSpPr>
+      <p:grpSpPr>
+        <a:xfrm>
+          <a:off x="0" y="0"/>
+          <a:ext cx="0" cy="0"/>
+          <a:chOff x="0" y="0"/>
+          <a:chExt cx="0" cy="0"/>
+        </a:xfrm>
+      </p:grpSpPr>
+      <p:sp>
+        <p:nvSpPr>
+          <p:cNvPr id="3" name="Content Placeholder 2">
+            <a:extLst>
+              <a:ext uri="{FF2B5EF4-FFF2-40B4-BE49-F238E27FC236}">
+                <a16:creationId xmlns:a16="http://schemas.microsoft.com/office/drawing/2014/main" id="{C00F5369-1212-4EFF-9A2F-15998C0D4852}"/>
+              </a:ext>
+            </a:extLst>
+          </p:cNvPr>
+          <p:cNvSpPr>
+            <a:spLocks noGrp="1"/>
+          </p:cNvSpPr>
+          <p:nvPr>
+            <p:ph idx="1"/>
+          </p:nvPr>
+        </p:nvSpPr>
+        <p:spPr>
+          <a:xfrm>
+            <a:off x="36000" y="81600"/>
+            <a:ext cx="6180000" cy="6720000"/>
+          </a:xfrm>
+        </p:spPr>
+        <p:txBody>
+          <a:bodyPr>
+            <a:normAutofit/>
+          </a:bodyPr>
+          <a:lstStyle/>
+          <a:p>
+            <a:pPr marL="0" indent="0">
+              <a:buNone/>
+            </a:pPr>
+            <a:r>
+              <a:rPr lang="en-AU" sz="1100" dirty="0" err="1"/>
+              <a:t>Groups.forEach</a:t>
+            </a:r>
+            <a:r>
+              <a:rPr lang="en-AU" sz="1100" dirty="0"/>
+              <a:t>(group=&gt;{</a:t>
+            </a:r>
+          </a:p>
+          <a:p>
+            <a:pPr marL="0" indent="0">
+              <a:buNone/>
+            </a:pPr>
+            <a:r>
+              <a:rPr lang="en-AU" sz="1100" dirty="0"/>
+              <a:t> </a:t>
+            </a:r>
+            <a:r>
+              <a:rPr lang="en-AU" sz="1100" dirty="0" err="1"/>
+              <a:t>const</a:t>
+            </a:r>
+            <a:r>
+              <a:rPr lang="en-AU" sz="1100" dirty="0"/>
+              <a:t> </a:t>
+            </a:r>
+            <a:r>
+              <a:rPr lang="en-AU" sz="1100" dirty="0" err="1"/>
+              <a:t>concatName</a:t>
+            </a:r>
+            <a:r>
+              <a:rPr lang="en-AU" sz="1100" dirty="0"/>
+              <a:t>=`dyna_`+</a:t>
+            </a:r>
+            <a:r>
+              <a:rPr lang="en-AU" sz="1100" dirty="0" err="1"/>
+              <a:t>selectedFeatureBranches.reduce</a:t>
+            </a:r>
+            <a:r>
+              <a:rPr lang="en-AU" sz="1100" dirty="0"/>
+              <a:t>(</a:t>
+            </a:r>
+          </a:p>
+          <a:p>
+            <a:pPr marL="0" indent="0">
+              <a:buNone/>
+            </a:pPr>
+            <a:r>
+              <a:rPr lang="en-AU" sz="1100" dirty="0"/>
+              <a:t>        (total, branch)=&gt;total+`_`+branch.name</a:t>
+            </a:r>
+          </a:p>
+          <a:p>
+            <a:pPr marL="0" indent="0">
+              <a:buNone/>
+            </a:pPr>
+            <a:r>
+              <a:rPr lang="en-AU" sz="1100" dirty="0"/>
+              <a:t>       ,``);</a:t>
+            </a:r>
+          </a:p>
+          <a:p>
+            <a:pPr marL="0" indent="0">
+              <a:buNone/>
+            </a:pPr>
+            <a:r>
+              <a:rPr lang="en-AU" sz="1100" dirty="0"/>
+              <a:t>        // GET /repos/:owner/:repo/branches/:branch</a:t>
+            </a:r>
+          </a:p>
+          <a:p>
+            <a:pPr marL="0" indent="0">
+              <a:buNone/>
+            </a:pPr>
+            <a:r>
+              <a:rPr lang="en-AU" sz="1100" dirty="0"/>
+              <a:t>        if (exist(</a:t>
+            </a:r>
+            <a:r>
+              <a:rPr lang="en-AU" sz="1100" dirty="0" err="1"/>
+              <a:t>concatName</a:t>
+            </a:r>
+            <a:r>
+              <a:rPr lang="en-AU" sz="1100" dirty="0"/>
+              <a:t>)){</a:t>
+            </a:r>
+          </a:p>
+          <a:p>
+            <a:pPr marL="0" indent="0">
+              <a:buNone/>
+            </a:pPr>
+            <a:r>
+              <a:rPr lang="en-AU" sz="1100" dirty="0"/>
+              <a:t>            // DELETE /repos/:owner/:repo/git/refs/:ref</a:t>
+            </a:r>
+          </a:p>
+          <a:p>
+            <a:pPr marL="0" indent="0">
+              <a:buNone/>
+            </a:pPr>
+            <a:r>
+              <a:rPr lang="en-AU" sz="1100" dirty="0"/>
+              <a:t>            delete the branch;</a:t>
+            </a:r>
+          </a:p>
+          <a:p>
+            <a:pPr marL="0" indent="0">
+              <a:buNone/>
+            </a:pPr>
+            <a:r>
+              <a:rPr lang="en-AU" sz="1100" dirty="0"/>
+              <a:t>        }</a:t>
+            </a:r>
+          </a:p>
+          <a:p>
+            <a:pPr marL="0" indent="0">
+              <a:buNone/>
+            </a:pPr>
+            <a:r>
+              <a:rPr lang="en-AU" sz="1100" dirty="0"/>
+              <a:t>        // POST /repos/:owner/:repo/git/refs</a:t>
+            </a:r>
+          </a:p>
+          <a:p>
+            <a:pPr marL="0" indent="0">
+              <a:buNone/>
+            </a:pPr>
+            <a:r>
+              <a:rPr lang="en-AU" sz="1100" dirty="0"/>
+              <a:t>        create the branch from master;</a:t>
+            </a:r>
+          </a:p>
+          <a:p>
+            <a:pPr marL="0" indent="0">
+              <a:buNone/>
+            </a:pPr>
+            <a:r>
+              <a:rPr lang="en-AU" sz="1100" dirty="0" err="1"/>
+              <a:t>selectedFeatureBranches.forEach</a:t>
+            </a:r>
+            <a:r>
+              <a:rPr lang="en-AU" sz="1100" dirty="0"/>
+              <a:t>(</a:t>
+            </a:r>
+          </a:p>
+          <a:p>
+            <a:pPr marL="0" indent="0">
+              <a:buNone/>
+            </a:pPr>
+            <a:r>
+              <a:rPr lang="en-AU" sz="1100" dirty="0"/>
+              <a:t>// merging: </a:t>
+            </a:r>
+            <a:r>
+              <a:rPr lang="en-AU" sz="1100" dirty="0">
+                <a:hlinkClick r:id="rId2"/>
+              </a:rPr>
+              <a:t>https://developer.github.com/v3/repos/merging/</a:t>
+            </a:r>
+            <a:endParaRPr lang="en-AU" sz="1100" dirty="0"/>
+          </a:p>
+          <a:p>
+            <a:pPr marL="457200" lvl="1" indent="0">
+              <a:buNone/>
+            </a:pPr>
+            <a:r>
+              <a:rPr lang="en-AU" sz="1100" dirty="0"/>
+              <a:t>Call </a:t>
+            </a:r>
+            <a:r>
+              <a:rPr lang="en-AU" sz="1100" dirty="0" err="1"/>
+              <a:t>github</a:t>
+            </a:r>
+            <a:r>
+              <a:rPr lang="en-AU" sz="1100" dirty="0"/>
+              <a:t> to merge the </a:t>
+            </a:r>
+            <a:r>
+              <a:rPr lang="en-AU" sz="1100" dirty="0" err="1"/>
+              <a:t>selectedFeatureBranche</a:t>
+            </a:r>
+            <a:r>
+              <a:rPr lang="en-AU" sz="1100" dirty="0"/>
+              <a:t> into </a:t>
+            </a:r>
+            <a:r>
+              <a:rPr lang="en-AU" sz="1100" dirty="0" err="1"/>
+              <a:t>concatName</a:t>
+            </a:r>
+            <a:r>
+              <a:rPr lang="en-AU" sz="1100" dirty="0"/>
+              <a:t> branch</a:t>
+            </a:r>
+          </a:p>
+          <a:p>
+            <a:pPr marL="457200" lvl="1" indent="0">
+              <a:buNone/>
+            </a:pPr>
+            <a:r>
+              <a:rPr lang="en-AU" sz="1100" dirty="0"/>
+              <a:t>If (conflict) then {</a:t>
+            </a:r>
+          </a:p>
+          <a:p>
+            <a:pPr marL="457200" lvl="1" indent="0">
+              <a:buNone/>
+            </a:pPr>
+            <a:r>
+              <a:rPr lang="en-AU" sz="1100" dirty="0"/>
+              <a:t>// Update a Reference: </a:t>
+            </a:r>
+            <a:r>
+              <a:rPr lang="en-AU" sz="1100" dirty="0">
+                <a:hlinkClick r:id="rId3"/>
+              </a:rPr>
+              <a:t>https://developer.github.com/v3/git/refs/</a:t>
+            </a:r>
+            <a:endParaRPr lang="en-AU" sz="1100" dirty="0"/>
+          </a:p>
+          <a:p>
+            <a:pPr marL="457200" lvl="1" indent="0">
+              <a:buNone/>
+            </a:pPr>
+            <a:r>
+              <a:rPr lang="en-AU" sz="1100" dirty="0"/>
+              <a:t>    call </a:t>
+            </a:r>
+            <a:r>
+              <a:rPr lang="en-AU" sz="1100" dirty="0" err="1"/>
+              <a:t>github</a:t>
+            </a:r>
+            <a:r>
+              <a:rPr lang="en-AU" sz="1100" dirty="0"/>
+              <a:t> to rollback the merge </a:t>
+            </a:r>
+          </a:p>
+          <a:p>
+            <a:pPr marL="457200" lvl="1" indent="0">
+              <a:buNone/>
+            </a:pPr>
+            <a:r>
+              <a:rPr lang="en-AU" sz="1100" dirty="0"/>
+              <a:t>    return;</a:t>
+            </a:r>
+          </a:p>
+          <a:p>
+            <a:pPr marL="457200" lvl="1" indent="0">
+              <a:buNone/>
+            </a:pPr>
+            <a:r>
+              <a:rPr lang="en-AU" sz="1100" dirty="0"/>
+              <a:t>}</a:t>
+            </a:r>
+          </a:p>
+          <a:p>
+            <a:pPr marL="0" indent="0">
+              <a:buNone/>
+            </a:pPr>
+            <a:r>
+              <a:rPr lang="en-AU" sz="1100" dirty="0"/>
+              <a:t>)</a:t>
+            </a:r>
+          </a:p>
+          <a:p>
+            <a:pPr marL="0" indent="0">
+              <a:buNone/>
+            </a:pPr>
+            <a:r>
+              <a:rPr lang="en-AU" sz="1100" dirty="0"/>
+              <a:t>Run build// got a </a:t>
+            </a:r>
+            <a:r>
+              <a:rPr lang="en-AU" sz="1100" dirty="0" err="1"/>
+              <a:t>artifact</a:t>
+            </a:r>
+            <a:r>
+              <a:rPr lang="en-AU" sz="1100" dirty="0"/>
+              <a:t> with name like dyna_feature1_feature2</a:t>
+            </a:r>
+          </a:p>
+          <a:p>
+            <a:pPr marL="0" indent="0">
+              <a:buNone/>
+            </a:pPr>
+            <a:r>
+              <a:rPr lang="en-AU" sz="1100" dirty="0"/>
+              <a:t>}</a:t>
+            </a:r>
+          </a:p>
+          <a:p>
+            <a:pPr marL="0" indent="0">
+              <a:buNone/>
+            </a:pPr>
+            <a:r>
+              <a:rPr lang="en-AU" sz="1100" dirty="0"/>
+              <a:t>)</a:t>
+            </a:r>
+          </a:p>
+          <a:p>
+            <a:pPr marL="0" indent="0">
+              <a:buNone/>
+            </a:pPr>
+            <a:endParaRPr lang="en-AU" sz="1100" dirty="0"/>
+          </a:p>
+          <a:p>
+            <a:pPr marL="0" indent="0">
+              <a:buNone/>
+            </a:pPr>
+            <a:endParaRPr lang="en-AU" sz="1100" dirty="0"/>
+          </a:p>
+        </p:txBody>
+      </p:sp>
+      <p:sp>
+        <p:nvSpPr>
+          <p:cNvPr id="7" name="TextBox 6">
+            <a:extLst>
+              <a:ext uri="{FF2B5EF4-FFF2-40B4-BE49-F238E27FC236}">
+                <a16:creationId xmlns:a16="http://schemas.microsoft.com/office/drawing/2014/main" id="{AAED3613-F3B3-469B-8611-F832AC9EC84C}"/>
+              </a:ext>
+            </a:extLst>
+          </p:cNvPr>
+          <p:cNvSpPr txBox="1"/>
+          <p:nvPr/>
+        </p:nvSpPr>
+        <p:spPr>
+          <a:xfrm>
+            <a:off x="6376800" y="237600"/>
+            <a:ext cx="4207200" cy="1200329"/>
+          </a:xfrm>
+          <a:prstGeom prst="rect">
+            <a:avLst/>
+          </a:prstGeom>
+          <a:noFill/>
+        </p:spPr>
+        <p:txBody>
+          <a:bodyPr wrap="square" rtlCol="0">
+            <a:spAutoFit/>
+          </a:bodyPr>
+          <a:lstStyle/>
+          <a:p>
+            <a:r>
+              <a:rPr lang="en-AU" dirty="0" err="1"/>
+              <a:t>Github</a:t>
+            </a:r>
+            <a:r>
+              <a:rPr lang="en-AU" dirty="0"/>
+              <a:t> </a:t>
+            </a:r>
+            <a:r>
+              <a:rPr lang="en-AU" dirty="0" err="1"/>
+              <a:t>api</a:t>
+            </a:r>
+            <a:endParaRPr lang="en-AU" dirty="0"/>
+          </a:p>
+          <a:p>
+            <a:r>
+              <a:rPr lang="en-AU" dirty="0"/>
+              <a:t>Bamboo </a:t>
+            </a:r>
+            <a:r>
+              <a:rPr lang="en-AU" dirty="0" err="1"/>
+              <a:t>api</a:t>
+            </a:r>
+            <a:endParaRPr lang="en-AU" dirty="0"/>
+          </a:p>
+          <a:p>
+            <a:r>
+              <a:rPr lang="en-AU" dirty="0"/>
+              <a:t>Octopus </a:t>
+            </a:r>
+            <a:r>
+              <a:rPr lang="en-AU" dirty="0" err="1"/>
+              <a:t>api</a:t>
+            </a:r>
+            <a:endParaRPr lang="en-AU" dirty="0"/>
+          </a:p>
+          <a:p>
+            <a:r>
+              <a:rPr lang="en-AU" dirty="0"/>
+              <a:t>Azure </a:t>
+            </a:r>
+            <a:r>
+              <a:rPr lang="en-AU" dirty="0" err="1"/>
+              <a:t>api</a:t>
+            </a:r>
+            <a:endParaRPr lang="en-AU" dirty="0"/>
+          </a:p>
+        </p:txBody>
+      </p:sp>
+    </p:spTree>
+    <p:extLst>
+      <p:ext uri="{BB962C8B-B14F-4D97-AF65-F5344CB8AC3E}">
+        <p14:creationId xmlns:p14="http://schemas.microsoft.com/office/powerpoint/2010/main" val="2380412752"/>
+      </p:ext>
+    </p:extLst>
+  </p:cSld>
+  <p:clrMapOvr>
+    <a:masterClrMapping/>
+  </p:clrMapOvr>
+</p:sld>
+</file>
+
+<file path=ppt/slides/slide17.xml><?xml version="1.0" encoding="utf-8"?>
+<p:sld xmlns:a="http://schemas.openxmlformats.org/drawingml/2006/main" xmlns:r="http://schemas.openxmlformats.org/officeDocument/2006/relationships" xmlns:p="http://schemas.openxmlformats.org/presentationml/2006/main">
+  <p:cSld>
+    <p:spTree>
+      <p:nvGrpSpPr>
+        <p:cNvPr id="1" name=""/>
+        <p:cNvGrpSpPr/>
+        <p:nvPr/>
+      </p:nvGrpSpPr>
+      <p:grpSpPr>
+        <a:xfrm>
+          <a:off x="0" y="0"/>
+          <a:ext cx="0" cy="0"/>
+          <a:chOff x="0" y="0"/>
+          <a:chExt cx="0" cy="0"/>
+        </a:xfrm>
+      </p:grpSpPr>
+      <p:sp>
+        <p:nvSpPr>
+          <p:cNvPr id="4" name="Title 1">
+            <a:extLst>
+              <a:ext uri="{FF2B5EF4-FFF2-40B4-BE49-F238E27FC236}">
+                <a16:creationId xmlns:a16="http://schemas.microsoft.com/office/drawing/2014/main" id="{78D141BE-904B-41D6-A1F5-70EACB375A02}"/>
+              </a:ext>
+            </a:extLst>
+          </p:cNvPr>
+          <p:cNvSpPr>
+            <a:spLocks noGrp="1"/>
+          </p:cNvSpPr>
+          <p:nvPr>
+            <p:ph type="title"/>
+          </p:nvPr>
+        </p:nvSpPr>
+        <p:spPr>
+          <a:xfrm>
+            <a:off x="819000" y="2292325"/>
+            <a:ext cx="10515600" cy="1325563"/>
+          </a:xfrm>
+        </p:spPr>
+        <p:txBody>
+          <a:bodyPr/>
+          <a:lstStyle/>
+          <a:p>
+            <a:pPr algn="ctr"/>
+            <a:r>
+              <a:rPr lang="en-AU" dirty="0"/>
+              <a:t>Part3: runtime</a:t>
+            </a:r>
+          </a:p>
+        </p:txBody>
+      </p:sp>
+    </p:spTree>
+    <p:extLst>
+      <p:ext uri="{BB962C8B-B14F-4D97-AF65-F5344CB8AC3E}">
+        <p14:creationId xmlns:p14="http://schemas.microsoft.com/office/powerpoint/2010/main" val="209780505"/>
+      </p:ext>
+    </p:extLst>
+  </p:cSld>
+  <p:clrMapOvr>
+    <a:masterClrMapping/>
+  </p:clrMapOvr>
+</p:sld>
+</file>
+
+<file path=ppt/slides/slide18.xml><?xml version="1.0" encoding="utf-8"?>
+<p:sld xmlns:a="http://schemas.openxmlformats.org/drawingml/2006/main" xmlns:r="http://schemas.openxmlformats.org/officeDocument/2006/relationships" xmlns:p="http://schemas.openxmlformats.org/presentationml/2006/main">
+  <p:cSld>
+    <p:spTree>
+      <p:nvGrpSpPr>
+        <p:cNvPr id="1" name=""/>
+        <p:cNvGrpSpPr/>
+        <p:nvPr/>
+      </p:nvGrpSpPr>
+      <p:grpSpPr>
+        <a:xfrm>
+          <a:off x="0" y="0"/>
+          <a:ext cx="0" cy="0"/>
+          <a:chOff x="0" y="0"/>
+          <a:chExt cx="0" cy="0"/>
+        </a:xfrm>
+      </p:grpSpPr>
+      <p:sp>
+        <p:nvSpPr>
+          <p:cNvPr id="2" name="Title 1">
+            <a:extLst>
+              <a:ext uri="{FF2B5EF4-FFF2-40B4-BE49-F238E27FC236}">
+                <a16:creationId xmlns:a16="http://schemas.microsoft.com/office/drawing/2014/main" id="{CDFF9C88-CA8A-4EDD-A2FD-2CBB1560A2AC}"/>
+              </a:ext>
+            </a:extLst>
+          </p:cNvPr>
+          <p:cNvSpPr>
+            <a:spLocks noGrp="1"/>
+          </p:cNvSpPr>
+          <p:nvPr>
+            <p:ph type="title"/>
+          </p:nvPr>
+        </p:nvSpPr>
+        <p:spPr/>
+        <p:txBody>
+          <a:bodyPr/>
+          <a:lstStyle/>
+          <a:p>
+            <a:r>
+              <a:rPr lang="en-AU" dirty="0"/>
+              <a:t>Option 1 multi-instances</a:t>
+            </a:r>
+            <a:br>
+              <a:rPr lang="en-AU" dirty="0"/>
+            </a:br>
+            <a:r>
+              <a:rPr lang="en-AU" dirty="0"/>
+              <a:t>(not bad, but not ideal)</a:t>
+            </a:r>
+          </a:p>
+        </p:txBody>
+      </p:sp>
+      <p:sp>
+        <p:nvSpPr>
+          <p:cNvPr id="3" name="Content Placeholder 2">
+            <a:extLst>
+              <a:ext uri="{FF2B5EF4-FFF2-40B4-BE49-F238E27FC236}">
+                <a16:creationId xmlns:a16="http://schemas.microsoft.com/office/drawing/2014/main" id="{A360B579-2AEB-4554-875C-E618D99B5A9A}"/>
+              </a:ext>
+            </a:extLst>
+          </p:cNvPr>
+          <p:cNvSpPr>
+            <a:spLocks noGrp="1"/>
+          </p:cNvSpPr>
+          <p:nvPr>
+            <p:ph idx="1"/>
+          </p:nvPr>
+        </p:nvSpPr>
+        <p:spPr>
+          <a:xfrm>
+            <a:off x="838200" y="1825625"/>
+            <a:ext cx="10515600" cy="607975"/>
+          </a:xfrm>
+        </p:spPr>
+        <p:txBody>
+          <a:bodyPr/>
+          <a:lstStyle/>
+          <a:p>
+            <a:pPr marL="0" indent="0">
+              <a:buNone/>
+            </a:pPr>
+            <a:r>
+              <a:rPr lang="en-AU" dirty="0"/>
+              <a:t>we get 3 </a:t>
+            </a:r>
+            <a:r>
+              <a:rPr lang="en-AU" dirty="0" err="1"/>
+              <a:t>artifacts</a:t>
+            </a:r>
+            <a:r>
+              <a:rPr lang="en-AU" dirty="0"/>
+              <a:t>: dyna, dyna_feature1, dyna_ feature1_feature2</a:t>
+            </a:r>
+          </a:p>
+          <a:p>
+            <a:endParaRPr lang="en-AU" dirty="0"/>
+          </a:p>
+        </p:txBody>
+      </p:sp>
+      <p:sp>
+        <p:nvSpPr>
+          <p:cNvPr id="4" name="Rectangle: Rounded Corners 3">
+            <a:extLst>
+              <a:ext uri="{FF2B5EF4-FFF2-40B4-BE49-F238E27FC236}">
+                <a16:creationId xmlns:a16="http://schemas.microsoft.com/office/drawing/2014/main" id="{22F580C1-A0CE-4DE1-9125-45C894E8919B}"/>
+              </a:ext>
+            </a:extLst>
+          </p:cNvPr>
+          <p:cNvSpPr/>
+          <p:nvPr/>
+        </p:nvSpPr>
+        <p:spPr>
+          <a:xfrm>
+            <a:off x="1104000" y="3345600"/>
+            <a:ext cx="1392000" cy="1003200"/>
+          </a:xfrm>
+          <a:prstGeom prst="roundRect">
+            <a:avLst/>
+          </a:prstGeom>
+        </p:spPr>
+        <p:style>
+          <a:lnRef idx="2">
+            <a:schemeClr val="accent1">
+              <a:shade val="50000"/>
+            </a:schemeClr>
+          </a:lnRef>
+          <a:fillRef idx="1">
+            <a:schemeClr val="accent1"/>
+          </a:fillRef>
+          <a:effectRef idx="0">
+            <a:schemeClr val="accent1"/>
+          </a:effectRef>
+          <a:fontRef idx="minor">
+            <a:schemeClr val="lt1"/>
+          </a:fontRef>
+        </p:style>
+        <p:txBody>
+          <a:bodyPr rtlCol="0" anchor="ctr"/>
+          <a:lstStyle/>
+          <a:p>
+            <a:pPr algn="ctr"/>
+            <a:r>
+              <a:rPr lang="en-AU" dirty="0"/>
+              <a:t>dyna</a:t>
+            </a:r>
+          </a:p>
+        </p:txBody>
+      </p:sp>
+      <p:sp>
+        <p:nvSpPr>
+          <p:cNvPr id="5" name="Rectangle: Rounded Corners 4">
+            <a:extLst>
+              <a:ext uri="{FF2B5EF4-FFF2-40B4-BE49-F238E27FC236}">
+                <a16:creationId xmlns:a16="http://schemas.microsoft.com/office/drawing/2014/main" id="{BAB322B6-52C3-4BEF-AE12-CEFE4AF1737D}"/>
+              </a:ext>
+            </a:extLst>
+          </p:cNvPr>
+          <p:cNvSpPr/>
+          <p:nvPr/>
+        </p:nvSpPr>
+        <p:spPr>
+          <a:xfrm>
+            <a:off x="8208000" y="3374400"/>
+            <a:ext cx="3096000" cy="974400"/>
+          </a:xfrm>
+          <a:prstGeom prst="roundRect">
+            <a:avLst/>
+          </a:prstGeom>
+        </p:spPr>
+        <p:style>
+          <a:lnRef idx="2">
+            <a:schemeClr val="accent1">
+              <a:shade val="50000"/>
+            </a:schemeClr>
+          </a:lnRef>
+          <a:fillRef idx="1">
+            <a:schemeClr val="accent1"/>
+          </a:fillRef>
+          <a:effectRef idx="0">
+            <a:schemeClr val="accent1"/>
+          </a:effectRef>
+          <a:fontRef idx="minor">
+            <a:schemeClr val="lt1"/>
+          </a:fontRef>
+        </p:style>
+        <p:txBody>
+          <a:bodyPr rtlCol="0" anchor="ctr"/>
+          <a:lstStyle/>
+          <a:p>
+            <a:pPr algn="ctr"/>
+            <a:r>
+              <a:rPr lang="en-AU" dirty="0"/>
+              <a:t>dyna_ feature1_feature2</a:t>
+            </a:r>
+          </a:p>
+        </p:txBody>
+      </p:sp>
+      <p:sp>
+        <p:nvSpPr>
+          <p:cNvPr id="6" name="Rectangle: Rounded Corners 5">
+            <a:extLst>
+              <a:ext uri="{FF2B5EF4-FFF2-40B4-BE49-F238E27FC236}">
+                <a16:creationId xmlns:a16="http://schemas.microsoft.com/office/drawing/2014/main" id="{6E1CAEE1-F7D0-4692-87EE-C81F99C972C6}"/>
+              </a:ext>
+            </a:extLst>
+          </p:cNvPr>
+          <p:cNvSpPr/>
+          <p:nvPr/>
+        </p:nvSpPr>
+        <p:spPr>
+          <a:xfrm>
+            <a:off x="4713600" y="3400800"/>
+            <a:ext cx="1843200" cy="948000"/>
+          </a:xfrm>
+          <a:prstGeom prst="roundRect">
+            <a:avLst/>
+          </a:prstGeom>
+        </p:spPr>
+        <p:style>
+          <a:lnRef idx="2">
+            <a:schemeClr val="accent1">
+              <a:shade val="50000"/>
+            </a:schemeClr>
+          </a:lnRef>
+          <a:fillRef idx="1">
+            <a:schemeClr val="accent1"/>
+          </a:fillRef>
+          <a:effectRef idx="0">
+            <a:schemeClr val="accent1"/>
+          </a:effectRef>
+          <a:fontRef idx="minor">
+            <a:schemeClr val="lt1"/>
+          </a:fontRef>
+        </p:style>
+        <p:txBody>
+          <a:bodyPr rtlCol="0" anchor="ctr"/>
+          <a:lstStyle/>
+          <a:p>
+            <a:pPr algn="ctr"/>
+            <a:r>
+              <a:rPr lang="en-AU" dirty="0"/>
+              <a:t>dyna_feature1</a:t>
+            </a:r>
+          </a:p>
+        </p:txBody>
+      </p:sp>
+      <p:sp>
+        <p:nvSpPr>
+          <p:cNvPr id="7" name="Rectangle: Rounded Corners 6">
+            <a:extLst>
+              <a:ext uri="{FF2B5EF4-FFF2-40B4-BE49-F238E27FC236}">
+                <a16:creationId xmlns:a16="http://schemas.microsoft.com/office/drawing/2014/main" id="{2B2DADE3-74F8-4DD2-850B-2DAB16F42835}"/>
+              </a:ext>
+            </a:extLst>
+          </p:cNvPr>
+          <p:cNvSpPr/>
+          <p:nvPr/>
+        </p:nvSpPr>
+        <p:spPr>
+          <a:xfrm>
+            <a:off x="4712400" y="4933200"/>
+            <a:ext cx="1843200" cy="1668000"/>
+          </a:xfrm>
+          <a:prstGeom prst="roundRect">
+            <a:avLst/>
+          </a:prstGeom>
+        </p:spPr>
+        <p:style>
+          <a:lnRef idx="2">
+            <a:schemeClr val="accent1">
+              <a:shade val="50000"/>
+            </a:schemeClr>
+          </a:lnRef>
+          <a:fillRef idx="1">
+            <a:schemeClr val="accent1"/>
+          </a:fillRef>
+          <a:effectRef idx="0">
+            <a:schemeClr val="accent1"/>
+          </a:effectRef>
+          <a:fontRef idx="minor">
+            <a:schemeClr val="lt1"/>
+          </a:fontRef>
+        </p:style>
+        <p:txBody>
+          <a:bodyPr rtlCol="0" anchor="ctr"/>
+          <a:lstStyle/>
+          <a:p>
+            <a:pPr algn="ctr"/>
+            <a:r>
+              <a:rPr lang="en-AU" dirty="0"/>
+              <a:t>Load balancer?</a:t>
+            </a:r>
+          </a:p>
+        </p:txBody>
+      </p:sp>
+      <p:cxnSp>
+        <p:nvCxnSpPr>
+          <p:cNvPr id="9" name="Straight Arrow Connector 8">
+            <a:extLst>
+              <a:ext uri="{FF2B5EF4-FFF2-40B4-BE49-F238E27FC236}">
+                <a16:creationId xmlns:a16="http://schemas.microsoft.com/office/drawing/2014/main" id="{29342EDE-10B4-4566-A05F-EE67D11DFC15}"/>
+              </a:ext>
+            </a:extLst>
+          </p:cNvPr>
+          <p:cNvCxnSpPr>
+            <a:cxnSpLocks/>
+            <a:stCxn id="7" idx="1"/>
+            <a:endCxn id="4" idx="2"/>
+          </p:cNvCxnSpPr>
+          <p:nvPr/>
+        </p:nvCxnSpPr>
+        <p:spPr>
+          <a:xfrm flipH="1" flipV="1">
+            <a:off x="1800000" y="4348800"/>
+            <a:ext cx="2912400" cy="1418400"/>
+          </a:xfrm>
+          <a:prstGeom prst="straightConnector1">
+            <a:avLst/>
+          </a:prstGeom>
+          <a:ln>
+            <a:tailEnd type="triangle"/>
+          </a:ln>
+        </p:spPr>
+        <p:style>
+          <a:lnRef idx="1">
+            <a:schemeClr val="accent1"/>
+          </a:lnRef>
+          <a:fillRef idx="0">
+            <a:schemeClr val="accent1"/>
+          </a:fillRef>
+          <a:effectRef idx="0">
+            <a:schemeClr val="accent1"/>
+          </a:effectRef>
+          <a:fontRef idx="minor">
+            <a:schemeClr val="tx1"/>
+          </a:fontRef>
+        </p:style>
+      </p:cxnSp>
+      <p:cxnSp>
+        <p:nvCxnSpPr>
+          <p:cNvPr id="10" name="Straight Arrow Connector 9">
+            <a:extLst>
+              <a:ext uri="{FF2B5EF4-FFF2-40B4-BE49-F238E27FC236}">
+                <a16:creationId xmlns:a16="http://schemas.microsoft.com/office/drawing/2014/main" id="{4DBDDFB9-BB6B-4DC0-8721-90D2A2E86008}"/>
+              </a:ext>
+            </a:extLst>
+          </p:cNvPr>
+          <p:cNvCxnSpPr>
+            <a:cxnSpLocks/>
+            <a:stCxn id="7" idx="0"/>
+            <a:endCxn id="6" idx="2"/>
+          </p:cNvCxnSpPr>
+          <p:nvPr/>
+        </p:nvCxnSpPr>
+        <p:spPr>
+          <a:xfrm flipV="1">
+            <a:off x="5634000" y="4348800"/>
+            <a:ext cx="1200" cy="584400"/>
+          </a:xfrm>
+          <a:prstGeom prst="straightConnector1">
+            <a:avLst/>
+          </a:prstGeom>
+          <a:ln>
+            <a:tailEnd type="triangle"/>
+          </a:ln>
+        </p:spPr>
+        <p:style>
+          <a:lnRef idx="1">
+            <a:schemeClr val="accent1"/>
+          </a:lnRef>
+          <a:fillRef idx="0">
+            <a:schemeClr val="accent1"/>
+          </a:fillRef>
+          <a:effectRef idx="0">
+            <a:schemeClr val="accent1"/>
+          </a:effectRef>
+          <a:fontRef idx="minor">
+            <a:schemeClr val="tx1"/>
+          </a:fontRef>
+        </p:style>
+      </p:cxnSp>
+      <p:cxnSp>
+        <p:nvCxnSpPr>
+          <p:cNvPr id="13" name="Straight Arrow Connector 12">
+            <a:extLst>
+              <a:ext uri="{FF2B5EF4-FFF2-40B4-BE49-F238E27FC236}">
+                <a16:creationId xmlns:a16="http://schemas.microsoft.com/office/drawing/2014/main" id="{F7807ED4-61EC-4614-8D90-574B7B83C6E1}"/>
+              </a:ext>
+            </a:extLst>
+          </p:cNvPr>
+          <p:cNvCxnSpPr>
+            <a:cxnSpLocks/>
+            <a:stCxn id="7" idx="3"/>
+            <a:endCxn id="5" idx="2"/>
+          </p:cNvCxnSpPr>
+          <p:nvPr/>
+        </p:nvCxnSpPr>
+        <p:spPr>
+          <a:xfrm flipV="1">
+            <a:off x="6555600" y="4348800"/>
+            <a:ext cx="3200400" cy="1418400"/>
+          </a:xfrm>
+          <a:prstGeom prst="straightConnector1">
+            <a:avLst/>
+          </a:prstGeom>
+          <a:ln>
+            <a:tailEnd type="triangle"/>
+          </a:ln>
+        </p:spPr>
+        <p:style>
+          <a:lnRef idx="1">
+            <a:schemeClr val="accent1"/>
+          </a:lnRef>
+          <a:fillRef idx="0">
+            <a:schemeClr val="accent1"/>
+          </a:fillRef>
+          <a:effectRef idx="0">
+            <a:schemeClr val="accent1"/>
+          </a:effectRef>
+          <a:fontRef idx="minor">
+            <a:schemeClr val="tx1"/>
+          </a:fontRef>
+        </p:style>
+      </p:cxnSp>
+      <p:sp>
+        <p:nvSpPr>
+          <p:cNvPr id="16" name="TextBox 15">
+            <a:extLst>
+              <a:ext uri="{FF2B5EF4-FFF2-40B4-BE49-F238E27FC236}">
+                <a16:creationId xmlns:a16="http://schemas.microsoft.com/office/drawing/2014/main" id="{781B57AE-A8AF-4C28-B9C0-EBF4AF0EE7FC}"/>
+              </a:ext>
+            </a:extLst>
+          </p:cNvPr>
+          <p:cNvSpPr txBox="1"/>
+          <p:nvPr/>
+        </p:nvSpPr>
+        <p:spPr>
+          <a:xfrm>
+            <a:off x="4672800" y="2576035"/>
+            <a:ext cx="1855200" cy="369332"/>
+          </a:xfrm>
+          <a:prstGeom prst="rect">
+            <a:avLst/>
+          </a:prstGeom>
+          <a:noFill/>
+        </p:spPr>
+        <p:txBody>
+          <a:bodyPr wrap="square" rtlCol="0">
+            <a:spAutoFit/>
+          </a:bodyPr>
+          <a:lstStyle/>
+          <a:p>
+            <a:r>
+              <a:rPr lang="en-AU" dirty="0"/>
+              <a:t>Azure instances</a:t>
+            </a:r>
+          </a:p>
+        </p:txBody>
+      </p:sp>
+    </p:spTree>
+    <p:extLst>
+      <p:ext uri="{BB962C8B-B14F-4D97-AF65-F5344CB8AC3E}">
+        <p14:creationId xmlns:p14="http://schemas.microsoft.com/office/powerpoint/2010/main" val="2404233937"/>
+      </p:ext>
+    </p:extLst>
+  </p:cSld>
+  <p:clrMapOvr>
+    <a:masterClrMapping/>
+  </p:clrMapOvr>
+</p:sld>
+</file>
+
+<file path=ppt/slides/slide19.xml><?xml version="1.0" encoding="utf-8"?>
+<p:sld xmlns:a="http://schemas.openxmlformats.org/drawingml/2006/main" xmlns:r="http://schemas.openxmlformats.org/officeDocument/2006/relationships" xmlns:p="http://schemas.openxmlformats.org/presentationml/2006/main">
+  <p:cSld>
+    <p:spTree>
+      <p:nvGrpSpPr>
+        <p:cNvPr id="1" name=""/>
+        <p:cNvGrpSpPr/>
+        <p:nvPr/>
+      </p:nvGrpSpPr>
+      <p:grpSpPr>
+        <a:xfrm>
+          <a:off x="0" y="0"/>
+          <a:ext cx="0" cy="0"/>
+          <a:chOff x="0" y="0"/>
+          <a:chExt cx="0" cy="0"/>
+        </a:xfrm>
+      </p:grpSpPr>
+      <p:sp>
+        <p:nvSpPr>
+          <p:cNvPr id="2" name="Title 1">
+            <a:extLst>
+              <a:ext uri="{FF2B5EF4-FFF2-40B4-BE49-F238E27FC236}">
+                <a16:creationId xmlns:a16="http://schemas.microsoft.com/office/drawing/2014/main" id="{6580116B-469C-4A92-B2C2-9BDE67496583}"/>
+              </a:ext>
+            </a:extLst>
+          </p:cNvPr>
+          <p:cNvSpPr>
+            <a:spLocks noGrp="1"/>
+          </p:cNvSpPr>
+          <p:nvPr>
+            <p:ph type="title"/>
+          </p:nvPr>
+        </p:nvSpPr>
+        <p:spPr/>
+        <p:txBody>
+          <a:bodyPr>
+            <a:normAutofit fontScale="90000"/>
+          </a:bodyPr>
+          <a:lstStyle/>
+          <a:p>
+            <a:r>
+              <a:rPr lang="en-AU" dirty="0"/>
+              <a:t>Option2: Dynamic import ( TC39 stage 3)</a:t>
+            </a:r>
+            <a:br>
+              <a:rPr lang="en-AU" dirty="0"/>
+            </a:br>
+            <a:r>
+              <a:rPr lang="en-AU" sz="2000" dirty="0">
+                <a:hlinkClick r:id="rId2"/>
+              </a:rPr>
+              <a:t>https://developers.google.com/web/updates/2017/11/dynamic-import</a:t>
+            </a:r>
+            <a:br>
+              <a:rPr lang="en-AU" sz="2000" dirty="0"/>
+            </a:br>
+            <a:endParaRPr lang="en-AU" dirty="0"/>
+          </a:p>
+        </p:txBody>
+      </p:sp>
+      <p:sp>
+        <p:nvSpPr>
+          <p:cNvPr id="6" name="Content Placeholder 5">
+            <a:extLst>
+              <a:ext uri="{FF2B5EF4-FFF2-40B4-BE49-F238E27FC236}">
+                <a16:creationId xmlns:a16="http://schemas.microsoft.com/office/drawing/2014/main" id="{C7DFB363-8077-4763-B6EA-8873B846E7B3}"/>
+              </a:ext>
+            </a:extLst>
+          </p:cNvPr>
+          <p:cNvSpPr>
+            <a:spLocks noGrp="1"/>
+          </p:cNvSpPr>
+          <p:nvPr>
+            <p:ph idx="1"/>
+          </p:nvPr>
+        </p:nvSpPr>
+        <p:spPr>
+          <a:xfrm>
+            <a:off x="910200" y="1340825"/>
+            <a:ext cx="10515600" cy="564775"/>
+          </a:xfrm>
+        </p:spPr>
+        <p:txBody>
+          <a:bodyPr/>
+          <a:lstStyle/>
+          <a:p>
+            <a:pPr marL="0" indent="0">
+              <a:buNone/>
+            </a:pPr>
+            <a:r>
+              <a:rPr lang="en-AU" dirty="0"/>
+              <a:t>We get 3 folders in the same project/</a:t>
+            </a:r>
+            <a:r>
+              <a:rPr lang="en-AU" dirty="0" err="1"/>
+              <a:t>artifact</a:t>
+            </a:r>
+            <a:endParaRPr lang="en-AU" dirty="0"/>
+          </a:p>
+          <a:p>
+            <a:pPr marL="0" indent="0">
+              <a:buNone/>
+            </a:pPr>
+            <a:endParaRPr lang="en-AU" dirty="0"/>
+          </a:p>
+        </p:txBody>
+      </p:sp>
+      <p:pic>
+        <p:nvPicPr>
+          <p:cNvPr id="8" name="Picture 7">
+            <a:extLst>
+              <a:ext uri="{FF2B5EF4-FFF2-40B4-BE49-F238E27FC236}">
+                <a16:creationId xmlns:a16="http://schemas.microsoft.com/office/drawing/2014/main" id="{90B177CF-B5E3-4B8F-BD17-3C3EC96B4E7B}"/>
+              </a:ext>
+            </a:extLst>
+          </p:cNvPr>
+          <p:cNvPicPr>
+            <a:picLocks noChangeAspect="1"/>
+          </p:cNvPicPr>
+          <p:nvPr/>
+        </p:nvPicPr>
+        <p:blipFill>
+          <a:blip r:embed="rId3"/>
+          <a:stretch>
+            <a:fillRect/>
+          </a:stretch>
+        </p:blipFill>
+        <p:spPr>
+          <a:xfrm>
+            <a:off x="1026103" y="1962150"/>
+            <a:ext cx="4039466" cy="4331710"/>
+          </a:xfrm>
+          <a:prstGeom prst="rect">
+            <a:avLst/>
+          </a:prstGeom>
+        </p:spPr>
+      </p:pic>
+    </p:spTree>
+    <p:extLst>
+      <p:ext uri="{BB962C8B-B14F-4D97-AF65-F5344CB8AC3E}">
+        <p14:creationId xmlns:p14="http://schemas.microsoft.com/office/powerpoint/2010/main" val="618768341"/>
       </p:ext>
     </p:extLst>
   </p:cSld>
@@ -3771,6 +5476,279 @@
     <p:extLst>
       <p:ext uri="{BB962C8B-B14F-4D97-AF65-F5344CB8AC3E}">
         <p14:creationId xmlns:p14="http://schemas.microsoft.com/office/powerpoint/2010/main" val="1193451757"/>
+      </p:ext>
+    </p:extLst>
+  </p:cSld>
+  <p:clrMapOvr>
+    <a:masterClrMapping/>
+  </p:clrMapOvr>
+</p:sld>
+</file>
+
+<file path=ppt/slides/slide20.xml><?xml version="1.0" encoding="utf-8"?>
+<p:sld xmlns:a="http://schemas.openxmlformats.org/drawingml/2006/main" xmlns:r="http://schemas.openxmlformats.org/officeDocument/2006/relationships" xmlns:p="http://schemas.openxmlformats.org/presentationml/2006/main">
+  <p:cSld>
+    <p:spTree>
+      <p:nvGrpSpPr>
+        <p:cNvPr id="1" name=""/>
+        <p:cNvGrpSpPr/>
+        <p:nvPr/>
+      </p:nvGrpSpPr>
+      <p:grpSpPr>
+        <a:xfrm>
+          <a:off x="0" y="0"/>
+          <a:ext cx="0" cy="0"/>
+          <a:chOff x="0" y="0"/>
+          <a:chExt cx="0" cy="0"/>
+        </a:xfrm>
+      </p:grpSpPr>
+      <p:sp>
+        <p:nvSpPr>
+          <p:cNvPr id="2" name="Title 1">
+            <a:extLst>
+              <a:ext uri="{FF2B5EF4-FFF2-40B4-BE49-F238E27FC236}">
+                <a16:creationId xmlns:a16="http://schemas.microsoft.com/office/drawing/2014/main" id="{33F06CFE-7E28-48E4-9C8E-52EF37937809}"/>
+              </a:ext>
+            </a:extLst>
+          </p:cNvPr>
+          <p:cNvSpPr>
+            <a:spLocks noGrp="1"/>
+          </p:cNvSpPr>
+          <p:nvPr>
+            <p:ph type="title"/>
+          </p:nvPr>
+        </p:nvSpPr>
+        <p:spPr/>
+        <p:txBody>
+          <a:bodyPr/>
+          <a:lstStyle/>
+          <a:p>
+            <a:r>
+              <a:rPr lang="en-AU" dirty="0"/>
+              <a:t>Index.js</a:t>
+            </a:r>
+          </a:p>
+        </p:txBody>
+      </p:sp>
+      <p:sp>
+        <p:nvSpPr>
+          <p:cNvPr id="4" name="Content Placeholder 2">
+            <a:extLst>
+              <a:ext uri="{FF2B5EF4-FFF2-40B4-BE49-F238E27FC236}">
+                <a16:creationId xmlns:a16="http://schemas.microsoft.com/office/drawing/2014/main" id="{284737B6-E0BD-4584-81E7-2CD25B88C98D}"/>
+              </a:ext>
+            </a:extLst>
+          </p:cNvPr>
+          <p:cNvSpPr>
+            <a:spLocks noGrp="1"/>
+          </p:cNvSpPr>
+          <p:nvPr>
+            <p:ph idx="1"/>
+          </p:nvPr>
+        </p:nvSpPr>
+        <p:spPr>
+          <a:xfrm>
+            <a:off x="838200" y="1825625"/>
+            <a:ext cx="10515600" cy="4351338"/>
+          </a:xfrm>
+        </p:spPr>
+        <p:txBody>
+          <a:bodyPr/>
+          <a:lstStyle/>
+          <a:p>
+            <a:pPr marL="0" indent="0">
+              <a:buNone/>
+            </a:pPr>
+            <a:r>
+              <a:rPr lang="en-AU" dirty="0" err="1"/>
+              <a:t>const</a:t>
+            </a:r>
+            <a:r>
+              <a:rPr lang="en-AU" dirty="0"/>
+              <a:t> App = </a:t>
+            </a:r>
+            <a:r>
+              <a:rPr lang="en-AU" b="1" dirty="0"/>
+              <a:t>await import(`./dyna_${</a:t>
+            </a:r>
+            <a:r>
+              <a:rPr lang="en-AU" b="1" dirty="0" err="1"/>
+              <a:t>features.join</a:t>
+            </a:r>
+            <a:r>
+              <a:rPr lang="en-AU" b="1" dirty="0"/>
+              <a:t>(‘_’)}/app`); </a:t>
+            </a:r>
+          </a:p>
+          <a:p>
+            <a:pPr marL="0" indent="0">
+              <a:buNone/>
+            </a:pPr>
+            <a:r>
+              <a:rPr lang="en-AU" dirty="0"/>
+              <a:t>// get dyna_feature1_feature2/App.js</a:t>
+            </a:r>
+          </a:p>
+          <a:p>
+            <a:pPr marL="0" indent="0">
+              <a:buNone/>
+            </a:pPr>
+            <a:r>
+              <a:rPr lang="en-AU" dirty="0"/>
+              <a:t>render(</a:t>
+            </a:r>
+          </a:p>
+          <a:p>
+            <a:pPr marL="0" indent="0">
+              <a:buNone/>
+            </a:pPr>
+            <a:r>
+              <a:rPr lang="en-AU" dirty="0"/>
+              <a:t>  &lt;Provider store={store}&gt;</a:t>
+            </a:r>
+          </a:p>
+          <a:p>
+            <a:pPr marL="0" indent="0">
+              <a:buNone/>
+            </a:pPr>
+            <a:r>
+              <a:rPr lang="en-AU" dirty="0"/>
+              <a:t>    &lt;App /&gt;</a:t>
+            </a:r>
+          </a:p>
+          <a:p>
+            <a:pPr marL="0" indent="0">
+              <a:buNone/>
+            </a:pPr>
+            <a:r>
+              <a:rPr lang="en-AU" dirty="0"/>
+              <a:t>  &lt;/Provider&gt;,</a:t>
+            </a:r>
+          </a:p>
+          <a:p>
+            <a:pPr marL="0" indent="0">
+              <a:buNone/>
+            </a:pPr>
+            <a:r>
+              <a:rPr lang="en-AU" dirty="0"/>
+              <a:t>  </a:t>
+            </a:r>
+            <a:r>
+              <a:rPr lang="en-AU" dirty="0" err="1"/>
+              <a:t>document.getElementById</a:t>
+            </a:r>
+            <a:r>
+              <a:rPr lang="en-AU" dirty="0"/>
+              <a:t>(`root`)</a:t>
+            </a:r>
+          </a:p>
+          <a:p>
+            <a:pPr marL="0" indent="0">
+              <a:buNone/>
+            </a:pPr>
+            <a:r>
+              <a:rPr lang="en-AU" dirty="0"/>
+              <a:t>);</a:t>
+            </a:r>
+          </a:p>
+        </p:txBody>
+      </p:sp>
+    </p:spTree>
+    <p:extLst>
+      <p:ext uri="{BB962C8B-B14F-4D97-AF65-F5344CB8AC3E}">
+        <p14:creationId xmlns:p14="http://schemas.microsoft.com/office/powerpoint/2010/main" val="2039964391"/>
+      </p:ext>
+    </p:extLst>
+  </p:cSld>
+  <p:clrMapOvr>
+    <a:masterClrMapping/>
+  </p:clrMapOvr>
+</p:sld>
+</file>
+
+<file path=ppt/slides/slide21.xml><?xml version="1.0" encoding="utf-8"?>
+<p:sld xmlns:a="http://schemas.openxmlformats.org/drawingml/2006/main" xmlns:r="http://schemas.openxmlformats.org/officeDocument/2006/relationships" xmlns:p="http://schemas.openxmlformats.org/presentationml/2006/main">
+  <p:cSld>
+    <p:spTree>
+      <p:nvGrpSpPr>
+        <p:cNvPr id="1" name=""/>
+        <p:cNvGrpSpPr/>
+        <p:nvPr/>
+      </p:nvGrpSpPr>
+      <p:grpSpPr>
+        <a:xfrm>
+          <a:off x="0" y="0"/>
+          <a:ext cx="0" cy="0"/>
+          <a:chOff x="0" y="0"/>
+          <a:chExt cx="0" cy="0"/>
+        </a:xfrm>
+      </p:grpSpPr>
+      <p:sp>
+        <p:nvSpPr>
+          <p:cNvPr id="2" name="Title 1">
+            <a:extLst>
+              <a:ext uri="{FF2B5EF4-FFF2-40B4-BE49-F238E27FC236}">
+                <a16:creationId xmlns:a16="http://schemas.microsoft.com/office/drawing/2014/main" id="{11E1DF8B-9E4A-4840-A2A1-4EDDBA6B07EE}"/>
+              </a:ext>
+            </a:extLst>
+          </p:cNvPr>
+          <p:cNvSpPr>
+            <a:spLocks noGrp="1"/>
+          </p:cNvSpPr>
+          <p:nvPr>
+            <p:ph type="title"/>
+          </p:nvPr>
+        </p:nvSpPr>
+        <p:spPr/>
+        <p:txBody>
+          <a:bodyPr/>
+          <a:lstStyle/>
+          <a:p>
+            <a:r>
+              <a:rPr lang="en-AU" dirty="0"/>
+              <a:t>Summary</a:t>
+            </a:r>
+          </a:p>
+        </p:txBody>
+      </p:sp>
+      <p:sp>
+        <p:nvSpPr>
+          <p:cNvPr id="3" name="Content Placeholder 2">
+            <a:extLst>
+              <a:ext uri="{FF2B5EF4-FFF2-40B4-BE49-F238E27FC236}">
+                <a16:creationId xmlns:a16="http://schemas.microsoft.com/office/drawing/2014/main" id="{D75B4ED2-165E-4B98-96C0-22387CEEF9DA}"/>
+              </a:ext>
+            </a:extLst>
+          </p:cNvPr>
+          <p:cNvSpPr>
+            <a:spLocks noGrp="1"/>
+          </p:cNvSpPr>
+          <p:nvPr>
+            <p:ph idx="1"/>
+          </p:nvPr>
+        </p:nvSpPr>
+        <p:spPr/>
+        <p:txBody>
+          <a:bodyPr/>
+          <a:lstStyle/>
+          <a:p>
+            <a:r>
+              <a:rPr lang="en-AU" dirty="0"/>
+              <a:t>no magic, just stitch</a:t>
+            </a:r>
+          </a:p>
+          <a:p>
+            <a:r>
+              <a:rPr lang="en-AU" dirty="0"/>
+              <a:t>What about backend?</a:t>
+            </a:r>
+          </a:p>
+        </p:txBody>
+      </p:sp>
+    </p:spTree>
+    <p:extLst>
+      <p:ext uri="{BB962C8B-B14F-4D97-AF65-F5344CB8AC3E}">
+        <p14:creationId xmlns:p14="http://schemas.microsoft.com/office/powerpoint/2010/main" val="1284333701"/>
       </p:ext>
     </p:extLst>
   </p:cSld>
@@ -4515,7 +6493,7 @@
           <a:p>
             <a:r>
               <a:rPr lang="en-AU" dirty="0"/>
-              <a:t>Cons</a:t>
+              <a:t>Cons: tech debts</a:t>
             </a:r>
           </a:p>
         </p:txBody>
@@ -5012,838 +6990,20 @@
             <p:ph type="title"/>
           </p:nvPr>
         </p:nvSpPr>
-        <p:spPr/>
-        <p:txBody>
-          <a:bodyPr/>
-          <a:lstStyle/>
-          <a:p>
-            <a:r>
-              <a:rPr lang="en-AU" dirty="0"/>
-              <a:t>How to solve the cons?</a:t>
-            </a:r>
-          </a:p>
-        </p:txBody>
-      </p:sp>
-      <p:sp>
-        <p:nvSpPr>
-          <p:cNvPr id="3" name="Content Placeholder 2">
-            <a:extLst>
-              <a:ext uri="{FF2B5EF4-FFF2-40B4-BE49-F238E27FC236}">
-                <a16:creationId xmlns:a16="http://schemas.microsoft.com/office/drawing/2014/main" id="{2F36D260-30A1-4F61-8B5F-E9DB072FB8D3}"/>
-              </a:ext>
-            </a:extLst>
-          </p:cNvPr>
-          <p:cNvSpPr>
-            <a:spLocks noGrp="1"/>
-          </p:cNvSpPr>
-          <p:nvPr>
-            <p:ph idx="1"/>
-          </p:nvPr>
-        </p:nvSpPr>
         <p:spPr>
           <a:xfrm>
-            <a:off x="838200" y="1825625"/>
-            <a:ext cx="3424347" cy="554607"/>
+            <a:off x="963000" y="2501125"/>
+            <a:ext cx="10515600" cy="1325563"/>
           </a:xfrm>
         </p:spPr>
         <p:txBody>
           <a:bodyPr/>
           <a:lstStyle/>
           <a:p>
-            <a:pPr marL="0" indent="0">
-              <a:buNone/>
-            </a:pPr>
-            <a:r>
-              <a:rPr lang="en-AU" dirty="0"/>
-              <a:t>GOFT</a:t>
-            </a:r>
-          </a:p>
-          <a:p>
-            <a:pPr marL="0" indent="0">
-              <a:buNone/>
-            </a:pPr>
-            <a:endParaRPr lang="en-AU" dirty="0"/>
-          </a:p>
-        </p:txBody>
-      </p:sp>
-      <p:cxnSp>
-        <p:nvCxnSpPr>
-          <p:cNvPr id="5" name="Straight Connector 4">
-            <a:extLst>
-              <a:ext uri="{FF2B5EF4-FFF2-40B4-BE49-F238E27FC236}">
-                <a16:creationId xmlns:a16="http://schemas.microsoft.com/office/drawing/2014/main" id="{C9BDAA0E-2230-429B-8DE0-5EED3B77B913}"/>
-              </a:ext>
-            </a:extLst>
-          </p:cNvPr>
-          <p:cNvCxnSpPr/>
-          <p:nvPr/>
-        </p:nvCxnSpPr>
-        <p:spPr>
-          <a:xfrm>
-            <a:off x="1907908" y="2920031"/>
-            <a:ext cx="0" cy="3485422"/>
-          </a:xfrm>
-          <a:prstGeom prst="line">
-            <a:avLst/>
-          </a:prstGeom>
-        </p:spPr>
-        <p:style>
-          <a:lnRef idx="1">
-            <a:schemeClr val="accent1"/>
-          </a:lnRef>
-          <a:fillRef idx="0">
-            <a:schemeClr val="accent1"/>
-          </a:fillRef>
-          <a:effectRef idx="0">
-            <a:schemeClr val="accent1"/>
-          </a:effectRef>
-          <a:fontRef idx="minor">
-            <a:schemeClr val="tx1"/>
-          </a:fontRef>
-        </p:style>
-      </p:cxnSp>
-      <p:cxnSp>
-        <p:nvCxnSpPr>
-          <p:cNvPr id="6" name="Straight Connector 5">
-            <a:extLst>
-              <a:ext uri="{FF2B5EF4-FFF2-40B4-BE49-F238E27FC236}">
-                <a16:creationId xmlns:a16="http://schemas.microsoft.com/office/drawing/2014/main" id="{A1CE119D-44B9-4197-99BB-096ECDF80417}"/>
-              </a:ext>
-            </a:extLst>
-          </p:cNvPr>
-          <p:cNvCxnSpPr/>
-          <p:nvPr/>
-        </p:nvCxnSpPr>
-        <p:spPr>
-          <a:xfrm>
-            <a:off x="4189255" y="2920031"/>
-            <a:ext cx="0" cy="3485422"/>
-          </a:xfrm>
-          <a:prstGeom prst="line">
-            <a:avLst/>
-          </a:prstGeom>
-        </p:spPr>
-        <p:style>
-          <a:lnRef idx="1">
-            <a:schemeClr val="accent1"/>
-          </a:lnRef>
-          <a:fillRef idx="0">
-            <a:schemeClr val="accent1"/>
-          </a:fillRef>
-          <a:effectRef idx="0">
-            <a:schemeClr val="accent1"/>
-          </a:effectRef>
-          <a:fontRef idx="minor">
-            <a:schemeClr val="tx1"/>
-          </a:fontRef>
-        </p:style>
-      </p:cxnSp>
-      <p:cxnSp>
-        <p:nvCxnSpPr>
-          <p:cNvPr id="7" name="Straight Connector 6">
-            <a:extLst>
-              <a:ext uri="{FF2B5EF4-FFF2-40B4-BE49-F238E27FC236}">
-                <a16:creationId xmlns:a16="http://schemas.microsoft.com/office/drawing/2014/main" id="{85F216EB-BDB5-4659-A7C7-4F5D82347B95}"/>
-              </a:ext>
-            </a:extLst>
-          </p:cNvPr>
-          <p:cNvCxnSpPr/>
-          <p:nvPr/>
-        </p:nvCxnSpPr>
-        <p:spPr>
-          <a:xfrm>
-            <a:off x="8327322" y="2894437"/>
-            <a:ext cx="0" cy="3485422"/>
-          </a:xfrm>
-          <a:prstGeom prst="line">
-            <a:avLst/>
-          </a:prstGeom>
-        </p:spPr>
-        <p:style>
-          <a:lnRef idx="1">
-            <a:schemeClr val="accent1"/>
-          </a:lnRef>
-          <a:fillRef idx="0">
-            <a:schemeClr val="accent1"/>
-          </a:fillRef>
-          <a:effectRef idx="0">
-            <a:schemeClr val="accent1"/>
-          </a:effectRef>
-          <a:fontRef idx="minor">
-            <a:schemeClr val="tx1"/>
-          </a:fontRef>
-        </p:style>
-      </p:cxnSp>
-      <p:cxnSp>
-        <p:nvCxnSpPr>
-          <p:cNvPr id="8" name="Straight Connector 7">
-            <a:extLst>
-              <a:ext uri="{FF2B5EF4-FFF2-40B4-BE49-F238E27FC236}">
-                <a16:creationId xmlns:a16="http://schemas.microsoft.com/office/drawing/2014/main" id="{1E3C917F-0506-400F-8DA2-026580C6A001}"/>
-              </a:ext>
-            </a:extLst>
-          </p:cNvPr>
-          <p:cNvCxnSpPr/>
-          <p:nvPr/>
-        </p:nvCxnSpPr>
-        <p:spPr>
-          <a:xfrm>
-            <a:off x="6269341" y="2894437"/>
-            <a:ext cx="0" cy="3485422"/>
-          </a:xfrm>
-          <a:prstGeom prst="line">
-            <a:avLst/>
-          </a:prstGeom>
-        </p:spPr>
-        <p:style>
-          <a:lnRef idx="1">
-            <a:schemeClr val="accent1"/>
-          </a:lnRef>
-          <a:fillRef idx="0">
-            <a:schemeClr val="accent1"/>
-          </a:fillRef>
-          <a:effectRef idx="0">
-            <a:schemeClr val="accent1"/>
-          </a:effectRef>
-          <a:fontRef idx="minor">
-            <a:schemeClr val="tx1"/>
-          </a:fontRef>
-        </p:style>
-      </p:cxnSp>
-      <p:sp>
-        <p:nvSpPr>
-          <p:cNvPr id="10" name="Rectangle: Rounded Corners 9">
-            <a:extLst>
-              <a:ext uri="{FF2B5EF4-FFF2-40B4-BE49-F238E27FC236}">
-                <a16:creationId xmlns:a16="http://schemas.microsoft.com/office/drawing/2014/main" id="{976EE4AA-9AAA-482A-B230-73B6B160007E}"/>
-              </a:ext>
-            </a:extLst>
-          </p:cNvPr>
-          <p:cNvSpPr/>
-          <p:nvPr/>
-        </p:nvSpPr>
-        <p:spPr>
-          <a:xfrm>
-            <a:off x="1330882" y="2491915"/>
-            <a:ext cx="1112171" cy="428116"/>
-          </a:xfrm>
-          <a:prstGeom prst="roundRect">
-            <a:avLst/>
-          </a:prstGeom>
-        </p:spPr>
-        <p:style>
-          <a:lnRef idx="2">
-            <a:schemeClr val="accent1">
-              <a:shade val="50000"/>
-            </a:schemeClr>
-          </a:lnRef>
-          <a:fillRef idx="1">
-            <a:schemeClr val="accent1"/>
-          </a:fillRef>
-          <a:effectRef idx="0">
-            <a:schemeClr val="accent1"/>
-          </a:effectRef>
-          <a:fontRef idx="minor">
-            <a:schemeClr val="lt1"/>
-          </a:fontRef>
-        </p:style>
-        <p:txBody>
-          <a:bodyPr rtlCol="0" anchor="ctr"/>
-          <a:lstStyle/>
-          <a:p>
             <a:pPr algn="ctr"/>
             <a:r>
               <a:rPr lang="en-AU" dirty="0"/>
-              <a:t>master</a:t>
-            </a:r>
-          </a:p>
-        </p:txBody>
-      </p:sp>
-      <p:sp>
-        <p:nvSpPr>
-          <p:cNvPr id="11" name="Rectangle: Rounded Corners 10">
-            <a:extLst>
-              <a:ext uri="{FF2B5EF4-FFF2-40B4-BE49-F238E27FC236}">
-                <a16:creationId xmlns:a16="http://schemas.microsoft.com/office/drawing/2014/main" id="{23E932EF-FF8F-4623-A1DF-80763F30ED0E}"/>
-              </a:ext>
-            </a:extLst>
-          </p:cNvPr>
-          <p:cNvSpPr/>
-          <p:nvPr/>
-        </p:nvSpPr>
-        <p:spPr>
-          <a:xfrm>
-            <a:off x="3408641" y="2466321"/>
-            <a:ext cx="1703157" cy="428116"/>
-          </a:xfrm>
-          <a:prstGeom prst="roundRect">
-            <a:avLst/>
-          </a:prstGeom>
-        </p:spPr>
-        <p:style>
-          <a:lnRef idx="2">
-            <a:schemeClr val="accent1">
-              <a:shade val="50000"/>
-            </a:schemeClr>
-          </a:lnRef>
-          <a:fillRef idx="1">
-            <a:schemeClr val="accent1"/>
-          </a:fillRef>
-          <a:effectRef idx="0">
-            <a:schemeClr val="accent1"/>
-          </a:effectRef>
-          <a:fontRef idx="minor">
-            <a:schemeClr val="lt1"/>
-          </a:fontRef>
-        </p:style>
-        <p:txBody>
-          <a:bodyPr rtlCol="0" anchor="ctr"/>
-          <a:lstStyle/>
-          <a:p>
-            <a:pPr algn="ctr"/>
-            <a:r>
-              <a:rPr lang="en-AU" dirty="0" err="1"/>
-              <a:t>conflict_detect</a:t>
-            </a:r>
-            <a:endParaRPr lang="en-AU" dirty="0"/>
-          </a:p>
-        </p:txBody>
-      </p:sp>
-      <p:sp>
-        <p:nvSpPr>
-          <p:cNvPr id="13" name="Rectangle: Rounded Corners 12">
-            <a:extLst>
-              <a:ext uri="{FF2B5EF4-FFF2-40B4-BE49-F238E27FC236}">
-                <a16:creationId xmlns:a16="http://schemas.microsoft.com/office/drawing/2014/main" id="{2B4A2B12-592A-46D0-84E5-D4ADA6B80048}"/>
-              </a:ext>
-            </a:extLst>
-          </p:cNvPr>
-          <p:cNvSpPr/>
-          <p:nvPr/>
-        </p:nvSpPr>
-        <p:spPr>
-          <a:xfrm>
-            <a:off x="5687661" y="2466321"/>
-            <a:ext cx="1112171" cy="428116"/>
-          </a:xfrm>
-          <a:prstGeom prst="roundRect">
-            <a:avLst/>
-          </a:prstGeom>
-        </p:spPr>
-        <p:style>
-          <a:lnRef idx="2">
-            <a:schemeClr val="accent1">
-              <a:shade val="50000"/>
-            </a:schemeClr>
-          </a:lnRef>
-          <a:fillRef idx="1">
-            <a:schemeClr val="accent1"/>
-          </a:fillRef>
-          <a:effectRef idx="0">
-            <a:schemeClr val="accent1"/>
-          </a:effectRef>
-          <a:fontRef idx="minor">
-            <a:schemeClr val="lt1"/>
-          </a:fontRef>
-        </p:style>
-        <p:txBody>
-          <a:bodyPr rtlCol="0" anchor="ctr"/>
-          <a:lstStyle/>
-          <a:p>
-            <a:pPr algn="ctr"/>
-            <a:r>
-              <a:rPr lang="en-AU" dirty="0" err="1"/>
-              <a:t>featureA</a:t>
-            </a:r>
-            <a:endParaRPr lang="en-AU" dirty="0"/>
-          </a:p>
-        </p:txBody>
-      </p:sp>
-      <p:sp>
-        <p:nvSpPr>
-          <p:cNvPr id="14" name="Rectangle: Rounded Corners 13">
-            <a:extLst>
-              <a:ext uri="{FF2B5EF4-FFF2-40B4-BE49-F238E27FC236}">
-                <a16:creationId xmlns:a16="http://schemas.microsoft.com/office/drawing/2014/main" id="{0F20B476-E9C3-4050-B7AE-04B61A9F9987}"/>
-              </a:ext>
-            </a:extLst>
-          </p:cNvPr>
-          <p:cNvSpPr/>
-          <p:nvPr/>
-        </p:nvSpPr>
-        <p:spPr>
-          <a:xfrm>
-            <a:off x="7793341" y="2466321"/>
-            <a:ext cx="1112171" cy="428116"/>
-          </a:xfrm>
-          <a:prstGeom prst="roundRect">
-            <a:avLst/>
-          </a:prstGeom>
-        </p:spPr>
-        <p:style>
-          <a:lnRef idx="2">
-            <a:schemeClr val="accent1">
-              <a:shade val="50000"/>
-            </a:schemeClr>
-          </a:lnRef>
-          <a:fillRef idx="1">
-            <a:schemeClr val="accent1"/>
-          </a:fillRef>
-          <a:effectRef idx="0">
-            <a:schemeClr val="accent1"/>
-          </a:effectRef>
-          <a:fontRef idx="minor">
-            <a:schemeClr val="lt1"/>
-          </a:fontRef>
-        </p:style>
-        <p:txBody>
-          <a:bodyPr rtlCol="0" anchor="ctr"/>
-          <a:lstStyle/>
-          <a:p>
-            <a:pPr algn="ctr"/>
-            <a:r>
-              <a:rPr lang="en-AU" dirty="0" err="1"/>
-              <a:t>featureB</a:t>
-            </a:r>
-            <a:endParaRPr lang="en-AU" dirty="0"/>
-          </a:p>
-        </p:txBody>
-      </p:sp>
-      <p:sp>
-        <p:nvSpPr>
-          <p:cNvPr id="16" name="Oval 15">
-            <a:extLst>
-              <a:ext uri="{FF2B5EF4-FFF2-40B4-BE49-F238E27FC236}">
-                <a16:creationId xmlns:a16="http://schemas.microsoft.com/office/drawing/2014/main" id="{AAA6A0E2-84A7-4C62-928F-5D71B3CF49B3}"/>
-              </a:ext>
-            </a:extLst>
-          </p:cNvPr>
-          <p:cNvSpPr/>
-          <p:nvPr/>
-        </p:nvSpPr>
-        <p:spPr>
-          <a:xfrm>
-            <a:off x="6223969" y="3189930"/>
-            <a:ext cx="120990" cy="120989"/>
-          </a:xfrm>
-          <a:prstGeom prst="ellipse">
-            <a:avLst/>
-          </a:prstGeom>
-        </p:spPr>
-        <p:style>
-          <a:lnRef idx="2">
-            <a:schemeClr val="accent1">
-              <a:shade val="50000"/>
-            </a:schemeClr>
-          </a:lnRef>
-          <a:fillRef idx="1">
-            <a:schemeClr val="accent1"/>
-          </a:fillRef>
-          <a:effectRef idx="0">
-            <a:schemeClr val="accent1"/>
-          </a:effectRef>
-          <a:fontRef idx="minor">
-            <a:schemeClr val="lt1"/>
-          </a:fontRef>
-        </p:style>
-        <p:txBody>
-          <a:bodyPr rtlCol="0" anchor="ctr"/>
-          <a:lstStyle/>
-          <a:p>
-            <a:pPr algn="ctr"/>
-            <a:endParaRPr lang="en-AU"/>
-          </a:p>
-        </p:txBody>
-      </p:sp>
-      <p:sp>
-        <p:nvSpPr>
-          <p:cNvPr id="17" name="Oval 16">
-            <a:extLst>
-              <a:ext uri="{FF2B5EF4-FFF2-40B4-BE49-F238E27FC236}">
-                <a16:creationId xmlns:a16="http://schemas.microsoft.com/office/drawing/2014/main" id="{3D10D4CA-ACE0-407B-833C-0CE11B73069A}"/>
-              </a:ext>
-            </a:extLst>
-          </p:cNvPr>
-          <p:cNvSpPr/>
-          <p:nvPr/>
-        </p:nvSpPr>
-        <p:spPr>
-          <a:xfrm>
-            <a:off x="4128760" y="3428418"/>
-            <a:ext cx="120990" cy="120989"/>
-          </a:xfrm>
-          <a:prstGeom prst="ellipse">
-            <a:avLst/>
-          </a:prstGeom>
-        </p:spPr>
-        <p:style>
-          <a:lnRef idx="2">
-            <a:schemeClr val="accent1">
-              <a:shade val="50000"/>
-            </a:schemeClr>
-          </a:lnRef>
-          <a:fillRef idx="1">
-            <a:schemeClr val="accent1"/>
-          </a:fillRef>
-          <a:effectRef idx="0">
-            <a:schemeClr val="accent1"/>
-          </a:effectRef>
-          <a:fontRef idx="minor">
-            <a:schemeClr val="lt1"/>
-          </a:fontRef>
-        </p:style>
-        <p:txBody>
-          <a:bodyPr rtlCol="0" anchor="ctr"/>
-          <a:lstStyle/>
-          <a:p>
-            <a:pPr algn="ctr"/>
-            <a:endParaRPr lang="en-AU"/>
-          </a:p>
-        </p:txBody>
-      </p:sp>
-      <p:cxnSp>
-        <p:nvCxnSpPr>
-          <p:cNvPr id="19" name="Straight Arrow Connector 18">
-            <a:extLst>
-              <a:ext uri="{FF2B5EF4-FFF2-40B4-BE49-F238E27FC236}">
-                <a16:creationId xmlns:a16="http://schemas.microsoft.com/office/drawing/2014/main" id="{EA2F1FFB-FB20-4C85-AD3E-809190C20DD4}"/>
-              </a:ext>
-            </a:extLst>
-          </p:cNvPr>
-          <p:cNvCxnSpPr>
-            <a:stCxn id="16" idx="2"/>
-            <a:endCxn id="17" idx="6"/>
-          </p:cNvCxnSpPr>
-          <p:nvPr/>
-        </p:nvCxnSpPr>
-        <p:spPr>
-          <a:xfrm flipH="1">
-            <a:off x="4249750" y="3250425"/>
-            <a:ext cx="1974219" cy="238488"/>
-          </a:xfrm>
-          <a:prstGeom prst="straightConnector1">
-            <a:avLst/>
-          </a:prstGeom>
-          <a:ln>
-            <a:tailEnd type="triangle"/>
-          </a:ln>
-        </p:spPr>
-        <p:style>
-          <a:lnRef idx="1">
-            <a:schemeClr val="accent1"/>
-          </a:lnRef>
-          <a:fillRef idx="0">
-            <a:schemeClr val="accent1"/>
-          </a:fillRef>
-          <a:effectRef idx="0">
-            <a:schemeClr val="accent1"/>
-          </a:effectRef>
-          <a:fontRef idx="minor">
-            <a:schemeClr val="tx1"/>
-          </a:fontRef>
-        </p:style>
-      </p:cxnSp>
-      <p:sp>
-        <p:nvSpPr>
-          <p:cNvPr id="20" name="Oval 19">
-            <a:extLst>
-              <a:ext uri="{FF2B5EF4-FFF2-40B4-BE49-F238E27FC236}">
-                <a16:creationId xmlns:a16="http://schemas.microsoft.com/office/drawing/2014/main" id="{6E534D23-7324-43A1-BD8D-ABACF602C506}"/>
-              </a:ext>
-            </a:extLst>
-          </p:cNvPr>
-          <p:cNvSpPr/>
-          <p:nvPr/>
-        </p:nvSpPr>
-        <p:spPr>
-          <a:xfrm>
-            <a:off x="8301727" y="4145515"/>
-            <a:ext cx="120990" cy="120989"/>
-          </a:xfrm>
-          <a:prstGeom prst="ellipse">
-            <a:avLst/>
-          </a:prstGeom>
-        </p:spPr>
-        <p:style>
-          <a:lnRef idx="2">
-            <a:schemeClr val="accent1">
-              <a:shade val="50000"/>
-            </a:schemeClr>
-          </a:lnRef>
-          <a:fillRef idx="1">
-            <a:schemeClr val="accent1"/>
-          </a:fillRef>
-          <a:effectRef idx="0">
-            <a:schemeClr val="accent1"/>
-          </a:effectRef>
-          <a:fontRef idx="minor">
-            <a:schemeClr val="lt1"/>
-          </a:fontRef>
-        </p:style>
-        <p:txBody>
-          <a:bodyPr rtlCol="0" anchor="ctr"/>
-          <a:lstStyle/>
-          <a:p>
-            <a:pPr algn="ctr"/>
-            <a:endParaRPr lang="en-AU"/>
-          </a:p>
-        </p:txBody>
-      </p:sp>
-      <p:cxnSp>
-        <p:nvCxnSpPr>
-          <p:cNvPr id="22" name="Straight Arrow Connector 21">
-            <a:extLst>
-              <a:ext uri="{FF2B5EF4-FFF2-40B4-BE49-F238E27FC236}">
-                <a16:creationId xmlns:a16="http://schemas.microsoft.com/office/drawing/2014/main" id="{94335DB6-A230-457E-A6AA-05E685CEBCF2}"/>
-              </a:ext>
-            </a:extLst>
-          </p:cNvPr>
-          <p:cNvCxnSpPr>
-            <a:cxnSpLocks/>
-            <a:stCxn id="20" idx="2"/>
-            <a:endCxn id="24" idx="1"/>
-          </p:cNvCxnSpPr>
-          <p:nvPr/>
-        </p:nvCxnSpPr>
-        <p:spPr>
-          <a:xfrm flipH="1">
-            <a:off x="4306757" y="4206010"/>
-            <a:ext cx="3994970" cy="566781"/>
-          </a:xfrm>
-          <a:prstGeom prst="straightConnector1">
-            <a:avLst/>
-          </a:prstGeom>
-          <a:ln>
-            <a:tailEnd type="triangle"/>
-          </a:ln>
-        </p:spPr>
-        <p:style>
-          <a:lnRef idx="1">
-            <a:schemeClr val="accent1"/>
-          </a:lnRef>
-          <a:fillRef idx="0">
-            <a:schemeClr val="accent1"/>
-          </a:fillRef>
-          <a:effectRef idx="0">
-            <a:schemeClr val="accent1"/>
-          </a:effectRef>
-          <a:fontRef idx="minor">
-            <a:schemeClr val="tx1"/>
-          </a:fontRef>
-        </p:style>
-      </p:cxnSp>
-      <p:sp>
-        <p:nvSpPr>
-          <p:cNvPr id="24" name="Star: 7 Points 23">
-            <a:extLst>
-              <a:ext uri="{FF2B5EF4-FFF2-40B4-BE49-F238E27FC236}">
-                <a16:creationId xmlns:a16="http://schemas.microsoft.com/office/drawing/2014/main" id="{EFB3B5DA-B0CB-4525-860C-A4182DB14E4B}"/>
-              </a:ext>
-            </a:extLst>
-          </p:cNvPr>
-          <p:cNvSpPr/>
-          <p:nvPr/>
-        </p:nvSpPr>
-        <p:spPr>
-          <a:xfrm>
-            <a:off x="4032204" y="4620166"/>
-            <a:ext cx="274552" cy="237325"/>
-          </a:xfrm>
-          <a:prstGeom prst="star7">
-            <a:avLst/>
-          </a:prstGeom>
-        </p:spPr>
-        <p:style>
-          <a:lnRef idx="2">
-            <a:schemeClr val="accent1">
-              <a:shade val="50000"/>
-            </a:schemeClr>
-          </a:lnRef>
-          <a:fillRef idx="1">
-            <a:schemeClr val="accent1"/>
-          </a:fillRef>
-          <a:effectRef idx="0">
-            <a:schemeClr val="accent1"/>
-          </a:effectRef>
-          <a:fontRef idx="minor">
-            <a:schemeClr val="lt1"/>
-          </a:fontRef>
-        </p:style>
-        <p:txBody>
-          <a:bodyPr rtlCol="0" anchor="ctr"/>
-          <a:lstStyle/>
-          <a:p>
-            <a:pPr algn="ctr"/>
-            <a:endParaRPr lang="en-AU"/>
-          </a:p>
-        </p:txBody>
-      </p:sp>
-      <p:sp>
-        <p:nvSpPr>
-          <p:cNvPr id="26" name="Oval 25">
-            <a:extLst>
-              <a:ext uri="{FF2B5EF4-FFF2-40B4-BE49-F238E27FC236}">
-                <a16:creationId xmlns:a16="http://schemas.microsoft.com/office/drawing/2014/main" id="{1E536E3D-0CEC-4506-BDD4-A2B720D5508C}"/>
-              </a:ext>
-            </a:extLst>
-          </p:cNvPr>
-          <p:cNvSpPr/>
-          <p:nvPr/>
-        </p:nvSpPr>
-        <p:spPr>
-          <a:xfrm>
-            <a:off x="4115966" y="4045466"/>
-            <a:ext cx="120990" cy="120989"/>
-          </a:xfrm>
-          <a:prstGeom prst="ellipse">
-            <a:avLst/>
-          </a:prstGeom>
-        </p:spPr>
-        <p:style>
-          <a:lnRef idx="2">
-            <a:schemeClr val="accent1">
-              <a:shade val="50000"/>
-            </a:schemeClr>
-          </a:lnRef>
-          <a:fillRef idx="1">
-            <a:schemeClr val="accent1"/>
-          </a:fillRef>
-          <a:effectRef idx="0">
-            <a:schemeClr val="accent1"/>
-          </a:effectRef>
-          <a:fontRef idx="minor">
-            <a:schemeClr val="lt1"/>
-          </a:fontRef>
-        </p:style>
-        <p:txBody>
-          <a:bodyPr rtlCol="0" anchor="ctr"/>
-          <a:lstStyle/>
-          <a:p>
-            <a:pPr algn="ctr"/>
-            <a:endParaRPr lang="en-AU"/>
-          </a:p>
-        </p:txBody>
-      </p:sp>
-      <p:cxnSp>
-        <p:nvCxnSpPr>
-          <p:cNvPr id="27" name="Straight Arrow Connector 26">
-            <a:extLst>
-              <a:ext uri="{FF2B5EF4-FFF2-40B4-BE49-F238E27FC236}">
-                <a16:creationId xmlns:a16="http://schemas.microsoft.com/office/drawing/2014/main" id="{97BD81F4-A995-4853-B08E-96B4595FBF3C}"/>
-              </a:ext>
-            </a:extLst>
-          </p:cNvPr>
-          <p:cNvCxnSpPr>
-            <a:cxnSpLocks/>
-            <a:stCxn id="28" idx="6"/>
-            <a:endCxn id="26" idx="2"/>
-          </p:cNvCxnSpPr>
-          <p:nvPr/>
-        </p:nvCxnSpPr>
-        <p:spPr>
-          <a:xfrm>
-            <a:off x="1974804" y="4018384"/>
-            <a:ext cx="2141162" cy="87577"/>
-          </a:xfrm>
-          <a:prstGeom prst="straightConnector1">
-            <a:avLst/>
-          </a:prstGeom>
-          <a:ln>
-            <a:tailEnd type="triangle"/>
-          </a:ln>
-        </p:spPr>
-        <p:style>
-          <a:lnRef idx="1">
-            <a:schemeClr val="accent1"/>
-          </a:lnRef>
-          <a:fillRef idx="0">
-            <a:schemeClr val="accent1"/>
-          </a:fillRef>
-          <a:effectRef idx="0">
-            <a:schemeClr val="accent1"/>
-          </a:effectRef>
-          <a:fontRef idx="minor">
-            <a:schemeClr val="tx1"/>
-          </a:fontRef>
-        </p:style>
-      </p:cxnSp>
-      <p:sp>
-        <p:nvSpPr>
-          <p:cNvPr id="28" name="Oval 27">
-            <a:extLst>
-              <a:ext uri="{FF2B5EF4-FFF2-40B4-BE49-F238E27FC236}">
-                <a16:creationId xmlns:a16="http://schemas.microsoft.com/office/drawing/2014/main" id="{0D56B0EE-4AFE-4598-A486-736D04EEECBB}"/>
-              </a:ext>
-            </a:extLst>
-          </p:cNvPr>
-          <p:cNvSpPr/>
-          <p:nvPr/>
-        </p:nvSpPr>
-        <p:spPr>
-          <a:xfrm>
-            <a:off x="1853814" y="3957889"/>
-            <a:ext cx="120990" cy="120989"/>
-          </a:xfrm>
-          <a:prstGeom prst="ellipse">
-            <a:avLst/>
-          </a:prstGeom>
-        </p:spPr>
-        <p:style>
-          <a:lnRef idx="2">
-            <a:schemeClr val="accent1">
-              <a:shade val="50000"/>
-            </a:schemeClr>
-          </a:lnRef>
-          <a:fillRef idx="1">
-            <a:schemeClr val="accent1"/>
-          </a:fillRef>
-          <a:effectRef idx="0">
-            <a:schemeClr val="accent1"/>
-          </a:effectRef>
-          <a:fontRef idx="minor">
-            <a:schemeClr val="lt1"/>
-          </a:fontRef>
-        </p:style>
-        <p:txBody>
-          <a:bodyPr rtlCol="0" anchor="ctr"/>
-          <a:lstStyle/>
-          <a:p>
-            <a:pPr algn="ctr"/>
-            <a:endParaRPr lang="en-AU"/>
-          </a:p>
-        </p:txBody>
-      </p:sp>
-      <p:sp>
-        <p:nvSpPr>
-          <p:cNvPr id="31" name="TextBox 30">
-            <a:extLst>
-              <a:ext uri="{FF2B5EF4-FFF2-40B4-BE49-F238E27FC236}">
-                <a16:creationId xmlns:a16="http://schemas.microsoft.com/office/drawing/2014/main" id="{E7539D20-E7B5-40EB-9115-66502C87AEEC}"/>
-              </a:ext>
-            </a:extLst>
-          </p:cNvPr>
-          <p:cNvSpPr txBox="1"/>
-          <p:nvPr/>
-        </p:nvSpPr>
-        <p:spPr>
-          <a:xfrm>
-            <a:off x="4597011" y="3877506"/>
-            <a:ext cx="1279696" cy="369332"/>
-          </a:xfrm>
-          <a:prstGeom prst="rect">
-            <a:avLst/>
-          </a:prstGeom>
-          <a:noFill/>
-        </p:spPr>
-        <p:txBody>
-          <a:bodyPr wrap="square" rtlCol="0">
-            <a:spAutoFit/>
-          </a:bodyPr>
-          <a:lstStyle/>
-          <a:p>
-            <a:r>
-              <a:rPr lang="en-AU" dirty="0"/>
-              <a:t>Push hook</a:t>
+              <a:t>How to solve the cons?</a:t>
             </a:r>
           </a:p>
         </p:txBody>
@@ -5883,7 +7043,7 @@
           <p:cNvPr id="2" name="Title 1">
             <a:extLst>
               <a:ext uri="{FF2B5EF4-FFF2-40B4-BE49-F238E27FC236}">
-                <a16:creationId xmlns:a16="http://schemas.microsoft.com/office/drawing/2014/main" id="{B61BD2BC-2837-49E5-8C86-D998EC066742}"/>
+                <a16:creationId xmlns:a16="http://schemas.microsoft.com/office/drawing/2014/main" id="{5DA731E3-253C-478D-B2BD-E87A72D99627}"/>
               </a:ext>
             </a:extLst>
           </p:cNvPr>
@@ -5894,348 +7054,28 @@
             <p:ph type="title"/>
           </p:nvPr>
         </p:nvSpPr>
-        <p:spPr/>
+        <p:spPr>
+          <a:xfrm>
+            <a:off x="881400" y="2522725"/>
+            <a:ext cx="10515600" cy="1325563"/>
+          </a:xfrm>
+        </p:spPr>
         <p:txBody>
           <a:bodyPr/>
           <a:lstStyle/>
           <a:p>
-            <a:r>
-              <a:rPr lang="en-AU" dirty="0" err="1"/>
-              <a:t>Init</a:t>
-            </a:r>
-            <a:endParaRPr lang="en-AU" dirty="0"/>
-          </a:p>
-        </p:txBody>
-      </p:sp>
-      <p:graphicFrame>
-        <p:nvGraphicFramePr>
-          <p:cNvPr id="10" name="Table 9">
-            <a:extLst>
-              <a:ext uri="{FF2B5EF4-FFF2-40B4-BE49-F238E27FC236}">
-                <a16:creationId xmlns:a16="http://schemas.microsoft.com/office/drawing/2014/main" id="{E9687C89-BA2C-4911-A641-4742FE960D9D}"/>
-              </a:ext>
-            </a:extLst>
-          </p:cNvPr>
-          <p:cNvGraphicFramePr>
-            <a:graphicFrameLocks noGrp="1"/>
-          </p:cNvGraphicFramePr>
-          <p:nvPr>
-            <p:extLst>
-              <p:ext uri="{D42A27DB-BD31-4B8C-83A1-F6EECF244321}">
-                <p14:modId xmlns:p14="http://schemas.microsoft.com/office/powerpoint/2010/main" val="1359601378"/>
-              </p:ext>
-            </p:extLst>
-          </p:nvPr>
-        </p:nvGraphicFramePr>
-        <p:xfrm>
-          <a:off x="891907" y="1575898"/>
-          <a:ext cx="10653265" cy="2301240"/>
-        </p:xfrm>
-        <a:graphic>
-          <a:graphicData uri="http://schemas.openxmlformats.org/drawingml/2006/table">
-            <a:tbl>
-              <a:tblPr>
-                <a:tableStyleId>{5C22544A-7EE6-4342-B048-85BDC9FD1C3A}</a:tableStyleId>
-              </a:tblPr>
-              <a:tblGrid>
-                <a:gridCol w="4499098">
-                  <a:extLst>
-                    <a:ext uri="{9D8B030D-6E8A-4147-A177-3AD203B41FA5}">
-                      <a16:colId xmlns:a16="http://schemas.microsoft.com/office/drawing/2014/main" val="3456365319"/>
-                    </a:ext>
-                  </a:extLst>
-                </a:gridCol>
-                <a:gridCol w="6154167">
-                  <a:extLst>
-                    <a:ext uri="{9D8B030D-6E8A-4147-A177-3AD203B41FA5}">
-                      <a16:colId xmlns:a16="http://schemas.microsoft.com/office/drawing/2014/main" val="2170031692"/>
-                    </a:ext>
-                  </a:extLst>
-                </a:gridCol>
-              </a:tblGrid>
-              <a:tr h="370840">
-                <a:tc>
-                  <a:txBody>
-                    <a:bodyPr/>
-                    <a:lstStyle/>
-                    <a:p>
-                      <a:r>
-                        <a:rPr lang="fr-FR" dirty="0"/>
-                        <a:t>POST /repos/:user/:repo/git/</a:t>
-                      </a:r>
-                      <a:r>
-                        <a:rPr lang="fr-FR" dirty="0" err="1"/>
-                        <a:t>refs</a:t>
-                      </a:r>
-                      <a:endParaRPr lang="en-AU" dirty="0"/>
-                    </a:p>
-                  </a:txBody>
-                  <a:tcPr/>
-                </a:tc>
-                <a:tc>
-                  <a:txBody>
-                    <a:bodyPr/>
-                    <a:lstStyle/>
-                    <a:p>
-                      <a:r>
-                        <a:rPr lang="en-AU" dirty="0">
-                          <a:effectLst/>
-                        </a:rPr>
-                        <a:t>{</a:t>
-                      </a:r>
-                      <a:r>
-                        <a:rPr lang="en-AU" sz="1800" kern="1200" dirty="0">
-                          <a:solidFill>
-                            <a:schemeClr val="dk1"/>
-                          </a:solidFill>
-                          <a:effectLst/>
-                          <a:latin typeface="+mn-lt"/>
-                          <a:ea typeface="+mn-ea"/>
-                          <a:cs typeface="+mn-cs"/>
-                        </a:rPr>
-                        <a:t> </a:t>
-                      </a:r>
-                    </a:p>
-                    <a:p>
-                      <a:r>
-                        <a:rPr lang="en-AU" sz="1800" kern="1200" dirty="0">
-                          <a:solidFill>
-                            <a:schemeClr val="dk1"/>
-                          </a:solidFill>
-                          <a:effectLst/>
-                          <a:latin typeface="+mn-lt"/>
-                          <a:ea typeface="+mn-ea"/>
-                          <a:cs typeface="+mn-cs"/>
-                        </a:rPr>
-                        <a:t>"ref"</a:t>
-                      </a:r>
-                      <a:r>
-                        <a:rPr lang="en-AU" dirty="0">
-                          <a:effectLst/>
-                        </a:rPr>
-                        <a:t>:</a:t>
-                      </a:r>
-                      <a:r>
-                        <a:rPr lang="en-AU" sz="1800" kern="1200" dirty="0">
-                          <a:solidFill>
-                            <a:schemeClr val="dk1"/>
-                          </a:solidFill>
-                          <a:effectLst/>
-                          <a:latin typeface="+mn-lt"/>
-                          <a:ea typeface="+mn-ea"/>
-                          <a:cs typeface="+mn-cs"/>
-                        </a:rPr>
-                        <a:t> "refs/heads/master"</a:t>
-                      </a:r>
-                      <a:r>
-                        <a:rPr lang="en-AU" dirty="0">
-                          <a:effectLst/>
-                        </a:rPr>
-                        <a:t>,</a:t>
-                      </a:r>
-                      <a:r>
-                        <a:rPr lang="en-AU" sz="1800" kern="1200" dirty="0">
-                          <a:solidFill>
-                            <a:schemeClr val="dk1"/>
-                          </a:solidFill>
-                          <a:effectLst/>
-                          <a:latin typeface="+mn-lt"/>
-                          <a:ea typeface="+mn-ea"/>
-                          <a:cs typeface="+mn-cs"/>
-                        </a:rPr>
-                        <a:t> </a:t>
-                      </a:r>
-                    </a:p>
-                    <a:p>
-                      <a:r>
-                        <a:rPr lang="en-AU" sz="1800" kern="1200" dirty="0">
-                          <a:solidFill>
-                            <a:schemeClr val="dk1"/>
-                          </a:solidFill>
-                          <a:effectLst/>
-                          <a:latin typeface="+mn-lt"/>
-                          <a:ea typeface="+mn-ea"/>
-                          <a:cs typeface="+mn-cs"/>
-                        </a:rPr>
-                        <a:t>"</a:t>
-                      </a:r>
-                      <a:r>
-                        <a:rPr lang="en-AU" sz="1800" kern="1200" dirty="0" err="1">
-                          <a:solidFill>
-                            <a:schemeClr val="dk1"/>
-                          </a:solidFill>
-                          <a:effectLst/>
-                          <a:latin typeface="+mn-lt"/>
-                          <a:ea typeface="+mn-ea"/>
-                          <a:cs typeface="+mn-cs"/>
-                        </a:rPr>
-                        <a:t>sha</a:t>
-                      </a:r>
-                      <a:r>
-                        <a:rPr lang="en-AU" sz="1800" kern="1200" dirty="0">
-                          <a:solidFill>
-                            <a:schemeClr val="dk1"/>
-                          </a:solidFill>
-                          <a:effectLst/>
-                          <a:latin typeface="+mn-lt"/>
-                          <a:ea typeface="+mn-ea"/>
-                          <a:cs typeface="+mn-cs"/>
-                        </a:rPr>
-                        <a:t>"</a:t>
-                      </a:r>
-                      <a:r>
-                        <a:rPr lang="en-AU" dirty="0">
-                          <a:effectLst/>
-                        </a:rPr>
-                        <a:t>:</a:t>
-                      </a:r>
-                      <a:r>
-                        <a:rPr lang="en-AU" sz="1800" kern="1200" dirty="0">
-                          <a:solidFill>
-                            <a:schemeClr val="dk1"/>
-                          </a:solidFill>
-                          <a:effectLst/>
-                          <a:latin typeface="+mn-lt"/>
-                          <a:ea typeface="+mn-ea"/>
-                          <a:cs typeface="+mn-cs"/>
-                        </a:rPr>
-                        <a:t> “</a:t>
-                      </a:r>
-                      <a:r>
-                        <a:rPr lang="en-AU" sz="1800" kern="1200" dirty="0" err="1">
-                          <a:solidFill>
-                            <a:schemeClr val="dk1"/>
-                          </a:solidFill>
-                          <a:effectLst/>
-                          <a:latin typeface="+mn-lt"/>
-                          <a:ea typeface="+mn-ea"/>
-                          <a:cs typeface="+mn-cs"/>
-                        </a:rPr>
-                        <a:t>aaa</a:t>
-                      </a:r>
-                      <a:r>
-                        <a:rPr lang="en-AU" sz="1800" kern="1200" dirty="0">
-                          <a:solidFill>
-                            <a:schemeClr val="dk1"/>
-                          </a:solidFill>
-                          <a:effectLst/>
-                          <a:latin typeface="+mn-lt"/>
-                          <a:ea typeface="+mn-ea"/>
-                          <a:cs typeface="+mn-cs"/>
-                        </a:rPr>
-                        <a:t>" </a:t>
-                      </a:r>
-                    </a:p>
-                    <a:p>
-                      <a:r>
-                        <a:rPr lang="en-AU" dirty="0">
-                          <a:effectLst/>
-                        </a:rPr>
-                        <a:t>}</a:t>
-                      </a:r>
-                      <a:endParaRPr lang="en-AU" dirty="0"/>
-                    </a:p>
-                  </a:txBody>
-                  <a:tcPr/>
-                </a:tc>
-                <a:extLst>
-                  <a:ext uri="{0D108BD9-81ED-4DB2-BD59-A6C34878D82A}">
-                    <a16:rowId xmlns:a16="http://schemas.microsoft.com/office/drawing/2014/main" val="3642825782"/>
-                  </a:ext>
-                </a:extLst>
-              </a:tr>
-              <a:tr h="370840">
-                <a:tc>
-                  <a:txBody>
-                    <a:bodyPr/>
-                    <a:lstStyle/>
-                    <a:p>
-                      <a:r>
-                        <a:rPr lang="en-AU" dirty="0"/>
-                        <a:t>PATCH /repos/:owner/:repo/git/refs/:ref</a:t>
-                      </a:r>
-                    </a:p>
-                  </a:txBody>
-                  <a:tcPr/>
-                </a:tc>
-                <a:tc>
-                  <a:txBody>
-                    <a:bodyPr/>
-                    <a:lstStyle/>
-                    <a:p>
-                      <a:endParaRPr lang="en-AU" dirty="0"/>
-                    </a:p>
-                  </a:txBody>
-                  <a:tcPr/>
-                </a:tc>
-                <a:extLst>
-                  <a:ext uri="{0D108BD9-81ED-4DB2-BD59-A6C34878D82A}">
-                    <a16:rowId xmlns:a16="http://schemas.microsoft.com/office/drawing/2014/main" val="2600256865"/>
-                  </a:ext>
-                </a:extLst>
-              </a:tr>
-              <a:tr h="370840">
-                <a:tc>
-                  <a:txBody>
-                    <a:bodyPr/>
-                    <a:lstStyle/>
-                    <a:p>
-                      <a:endParaRPr lang="en-AU"/>
-                    </a:p>
-                  </a:txBody>
-                  <a:tcPr/>
-                </a:tc>
-                <a:tc>
-                  <a:txBody>
-                    <a:bodyPr/>
-                    <a:lstStyle/>
-                    <a:p>
-                      <a:endParaRPr lang="en-AU"/>
-                    </a:p>
-                  </a:txBody>
-                  <a:tcPr/>
-                </a:tc>
-                <a:extLst>
-                  <a:ext uri="{0D108BD9-81ED-4DB2-BD59-A6C34878D82A}">
-                    <a16:rowId xmlns:a16="http://schemas.microsoft.com/office/drawing/2014/main" val="1110029395"/>
-                  </a:ext>
-                </a:extLst>
-              </a:tr>
-              <a:tr h="370840">
-                <a:tc>
-                  <a:txBody>
-                    <a:bodyPr/>
-                    <a:lstStyle/>
-                    <a:p>
-                      <a:endParaRPr lang="en-AU"/>
-                    </a:p>
-                  </a:txBody>
-                  <a:tcPr/>
-                </a:tc>
-                <a:tc>
-                  <a:txBody>
-                    <a:bodyPr/>
-                    <a:lstStyle/>
-                    <a:p>
-                      <a:endParaRPr lang="en-AU" dirty="0"/>
-                    </a:p>
-                  </a:txBody>
-                  <a:tcPr/>
-                </a:tc>
-                <a:extLst>
-                  <a:ext uri="{0D108BD9-81ED-4DB2-BD59-A6C34878D82A}">
-                    <a16:rowId xmlns:a16="http://schemas.microsoft.com/office/drawing/2014/main" val="262603068"/>
-                  </a:ext>
-                </a:extLst>
-              </a:tr>
-            </a:tbl>
-          </a:graphicData>
-        </a:graphic>
-      </p:graphicFrame>
+            <a:pPr algn="ctr"/>
+            <a:r>
+              <a:rPr lang="en-AU" dirty="0"/>
+              <a:t>Part1: git strategy</a:t>
+            </a:r>
+          </a:p>
+        </p:txBody>
+      </p:sp>
     </p:spTree>
     <p:extLst>
       <p:ext uri="{BB962C8B-B14F-4D97-AF65-F5344CB8AC3E}">
-        <p14:creationId xmlns:p14="http://schemas.microsoft.com/office/powerpoint/2010/main" val="816372438"/>
+        <p14:creationId xmlns:p14="http://schemas.microsoft.com/office/powerpoint/2010/main" val="1145788846"/>
       </p:ext>
     </p:extLst>
   </p:cSld>
@@ -6262,63 +7102,792 @@
           <a:chExt cx="0" cy="0"/>
         </a:xfrm>
       </p:grpSpPr>
-      <p:sp>
-        <p:nvSpPr>
-          <p:cNvPr id="2" name="Title 1">
-            <a:extLst>
-              <a:ext uri="{FF2B5EF4-FFF2-40B4-BE49-F238E27FC236}">
-                <a16:creationId xmlns:a16="http://schemas.microsoft.com/office/drawing/2014/main" id="{F1F34A02-9749-4E12-A68C-6CD3B5E735E3}"/>
-              </a:ext>
-            </a:extLst>
-          </p:cNvPr>
-          <p:cNvSpPr>
-            <a:spLocks noGrp="1"/>
-          </p:cNvSpPr>
-          <p:nvPr>
-            <p:ph type="title"/>
-          </p:nvPr>
-        </p:nvSpPr>
-        <p:spPr/>
-        <p:txBody>
-          <a:bodyPr/>
-          <a:lstStyle/>
-          <a:p>
-            <a:r>
-              <a:rPr lang="en-AU" dirty="0"/>
-              <a:t>GOFT</a:t>
-            </a:r>
-          </a:p>
-        </p:txBody>
-      </p:sp>
-      <p:sp>
-        <p:nvSpPr>
-          <p:cNvPr id="3" name="Content Placeholder 2">
-            <a:extLst>
-              <a:ext uri="{FF2B5EF4-FFF2-40B4-BE49-F238E27FC236}">
-                <a16:creationId xmlns:a16="http://schemas.microsoft.com/office/drawing/2014/main" id="{C9A5D316-4BC8-407F-B333-AFF90256DD5D}"/>
-              </a:ext>
-            </a:extLst>
-          </p:cNvPr>
-          <p:cNvSpPr>
-            <a:spLocks noGrp="1"/>
-          </p:cNvSpPr>
-          <p:nvPr>
-            <p:ph idx="1"/>
-          </p:nvPr>
-        </p:nvSpPr>
-        <p:spPr/>
-        <p:txBody>
-          <a:bodyPr/>
-          <a:lstStyle/>
-          <a:p>
+      <p:cxnSp>
+        <p:nvCxnSpPr>
+          <p:cNvPr id="4" name="Straight Connector 3">
+            <a:extLst>
+              <a:ext uri="{FF2B5EF4-FFF2-40B4-BE49-F238E27FC236}">
+                <a16:creationId xmlns:a16="http://schemas.microsoft.com/office/drawing/2014/main" id="{83B4F5AB-D851-4877-8348-5EB13AB6F388}"/>
+              </a:ext>
+            </a:extLst>
+          </p:cNvPr>
+          <p:cNvCxnSpPr/>
+          <p:nvPr/>
+        </p:nvCxnSpPr>
+        <p:spPr>
+          <a:xfrm>
+            <a:off x="2539108" y="2440031"/>
+            <a:ext cx="0" cy="3485422"/>
+          </a:xfrm>
+          <a:prstGeom prst="line">
+            <a:avLst/>
+          </a:prstGeom>
+        </p:spPr>
+        <p:style>
+          <a:lnRef idx="1">
+            <a:schemeClr val="accent1"/>
+          </a:lnRef>
+          <a:fillRef idx="0">
+            <a:schemeClr val="accent1"/>
+          </a:fillRef>
+          <a:effectRef idx="0">
+            <a:schemeClr val="accent1"/>
+          </a:effectRef>
+          <a:fontRef idx="minor">
+            <a:schemeClr val="tx1"/>
+          </a:fontRef>
+        </p:style>
+      </p:cxnSp>
+      <p:cxnSp>
+        <p:nvCxnSpPr>
+          <p:cNvPr id="5" name="Straight Connector 4">
+            <a:extLst>
+              <a:ext uri="{FF2B5EF4-FFF2-40B4-BE49-F238E27FC236}">
+                <a16:creationId xmlns:a16="http://schemas.microsoft.com/office/drawing/2014/main" id="{46B008F8-C54C-414E-A5EF-6BADE0853849}"/>
+              </a:ext>
+            </a:extLst>
+          </p:cNvPr>
+          <p:cNvCxnSpPr/>
+          <p:nvPr/>
+        </p:nvCxnSpPr>
+        <p:spPr>
+          <a:xfrm>
+            <a:off x="4820455" y="2440031"/>
+            <a:ext cx="0" cy="3485422"/>
+          </a:xfrm>
+          <a:prstGeom prst="line">
+            <a:avLst/>
+          </a:prstGeom>
+        </p:spPr>
+        <p:style>
+          <a:lnRef idx="1">
+            <a:schemeClr val="accent1"/>
+          </a:lnRef>
+          <a:fillRef idx="0">
+            <a:schemeClr val="accent1"/>
+          </a:fillRef>
+          <a:effectRef idx="0">
+            <a:schemeClr val="accent1"/>
+          </a:effectRef>
+          <a:fontRef idx="minor">
+            <a:schemeClr val="tx1"/>
+          </a:fontRef>
+        </p:style>
+      </p:cxnSp>
+      <p:cxnSp>
+        <p:nvCxnSpPr>
+          <p:cNvPr id="6" name="Straight Connector 5">
+            <a:extLst>
+              <a:ext uri="{FF2B5EF4-FFF2-40B4-BE49-F238E27FC236}">
+                <a16:creationId xmlns:a16="http://schemas.microsoft.com/office/drawing/2014/main" id="{6445A927-27D1-4BEA-95A9-7FA125A69065}"/>
+              </a:ext>
+            </a:extLst>
+          </p:cNvPr>
+          <p:cNvCxnSpPr/>
+          <p:nvPr/>
+        </p:nvCxnSpPr>
+        <p:spPr>
+          <a:xfrm>
+            <a:off x="8958522" y="2414437"/>
+            <a:ext cx="0" cy="3485422"/>
+          </a:xfrm>
+          <a:prstGeom prst="line">
+            <a:avLst/>
+          </a:prstGeom>
+        </p:spPr>
+        <p:style>
+          <a:lnRef idx="1">
+            <a:schemeClr val="accent1"/>
+          </a:lnRef>
+          <a:fillRef idx="0">
+            <a:schemeClr val="accent1"/>
+          </a:fillRef>
+          <a:effectRef idx="0">
+            <a:schemeClr val="accent1"/>
+          </a:effectRef>
+          <a:fontRef idx="minor">
+            <a:schemeClr val="tx1"/>
+          </a:fontRef>
+        </p:style>
+      </p:cxnSp>
+      <p:cxnSp>
+        <p:nvCxnSpPr>
+          <p:cNvPr id="7" name="Straight Connector 6">
+            <a:extLst>
+              <a:ext uri="{FF2B5EF4-FFF2-40B4-BE49-F238E27FC236}">
+                <a16:creationId xmlns:a16="http://schemas.microsoft.com/office/drawing/2014/main" id="{1B471109-2F24-4D59-BB94-23477A646218}"/>
+              </a:ext>
+            </a:extLst>
+          </p:cNvPr>
+          <p:cNvCxnSpPr/>
+          <p:nvPr/>
+        </p:nvCxnSpPr>
+        <p:spPr>
+          <a:xfrm>
+            <a:off x="6900541" y="2414437"/>
+            <a:ext cx="0" cy="3485422"/>
+          </a:xfrm>
+          <a:prstGeom prst="line">
+            <a:avLst/>
+          </a:prstGeom>
+        </p:spPr>
+        <p:style>
+          <a:lnRef idx="1">
+            <a:schemeClr val="accent1"/>
+          </a:lnRef>
+          <a:fillRef idx="0">
+            <a:schemeClr val="accent1"/>
+          </a:fillRef>
+          <a:effectRef idx="0">
+            <a:schemeClr val="accent1"/>
+          </a:effectRef>
+          <a:fontRef idx="minor">
+            <a:schemeClr val="tx1"/>
+          </a:fontRef>
+        </p:style>
+      </p:cxnSp>
+      <p:sp>
+        <p:nvSpPr>
+          <p:cNvPr id="8" name="Rectangle: Rounded Corners 7">
+            <a:extLst>
+              <a:ext uri="{FF2B5EF4-FFF2-40B4-BE49-F238E27FC236}">
+                <a16:creationId xmlns:a16="http://schemas.microsoft.com/office/drawing/2014/main" id="{78C342C3-9D87-45A9-A4A0-CC6C2CDEBE75}"/>
+              </a:ext>
+            </a:extLst>
+          </p:cNvPr>
+          <p:cNvSpPr/>
+          <p:nvPr/>
+        </p:nvSpPr>
+        <p:spPr>
+          <a:xfrm>
+            <a:off x="1962082" y="2011915"/>
+            <a:ext cx="1112171" cy="428116"/>
+          </a:xfrm>
+          <a:prstGeom prst="roundRect">
+            <a:avLst/>
+          </a:prstGeom>
+        </p:spPr>
+        <p:style>
+          <a:lnRef idx="2">
+            <a:schemeClr val="accent1">
+              <a:shade val="50000"/>
+            </a:schemeClr>
+          </a:lnRef>
+          <a:fillRef idx="1">
+            <a:schemeClr val="accent1"/>
+          </a:fillRef>
+          <a:effectRef idx="0">
+            <a:schemeClr val="accent1"/>
+          </a:effectRef>
+          <a:fontRef idx="minor">
+            <a:schemeClr val="lt1"/>
+          </a:fontRef>
+        </p:style>
+        <p:txBody>
+          <a:bodyPr rtlCol="0" anchor="ctr"/>
+          <a:lstStyle/>
+          <a:p>
+            <a:pPr algn="ctr"/>
+            <a:r>
+              <a:rPr lang="en-AU" dirty="0"/>
+              <a:t>master</a:t>
+            </a:r>
+          </a:p>
+        </p:txBody>
+      </p:sp>
+      <p:sp>
+        <p:nvSpPr>
+          <p:cNvPr id="9" name="Rectangle: Rounded Corners 8">
+            <a:extLst>
+              <a:ext uri="{FF2B5EF4-FFF2-40B4-BE49-F238E27FC236}">
+                <a16:creationId xmlns:a16="http://schemas.microsoft.com/office/drawing/2014/main" id="{A730A3BD-E83B-4223-A71C-EEFC9FCB54F0}"/>
+              </a:ext>
+            </a:extLst>
+          </p:cNvPr>
+          <p:cNvSpPr/>
+          <p:nvPr/>
+        </p:nvSpPr>
+        <p:spPr>
+          <a:xfrm>
+            <a:off x="4039841" y="1986321"/>
+            <a:ext cx="1703157" cy="428116"/>
+          </a:xfrm>
+          <a:prstGeom prst="roundRect">
+            <a:avLst/>
+          </a:prstGeom>
+        </p:spPr>
+        <p:style>
+          <a:lnRef idx="2">
+            <a:schemeClr val="accent1">
+              <a:shade val="50000"/>
+            </a:schemeClr>
+          </a:lnRef>
+          <a:fillRef idx="1">
+            <a:schemeClr val="accent1"/>
+          </a:fillRef>
+          <a:effectRef idx="0">
+            <a:schemeClr val="accent1"/>
+          </a:effectRef>
+          <a:fontRef idx="minor">
+            <a:schemeClr val="lt1"/>
+          </a:fontRef>
+        </p:style>
+        <p:txBody>
+          <a:bodyPr rtlCol="0" anchor="ctr"/>
+          <a:lstStyle/>
+          <a:p>
+            <a:pPr algn="ctr"/>
+            <a:r>
+              <a:rPr lang="en-AU" dirty="0" err="1"/>
+              <a:t>conflict_detect</a:t>
+            </a:r>
+            <a:endParaRPr lang="en-AU" dirty="0"/>
+          </a:p>
+        </p:txBody>
+      </p:sp>
+      <p:sp>
+        <p:nvSpPr>
+          <p:cNvPr id="10" name="Rectangle: Rounded Corners 9">
+            <a:extLst>
+              <a:ext uri="{FF2B5EF4-FFF2-40B4-BE49-F238E27FC236}">
+                <a16:creationId xmlns:a16="http://schemas.microsoft.com/office/drawing/2014/main" id="{BF914D4C-7479-4F4B-BB7F-94C3D6F87DAB}"/>
+              </a:ext>
+            </a:extLst>
+          </p:cNvPr>
+          <p:cNvSpPr/>
+          <p:nvPr/>
+        </p:nvSpPr>
+        <p:spPr>
+          <a:xfrm>
+            <a:off x="6318861" y="1986321"/>
+            <a:ext cx="1112171" cy="428116"/>
+          </a:xfrm>
+          <a:prstGeom prst="roundRect">
+            <a:avLst/>
+          </a:prstGeom>
+        </p:spPr>
+        <p:style>
+          <a:lnRef idx="2">
+            <a:schemeClr val="accent1">
+              <a:shade val="50000"/>
+            </a:schemeClr>
+          </a:lnRef>
+          <a:fillRef idx="1">
+            <a:schemeClr val="accent1"/>
+          </a:fillRef>
+          <a:effectRef idx="0">
+            <a:schemeClr val="accent1"/>
+          </a:effectRef>
+          <a:fontRef idx="minor">
+            <a:schemeClr val="lt1"/>
+          </a:fontRef>
+        </p:style>
+        <p:txBody>
+          <a:bodyPr rtlCol="0" anchor="ctr"/>
+          <a:lstStyle/>
+          <a:p>
+            <a:pPr algn="ctr"/>
+            <a:r>
+              <a:rPr lang="en-AU" dirty="0" err="1"/>
+              <a:t>featureA</a:t>
+            </a:r>
+            <a:endParaRPr lang="en-AU" dirty="0"/>
+          </a:p>
+        </p:txBody>
+      </p:sp>
+      <p:sp>
+        <p:nvSpPr>
+          <p:cNvPr id="11" name="Rectangle: Rounded Corners 10">
+            <a:extLst>
+              <a:ext uri="{FF2B5EF4-FFF2-40B4-BE49-F238E27FC236}">
+                <a16:creationId xmlns:a16="http://schemas.microsoft.com/office/drawing/2014/main" id="{F8157968-ACC3-4A41-82C7-794C17603C66}"/>
+              </a:ext>
+            </a:extLst>
+          </p:cNvPr>
+          <p:cNvSpPr/>
+          <p:nvPr/>
+        </p:nvSpPr>
+        <p:spPr>
+          <a:xfrm>
+            <a:off x="8424541" y="1986321"/>
+            <a:ext cx="1112171" cy="428116"/>
+          </a:xfrm>
+          <a:prstGeom prst="roundRect">
+            <a:avLst/>
+          </a:prstGeom>
+        </p:spPr>
+        <p:style>
+          <a:lnRef idx="2">
+            <a:schemeClr val="accent1">
+              <a:shade val="50000"/>
+            </a:schemeClr>
+          </a:lnRef>
+          <a:fillRef idx="1">
+            <a:schemeClr val="accent1"/>
+          </a:fillRef>
+          <a:effectRef idx="0">
+            <a:schemeClr val="accent1"/>
+          </a:effectRef>
+          <a:fontRef idx="minor">
+            <a:schemeClr val="lt1"/>
+          </a:fontRef>
+        </p:style>
+        <p:txBody>
+          <a:bodyPr rtlCol="0" anchor="ctr"/>
+          <a:lstStyle/>
+          <a:p>
+            <a:pPr algn="ctr"/>
+            <a:r>
+              <a:rPr lang="en-AU" dirty="0" err="1"/>
+              <a:t>featureB</a:t>
+            </a:r>
+            <a:endParaRPr lang="en-AU" dirty="0"/>
+          </a:p>
+        </p:txBody>
+      </p:sp>
+      <p:sp>
+        <p:nvSpPr>
+          <p:cNvPr id="12" name="Oval 11">
+            <a:extLst>
+              <a:ext uri="{FF2B5EF4-FFF2-40B4-BE49-F238E27FC236}">
+                <a16:creationId xmlns:a16="http://schemas.microsoft.com/office/drawing/2014/main" id="{B97395CC-9A0C-483F-9F43-477D09B12452}"/>
+              </a:ext>
+            </a:extLst>
+          </p:cNvPr>
+          <p:cNvSpPr/>
+          <p:nvPr/>
+        </p:nvSpPr>
+        <p:spPr>
+          <a:xfrm>
+            <a:off x="6855169" y="2709930"/>
+            <a:ext cx="120990" cy="120989"/>
+          </a:xfrm>
+          <a:prstGeom prst="ellipse">
+            <a:avLst/>
+          </a:prstGeom>
+        </p:spPr>
+        <p:style>
+          <a:lnRef idx="2">
+            <a:schemeClr val="accent1">
+              <a:shade val="50000"/>
+            </a:schemeClr>
+          </a:lnRef>
+          <a:fillRef idx="1">
+            <a:schemeClr val="accent1"/>
+          </a:fillRef>
+          <a:effectRef idx="0">
+            <a:schemeClr val="accent1"/>
+          </a:effectRef>
+          <a:fontRef idx="minor">
+            <a:schemeClr val="lt1"/>
+          </a:fontRef>
+        </p:style>
+        <p:txBody>
+          <a:bodyPr rtlCol="0" anchor="ctr"/>
+          <a:lstStyle/>
+          <a:p>
+            <a:pPr algn="ctr"/>
             <a:endParaRPr lang="en-AU"/>
+          </a:p>
+        </p:txBody>
+      </p:sp>
+      <p:sp>
+        <p:nvSpPr>
+          <p:cNvPr id="13" name="Oval 12">
+            <a:extLst>
+              <a:ext uri="{FF2B5EF4-FFF2-40B4-BE49-F238E27FC236}">
+                <a16:creationId xmlns:a16="http://schemas.microsoft.com/office/drawing/2014/main" id="{8A33C2A8-20F1-455C-BBFE-D8872C7D81EE}"/>
+              </a:ext>
+            </a:extLst>
+          </p:cNvPr>
+          <p:cNvSpPr/>
+          <p:nvPr/>
+        </p:nvSpPr>
+        <p:spPr>
+          <a:xfrm>
+            <a:off x="4759960" y="2948418"/>
+            <a:ext cx="120990" cy="120989"/>
+          </a:xfrm>
+          <a:prstGeom prst="ellipse">
+            <a:avLst/>
+          </a:prstGeom>
+        </p:spPr>
+        <p:style>
+          <a:lnRef idx="2">
+            <a:schemeClr val="accent1">
+              <a:shade val="50000"/>
+            </a:schemeClr>
+          </a:lnRef>
+          <a:fillRef idx="1">
+            <a:schemeClr val="accent1"/>
+          </a:fillRef>
+          <a:effectRef idx="0">
+            <a:schemeClr val="accent1"/>
+          </a:effectRef>
+          <a:fontRef idx="minor">
+            <a:schemeClr val="lt1"/>
+          </a:fontRef>
+        </p:style>
+        <p:txBody>
+          <a:bodyPr rtlCol="0" anchor="ctr"/>
+          <a:lstStyle/>
+          <a:p>
+            <a:pPr algn="ctr"/>
+            <a:endParaRPr lang="en-AU"/>
+          </a:p>
+        </p:txBody>
+      </p:sp>
+      <p:cxnSp>
+        <p:nvCxnSpPr>
+          <p:cNvPr id="14" name="Straight Arrow Connector 13">
+            <a:extLst>
+              <a:ext uri="{FF2B5EF4-FFF2-40B4-BE49-F238E27FC236}">
+                <a16:creationId xmlns:a16="http://schemas.microsoft.com/office/drawing/2014/main" id="{F999F119-0A33-44D0-9ED3-FC87108EB07F}"/>
+              </a:ext>
+            </a:extLst>
+          </p:cNvPr>
+          <p:cNvCxnSpPr>
+            <a:stCxn id="12" idx="2"/>
+            <a:endCxn id="13" idx="6"/>
+          </p:cNvCxnSpPr>
+          <p:nvPr/>
+        </p:nvCxnSpPr>
+        <p:spPr>
+          <a:xfrm flipH="1">
+            <a:off x="4880950" y="2770425"/>
+            <a:ext cx="1974219" cy="238488"/>
+          </a:xfrm>
+          <a:prstGeom prst="straightConnector1">
+            <a:avLst/>
+          </a:prstGeom>
+          <a:ln>
+            <a:tailEnd type="triangle"/>
+          </a:ln>
+        </p:spPr>
+        <p:style>
+          <a:lnRef idx="1">
+            <a:schemeClr val="accent1"/>
+          </a:lnRef>
+          <a:fillRef idx="0">
+            <a:schemeClr val="accent1"/>
+          </a:fillRef>
+          <a:effectRef idx="0">
+            <a:schemeClr val="accent1"/>
+          </a:effectRef>
+          <a:fontRef idx="minor">
+            <a:schemeClr val="tx1"/>
+          </a:fontRef>
+        </p:style>
+      </p:cxnSp>
+      <p:sp>
+        <p:nvSpPr>
+          <p:cNvPr id="15" name="Oval 14">
+            <a:extLst>
+              <a:ext uri="{FF2B5EF4-FFF2-40B4-BE49-F238E27FC236}">
+                <a16:creationId xmlns:a16="http://schemas.microsoft.com/office/drawing/2014/main" id="{5F52F451-F6A4-4CFA-B579-69BD1260DDFA}"/>
+              </a:ext>
+            </a:extLst>
+          </p:cNvPr>
+          <p:cNvSpPr/>
+          <p:nvPr/>
+        </p:nvSpPr>
+        <p:spPr>
+          <a:xfrm>
+            <a:off x="8932927" y="3665515"/>
+            <a:ext cx="120990" cy="120989"/>
+          </a:xfrm>
+          <a:prstGeom prst="ellipse">
+            <a:avLst/>
+          </a:prstGeom>
+        </p:spPr>
+        <p:style>
+          <a:lnRef idx="2">
+            <a:schemeClr val="accent1">
+              <a:shade val="50000"/>
+            </a:schemeClr>
+          </a:lnRef>
+          <a:fillRef idx="1">
+            <a:schemeClr val="accent1"/>
+          </a:fillRef>
+          <a:effectRef idx="0">
+            <a:schemeClr val="accent1"/>
+          </a:effectRef>
+          <a:fontRef idx="minor">
+            <a:schemeClr val="lt1"/>
+          </a:fontRef>
+        </p:style>
+        <p:txBody>
+          <a:bodyPr rtlCol="0" anchor="ctr"/>
+          <a:lstStyle/>
+          <a:p>
+            <a:pPr algn="ctr"/>
+            <a:endParaRPr lang="en-AU"/>
+          </a:p>
+        </p:txBody>
+      </p:sp>
+      <p:cxnSp>
+        <p:nvCxnSpPr>
+          <p:cNvPr id="16" name="Straight Arrow Connector 15">
+            <a:extLst>
+              <a:ext uri="{FF2B5EF4-FFF2-40B4-BE49-F238E27FC236}">
+                <a16:creationId xmlns:a16="http://schemas.microsoft.com/office/drawing/2014/main" id="{49E3BB08-0A71-42C2-9A22-79BC6705AA4A}"/>
+              </a:ext>
+            </a:extLst>
+          </p:cNvPr>
+          <p:cNvCxnSpPr>
+            <a:cxnSpLocks/>
+            <a:stCxn id="15" idx="2"/>
+            <a:endCxn id="17" idx="1"/>
+          </p:cNvCxnSpPr>
+          <p:nvPr/>
+        </p:nvCxnSpPr>
+        <p:spPr>
+          <a:xfrm flipH="1">
+            <a:off x="4937957" y="3726010"/>
+            <a:ext cx="3994970" cy="566781"/>
+          </a:xfrm>
+          <a:prstGeom prst="straightConnector1">
+            <a:avLst/>
+          </a:prstGeom>
+          <a:ln>
+            <a:tailEnd type="triangle"/>
+          </a:ln>
+        </p:spPr>
+        <p:style>
+          <a:lnRef idx="1">
+            <a:schemeClr val="accent1"/>
+          </a:lnRef>
+          <a:fillRef idx="0">
+            <a:schemeClr val="accent1"/>
+          </a:fillRef>
+          <a:effectRef idx="0">
+            <a:schemeClr val="accent1"/>
+          </a:effectRef>
+          <a:fontRef idx="minor">
+            <a:schemeClr val="tx1"/>
+          </a:fontRef>
+        </p:style>
+      </p:cxnSp>
+      <p:sp>
+        <p:nvSpPr>
+          <p:cNvPr id="17" name="Star: 7 Points 16">
+            <a:extLst>
+              <a:ext uri="{FF2B5EF4-FFF2-40B4-BE49-F238E27FC236}">
+                <a16:creationId xmlns:a16="http://schemas.microsoft.com/office/drawing/2014/main" id="{D3004685-DBEB-495C-A77F-D54CA37FE5BB}"/>
+              </a:ext>
+            </a:extLst>
+          </p:cNvPr>
+          <p:cNvSpPr/>
+          <p:nvPr/>
+        </p:nvSpPr>
+        <p:spPr>
+          <a:xfrm>
+            <a:off x="4663404" y="4140166"/>
+            <a:ext cx="274552" cy="237325"/>
+          </a:xfrm>
+          <a:prstGeom prst="star7">
+            <a:avLst/>
+          </a:prstGeom>
+        </p:spPr>
+        <p:style>
+          <a:lnRef idx="2">
+            <a:schemeClr val="accent1">
+              <a:shade val="50000"/>
+            </a:schemeClr>
+          </a:lnRef>
+          <a:fillRef idx="1">
+            <a:schemeClr val="accent1"/>
+          </a:fillRef>
+          <a:effectRef idx="0">
+            <a:schemeClr val="accent1"/>
+          </a:effectRef>
+          <a:fontRef idx="minor">
+            <a:schemeClr val="lt1"/>
+          </a:fontRef>
+        </p:style>
+        <p:txBody>
+          <a:bodyPr rtlCol="0" anchor="ctr"/>
+          <a:lstStyle/>
+          <a:p>
+            <a:pPr algn="ctr"/>
+            <a:endParaRPr lang="en-AU"/>
+          </a:p>
+        </p:txBody>
+      </p:sp>
+      <p:sp>
+        <p:nvSpPr>
+          <p:cNvPr id="18" name="Oval 17">
+            <a:extLst>
+              <a:ext uri="{FF2B5EF4-FFF2-40B4-BE49-F238E27FC236}">
+                <a16:creationId xmlns:a16="http://schemas.microsoft.com/office/drawing/2014/main" id="{7B2280C8-E0C3-41F6-8733-5875FDD2869C}"/>
+              </a:ext>
+            </a:extLst>
+          </p:cNvPr>
+          <p:cNvSpPr/>
+          <p:nvPr/>
+        </p:nvSpPr>
+        <p:spPr>
+          <a:xfrm>
+            <a:off x="4747166" y="3565466"/>
+            <a:ext cx="120990" cy="120989"/>
+          </a:xfrm>
+          <a:prstGeom prst="ellipse">
+            <a:avLst/>
+          </a:prstGeom>
+        </p:spPr>
+        <p:style>
+          <a:lnRef idx="2">
+            <a:schemeClr val="accent1">
+              <a:shade val="50000"/>
+            </a:schemeClr>
+          </a:lnRef>
+          <a:fillRef idx="1">
+            <a:schemeClr val="accent1"/>
+          </a:fillRef>
+          <a:effectRef idx="0">
+            <a:schemeClr val="accent1"/>
+          </a:effectRef>
+          <a:fontRef idx="minor">
+            <a:schemeClr val="lt1"/>
+          </a:fontRef>
+        </p:style>
+        <p:txBody>
+          <a:bodyPr rtlCol="0" anchor="ctr"/>
+          <a:lstStyle/>
+          <a:p>
+            <a:pPr algn="ctr"/>
+            <a:endParaRPr lang="en-AU"/>
+          </a:p>
+        </p:txBody>
+      </p:sp>
+      <p:cxnSp>
+        <p:nvCxnSpPr>
+          <p:cNvPr id="19" name="Straight Arrow Connector 18">
+            <a:extLst>
+              <a:ext uri="{FF2B5EF4-FFF2-40B4-BE49-F238E27FC236}">
+                <a16:creationId xmlns:a16="http://schemas.microsoft.com/office/drawing/2014/main" id="{F2E7EE28-707C-4A68-A569-BD8F2289B794}"/>
+              </a:ext>
+            </a:extLst>
+          </p:cNvPr>
+          <p:cNvCxnSpPr>
+            <a:cxnSpLocks/>
+            <a:stCxn id="20" idx="6"/>
+            <a:endCxn id="18" idx="2"/>
+          </p:cNvCxnSpPr>
+          <p:nvPr/>
+        </p:nvCxnSpPr>
+        <p:spPr>
+          <a:xfrm>
+            <a:off x="2606004" y="3538384"/>
+            <a:ext cx="2141162" cy="87577"/>
+          </a:xfrm>
+          <a:prstGeom prst="straightConnector1">
+            <a:avLst/>
+          </a:prstGeom>
+          <a:ln>
+            <a:tailEnd type="triangle"/>
+          </a:ln>
+        </p:spPr>
+        <p:style>
+          <a:lnRef idx="1">
+            <a:schemeClr val="accent1"/>
+          </a:lnRef>
+          <a:fillRef idx="0">
+            <a:schemeClr val="accent1"/>
+          </a:fillRef>
+          <a:effectRef idx="0">
+            <a:schemeClr val="accent1"/>
+          </a:effectRef>
+          <a:fontRef idx="minor">
+            <a:schemeClr val="tx1"/>
+          </a:fontRef>
+        </p:style>
+      </p:cxnSp>
+      <p:sp>
+        <p:nvSpPr>
+          <p:cNvPr id="20" name="Oval 19">
+            <a:extLst>
+              <a:ext uri="{FF2B5EF4-FFF2-40B4-BE49-F238E27FC236}">
+                <a16:creationId xmlns:a16="http://schemas.microsoft.com/office/drawing/2014/main" id="{819C0E69-B32D-4C75-94FB-43397116AF31}"/>
+              </a:ext>
+            </a:extLst>
+          </p:cNvPr>
+          <p:cNvSpPr/>
+          <p:nvPr/>
+        </p:nvSpPr>
+        <p:spPr>
+          <a:xfrm>
+            <a:off x="2485014" y="3477889"/>
+            <a:ext cx="120990" cy="120989"/>
+          </a:xfrm>
+          <a:prstGeom prst="ellipse">
+            <a:avLst/>
+          </a:prstGeom>
+        </p:spPr>
+        <p:style>
+          <a:lnRef idx="2">
+            <a:schemeClr val="accent1">
+              <a:shade val="50000"/>
+            </a:schemeClr>
+          </a:lnRef>
+          <a:fillRef idx="1">
+            <a:schemeClr val="accent1"/>
+          </a:fillRef>
+          <a:effectRef idx="0">
+            <a:schemeClr val="accent1"/>
+          </a:effectRef>
+          <a:fontRef idx="minor">
+            <a:schemeClr val="lt1"/>
+          </a:fontRef>
+        </p:style>
+        <p:txBody>
+          <a:bodyPr rtlCol="0" anchor="ctr"/>
+          <a:lstStyle/>
+          <a:p>
+            <a:pPr algn="ctr"/>
+            <a:endParaRPr lang="en-AU"/>
+          </a:p>
+        </p:txBody>
+      </p:sp>
+      <p:sp>
+        <p:nvSpPr>
+          <p:cNvPr id="21" name="TextBox 20">
+            <a:extLst>
+              <a:ext uri="{FF2B5EF4-FFF2-40B4-BE49-F238E27FC236}">
+                <a16:creationId xmlns:a16="http://schemas.microsoft.com/office/drawing/2014/main" id="{D359BA50-A4B4-444B-AA67-87CF18FBE230}"/>
+              </a:ext>
+            </a:extLst>
+          </p:cNvPr>
+          <p:cNvSpPr txBox="1"/>
+          <p:nvPr/>
+        </p:nvSpPr>
+        <p:spPr>
+          <a:xfrm>
+            <a:off x="5228211" y="3397506"/>
+            <a:ext cx="1279696" cy="369332"/>
+          </a:xfrm>
+          <a:prstGeom prst="rect">
+            <a:avLst/>
+          </a:prstGeom>
+          <a:noFill/>
+        </p:spPr>
+        <p:txBody>
+          <a:bodyPr wrap="square" rtlCol="0">
+            <a:spAutoFit/>
+          </a:bodyPr>
+          <a:lstStyle/>
+          <a:p>
+            <a:r>
+              <a:rPr lang="en-AU" dirty="0"/>
+              <a:t>Push hook</a:t>
+            </a:r>
           </a:p>
         </p:txBody>
       </p:sp>
     </p:spTree>
     <p:extLst>
       <p:ext uri="{BB962C8B-B14F-4D97-AF65-F5344CB8AC3E}">
-        <p14:creationId xmlns:p14="http://schemas.microsoft.com/office/powerpoint/2010/main" val="1618374647"/>
+        <p14:creationId xmlns:p14="http://schemas.microsoft.com/office/powerpoint/2010/main" val="2180385829"/>
       </p:ext>
     </p:extLst>
   </p:cSld>
@@ -6350,7 +7919,7 @@
           <p:cNvPr id="2" name="Title 1">
             <a:extLst>
               <a:ext uri="{FF2B5EF4-FFF2-40B4-BE49-F238E27FC236}">
-                <a16:creationId xmlns:a16="http://schemas.microsoft.com/office/drawing/2014/main" id="{71EB40E0-91FE-4305-A805-949B079A8922}"/>
+                <a16:creationId xmlns:a16="http://schemas.microsoft.com/office/drawing/2014/main" id="{B61BD2BC-2837-49E5-8C86-D998EC066742}"/>
               </a:ext>
             </a:extLst>
           </p:cNvPr>
@@ -6368,56 +7937,219 @@
           <a:p>
             <a:r>
               <a:rPr lang="en-AU" dirty="0"/>
-              <a:t>Git </a:t>
+              <a:t>Push </a:t>
             </a:r>
             <a:r>
               <a:rPr lang="en-AU" dirty="0" err="1"/>
-              <a:t>ftflow</a:t>
-            </a:r>
-            <a:r>
-              <a:rPr lang="en-AU" dirty="0"/>
-              <a:t> (</a:t>
+              <a:t>webhook</a:t>
+            </a:r>
+            <a:endParaRPr lang="en-AU" dirty="0"/>
+          </a:p>
+        </p:txBody>
+      </p:sp>
+      <p:sp>
+        <p:nvSpPr>
+          <p:cNvPr id="4" name="TextBox 3">
+            <a:extLst>
+              <a:ext uri="{FF2B5EF4-FFF2-40B4-BE49-F238E27FC236}">
+                <a16:creationId xmlns:a16="http://schemas.microsoft.com/office/drawing/2014/main" id="{9C52181B-1D07-4CB0-9F2D-F2EC2E2E6695}"/>
+              </a:ext>
+            </a:extLst>
+          </p:cNvPr>
+          <p:cNvSpPr txBox="1"/>
+          <p:nvPr/>
+        </p:nvSpPr>
+        <p:spPr>
+          <a:xfrm>
+            <a:off x="720000" y="1708800"/>
+            <a:ext cx="10633800" cy="3139321"/>
+          </a:xfrm>
+          <a:prstGeom prst="rect">
+            <a:avLst/>
+          </a:prstGeom>
+          <a:noFill/>
+        </p:spPr>
+        <p:txBody>
+          <a:bodyPr wrap="square" rtlCol="0">
+            <a:spAutoFit/>
+          </a:bodyPr>
+          <a:lstStyle/>
+          <a:p>
+            <a:r>
+              <a:rPr lang="en-AU" dirty="0"/>
+              <a:t>Get the branch name, committer name and email, SHA</a:t>
+            </a:r>
+          </a:p>
+          <a:p>
+            <a:r>
+              <a:rPr lang="en-AU" dirty="0"/>
+              <a:t>If (</a:t>
             </a:r>
             <a:r>
               <a:rPr lang="en-AU" dirty="0" err="1"/>
-              <a:t>manul</a:t>
-            </a:r>
-            <a:r>
-              <a:rPr lang="en-AU" dirty="0"/>
-              <a:t> intervene vs auto)</a:t>
-            </a:r>
-          </a:p>
-        </p:txBody>
-      </p:sp>
-      <p:sp>
-        <p:nvSpPr>
-          <p:cNvPr id="3" name="Content Placeholder 2">
-            <a:extLst>
-              <a:ext uri="{FF2B5EF4-FFF2-40B4-BE49-F238E27FC236}">
-                <a16:creationId xmlns:a16="http://schemas.microsoft.com/office/drawing/2014/main" id="{B4570E57-ED3B-464A-9F61-B82E330FCFE1}"/>
-              </a:ext>
-            </a:extLst>
-          </p:cNvPr>
-          <p:cNvSpPr>
-            <a:spLocks noGrp="1"/>
-          </p:cNvSpPr>
-          <p:nvPr>
-            <p:ph idx="1"/>
-          </p:nvPr>
-        </p:nvSpPr>
-        <p:spPr/>
-        <p:txBody>
-          <a:bodyPr/>
-          <a:lstStyle/>
-          <a:p>
-            <a:endParaRPr lang="en-AU"/>
+              <a:t>branchName.substring</a:t>
+            </a:r>
+            <a:r>
+              <a:rPr lang="en-AU" dirty="0"/>
+              <a:t>(0, 7)===`feature_` || </a:t>
+            </a:r>
+            <a:r>
+              <a:rPr lang="en-AU" dirty="0" err="1"/>
+              <a:t>branchName.substring</a:t>
+            </a:r>
+            <a:r>
+              <a:rPr lang="en-AU" dirty="0"/>
+              <a:t>(0, 5)===`master`){</a:t>
+            </a:r>
+          </a:p>
+          <a:p>
+            <a:r>
+              <a:rPr lang="en-AU" dirty="0"/>
+              <a:t>        // merging: </a:t>
+            </a:r>
+            <a:r>
+              <a:rPr lang="en-AU" dirty="0">
+                <a:hlinkClick r:id="rId2"/>
+              </a:rPr>
+              <a:t>https://developer.github.com/v3/repos/merging/</a:t>
+            </a:r>
+            <a:endParaRPr lang="en-AU" dirty="0"/>
+          </a:p>
+          <a:p>
+            <a:pPr lvl="1"/>
+            <a:r>
+              <a:rPr lang="en-AU" dirty="0"/>
+              <a:t>Call </a:t>
+            </a:r>
+            <a:r>
+              <a:rPr lang="en-AU" dirty="0" err="1"/>
+              <a:t>github</a:t>
+            </a:r>
+            <a:r>
+              <a:rPr lang="en-AU" dirty="0"/>
+              <a:t> to merge the branch into </a:t>
+            </a:r>
+            <a:r>
+              <a:rPr lang="en-AU" dirty="0" err="1"/>
+              <a:t>conflict_detect</a:t>
+            </a:r>
+            <a:r>
+              <a:rPr lang="en-AU" dirty="0"/>
+              <a:t> branch</a:t>
+            </a:r>
+          </a:p>
+          <a:p>
+            <a:pPr lvl="1"/>
+            <a:r>
+              <a:rPr lang="en-AU" dirty="0"/>
+              <a:t>If (success) then </a:t>
+            </a:r>
+          </a:p>
+          <a:p>
+            <a:pPr lvl="1"/>
+            <a:r>
+              <a:rPr lang="en-AU" dirty="0"/>
+              <a:t>    return;// all good</a:t>
+            </a:r>
+          </a:p>
+          <a:p>
+            <a:pPr lvl="1"/>
+            <a:r>
+              <a:rPr lang="en-AU" dirty="0"/>
+              <a:t>Else</a:t>
+            </a:r>
+          </a:p>
+          <a:p>
+            <a:pPr lvl="1"/>
+            <a:r>
+              <a:rPr lang="en-AU" dirty="0"/>
+              <a:t>    // Update a Reference: </a:t>
+            </a:r>
+            <a:r>
+              <a:rPr lang="en-AU" dirty="0">
+                <a:hlinkClick r:id="rId3"/>
+              </a:rPr>
+              <a:t>https://developer.github.com/v3/git/refs/</a:t>
+            </a:r>
+            <a:endParaRPr lang="en-AU" dirty="0"/>
+          </a:p>
+          <a:p>
+            <a:pPr lvl="1"/>
+            <a:r>
+              <a:rPr lang="en-AU" dirty="0"/>
+              <a:t>    call </a:t>
+            </a:r>
+            <a:r>
+              <a:rPr lang="en-AU" dirty="0" err="1"/>
+              <a:t>github</a:t>
+            </a:r>
+            <a:r>
+              <a:rPr lang="en-AU" dirty="0"/>
+              <a:t> to rollback the merge </a:t>
+            </a:r>
+          </a:p>
+          <a:p>
+            <a:pPr lvl="1"/>
+            <a:r>
+              <a:rPr lang="en-AU" dirty="0"/>
+              <a:t>    contact the committer with SHA</a:t>
+            </a:r>
+          </a:p>
+          <a:p>
+            <a:r>
+              <a:rPr lang="en-AU" dirty="0"/>
+              <a:t>}</a:t>
+            </a:r>
+          </a:p>
+        </p:txBody>
+      </p:sp>
+      <p:sp>
+        <p:nvSpPr>
+          <p:cNvPr id="5" name="TextBox 4">
+            <a:extLst>
+              <a:ext uri="{FF2B5EF4-FFF2-40B4-BE49-F238E27FC236}">
+                <a16:creationId xmlns:a16="http://schemas.microsoft.com/office/drawing/2014/main" id="{B18A6F19-5BB4-43F5-A37B-D22739072290}"/>
+              </a:ext>
+            </a:extLst>
+          </p:cNvPr>
+          <p:cNvSpPr txBox="1"/>
+          <p:nvPr/>
+        </p:nvSpPr>
+        <p:spPr>
+          <a:xfrm>
+            <a:off x="880800" y="4912800"/>
+            <a:ext cx="10687200" cy="369332"/>
+          </a:xfrm>
+          <a:prstGeom prst="rect">
+            <a:avLst/>
+          </a:prstGeom>
+          <a:noFill/>
+        </p:spPr>
+        <p:txBody>
+          <a:bodyPr wrap="square" rtlCol="0">
+            <a:spAutoFit/>
+          </a:bodyPr>
+          <a:lstStyle/>
+          <a:p>
+            <a:r>
+              <a:rPr lang="en-AU" dirty="0"/>
+              <a:t>Note: For requests using Basic Authentication or OAuth, you can make up to </a:t>
+            </a:r>
+            <a:r>
+              <a:rPr lang="en-AU" b="1" dirty="0"/>
+              <a:t>5000</a:t>
+            </a:r>
+            <a:r>
+              <a:rPr lang="en-AU" dirty="0"/>
+              <a:t> requests per hour. </a:t>
+            </a:r>
           </a:p>
         </p:txBody>
       </p:sp>
     </p:spTree>
     <p:extLst>
       <p:ext uri="{BB962C8B-B14F-4D97-AF65-F5344CB8AC3E}">
-        <p14:creationId xmlns:p14="http://schemas.microsoft.com/office/powerpoint/2010/main" val="4048104868"/>
+        <p14:creationId xmlns:p14="http://schemas.microsoft.com/office/powerpoint/2010/main" val="816372438"/>
       </p:ext>
     </p:extLst>
   </p:cSld>

--- a/featureToggles.pptx
+++ b/featureToggles.pptx
@@ -5254,6 +5254,17 @@
               <a:rPr lang="en-AU" dirty="0"/>
             </a:br>
             <a:r>
+              <a:rPr lang="en-AU" sz="2000" dirty="0"/>
+              <a:t>babel-plugin-syntax-dynamic-import, babel-plugin-dynamic-import-</a:t>
+            </a:r>
+            <a:r>
+              <a:rPr lang="en-AU" sz="2000" dirty="0" err="1"/>
+              <a:t>webpack</a:t>
+            </a:r>
+            <a:br>
+              <a:rPr lang="en-AU" dirty="0"/>
+            </a:br>
+            <a:r>
               <a:rPr lang="en-AU" sz="2000" dirty="0">
                 <a:hlinkClick r:id="rId2"/>
               </a:rPr>
@@ -5284,7 +5295,7 @@
         </p:nvSpPr>
         <p:spPr>
           <a:xfrm>
-            <a:off x="910200" y="1340825"/>
+            <a:off x="874200" y="1496825"/>
             <a:ext cx="10515600" cy="564775"/>
           </a:xfrm>
         </p:spPr>
@@ -5335,7 +5346,7 @@
         </p:blipFill>
         <p:spPr>
           <a:xfrm>
-            <a:off x="1026103" y="1962150"/>
+            <a:off x="910200" y="2158950"/>
             <a:ext cx="4039466" cy="4331710"/>
           </a:xfrm>
           <a:prstGeom prst="rect">
@@ -7116,7 +7127,7 @@
         </p:nvCxnSpPr>
         <p:spPr>
           <a:xfrm>
-            <a:off x="2539108" y="2440031"/>
+            <a:off x="2239108" y="1319231"/>
             <a:ext cx="0" cy="3485422"/>
           </a:xfrm>
           <a:prstGeom prst="line">
@@ -7152,7 +7163,7 @@
         </p:nvCxnSpPr>
         <p:spPr>
           <a:xfrm>
-            <a:off x="4820455" y="2440031"/>
+            <a:off x="4520455" y="1319231"/>
             <a:ext cx="0" cy="3485422"/>
           </a:xfrm>
           <a:prstGeom prst="line">
@@ -7188,7 +7199,7 @@
         </p:nvCxnSpPr>
         <p:spPr>
           <a:xfrm>
-            <a:off x="8958522" y="2414437"/>
+            <a:off x="8658522" y="1293637"/>
             <a:ext cx="0" cy="3485422"/>
           </a:xfrm>
           <a:prstGeom prst="line">
@@ -7224,7 +7235,7 @@
         </p:nvCxnSpPr>
         <p:spPr>
           <a:xfrm>
-            <a:off x="6900541" y="2414437"/>
+            <a:off x="6600541" y="1293637"/>
             <a:ext cx="0" cy="3485422"/>
           </a:xfrm>
           <a:prstGeom prst="line">
@@ -7260,7 +7271,7 @@
         </p:nvSpPr>
         <p:spPr>
           <a:xfrm>
-            <a:off x="1962082" y="2011915"/>
+            <a:off x="1662082" y="891115"/>
             <a:ext cx="1112171" cy="428116"/>
           </a:xfrm>
           <a:prstGeom prst="roundRect">
@@ -7309,7 +7320,7 @@
         </p:nvSpPr>
         <p:spPr>
           <a:xfrm>
-            <a:off x="4039841" y="1986321"/>
+            <a:off x="3739841" y="865521"/>
             <a:ext cx="1703157" cy="428116"/>
           </a:xfrm>
           <a:prstGeom prst="roundRect">
@@ -7359,7 +7370,7 @@
         </p:nvSpPr>
         <p:spPr>
           <a:xfrm>
-            <a:off x="6318861" y="1986321"/>
+            <a:off x="6018861" y="865521"/>
             <a:ext cx="1112171" cy="428116"/>
           </a:xfrm>
           <a:prstGeom prst="roundRect">
@@ -7409,7 +7420,7 @@
         </p:nvSpPr>
         <p:spPr>
           <a:xfrm>
-            <a:off x="8424541" y="1986321"/>
+            <a:off x="8124541" y="865521"/>
             <a:ext cx="1112171" cy="428116"/>
           </a:xfrm>
           <a:prstGeom prst="roundRect">
@@ -7459,7 +7470,7 @@
         </p:nvSpPr>
         <p:spPr>
           <a:xfrm>
-            <a:off x="6855169" y="2709930"/>
+            <a:off x="6555169" y="1589130"/>
             <a:ext cx="120990" cy="120989"/>
           </a:xfrm>
           <a:prstGeom prst="ellipse">
@@ -7505,7 +7516,7 @@
         </p:nvSpPr>
         <p:spPr>
           <a:xfrm>
-            <a:off x="4759960" y="2948418"/>
+            <a:off x="4459960" y="1827618"/>
             <a:ext cx="120990" cy="120989"/>
           </a:xfrm>
           <a:prstGeom prst="ellipse">
@@ -7554,7 +7565,7 @@
         </p:nvCxnSpPr>
         <p:spPr>
           <a:xfrm flipH="1">
-            <a:off x="4880950" y="2770425"/>
+            <a:off x="4580950" y="1649625"/>
             <a:ext cx="1974219" cy="238488"/>
           </a:xfrm>
           <a:prstGeom prst="straightConnector1">
@@ -7593,7 +7604,7 @@
         </p:nvSpPr>
         <p:spPr>
           <a:xfrm>
-            <a:off x="8932927" y="3665515"/>
+            <a:off x="8632927" y="2544715"/>
             <a:ext cx="120990" cy="120989"/>
           </a:xfrm>
           <a:prstGeom prst="ellipse">
@@ -7643,7 +7654,7 @@
         </p:nvCxnSpPr>
         <p:spPr>
           <a:xfrm flipH="1">
-            <a:off x="4937957" y="3726010"/>
+            <a:off x="4637957" y="2605210"/>
             <a:ext cx="3994970" cy="566781"/>
           </a:xfrm>
           <a:prstGeom prst="straightConnector1">
@@ -7682,7 +7693,7 @@
         </p:nvSpPr>
         <p:spPr>
           <a:xfrm>
-            <a:off x="4663404" y="4140166"/>
+            <a:off x="4363404" y="3019366"/>
             <a:ext cx="274552" cy="237325"/>
           </a:xfrm>
           <a:prstGeom prst="star7">
@@ -7728,7 +7739,7 @@
         </p:nvSpPr>
         <p:spPr>
           <a:xfrm>
-            <a:off x="4747166" y="3565466"/>
+            <a:off x="4447166" y="2444666"/>
             <a:ext cx="120990" cy="120989"/>
           </a:xfrm>
           <a:prstGeom prst="ellipse">
@@ -7778,7 +7789,7 @@
         </p:nvCxnSpPr>
         <p:spPr>
           <a:xfrm>
-            <a:off x="2606004" y="3538384"/>
+            <a:off x="2306004" y="2417584"/>
             <a:ext cx="2141162" cy="87577"/>
           </a:xfrm>
           <a:prstGeom prst="straightConnector1">
@@ -7817,7 +7828,7 @@
         </p:nvSpPr>
         <p:spPr>
           <a:xfrm>
-            <a:off x="2485014" y="3477889"/>
+            <a:off x="2185014" y="2357089"/>
             <a:ext cx="120990" cy="120989"/>
           </a:xfrm>
           <a:prstGeom prst="ellipse">
@@ -7863,7 +7874,7 @@
         </p:nvSpPr>
         <p:spPr>
           <a:xfrm>
-            <a:off x="5228211" y="3397506"/>
+            <a:off x="4928211" y="2276706"/>
             <a:ext cx="1279696" cy="369332"/>
           </a:xfrm>
           <a:prstGeom prst="rect">
@@ -7880,6 +7891,41 @@
             <a:r>
               <a:rPr lang="en-AU" dirty="0"/>
               <a:t>Push hook</a:t>
+            </a:r>
+          </a:p>
+        </p:txBody>
+      </p:sp>
+      <p:sp>
+        <p:nvSpPr>
+          <p:cNvPr id="2" name="TextBox 1">
+            <a:extLst>
+              <a:ext uri="{FF2B5EF4-FFF2-40B4-BE49-F238E27FC236}">
+                <a16:creationId xmlns:a16="http://schemas.microsoft.com/office/drawing/2014/main" id="{4A5ADB36-D4CF-400A-8E2F-FB154A285EA4}"/>
+              </a:ext>
+            </a:extLst>
+          </p:cNvPr>
+          <p:cNvSpPr txBox="1"/>
+          <p:nvPr/>
+        </p:nvSpPr>
+        <p:spPr>
+          <a:xfrm>
+            <a:off x="4507661" y="5232770"/>
+            <a:ext cx="4612800" cy="369332"/>
+          </a:xfrm>
+          <a:prstGeom prst="rect">
+            <a:avLst/>
+          </a:prstGeom>
+          <a:noFill/>
+        </p:spPr>
+        <p:txBody>
+          <a:bodyPr wrap="square" rtlCol="0">
+            <a:spAutoFit/>
+          </a:bodyPr>
+          <a:lstStyle/>
+          <a:p>
+            <a:r>
+              <a:rPr lang="en-AU" dirty="0"/>
+              <a:t>Push early, push often</a:t>
             </a:r>
           </a:p>
         </p:txBody>

--- a/featureToggles.pptx
+++ b/featureToggles.pptx
@@ -126,7 +126,7 @@
   </p:defaultTextStyle>
   <p:extLst>
     <p:ext uri="{EFAFB233-063F-42B5-8137-9DF3F51BA10A}">
-      <p15:sldGuideLst xmlns:p15="http://schemas.microsoft.com/office/powerpoint/2012/main"/>
+      <p15:sldGuideLst xmlns:p15="http://schemas.microsoft.com/office/powerpoint/2012/main" xmlns=""/>
     </p:ext>
   </p:extLst>
 </p:presentation>
@@ -158,7 +158,7 @@
           <p:cNvPr id="2" name="Title 1">
             <a:extLst>
               <a:ext uri="{FF2B5EF4-FFF2-40B4-BE49-F238E27FC236}">
-                <a16:creationId xmlns:a16="http://schemas.microsoft.com/office/drawing/2014/main" id="{38F81ACD-8C1F-4BB2-BA73-47F37386D344}"/>
+                <a16:creationId xmlns:a16="http://schemas.microsoft.com/office/drawing/2014/main" xmlns="" id="{38F81ACD-8C1F-4BB2-BA73-47F37386D344}"/>
               </a:ext>
             </a:extLst>
           </p:cNvPr>
@@ -196,7 +196,7 @@
           <p:cNvPr id="3" name="Subtitle 2">
             <a:extLst>
               <a:ext uri="{FF2B5EF4-FFF2-40B4-BE49-F238E27FC236}">
-                <a16:creationId xmlns:a16="http://schemas.microsoft.com/office/drawing/2014/main" id="{5BDFD646-F3F1-4378-91F9-75517FA3A993}"/>
+                <a16:creationId xmlns:a16="http://schemas.microsoft.com/office/drawing/2014/main" xmlns="" id="{5BDFD646-F3F1-4378-91F9-75517FA3A993}"/>
               </a:ext>
             </a:extLst>
           </p:cNvPr>
@@ -267,7 +267,7 @@
           <p:cNvPr id="4" name="Date Placeholder 3">
             <a:extLst>
               <a:ext uri="{FF2B5EF4-FFF2-40B4-BE49-F238E27FC236}">
-                <a16:creationId xmlns:a16="http://schemas.microsoft.com/office/drawing/2014/main" id="{C116471B-760C-4B29-BC65-A5261A6DD762}"/>
+                <a16:creationId xmlns:a16="http://schemas.microsoft.com/office/drawing/2014/main" xmlns="" id="{C116471B-760C-4B29-BC65-A5261A6DD762}"/>
               </a:ext>
             </a:extLst>
           </p:cNvPr>
@@ -296,7 +296,7 @@
           <p:cNvPr id="5" name="Footer Placeholder 4">
             <a:extLst>
               <a:ext uri="{FF2B5EF4-FFF2-40B4-BE49-F238E27FC236}">
-                <a16:creationId xmlns:a16="http://schemas.microsoft.com/office/drawing/2014/main" id="{55048D6F-E27F-402B-9B6C-750D1A2AD34A}"/>
+                <a16:creationId xmlns:a16="http://schemas.microsoft.com/office/drawing/2014/main" xmlns="" id="{55048D6F-E27F-402B-9B6C-750D1A2AD34A}"/>
               </a:ext>
             </a:extLst>
           </p:cNvPr>
@@ -321,7 +321,7 @@
           <p:cNvPr id="6" name="Slide Number Placeholder 5">
             <a:extLst>
               <a:ext uri="{FF2B5EF4-FFF2-40B4-BE49-F238E27FC236}">
-                <a16:creationId xmlns:a16="http://schemas.microsoft.com/office/drawing/2014/main" id="{B3E9A2DE-C84E-4DC5-AA0C-C45C8E1E15A5}"/>
+                <a16:creationId xmlns:a16="http://schemas.microsoft.com/office/drawing/2014/main" xmlns="" id="{B3E9A2DE-C84E-4DC5-AA0C-C45C8E1E15A5}"/>
               </a:ext>
             </a:extLst>
           </p:cNvPr>
@@ -380,7 +380,7 @@
           <p:cNvPr id="2" name="Title 1">
             <a:extLst>
               <a:ext uri="{FF2B5EF4-FFF2-40B4-BE49-F238E27FC236}">
-                <a16:creationId xmlns:a16="http://schemas.microsoft.com/office/drawing/2014/main" id="{7C0EFEF6-DAD2-401D-8CEF-58DEEDA30E36}"/>
+                <a16:creationId xmlns:a16="http://schemas.microsoft.com/office/drawing/2014/main" xmlns="" id="{7C0EFEF6-DAD2-401D-8CEF-58DEEDA30E36}"/>
               </a:ext>
             </a:extLst>
           </p:cNvPr>
@@ -409,7 +409,7 @@
           <p:cNvPr id="3" name="Vertical Text Placeholder 2">
             <a:extLst>
               <a:ext uri="{FF2B5EF4-FFF2-40B4-BE49-F238E27FC236}">
-                <a16:creationId xmlns:a16="http://schemas.microsoft.com/office/drawing/2014/main" id="{117EED84-C3CB-4AF5-AD23-90CA35E96273}"/>
+                <a16:creationId xmlns:a16="http://schemas.microsoft.com/office/drawing/2014/main" xmlns="" id="{117EED84-C3CB-4AF5-AD23-90CA35E96273}"/>
               </a:ext>
             </a:extLst>
           </p:cNvPr>
@@ -467,7 +467,7 @@
           <p:cNvPr id="4" name="Date Placeholder 3">
             <a:extLst>
               <a:ext uri="{FF2B5EF4-FFF2-40B4-BE49-F238E27FC236}">
-                <a16:creationId xmlns:a16="http://schemas.microsoft.com/office/drawing/2014/main" id="{004A36D1-B023-456D-A05D-E708709D6B75}"/>
+                <a16:creationId xmlns:a16="http://schemas.microsoft.com/office/drawing/2014/main" xmlns="" id="{004A36D1-B023-456D-A05D-E708709D6B75}"/>
               </a:ext>
             </a:extLst>
           </p:cNvPr>
@@ -496,7 +496,7 @@
           <p:cNvPr id="5" name="Footer Placeholder 4">
             <a:extLst>
               <a:ext uri="{FF2B5EF4-FFF2-40B4-BE49-F238E27FC236}">
-                <a16:creationId xmlns:a16="http://schemas.microsoft.com/office/drawing/2014/main" id="{05D3A2AD-699E-462A-B229-90E89740B46F}"/>
+                <a16:creationId xmlns:a16="http://schemas.microsoft.com/office/drawing/2014/main" xmlns="" id="{05D3A2AD-699E-462A-B229-90E89740B46F}"/>
               </a:ext>
             </a:extLst>
           </p:cNvPr>
@@ -521,7 +521,7 @@
           <p:cNvPr id="6" name="Slide Number Placeholder 5">
             <a:extLst>
               <a:ext uri="{FF2B5EF4-FFF2-40B4-BE49-F238E27FC236}">
-                <a16:creationId xmlns:a16="http://schemas.microsoft.com/office/drawing/2014/main" id="{9050A44C-61DD-456A-8955-C46F258F8157}"/>
+                <a16:creationId xmlns:a16="http://schemas.microsoft.com/office/drawing/2014/main" xmlns="" id="{9050A44C-61DD-456A-8955-C46F258F8157}"/>
               </a:ext>
             </a:extLst>
           </p:cNvPr>
@@ -580,7 +580,7 @@
           <p:cNvPr id="2" name="Vertical Title 1">
             <a:extLst>
               <a:ext uri="{FF2B5EF4-FFF2-40B4-BE49-F238E27FC236}">
-                <a16:creationId xmlns:a16="http://schemas.microsoft.com/office/drawing/2014/main" id="{F5377BB8-079C-4A89-A9FD-32FF6E883D75}"/>
+                <a16:creationId xmlns:a16="http://schemas.microsoft.com/office/drawing/2014/main" xmlns="" id="{F5377BB8-079C-4A89-A9FD-32FF6E883D75}"/>
               </a:ext>
             </a:extLst>
           </p:cNvPr>
@@ -614,7 +614,7 @@
           <p:cNvPr id="3" name="Vertical Text Placeholder 2">
             <a:extLst>
               <a:ext uri="{FF2B5EF4-FFF2-40B4-BE49-F238E27FC236}">
-                <a16:creationId xmlns:a16="http://schemas.microsoft.com/office/drawing/2014/main" id="{EB81C5F0-725D-449A-8EF3-6531E2FA1AA8}"/>
+                <a16:creationId xmlns:a16="http://schemas.microsoft.com/office/drawing/2014/main" xmlns="" id="{EB81C5F0-725D-449A-8EF3-6531E2FA1AA8}"/>
               </a:ext>
             </a:extLst>
           </p:cNvPr>
@@ -677,7 +677,7 @@
           <p:cNvPr id="4" name="Date Placeholder 3">
             <a:extLst>
               <a:ext uri="{FF2B5EF4-FFF2-40B4-BE49-F238E27FC236}">
-                <a16:creationId xmlns:a16="http://schemas.microsoft.com/office/drawing/2014/main" id="{FC0181BA-19FD-4050-9029-64DEBEBE498A}"/>
+                <a16:creationId xmlns:a16="http://schemas.microsoft.com/office/drawing/2014/main" xmlns="" id="{FC0181BA-19FD-4050-9029-64DEBEBE498A}"/>
               </a:ext>
             </a:extLst>
           </p:cNvPr>
@@ -706,7 +706,7 @@
           <p:cNvPr id="5" name="Footer Placeholder 4">
             <a:extLst>
               <a:ext uri="{FF2B5EF4-FFF2-40B4-BE49-F238E27FC236}">
-                <a16:creationId xmlns:a16="http://schemas.microsoft.com/office/drawing/2014/main" id="{C5BBB84B-A425-43A6-9E6B-AF292D520063}"/>
+                <a16:creationId xmlns:a16="http://schemas.microsoft.com/office/drawing/2014/main" xmlns="" id="{C5BBB84B-A425-43A6-9E6B-AF292D520063}"/>
               </a:ext>
             </a:extLst>
           </p:cNvPr>
@@ -731,7 +731,7 @@
           <p:cNvPr id="6" name="Slide Number Placeholder 5">
             <a:extLst>
               <a:ext uri="{FF2B5EF4-FFF2-40B4-BE49-F238E27FC236}">
-                <a16:creationId xmlns:a16="http://schemas.microsoft.com/office/drawing/2014/main" id="{C6BEEE56-BCA2-41E1-8198-EA1D0263C7A3}"/>
+                <a16:creationId xmlns:a16="http://schemas.microsoft.com/office/drawing/2014/main" xmlns="" id="{C6BEEE56-BCA2-41E1-8198-EA1D0263C7A3}"/>
               </a:ext>
             </a:extLst>
           </p:cNvPr>
@@ -790,7 +790,7 @@
           <p:cNvPr id="2" name="Title 1">
             <a:extLst>
               <a:ext uri="{FF2B5EF4-FFF2-40B4-BE49-F238E27FC236}">
-                <a16:creationId xmlns:a16="http://schemas.microsoft.com/office/drawing/2014/main" id="{1FAB533F-D466-4C2E-A38D-D6DAB9435884}"/>
+                <a16:creationId xmlns:a16="http://schemas.microsoft.com/office/drawing/2014/main" xmlns="" id="{1FAB533F-D466-4C2E-A38D-D6DAB9435884}"/>
               </a:ext>
             </a:extLst>
           </p:cNvPr>
@@ -819,7 +819,7 @@
           <p:cNvPr id="3" name="Content Placeholder 2">
             <a:extLst>
               <a:ext uri="{FF2B5EF4-FFF2-40B4-BE49-F238E27FC236}">
-                <a16:creationId xmlns:a16="http://schemas.microsoft.com/office/drawing/2014/main" id="{25260A0A-1EB9-4D07-8FE5-FEE29792F594}"/>
+                <a16:creationId xmlns:a16="http://schemas.microsoft.com/office/drawing/2014/main" xmlns="" id="{25260A0A-1EB9-4D07-8FE5-FEE29792F594}"/>
               </a:ext>
             </a:extLst>
           </p:cNvPr>
@@ -877,7 +877,7 @@
           <p:cNvPr id="4" name="Date Placeholder 3">
             <a:extLst>
               <a:ext uri="{FF2B5EF4-FFF2-40B4-BE49-F238E27FC236}">
-                <a16:creationId xmlns:a16="http://schemas.microsoft.com/office/drawing/2014/main" id="{A1C8AA27-F3BA-44A6-9B2B-C315B74FFBA5}"/>
+                <a16:creationId xmlns:a16="http://schemas.microsoft.com/office/drawing/2014/main" xmlns="" id="{A1C8AA27-F3BA-44A6-9B2B-C315B74FFBA5}"/>
               </a:ext>
             </a:extLst>
           </p:cNvPr>
@@ -906,7 +906,7 @@
           <p:cNvPr id="5" name="Footer Placeholder 4">
             <a:extLst>
               <a:ext uri="{FF2B5EF4-FFF2-40B4-BE49-F238E27FC236}">
-                <a16:creationId xmlns:a16="http://schemas.microsoft.com/office/drawing/2014/main" id="{FDAE1B9D-3A65-4218-9B24-F7F07259FE98}"/>
+                <a16:creationId xmlns:a16="http://schemas.microsoft.com/office/drawing/2014/main" xmlns="" id="{FDAE1B9D-3A65-4218-9B24-F7F07259FE98}"/>
               </a:ext>
             </a:extLst>
           </p:cNvPr>
@@ -931,7 +931,7 @@
           <p:cNvPr id="6" name="Slide Number Placeholder 5">
             <a:extLst>
               <a:ext uri="{FF2B5EF4-FFF2-40B4-BE49-F238E27FC236}">
-                <a16:creationId xmlns:a16="http://schemas.microsoft.com/office/drawing/2014/main" id="{7F6469AC-87CC-4110-853E-4EF47FB24469}"/>
+                <a16:creationId xmlns:a16="http://schemas.microsoft.com/office/drawing/2014/main" xmlns="" id="{7F6469AC-87CC-4110-853E-4EF47FB24469}"/>
               </a:ext>
             </a:extLst>
           </p:cNvPr>
@@ -990,7 +990,7 @@
           <p:cNvPr id="2" name="Title 1">
             <a:extLst>
               <a:ext uri="{FF2B5EF4-FFF2-40B4-BE49-F238E27FC236}">
-                <a16:creationId xmlns:a16="http://schemas.microsoft.com/office/drawing/2014/main" id="{7CD84C07-8032-40E4-8188-26C90C375735}"/>
+                <a16:creationId xmlns:a16="http://schemas.microsoft.com/office/drawing/2014/main" xmlns="" id="{7CD84C07-8032-40E4-8188-26C90C375735}"/>
               </a:ext>
             </a:extLst>
           </p:cNvPr>
@@ -1028,7 +1028,7 @@
           <p:cNvPr id="3" name="Text Placeholder 2">
             <a:extLst>
               <a:ext uri="{FF2B5EF4-FFF2-40B4-BE49-F238E27FC236}">
-                <a16:creationId xmlns:a16="http://schemas.microsoft.com/office/drawing/2014/main" id="{58BBB9ED-EEEF-486B-BBD2-B0F5F29FB751}"/>
+                <a16:creationId xmlns:a16="http://schemas.microsoft.com/office/drawing/2014/main" xmlns="" id="{58BBB9ED-EEEF-486B-BBD2-B0F5F29FB751}"/>
               </a:ext>
             </a:extLst>
           </p:cNvPr>
@@ -1153,7 +1153,7 @@
           <p:cNvPr id="4" name="Date Placeholder 3">
             <a:extLst>
               <a:ext uri="{FF2B5EF4-FFF2-40B4-BE49-F238E27FC236}">
-                <a16:creationId xmlns:a16="http://schemas.microsoft.com/office/drawing/2014/main" id="{C1886328-7A1B-432B-899F-09D7885145D0}"/>
+                <a16:creationId xmlns:a16="http://schemas.microsoft.com/office/drawing/2014/main" xmlns="" id="{C1886328-7A1B-432B-899F-09D7885145D0}"/>
               </a:ext>
             </a:extLst>
           </p:cNvPr>
@@ -1182,7 +1182,7 @@
           <p:cNvPr id="5" name="Footer Placeholder 4">
             <a:extLst>
               <a:ext uri="{FF2B5EF4-FFF2-40B4-BE49-F238E27FC236}">
-                <a16:creationId xmlns:a16="http://schemas.microsoft.com/office/drawing/2014/main" id="{687EDC61-8E2E-47AA-B91B-3A51ED2E1244}"/>
+                <a16:creationId xmlns:a16="http://schemas.microsoft.com/office/drawing/2014/main" xmlns="" id="{687EDC61-8E2E-47AA-B91B-3A51ED2E1244}"/>
               </a:ext>
             </a:extLst>
           </p:cNvPr>
@@ -1207,7 +1207,7 @@
           <p:cNvPr id="6" name="Slide Number Placeholder 5">
             <a:extLst>
               <a:ext uri="{FF2B5EF4-FFF2-40B4-BE49-F238E27FC236}">
-                <a16:creationId xmlns:a16="http://schemas.microsoft.com/office/drawing/2014/main" id="{7D9AD1A8-963F-4E0F-A996-1D59DEB2AB11}"/>
+                <a16:creationId xmlns:a16="http://schemas.microsoft.com/office/drawing/2014/main" xmlns="" id="{7D9AD1A8-963F-4E0F-A996-1D59DEB2AB11}"/>
               </a:ext>
             </a:extLst>
           </p:cNvPr>
@@ -1266,7 +1266,7 @@
           <p:cNvPr id="2" name="Title 1">
             <a:extLst>
               <a:ext uri="{FF2B5EF4-FFF2-40B4-BE49-F238E27FC236}">
-                <a16:creationId xmlns:a16="http://schemas.microsoft.com/office/drawing/2014/main" id="{F94DB45A-071D-4C99-A5B5-35979556A0CC}"/>
+                <a16:creationId xmlns:a16="http://schemas.microsoft.com/office/drawing/2014/main" xmlns="" id="{F94DB45A-071D-4C99-A5B5-35979556A0CC}"/>
               </a:ext>
             </a:extLst>
           </p:cNvPr>
@@ -1295,7 +1295,7 @@
           <p:cNvPr id="3" name="Content Placeholder 2">
             <a:extLst>
               <a:ext uri="{FF2B5EF4-FFF2-40B4-BE49-F238E27FC236}">
-                <a16:creationId xmlns:a16="http://schemas.microsoft.com/office/drawing/2014/main" id="{0A2162A9-A21E-4501-AC10-15F68B1F8653}"/>
+                <a16:creationId xmlns:a16="http://schemas.microsoft.com/office/drawing/2014/main" xmlns="" id="{0A2162A9-A21E-4501-AC10-15F68B1F8653}"/>
               </a:ext>
             </a:extLst>
           </p:cNvPr>
@@ -1358,7 +1358,7 @@
           <p:cNvPr id="4" name="Content Placeholder 3">
             <a:extLst>
               <a:ext uri="{FF2B5EF4-FFF2-40B4-BE49-F238E27FC236}">
-                <a16:creationId xmlns:a16="http://schemas.microsoft.com/office/drawing/2014/main" id="{C9808B4B-FAC3-4EF5-945D-276AEBCEEB56}"/>
+                <a16:creationId xmlns:a16="http://schemas.microsoft.com/office/drawing/2014/main" xmlns="" id="{C9808B4B-FAC3-4EF5-945D-276AEBCEEB56}"/>
               </a:ext>
             </a:extLst>
           </p:cNvPr>
@@ -1421,7 +1421,7 @@
           <p:cNvPr id="5" name="Date Placeholder 4">
             <a:extLst>
               <a:ext uri="{FF2B5EF4-FFF2-40B4-BE49-F238E27FC236}">
-                <a16:creationId xmlns:a16="http://schemas.microsoft.com/office/drawing/2014/main" id="{111E4125-3763-4CDE-A124-A7F37129BF6F}"/>
+                <a16:creationId xmlns:a16="http://schemas.microsoft.com/office/drawing/2014/main" xmlns="" id="{111E4125-3763-4CDE-A124-A7F37129BF6F}"/>
               </a:ext>
             </a:extLst>
           </p:cNvPr>
@@ -1450,7 +1450,7 @@
           <p:cNvPr id="6" name="Footer Placeholder 5">
             <a:extLst>
               <a:ext uri="{FF2B5EF4-FFF2-40B4-BE49-F238E27FC236}">
-                <a16:creationId xmlns:a16="http://schemas.microsoft.com/office/drawing/2014/main" id="{6A31F033-2EFA-4A06-8CCE-4CC9C6D6F2C9}"/>
+                <a16:creationId xmlns:a16="http://schemas.microsoft.com/office/drawing/2014/main" xmlns="" id="{6A31F033-2EFA-4A06-8CCE-4CC9C6D6F2C9}"/>
               </a:ext>
             </a:extLst>
           </p:cNvPr>
@@ -1475,7 +1475,7 @@
           <p:cNvPr id="7" name="Slide Number Placeholder 6">
             <a:extLst>
               <a:ext uri="{FF2B5EF4-FFF2-40B4-BE49-F238E27FC236}">
-                <a16:creationId xmlns:a16="http://schemas.microsoft.com/office/drawing/2014/main" id="{39784076-D524-4AB4-96F2-C3CDEFC47AB1}"/>
+                <a16:creationId xmlns:a16="http://schemas.microsoft.com/office/drawing/2014/main" xmlns="" id="{39784076-D524-4AB4-96F2-C3CDEFC47AB1}"/>
               </a:ext>
             </a:extLst>
           </p:cNvPr>
@@ -1534,7 +1534,7 @@
           <p:cNvPr id="2" name="Title 1">
             <a:extLst>
               <a:ext uri="{FF2B5EF4-FFF2-40B4-BE49-F238E27FC236}">
-                <a16:creationId xmlns:a16="http://schemas.microsoft.com/office/drawing/2014/main" id="{B745368A-B171-42D4-B621-B342A8582657}"/>
+                <a16:creationId xmlns:a16="http://schemas.microsoft.com/office/drawing/2014/main" xmlns="" id="{B745368A-B171-42D4-B621-B342A8582657}"/>
               </a:ext>
             </a:extLst>
           </p:cNvPr>
@@ -1568,7 +1568,7 @@
           <p:cNvPr id="3" name="Text Placeholder 2">
             <a:extLst>
               <a:ext uri="{FF2B5EF4-FFF2-40B4-BE49-F238E27FC236}">
-                <a16:creationId xmlns:a16="http://schemas.microsoft.com/office/drawing/2014/main" id="{6EB5C1D4-3980-42FF-B1F5-02359E1FF18B}"/>
+                <a16:creationId xmlns:a16="http://schemas.microsoft.com/office/drawing/2014/main" xmlns="" id="{6EB5C1D4-3980-42FF-B1F5-02359E1FF18B}"/>
               </a:ext>
             </a:extLst>
           </p:cNvPr>
@@ -1639,7 +1639,7 @@
           <p:cNvPr id="4" name="Content Placeholder 3">
             <a:extLst>
               <a:ext uri="{FF2B5EF4-FFF2-40B4-BE49-F238E27FC236}">
-                <a16:creationId xmlns:a16="http://schemas.microsoft.com/office/drawing/2014/main" id="{83C8D96C-588F-4783-A633-494FB037A1EE}"/>
+                <a16:creationId xmlns:a16="http://schemas.microsoft.com/office/drawing/2014/main" xmlns="" id="{83C8D96C-588F-4783-A633-494FB037A1EE}"/>
               </a:ext>
             </a:extLst>
           </p:cNvPr>
@@ -1702,7 +1702,7 @@
           <p:cNvPr id="5" name="Text Placeholder 4">
             <a:extLst>
               <a:ext uri="{FF2B5EF4-FFF2-40B4-BE49-F238E27FC236}">
-                <a16:creationId xmlns:a16="http://schemas.microsoft.com/office/drawing/2014/main" id="{28667787-A838-4CC1-A1ED-AE08B50E6BCC}"/>
+                <a16:creationId xmlns:a16="http://schemas.microsoft.com/office/drawing/2014/main" xmlns="" id="{28667787-A838-4CC1-A1ED-AE08B50E6BCC}"/>
               </a:ext>
             </a:extLst>
           </p:cNvPr>
@@ -1773,7 +1773,7 @@
           <p:cNvPr id="6" name="Content Placeholder 5">
             <a:extLst>
               <a:ext uri="{FF2B5EF4-FFF2-40B4-BE49-F238E27FC236}">
-                <a16:creationId xmlns:a16="http://schemas.microsoft.com/office/drawing/2014/main" id="{7B40A859-B47C-4D03-8DBB-62106BCC6396}"/>
+                <a16:creationId xmlns:a16="http://schemas.microsoft.com/office/drawing/2014/main" xmlns="" id="{7B40A859-B47C-4D03-8DBB-62106BCC6396}"/>
               </a:ext>
             </a:extLst>
           </p:cNvPr>
@@ -1836,7 +1836,7 @@
           <p:cNvPr id="7" name="Date Placeholder 6">
             <a:extLst>
               <a:ext uri="{FF2B5EF4-FFF2-40B4-BE49-F238E27FC236}">
-                <a16:creationId xmlns:a16="http://schemas.microsoft.com/office/drawing/2014/main" id="{9E8971B1-954C-4FAC-B307-11F8197CCC26}"/>
+                <a16:creationId xmlns:a16="http://schemas.microsoft.com/office/drawing/2014/main" xmlns="" id="{9E8971B1-954C-4FAC-B307-11F8197CCC26}"/>
               </a:ext>
             </a:extLst>
           </p:cNvPr>
@@ -1865,7 +1865,7 @@
           <p:cNvPr id="8" name="Footer Placeholder 7">
             <a:extLst>
               <a:ext uri="{FF2B5EF4-FFF2-40B4-BE49-F238E27FC236}">
-                <a16:creationId xmlns:a16="http://schemas.microsoft.com/office/drawing/2014/main" id="{495E3B1A-D948-4A43-9383-89A59162C90A}"/>
+                <a16:creationId xmlns:a16="http://schemas.microsoft.com/office/drawing/2014/main" xmlns="" id="{495E3B1A-D948-4A43-9383-89A59162C90A}"/>
               </a:ext>
             </a:extLst>
           </p:cNvPr>
@@ -1890,7 +1890,7 @@
           <p:cNvPr id="9" name="Slide Number Placeholder 8">
             <a:extLst>
               <a:ext uri="{FF2B5EF4-FFF2-40B4-BE49-F238E27FC236}">
-                <a16:creationId xmlns:a16="http://schemas.microsoft.com/office/drawing/2014/main" id="{3104F6C4-5756-4122-8B27-29C65B744BB6}"/>
+                <a16:creationId xmlns:a16="http://schemas.microsoft.com/office/drawing/2014/main" xmlns="" id="{3104F6C4-5756-4122-8B27-29C65B744BB6}"/>
               </a:ext>
             </a:extLst>
           </p:cNvPr>
@@ -1949,7 +1949,7 @@
           <p:cNvPr id="2" name="Title 1">
             <a:extLst>
               <a:ext uri="{FF2B5EF4-FFF2-40B4-BE49-F238E27FC236}">
-                <a16:creationId xmlns:a16="http://schemas.microsoft.com/office/drawing/2014/main" id="{204971F9-7824-41A4-8398-B33DB2E25B17}"/>
+                <a16:creationId xmlns:a16="http://schemas.microsoft.com/office/drawing/2014/main" xmlns="" id="{204971F9-7824-41A4-8398-B33DB2E25B17}"/>
               </a:ext>
             </a:extLst>
           </p:cNvPr>
@@ -1978,7 +1978,7 @@
           <p:cNvPr id="3" name="Date Placeholder 2">
             <a:extLst>
               <a:ext uri="{FF2B5EF4-FFF2-40B4-BE49-F238E27FC236}">
-                <a16:creationId xmlns:a16="http://schemas.microsoft.com/office/drawing/2014/main" id="{2CD14C02-4114-42B0-A0A0-1561A896C5F6}"/>
+                <a16:creationId xmlns:a16="http://schemas.microsoft.com/office/drawing/2014/main" xmlns="" id="{2CD14C02-4114-42B0-A0A0-1561A896C5F6}"/>
               </a:ext>
             </a:extLst>
           </p:cNvPr>
@@ -2007,7 +2007,7 @@
           <p:cNvPr id="4" name="Footer Placeholder 3">
             <a:extLst>
               <a:ext uri="{FF2B5EF4-FFF2-40B4-BE49-F238E27FC236}">
-                <a16:creationId xmlns:a16="http://schemas.microsoft.com/office/drawing/2014/main" id="{69224448-8C00-4357-8694-938F1723F49C}"/>
+                <a16:creationId xmlns:a16="http://schemas.microsoft.com/office/drawing/2014/main" xmlns="" id="{69224448-8C00-4357-8694-938F1723F49C}"/>
               </a:ext>
             </a:extLst>
           </p:cNvPr>
@@ -2032,7 +2032,7 @@
           <p:cNvPr id="5" name="Slide Number Placeholder 4">
             <a:extLst>
               <a:ext uri="{FF2B5EF4-FFF2-40B4-BE49-F238E27FC236}">
-                <a16:creationId xmlns:a16="http://schemas.microsoft.com/office/drawing/2014/main" id="{6C7DCA96-9B71-49D7-B19E-DF6F73963068}"/>
+                <a16:creationId xmlns:a16="http://schemas.microsoft.com/office/drawing/2014/main" xmlns="" id="{6C7DCA96-9B71-49D7-B19E-DF6F73963068}"/>
               </a:ext>
             </a:extLst>
           </p:cNvPr>
@@ -2091,7 +2091,7 @@
           <p:cNvPr id="2" name="Date Placeholder 1">
             <a:extLst>
               <a:ext uri="{FF2B5EF4-FFF2-40B4-BE49-F238E27FC236}">
-                <a16:creationId xmlns:a16="http://schemas.microsoft.com/office/drawing/2014/main" id="{E8DF68A8-5D4D-47DE-A680-03D5A49717C6}"/>
+                <a16:creationId xmlns:a16="http://schemas.microsoft.com/office/drawing/2014/main" xmlns="" id="{E8DF68A8-5D4D-47DE-A680-03D5A49717C6}"/>
               </a:ext>
             </a:extLst>
           </p:cNvPr>
@@ -2120,7 +2120,7 @@
           <p:cNvPr id="3" name="Footer Placeholder 2">
             <a:extLst>
               <a:ext uri="{FF2B5EF4-FFF2-40B4-BE49-F238E27FC236}">
-                <a16:creationId xmlns:a16="http://schemas.microsoft.com/office/drawing/2014/main" id="{155CD824-5C15-4A04-82D3-7B629C181F19}"/>
+                <a16:creationId xmlns:a16="http://schemas.microsoft.com/office/drawing/2014/main" xmlns="" id="{155CD824-5C15-4A04-82D3-7B629C181F19}"/>
               </a:ext>
             </a:extLst>
           </p:cNvPr>
@@ -2145,7 +2145,7 @@
           <p:cNvPr id="4" name="Slide Number Placeholder 3">
             <a:extLst>
               <a:ext uri="{FF2B5EF4-FFF2-40B4-BE49-F238E27FC236}">
-                <a16:creationId xmlns:a16="http://schemas.microsoft.com/office/drawing/2014/main" id="{018AE5D8-A796-4C5F-AF96-633C586CE814}"/>
+                <a16:creationId xmlns:a16="http://schemas.microsoft.com/office/drawing/2014/main" xmlns="" id="{018AE5D8-A796-4C5F-AF96-633C586CE814}"/>
               </a:ext>
             </a:extLst>
           </p:cNvPr>
@@ -2204,7 +2204,7 @@
           <p:cNvPr id="2" name="Title 1">
             <a:extLst>
               <a:ext uri="{FF2B5EF4-FFF2-40B4-BE49-F238E27FC236}">
-                <a16:creationId xmlns:a16="http://schemas.microsoft.com/office/drawing/2014/main" id="{5785C08C-F708-4E59-9638-67476CCE6F8E}"/>
+                <a16:creationId xmlns:a16="http://schemas.microsoft.com/office/drawing/2014/main" xmlns="" id="{5785C08C-F708-4E59-9638-67476CCE6F8E}"/>
               </a:ext>
             </a:extLst>
           </p:cNvPr>
@@ -2242,7 +2242,7 @@
           <p:cNvPr id="3" name="Content Placeholder 2">
             <a:extLst>
               <a:ext uri="{FF2B5EF4-FFF2-40B4-BE49-F238E27FC236}">
-                <a16:creationId xmlns:a16="http://schemas.microsoft.com/office/drawing/2014/main" id="{37D67BF5-8B86-462B-B714-E04C03AFACB1}"/>
+                <a16:creationId xmlns:a16="http://schemas.microsoft.com/office/drawing/2014/main" xmlns="" id="{37D67BF5-8B86-462B-B714-E04C03AFACB1}"/>
               </a:ext>
             </a:extLst>
           </p:cNvPr>
@@ -2333,7 +2333,7 @@
           <p:cNvPr id="4" name="Text Placeholder 3">
             <a:extLst>
               <a:ext uri="{FF2B5EF4-FFF2-40B4-BE49-F238E27FC236}">
-                <a16:creationId xmlns:a16="http://schemas.microsoft.com/office/drawing/2014/main" id="{11D7DB8C-9AFD-4BF2-86F3-684F952F52FC}"/>
+                <a16:creationId xmlns:a16="http://schemas.microsoft.com/office/drawing/2014/main" xmlns="" id="{11D7DB8C-9AFD-4BF2-86F3-684F952F52FC}"/>
               </a:ext>
             </a:extLst>
           </p:cNvPr>
@@ -2404,7 +2404,7 @@
           <p:cNvPr id="5" name="Date Placeholder 4">
             <a:extLst>
               <a:ext uri="{FF2B5EF4-FFF2-40B4-BE49-F238E27FC236}">
-                <a16:creationId xmlns:a16="http://schemas.microsoft.com/office/drawing/2014/main" id="{7E4D098C-4950-4964-9D3B-09607BD26634}"/>
+                <a16:creationId xmlns:a16="http://schemas.microsoft.com/office/drawing/2014/main" xmlns="" id="{7E4D098C-4950-4964-9D3B-09607BD26634}"/>
               </a:ext>
             </a:extLst>
           </p:cNvPr>
@@ -2433,7 +2433,7 @@
           <p:cNvPr id="6" name="Footer Placeholder 5">
             <a:extLst>
               <a:ext uri="{FF2B5EF4-FFF2-40B4-BE49-F238E27FC236}">
-                <a16:creationId xmlns:a16="http://schemas.microsoft.com/office/drawing/2014/main" id="{F2CA40CB-8C56-4909-A6E1-D90B748B0886}"/>
+                <a16:creationId xmlns:a16="http://schemas.microsoft.com/office/drawing/2014/main" xmlns="" id="{F2CA40CB-8C56-4909-A6E1-D90B748B0886}"/>
               </a:ext>
             </a:extLst>
           </p:cNvPr>
@@ -2458,7 +2458,7 @@
           <p:cNvPr id="7" name="Slide Number Placeholder 6">
             <a:extLst>
               <a:ext uri="{FF2B5EF4-FFF2-40B4-BE49-F238E27FC236}">
-                <a16:creationId xmlns:a16="http://schemas.microsoft.com/office/drawing/2014/main" id="{1551E7B9-06EE-4679-B231-5169CDC44B45}"/>
+                <a16:creationId xmlns:a16="http://schemas.microsoft.com/office/drawing/2014/main" xmlns="" id="{1551E7B9-06EE-4679-B231-5169CDC44B45}"/>
               </a:ext>
             </a:extLst>
           </p:cNvPr>
@@ -2517,7 +2517,7 @@
           <p:cNvPr id="2" name="Title 1">
             <a:extLst>
               <a:ext uri="{FF2B5EF4-FFF2-40B4-BE49-F238E27FC236}">
-                <a16:creationId xmlns:a16="http://schemas.microsoft.com/office/drawing/2014/main" id="{50226FEE-AE82-46F3-A9E5-F264D85E74BA}"/>
+                <a16:creationId xmlns:a16="http://schemas.microsoft.com/office/drawing/2014/main" xmlns="" id="{50226FEE-AE82-46F3-A9E5-F264D85E74BA}"/>
               </a:ext>
             </a:extLst>
           </p:cNvPr>
@@ -2555,7 +2555,7 @@
           <p:cNvPr id="3" name="Picture Placeholder 2">
             <a:extLst>
               <a:ext uri="{FF2B5EF4-FFF2-40B4-BE49-F238E27FC236}">
-                <a16:creationId xmlns:a16="http://schemas.microsoft.com/office/drawing/2014/main" id="{7AD3BDF5-6F94-4C5F-A081-4F39CD8DF92C}"/>
+                <a16:creationId xmlns:a16="http://schemas.microsoft.com/office/drawing/2014/main" xmlns="" id="{7AD3BDF5-6F94-4C5F-A081-4F39CD8DF92C}"/>
               </a:ext>
             </a:extLst>
           </p:cNvPr>
@@ -2622,7 +2622,7 @@
           <p:cNvPr id="4" name="Text Placeholder 3">
             <a:extLst>
               <a:ext uri="{FF2B5EF4-FFF2-40B4-BE49-F238E27FC236}">
-                <a16:creationId xmlns:a16="http://schemas.microsoft.com/office/drawing/2014/main" id="{C669047C-3BD7-4697-A39B-E0FA10A4C5F9}"/>
+                <a16:creationId xmlns:a16="http://schemas.microsoft.com/office/drawing/2014/main" xmlns="" id="{C669047C-3BD7-4697-A39B-E0FA10A4C5F9}"/>
               </a:ext>
             </a:extLst>
           </p:cNvPr>
@@ -2693,7 +2693,7 @@
           <p:cNvPr id="5" name="Date Placeholder 4">
             <a:extLst>
               <a:ext uri="{FF2B5EF4-FFF2-40B4-BE49-F238E27FC236}">
-                <a16:creationId xmlns:a16="http://schemas.microsoft.com/office/drawing/2014/main" id="{6812A225-2F33-4179-8DB9-53942F3FBF3C}"/>
+                <a16:creationId xmlns:a16="http://schemas.microsoft.com/office/drawing/2014/main" xmlns="" id="{6812A225-2F33-4179-8DB9-53942F3FBF3C}"/>
               </a:ext>
             </a:extLst>
           </p:cNvPr>
@@ -2722,7 +2722,7 @@
           <p:cNvPr id="6" name="Footer Placeholder 5">
             <a:extLst>
               <a:ext uri="{FF2B5EF4-FFF2-40B4-BE49-F238E27FC236}">
-                <a16:creationId xmlns:a16="http://schemas.microsoft.com/office/drawing/2014/main" id="{5DCCCAF8-1A25-44ED-92D3-EAA55863C860}"/>
+                <a16:creationId xmlns:a16="http://schemas.microsoft.com/office/drawing/2014/main" xmlns="" id="{5DCCCAF8-1A25-44ED-92D3-EAA55863C860}"/>
               </a:ext>
             </a:extLst>
           </p:cNvPr>
@@ -2747,7 +2747,7 @@
           <p:cNvPr id="7" name="Slide Number Placeholder 6">
             <a:extLst>
               <a:ext uri="{FF2B5EF4-FFF2-40B4-BE49-F238E27FC236}">
-                <a16:creationId xmlns:a16="http://schemas.microsoft.com/office/drawing/2014/main" id="{081D2EF8-4469-4E48-998D-B582FE060B65}"/>
+                <a16:creationId xmlns:a16="http://schemas.microsoft.com/office/drawing/2014/main" xmlns="" id="{081D2EF8-4469-4E48-998D-B582FE060B65}"/>
               </a:ext>
             </a:extLst>
           </p:cNvPr>
@@ -2811,7 +2811,7 @@
           <p:cNvPr id="2" name="Title Placeholder 1">
             <a:extLst>
               <a:ext uri="{FF2B5EF4-FFF2-40B4-BE49-F238E27FC236}">
-                <a16:creationId xmlns:a16="http://schemas.microsoft.com/office/drawing/2014/main" id="{9CDA4241-5F65-4F1F-91FC-6A9573E87A72}"/>
+                <a16:creationId xmlns:a16="http://schemas.microsoft.com/office/drawing/2014/main" xmlns="" id="{9CDA4241-5F65-4F1F-91FC-6A9573E87A72}"/>
               </a:ext>
             </a:extLst>
           </p:cNvPr>
@@ -2850,7 +2850,7 @@
           <p:cNvPr id="3" name="Text Placeholder 2">
             <a:extLst>
               <a:ext uri="{FF2B5EF4-FFF2-40B4-BE49-F238E27FC236}">
-                <a16:creationId xmlns:a16="http://schemas.microsoft.com/office/drawing/2014/main" id="{3BC58C6C-4267-4E58-A71E-23F428330912}"/>
+                <a16:creationId xmlns:a16="http://schemas.microsoft.com/office/drawing/2014/main" xmlns="" id="{3BC58C6C-4267-4E58-A71E-23F428330912}"/>
               </a:ext>
             </a:extLst>
           </p:cNvPr>
@@ -2918,7 +2918,7 @@
           <p:cNvPr id="4" name="Date Placeholder 3">
             <a:extLst>
               <a:ext uri="{FF2B5EF4-FFF2-40B4-BE49-F238E27FC236}">
-                <a16:creationId xmlns:a16="http://schemas.microsoft.com/office/drawing/2014/main" id="{F644D2BD-1B24-4FD2-9415-DA9215D62A57}"/>
+                <a16:creationId xmlns:a16="http://schemas.microsoft.com/office/drawing/2014/main" xmlns="" id="{F644D2BD-1B24-4FD2-9415-DA9215D62A57}"/>
               </a:ext>
             </a:extLst>
           </p:cNvPr>
@@ -2965,7 +2965,7 @@
           <p:cNvPr id="5" name="Footer Placeholder 4">
             <a:extLst>
               <a:ext uri="{FF2B5EF4-FFF2-40B4-BE49-F238E27FC236}">
-                <a16:creationId xmlns:a16="http://schemas.microsoft.com/office/drawing/2014/main" id="{052B2DEC-4883-463C-AF09-7784E5013BE5}"/>
+                <a16:creationId xmlns:a16="http://schemas.microsoft.com/office/drawing/2014/main" xmlns="" id="{052B2DEC-4883-463C-AF09-7784E5013BE5}"/>
               </a:ext>
             </a:extLst>
           </p:cNvPr>
@@ -3008,7 +3008,7 @@
           <p:cNvPr id="6" name="Slide Number Placeholder 5">
             <a:extLst>
               <a:ext uri="{FF2B5EF4-FFF2-40B4-BE49-F238E27FC236}">
-                <a16:creationId xmlns:a16="http://schemas.microsoft.com/office/drawing/2014/main" id="{B91E765B-C133-4BEF-9B0E-51DD0E9F5B27}"/>
+                <a16:creationId xmlns:a16="http://schemas.microsoft.com/office/drawing/2014/main" xmlns="" id="{B91E765B-C133-4BEF-9B0E-51DD0E9F5B27}"/>
               </a:ext>
             </a:extLst>
           </p:cNvPr>
@@ -3376,7 +3376,7 @@
           <p:cNvPr id="2" name="Title 1">
             <a:extLst>
               <a:ext uri="{FF2B5EF4-FFF2-40B4-BE49-F238E27FC236}">
-                <a16:creationId xmlns:a16="http://schemas.microsoft.com/office/drawing/2014/main" id="{46D20EEB-69A2-4947-B9C0-B5C51449390F}"/>
+                <a16:creationId xmlns:a16="http://schemas.microsoft.com/office/drawing/2014/main" xmlns="" id="{46D20EEB-69A2-4947-B9C0-B5C51449390F}"/>
               </a:ext>
             </a:extLst>
           </p:cNvPr>
@@ -3406,7 +3406,7 @@
           <p:cNvPr id="3" name="Subtitle 2">
             <a:extLst>
               <a:ext uri="{FF2B5EF4-FFF2-40B4-BE49-F238E27FC236}">
-                <a16:creationId xmlns:a16="http://schemas.microsoft.com/office/drawing/2014/main" id="{87970C47-FB20-494C-B2FC-D44C678CD97A}"/>
+                <a16:creationId xmlns:a16="http://schemas.microsoft.com/office/drawing/2014/main" xmlns="" id="{87970C47-FB20-494C-B2FC-D44C678CD97A}"/>
               </a:ext>
             </a:extLst>
           </p:cNvPr>
@@ -3464,7 +3464,7 @@
           <p:cNvPr id="2" name="Title 1">
             <a:extLst>
               <a:ext uri="{FF2B5EF4-FFF2-40B4-BE49-F238E27FC236}">
-                <a16:creationId xmlns:a16="http://schemas.microsoft.com/office/drawing/2014/main" id="{5AEACDF5-E062-45D5-A343-01EC2AD8C1FD}"/>
+                <a16:creationId xmlns:a16="http://schemas.microsoft.com/office/drawing/2014/main" xmlns="" id="{5AEACDF5-E062-45D5-A343-01EC2AD8C1FD}"/>
               </a:ext>
             </a:extLst>
           </p:cNvPr>
@@ -3492,7 +3492,7 @@
           <p:cNvPr id="3" name="Content Placeholder 2">
             <a:extLst>
               <a:ext uri="{FF2B5EF4-FFF2-40B4-BE49-F238E27FC236}">
-                <a16:creationId xmlns:a16="http://schemas.microsoft.com/office/drawing/2014/main" id="{6A6FF85F-C9FB-4F56-8D6B-2583AF24D2E9}"/>
+                <a16:creationId xmlns:a16="http://schemas.microsoft.com/office/drawing/2014/main" xmlns="" id="{6A6FF85F-C9FB-4F56-8D6B-2583AF24D2E9}"/>
               </a:ext>
             </a:extLst>
           </p:cNvPr>
@@ -3550,7 +3550,7 @@
           <p:cNvPr id="3" name="Content Placeholder 2">
             <a:extLst>
               <a:ext uri="{FF2B5EF4-FFF2-40B4-BE49-F238E27FC236}">
-                <a16:creationId xmlns:a16="http://schemas.microsoft.com/office/drawing/2014/main" id="{C9A5D316-4BC8-407F-B333-AFF90256DD5D}"/>
+                <a16:creationId xmlns:a16="http://schemas.microsoft.com/office/drawing/2014/main" xmlns="" id="{C9A5D316-4BC8-407F-B333-AFF90256DD5D}"/>
               </a:ext>
             </a:extLst>
           </p:cNvPr>
@@ -3627,7 +3627,7 @@
           <p:cNvPr id="2" name="Title 1">
             <a:extLst>
               <a:ext uri="{FF2B5EF4-FFF2-40B4-BE49-F238E27FC236}">
-                <a16:creationId xmlns:a16="http://schemas.microsoft.com/office/drawing/2014/main" id="{7A314DC1-A148-43FE-A875-9257708AC501}"/>
+                <a16:creationId xmlns:a16="http://schemas.microsoft.com/office/drawing/2014/main" xmlns="" id="{7A314DC1-A148-43FE-A875-9257708AC501}"/>
               </a:ext>
             </a:extLst>
           </p:cNvPr>
@@ -3691,7 +3691,7 @@
           <p:cNvPr id="2" name="Title 1">
             <a:extLst>
               <a:ext uri="{FF2B5EF4-FFF2-40B4-BE49-F238E27FC236}">
-                <a16:creationId xmlns:a16="http://schemas.microsoft.com/office/drawing/2014/main" id="{42E80B67-816B-4805-81B1-91ED500C40B9}"/>
+                <a16:creationId xmlns:a16="http://schemas.microsoft.com/office/drawing/2014/main" xmlns="" id="{42E80B67-816B-4805-81B1-91ED500C40B9}"/>
               </a:ext>
             </a:extLst>
           </p:cNvPr>
@@ -3719,7 +3719,7 @@
           <p:cNvPr id="3" name="Content Placeholder 2">
             <a:extLst>
               <a:ext uri="{FF2B5EF4-FFF2-40B4-BE49-F238E27FC236}">
-                <a16:creationId xmlns:a16="http://schemas.microsoft.com/office/drawing/2014/main" id="{B7AE8FF8-276A-4B82-8B87-2A0DB8D7C833}"/>
+                <a16:creationId xmlns:a16="http://schemas.microsoft.com/office/drawing/2014/main" xmlns="" id="{B7AE8FF8-276A-4B82-8B87-2A0DB8D7C833}"/>
               </a:ext>
             </a:extLst>
           </p:cNvPr>
@@ -3852,7 +3852,7 @@
           <p:cNvPr id="2" name="Title 1">
             <a:extLst>
               <a:ext uri="{FF2B5EF4-FFF2-40B4-BE49-F238E27FC236}">
-                <a16:creationId xmlns:a16="http://schemas.microsoft.com/office/drawing/2014/main" id="{D1414B65-0177-4A54-A913-98463AB982CF}"/>
+                <a16:creationId xmlns:a16="http://schemas.microsoft.com/office/drawing/2014/main" xmlns="" id="{D1414B65-0177-4A54-A913-98463AB982CF}"/>
               </a:ext>
             </a:extLst>
           </p:cNvPr>
@@ -3880,7 +3880,7 @@
           <p:cNvPr id="3" name="Content Placeholder 2">
             <a:extLst>
               <a:ext uri="{FF2B5EF4-FFF2-40B4-BE49-F238E27FC236}">
-                <a16:creationId xmlns:a16="http://schemas.microsoft.com/office/drawing/2014/main" id="{15AE89D6-962C-4069-9B0D-E280DFCF4FA9}"/>
+                <a16:creationId xmlns:a16="http://schemas.microsoft.com/office/drawing/2014/main" xmlns="" id="{15AE89D6-962C-4069-9B0D-E280DFCF4FA9}"/>
               </a:ext>
             </a:extLst>
           </p:cNvPr>
@@ -4129,7 +4129,7 @@
           <p:cNvPr id="3" name="Content Placeholder 2">
             <a:extLst>
               <a:ext uri="{FF2B5EF4-FFF2-40B4-BE49-F238E27FC236}">
-                <a16:creationId xmlns:a16="http://schemas.microsoft.com/office/drawing/2014/main" id="{C6D2743B-E048-4C36-BFE3-A63B5EAD2557}"/>
+                <a16:creationId xmlns:a16="http://schemas.microsoft.com/office/drawing/2014/main" xmlns="" id="{C6D2743B-E048-4C36-BFE3-A63B5EAD2557}"/>
               </a:ext>
             </a:extLst>
           </p:cNvPr>
@@ -4183,7 +4183,7 @@
           <p:cNvPr id="6" name="Picture 5">
             <a:extLst>
               <a:ext uri="{FF2B5EF4-FFF2-40B4-BE49-F238E27FC236}">
-                <a16:creationId xmlns:a16="http://schemas.microsoft.com/office/drawing/2014/main" id="{84150866-0F51-4A6A-A1C6-41FE94B390F7}"/>
+                <a16:creationId xmlns:a16="http://schemas.microsoft.com/office/drawing/2014/main" xmlns="" id="{84150866-0F51-4A6A-A1C6-41FE94B390F7}"/>
               </a:ext>
             </a:extLst>
           </p:cNvPr>
@@ -4243,7 +4243,7 @@
           <p:cNvPr id="3" name="Content Placeholder 2">
             <a:extLst>
               <a:ext uri="{FF2B5EF4-FFF2-40B4-BE49-F238E27FC236}">
-                <a16:creationId xmlns:a16="http://schemas.microsoft.com/office/drawing/2014/main" id="{C00F5369-1212-4EFF-9A2F-15998C0D4852}"/>
+                <a16:creationId xmlns:a16="http://schemas.microsoft.com/office/drawing/2014/main" xmlns="" id="{C00F5369-1212-4EFF-9A2F-15998C0D4852}"/>
               </a:ext>
             </a:extLst>
           </p:cNvPr>
@@ -4585,7 +4585,7 @@
           <p:cNvPr id="7" name="TextBox 6">
             <a:extLst>
               <a:ext uri="{FF2B5EF4-FFF2-40B4-BE49-F238E27FC236}">
-                <a16:creationId xmlns:a16="http://schemas.microsoft.com/office/drawing/2014/main" id="{AAED3613-F3B3-469B-8611-F832AC9EC84C}"/>
+                <a16:creationId xmlns:a16="http://schemas.microsoft.com/office/drawing/2014/main" xmlns="" id="{AAED3613-F3B3-469B-8611-F832AC9EC84C}"/>
               </a:ext>
             </a:extLst>
           </p:cNvPr>
@@ -4692,7 +4692,7 @@
           <p:cNvPr id="4" name="Title 1">
             <a:extLst>
               <a:ext uri="{FF2B5EF4-FFF2-40B4-BE49-F238E27FC236}">
-                <a16:creationId xmlns:a16="http://schemas.microsoft.com/office/drawing/2014/main" id="{78D141BE-904B-41D6-A1F5-70EACB375A02}"/>
+                <a16:creationId xmlns:a16="http://schemas.microsoft.com/office/drawing/2014/main" xmlns="" id="{78D141BE-904B-41D6-A1F5-70EACB375A02}"/>
               </a:ext>
             </a:extLst>
           </p:cNvPr>
@@ -4756,7 +4756,7 @@
           <p:cNvPr id="2" name="Title 1">
             <a:extLst>
               <a:ext uri="{FF2B5EF4-FFF2-40B4-BE49-F238E27FC236}">
-                <a16:creationId xmlns:a16="http://schemas.microsoft.com/office/drawing/2014/main" id="{CDFF9C88-CA8A-4EDD-A2FD-2CBB1560A2AC}"/>
+                <a16:creationId xmlns:a16="http://schemas.microsoft.com/office/drawing/2014/main" xmlns="" id="{CDFF9C88-CA8A-4EDD-A2FD-2CBB1560A2AC}"/>
               </a:ext>
             </a:extLst>
           </p:cNvPr>
@@ -4791,7 +4791,7 @@
           <p:cNvPr id="3" name="Content Placeholder 2">
             <a:extLst>
               <a:ext uri="{FF2B5EF4-FFF2-40B4-BE49-F238E27FC236}">
-                <a16:creationId xmlns:a16="http://schemas.microsoft.com/office/drawing/2014/main" id="{A360B579-2AEB-4554-875C-E618D99B5A9A}"/>
+                <a16:creationId xmlns:a16="http://schemas.microsoft.com/office/drawing/2014/main" xmlns="" id="{A360B579-2AEB-4554-875C-E618D99B5A9A}"/>
               </a:ext>
             </a:extLst>
           </p:cNvPr>
@@ -4838,7 +4838,7 @@
           <p:cNvPr id="4" name="Rectangle: Rounded Corners 3">
             <a:extLst>
               <a:ext uri="{FF2B5EF4-FFF2-40B4-BE49-F238E27FC236}">
-                <a16:creationId xmlns:a16="http://schemas.microsoft.com/office/drawing/2014/main" id="{22F580C1-A0CE-4DE1-9125-45C894E8919B}"/>
+                <a16:creationId xmlns:a16="http://schemas.microsoft.com/office/drawing/2014/main" xmlns="" id="{22F580C1-A0CE-4DE1-9125-45C894E8919B}"/>
               </a:ext>
             </a:extLst>
           </p:cNvPr>
@@ -4887,7 +4887,7 @@
           <p:cNvPr id="5" name="Rectangle: Rounded Corners 4">
             <a:extLst>
               <a:ext uri="{FF2B5EF4-FFF2-40B4-BE49-F238E27FC236}">
-                <a16:creationId xmlns:a16="http://schemas.microsoft.com/office/drawing/2014/main" id="{BAB322B6-52C3-4BEF-AE12-CEFE4AF1737D}"/>
+                <a16:creationId xmlns:a16="http://schemas.microsoft.com/office/drawing/2014/main" xmlns="" id="{BAB322B6-52C3-4BEF-AE12-CEFE4AF1737D}"/>
               </a:ext>
             </a:extLst>
           </p:cNvPr>
@@ -4936,7 +4936,7 @@
           <p:cNvPr id="6" name="Rectangle: Rounded Corners 5">
             <a:extLst>
               <a:ext uri="{FF2B5EF4-FFF2-40B4-BE49-F238E27FC236}">
-                <a16:creationId xmlns:a16="http://schemas.microsoft.com/office/drawing/2014/main" id="{6E1CAEE1-F7D0-4692-87EE-C81F99C972C6}"/>
+                <a16:creationId xmlns:a16="http://schemas.microsoft.com/office/drawing/2014/main" xmlns="" id="{6E1CAEE1-F7D0-4692-87EE-C81F99C972C6}"/>
               </a:ext>
             </a:extLst>
           </p:cNvPr>
@@ -4985,7 +4985,7 @@
           <p:cNvPr id="7" name="Rectangle: Rounded Corners 6">
             <a:extLst>
               <a:ext uri="{FF2B5EF4-FFF2-40B4-BE49-F238E27FC236}">
-                <a16:creationId xmlns:a16="http://schemas.microsoft.com/office/drawing/2014/main" id="{2B2DADE3-74F8-4DD2-850B-2DAB16F42835}"/>
+                <a16:creationId xmlns:a16="http://schemas.microsoft.com/office/drawing/2014/main" xmlns="" id="{2B2DADE3-74F8-4DD2-850B-2DAB16F42835}"/>
               </a:ext>
             </a:extLst>
           </p:cNvPr>
@@ -5034,7 +5034,7 @@
           <p:cNvPr id="9" name="Straight Arrow Connector 8">
             <a:extLst>
               <a:ext uri="{FF2B5EF4-FFF2-40B4-BE49-F238E27FC236}">
-                <a16:creationId xmlns:a16="http://schemas.microsoft.com/office/drawing/2014/main" id="{29342EDE-10B4-4566-A05F-EE67D11DFC15}"/>
+                <a16:creationId xmlns:a16="http://schemas.microsoft.com/office/drawing/2014/main" xmlns="" id="{29342EDE-10B4-4566-A05F-EE67D11DFC15}"/>
               </a:ext>
             </a:extLst>
           </p:cNvPr>
@@ -5077,7 +5077,7 @@
           <p:cNvPr id="10" name="Straight Arrow Connector 9">
             <a:extLst>
               <a:ext uri="{FF2B5EF4-FFF2-40B4-BE49-F238E27FC236}">
-                <a16:creationId xmlns:a16="http://schemas.microsoft.com/office/drawing/2014/main" id="{4DBDDFB9-BB6B-4DC0-8721-90D2A2E86008}"/>
+                <a16:creationId xmlns:a16="http://schemas.microsoft.com/office/drawing/2014/main" xmlns="" id="{4DBDDFB9-BB6B-4DC0-8721-90D2A2E86008}"/>
               </a:ext>
             </a:extLst>
           </p:cNvPr>
@@ -5120,7 +5120,7 @@
           <p:cNvPr id="13" name="Straight Arrow Connector 12">
             <a:extLst>
               <a:ext uri="{FF2B5EF4-FFF2-40B4-BE49-F238E27FC236}">
-                <a16:creationId xmlns:a16="http://schemas.microsoft.com/office/drawing/2014/main" id="{F7807ED4-61EC-4614-8D90-574B7B83C6E1}"/>
+                <a16:creationId xmlns:a16="http://schemas.microsoft.com/office/drawing/2014/main" xmlns="" id="{F7807ED4-61EC-4614-8D90-574B7B83C6E1}"/>
               </a:ext>
             </a:extLst>
           </p:cNvPr>
@@ -5163,7 +5163,7 @@
           <p:cNvPr id="16" name="TextBox 15">
             <a:extLst>
               <a:ext uri="{FF2B5EF4-FFF2-40B4-BE49-F238E27FC236}">
-                <a16:creationId xmlns:a16="http://schemas.microsoft.com/office/drawing/2014/main" id="{781B57AE-A8AF-4C28-B9C0-EBF4AF0EE7FC}"/>
+                <a16:creationId xmlns:a16="http://schemas.microsoft.com/office/drawing/2014/main" xmlns="" id="{781B57AE-A8AF-4C28-B9C0-EBF4AF0EE7FC}"/>
               </a:ext>
             </a:extLst>
           </p:cNvPr>
@@ -5228,7 +5228,7 @@
           <p:cNvPr id="2" name="Title 1">
             <a:extLst>
               <a:ext uri="{FF2B5EF4-FFF2-40B4-BE49-F238E27FC236}">
-                <a16:creationId xmlns:a16="http://schemas.microsoft.com/office/drawing/2014/main" id="{6580116B-469C-4A92-B2C2-9BDE67496583}"/>
+                <a16:creationId xmlns:a16="http://schemas.microsoft.com/office/drawing/2014/main" xmlns="" id="{6580116B-469C-4A92-B2C2-9BDE67496583}"/>
               </a:ext>
             </a:extLst>
           </p:cNvPr>
@@ -5255,11 +5255,23 @@
             </a:br>
             <a:r>
               <a:rPr lang="en-AU" sz="2000" dirty="0"/>
-              <a:t>babel-plugin-syntax-dynamic-import, babel-plugin-dynamic-import-</a:t>
-            </a:r>
-            <a:r>
-              <a:rPr lang="en-AU" sz="2000" dirty="0" err="1"/>
+              <a:t>babel-plugin-syntax-dynamic-import, </a:t>
+            </a:r>
+            <a:r>
+              <a:rPr lang="en-AU" sz="2000" dirty="0" smtClean="0"/>
+              <a:t>babel-plugin-dynamic-import-</a:t>
+            </a:r>
+            <a:r>
+              <a:rPr lang="en-AU" sz="2000" dirty="0" err="1" smtClean="0"/>
               <a:t>webpack</a:t>
+            </a:r>
+            <a:r>
+              <a:rPr lang="en-AU" sz="2000" dirty="0"/>
+              <a:t>, react-loadable</a:t>
+            </a:r>
+            <a:r>
+              <a:rPr lang="en-AU" dirty="0"/>
+              <a:t/>
             </a:r>
             <a:br>
               <a:rPr lang="en-AU" dirty="0"/>
@@ -5270,6 +5282,10 @@
               </a:rPr>
               <a:t>https://developers.google.com/web/updates/2017/11/dynamic-import</a:t>
             </a:r>
+            <a:r>
+              <a:rPr lang="en-AU" sz="2000" dirty="0"/>
+              <a:t/>
+            </a:r>
             <a:br>
               <a:rPr lang="en-AU" sz="2000" dirty="0"/>
             </a:br>
@@ -5282,7 +5298,7 @@
           <p:cNvPr id="6" name="Content Placeholder 5">
             <a:extLst>
               <a:ext uri="{FF2B5EF4-FFF2-40B4-BE49-F238E27FC236}">
-                <a16:creationId xmlns:a16="http://schemas.microsoft.com/office/drawing/2014/main" id="{C7DFB363-8077-4763-B6EA-8873B846E7B3}"/>
+                <a16:creationId xmlns:a16="http://schemas.microsoft.com/office/drawing/2014/main" xmlns="" id="{C7DFB363-8077-4763-B6EA-8873B846E7B3}"/>
               </a:ext>
             </a:extLst>
           </p:cNvPr>
@@ -5329,7 +5345,7 @@
           <p:cNvPr id="8" name="Picture 7">
             <a:extLst>
               <a:ext uri="{FF2B5EF4-FFF2-40B4-BE49-F238E27FC236}">
-                <a16:creationId xmlns:a16="http://schemas.microsoft.com/office/drawing/2014/main" id="{90B177CF-B5E3-4B8F-BD17-3C3EC96B4E7B}"/>
+                <a16:creationId xmlns:a16="http://schemas.microsoft.com/office/drawing/2014/main" xmlns="" id="{90B177CF-B5E3-4B8F-BD17-3C3EC96B4E7B}"/>
               </a:ext>
             </a:extLst>
           </p:cNvPr>
@@ -5389,7 +5405,7 @@
           <p:cNvPr id="2" name="Title 1">
             <a:extLst>
               <a:ext uri="{FF2B5EF4-FFF2-40B4-BE49-F238E27FC236}">
-                <a16:creationId xmlns:a16="http://schemas.microsoft.com/office/drawing/2014/main" id="{22615686-17FF-482C-922E-0E93B7206CA2}"/>
+                <a16:creationId xmlns:a16="http://schemas.microsoft.com/office/drawing/2014/main" xmlns="" id="{22615686-17FF-482C-922E-0E93B7206CA2}"/>
               </a:ext>
             </a:extLst>
           </p:cNvPr>
@@ -5417,7 +5433,7 @@
           <p:cNvPr id="3" name="Content Placeholder 2">
             <a:extLst>
               <a:ext uri="{FF2B5EF4-FFF2-40B4-BE49-F238E27FC236}">
-                <a16:creationId xmlns:a16="http://schemas.microsoft.com/office/drawing/2014/main" id="{669EAA0D-DBFC-4A88-8236-2795907B48AA}"/>
+                <a16:creationId xmlns:a16="http://schemas.microsoft.com/office/drawing/2014/main" xmlns="" id="{669EAA0D-DBFC-4A88-8236-2795907B48AA}"/>
               </a:ext>
             </a:extLst>
           </p:cNvPr>
@@ -5518,7 +5534,7 @@
           <p:cNvPr id="2" name="Title 1">
             <a:extLst>
               <a:ext uri="{FF2B5EF4-FFF2-40B4-BE49-F238E27FC236}">
-                <a16:creationId xmlns:a16="http://schemas.microsoft.com/office/drawing/2014/main" id="{33F06CFE-7E28-48E4-9C8E-52EF37937809}"/>
+                <a16:creationId xmlns:a16="http://schemas.microsoft.com/office/drawing/2014/main" xmlns="" id="{33F06CFE-7E28-48E4-9C8E-52EF37937809}"/>
               </a:ext>
             </a:extLst>
           </p:cNvPr>
@@ -5546,7 +5562,7 @@
           <p:cNvPr id="4" name="Content Placeholder 2">
             <a:extLst>
               <a:ext uri="{FF2B5EF4-FFF2-40B4-BE49-F238E27FC236}">
-                <a16:creationId xmlns:a16="http://schemas.microsoft.com/office/drawing/2014/main" id="{284737B6-E0BD-4584-81E7-2CD25B88C98D}"/>
+                <a16:creationId xmlns:a16="http://schemas.microsoft.com/office/drawing/2014/main" xmlns="" id="{284737B6-E0BD-4584-81E7-2CD25B88C98D}"/>
               </a:ext>
             </a:extLst>
           </p:cNvPr>
@@ -5559,13 +5575,38 @@
         </p:nvSpPr>
         <p:spPr>
           <a:xfrm>
-            <a:off x="838200" y="1825625"/>
-            <a:ext cx="10515600" cy="4351338"/>
+            <a:off x="587829" y="1396092"/>
+            <a:ext cx="11193235" cy="5119007"/>
           </a:xfrm>
         </p:spPr>
         <p:txBody>
-          <a:bodyPr/>
-          <a:lstStyle/>
+          <a:bodyPr>
+            <a:normAutofit fontScale="62500" lnSpcReduction="20000"/>
+          </a:bodyPr>
+          <a:lstStyle/>
+          <a:p>
+            <a:pPr marL="0" indent="0">
+              <a:buNone/>
+            </a:pPr>
+            <a:r>
+              <a:rPr lang="en-AU" dirty="0" smtClean="0"/>
+              <a:t>import </a:t>
+            </a:r>
+            <a:r>
+              <a:rPr lang="en-AU" dirty="0" err="1"/>
+              <a:t>LoadableVisibility</a:t>
+            </a:r>
+            <a:r>
+              <a:rPr lang="en-AU" dirty="0"/>
+              <a:t> from 'react-loadable-visibility/react-loadable';</a:t>
+            </a:r>
+          </a:p>
+          <a:p>
+            <a:pPr marL="0" indent="0">
+              <a:buNone/>
+            </a:pPr>
+            <a:endParaRPr lang="en-AU" dirty="0"/>
+          </a:p>
           <a:p>
             <a:pPr marL="0" indent="0">
               <a:buNone/>
@@ -5576,11 +5617,44 @@
             </a:r>
             <a:r>
               <a:rPr lang="en-AU" dirty="0"/>
-              <a:t> App = </a:t>
+              <a:t> </a:t>
+            </a:r>
+            <a:r>
+              <a:rPr lang="en-AU" dirty="0" smtClean="0"/>
+              <a:t>App= </a:t>
+            </a:r>
+            <a:r>
+              <a:rPr lang="en-AU" dirty="0" err="1"/>
+              <a:t>LoadableVisibility</a:t>
+            </a:r>
+            <a:r>
+              <a:rPr lang="en-AU" dirty="0"/>
+              <a:t>({</a:t>
+            </a:r>
+          </a:p>
+          <a:p>
+            <a:pPr marL="0" indent="0">
+              <a:buNone/>
+            </a:pPr>
+            <a:r>
+              <a:rPr lang="en-AU" dirty="0"/>
+              <a:t>  loader: () =&gt; import</a:t>
+            </a:r>
+            <a:r>
+              <a:rPr lang="en-AU" dirty="0" smtClean="0"/>
+              <a:t>(</a:t>
+            </a:r>
+            <a:r>
+              <a:rPr lang="en-AU" b="1" dirty="0" smtClean="0"/>
+              <a:t>`./</a:t>
+            </a:r>
+            <a:r>
+              <a:rPr lang="en-AU" b="1" dirty="0" err="1"/>
+              <a:t>dyna</a:t>
             </a:r>
             <a:r>
               <a:rPr lang="en-AU" b="1" dirty="0"/>
-              <a:t>await import(`./dyna_${</a:t>
+              <a:t>_${</a:t>
             </a:r>
             <a:r>
               <a:rPr lang="en-AU" b="1" dirty="0" err="1"/>
@@ -5588,7 +5662,15 @@
             </a:r>
             <a:r>
               <a:rPr lang="en-AU" b="1" dirty="0"/>
-              <a:t>(‘_’)}/app`); </a:t>
+              <a:t>(‘_’)}/app</a:t>
+            </a:r>
+            <a:r>
+              <a:rPr lang="en-AU" b="1" dirty="0" smtClean="0"/>
+              <a:t>`</a:t>
+            </a:r>
+            <a:r>
+              <a:rPr lang="en-AU" dirty="0" smtClean="0"/>
+              <a:t>),</a:t>
             </a:r>
           </a:p>
           <a:p>
@@ -5596,9 +5678,18 @@
               <a:buNone/>
             </a:pPr>
             <a:r>
-              <a:rPr lang="en-AU" dirty="0"/>
-              <a:t>// get dyna_feature1_feature2/App.js</a:t>
-            </a:r>
+              <a:rPr lang="en-AU" dirty="0" smtClean="0"/>
+              <a:t>// </a:t>
+            </a:r>
+            <a:r>
+              <a:rPr lang="en-AU" dirty="0"/>
+              <a:t>get </a:t>
+            </a:r>
+            <a:r>
+              <a:rPr lang="en-AU" dirty="0" smtClean="0"/>
+              <a:t>dyna_feature1_feature2/App.js</a:t>
+            </a:r>
+            <a:endParaRPr lang="en-AU" dirty="0"/>
           </a:p>
           <a:p>
             <a:pPr marL="0" indent="0">
@@ -5606,6 +5697,48 @@
             </a:pPr>
             <a:r>
               <a:rPr lang="en-AU" dirty="0"/>
+              <a:t>  loading() {</a:t>
+            </a:r>
+          </a:p>
+          <a:p>
+            <a:pPr marL="0" indent="0">
+              <a:buNone/>
+            </a:pPr>
+            <a:r>
+              <a:rPr lang="en-AU" dirty="0"/>
+              <a:t>    return &lt;div&gt;Loading...&lt;/div&gt;;</a:t>
+            </a:r>
+          </a:p>
+          <a:p>
+            <a:pPr marL="0" indent="0">
+              <a:buNone/>
+            </a:pPr>
+            <a:r>
+              <a:rPr lang="en-AU" dirty="0"/>
+              <a:t>  }</a:t>
+            </a:r>
+          </a:p>
+          <a:p>
+            <a:pPr marL="0" indent="0">
+              <a:buNone/>
+            </a:pPr>
+            <a:r>
+              <a:rPr lang="en-AU" dirty="0"/>
+              <a:t>});</a:t>
+            </a:r>
+          </a:p>
+          <a:p>
+            <a:pPr marL="0" indent="0">
+              <a:buNone/>
+            </a:pPr>
+            <a:endParaRPr lang="en-AU" dirty="0"/>
+          </a:p>
+          <a:p>
+            <a:pPr marL="0" indent="0">
+              <a:buNone/>
+            </a:pPr>
+            <a:r>
+              <a:rPr lang="en-AU" dirty="0"/>
               <a:t>render(</a:t>
             </a:r>
           </a:p>
@@ -5624,8 +5757,21 @@
             </a:pPr>
             <a:r>
               <a:rPr lang="en-AU" dirty="0"/>
-              <a:t>    &lt;App /&gt;</a:t>
-            </a:r>
+              <a:t>    </a:t>
+            </a:r>
+            <a:r>
+              <a:rPr lang="en-AU" dirty="0" smtClean="0"/>
+              <a:t>&lt;</a:t>
+            </a:r>
+            <a:r>
+              <a:rPr lang="en-AU" dirty="0"/>
+              <a:t> App </a:t>
+            </a:r>
+            <a:r>
+              <a:rPr lang="en-AU" dirty="0" smtClean="0"/>
+              <a:t>/&gt;</a:t>
+            </a:r>
+            <a:endParaRPr lang="en-AU" dirty="0"/>
           </a:p>
           <a:p>
             <a:pPr marL="0" indent="0">
@@ -5699,7 +5845,7 @@
           <p:cNvPr id="2" name="Title 1">
             <a:extLst>
               <a:ext uri="{FF2B5EF4-FFF2-40B4-BE49-F238E27FC236}">
-                <a16:creationId xmlns:a16="http://schemas.microsoft.com/office/drawing/2014/main" id="{11E1DF8B-9E4A-4840-A2A1-4EDDBA6B07EE}"/>
+                <a16:creationId xmlns:a16="http://schemas.microsoft.com/office/drawing/2014/main" xmlns="" id="{11E1DF8B-9E4A-4840-A2A1-4EDDBA6B07EE}"/>
               </a:ext>
             </a:extLst>
           </p:cNvPr>
@@ -5727,7 +5873,7 @@
           <p:cNvPr id="3" name="Content Placeholder 2">
             <a:extLst>
               <a:ext uri="{FF2B5EF4-FFF2-40B4-BE49-F238E27FC236}">
-                <a16:creationId xmlns:a16="http://schemas.microsoft.com/office/drawing/2014/main" id="{D75B4ED2-165E-4B98-96C0-22387CEEF9DA}"/>
+                <a16:creationId xmlns:a16="http://schemas.microsoft.com/office/drawing/2014/main" xmlns="" id="{D75B4ED2-165E-4B98-96C0-22387CEEF9DA}"/>
               </a:ext>
             </a:extLst>
           </p:cNvPr>
@@ -5791,7 +5937,7 @@
           <p:cNvPr id="2" name="Title 1">
             <a:extLst>
               <a:ext uri="{FF2B5EF4-FFF2-40B4-BE49-F238E27FC236}">
-                <a16:creationId xmlns:a16="http://schemas.microsoft.com/office/drawing/2014/main" id="{60FC3D32-322A-45DE-8BD9-4CC279C9EBB9}"/>
+                <a16:creationId xmlns:a16="http://schemas.microsoft.com/office/drawing/2014/main" xmlns="" id="{60FC3D32-322A-45DE-8BD9-4CC279C9EBB9}"/>
               </a:ext>
             </a:extLst>
           </p:cNvPr>
@@ -5819,7 +5965,7 @@
           <p:cNvPr id="3" name="Content Placeholder 2">
             <a:extLst>
               <a:ext uri="{FF2B5EF4-FFF2-40B4-BE49-F238E27FC236}">
-                <a16:creationId xmlns:a16="http://schemas.microsoft.com/office/drawing/2014/main" id="{01B526C5-9CC5-4942-9B23-39DE40E1944F}"/>
+                <a16:creationId xmlns:a16="http://schemas.microsoft.com/office/drawing/2014/main" xmlns="" id="{01B526C5-9CC5-4942-9B23-39DE40E1944F}"/>
               </a:ext>
             </a:extLst>
           </p:cNvPr>
@@ -5949,7 +6095,7 @@
           <p:cNvPr id="2" name="Title 1">
             <a:extLst>
               <a:ext uri="{FF2B5EF4-FFF2-40B4-BE49-F238E27FC236}">
-                <a16:creationId xmlns:a16="http://schemas.microsoft.com/office/drawing/2014/main" id="{351E2D6D-5B89-4FFB-885C-F2D1A3D85300}"/>
+                <a16:creationId xmlns:a16="http://schemas.microsoft.com/office/drawing/2014/main" xmlns="" id="{351E2D6D-5B89-4FFB-885C-F2D1A3D85300}"/>
               </a:ext>
             </a:extLst>
           </p:cNvPr>
@@ -5977,7 +6123,7 @@
           <p:cNvPr id="10" name="Rectangle: Rounded Corners 9">
             <a:extLst>
               <a:ext uri="{FF2B5EF4-FFF2-40B4-BE49-F238E27FC236}">
-                <a16:creationId xmlns:a16="http://schemas.microsoft.com/office/drawing/2014/main" id="{3E60A93E-3EFC-4238-9C19-7AD9C0DB83BF}"/>
+                <a16:creationId xmlns:a16="http://schemas.microsoft.com/office/drawing/2014/main" xmlns="" id="{3E60A93E-3EFC-4238-9C19-7AD9C0DB83BF}"/>
               </a:ext>
             </a:extLst>
           </p:cNvPr>
@@ -6031,7 +6177,7 @@
           <p:cNvPr id="11" name="Rectangle: Rounded Corners 10">
             <a:extLst>
               <a:ext uri="{FF2B5EF4-FFF2-40B4-BE49-F238E27FC236}">
-                <a16:creationId xmlns:a16="http://schemas.microsoft.com/office/drawing/2014/main" id="{9F4B82D9-AE48-47D0-B664-20BBDEF49994}"/>
+                <a16:creationId xmlns:a16="http://schemas.microsoft.com/office/drawing/2014/main" xmlns="" id="{9F4B82D9-AE48-47D0-B664-20BBDEF49994}"/>
               </a:ext>
             </a:extLst>
           </p:cNvPr>
@@ -6085,7 +6231,7 @@
           <p:cNvPr id="12" name="Straight Arrow Connector 11">
             <a:extLst>
               <a:ext uri="{FF2B5EF4-FFF2-40B4-BE49-F238E27FC236}">
-                <a16:creationId xmlns:a16="http://schemas.microsoft.com/office/drawing/2014/main" id="{815A87B5-9B7D-4471-AFD8-4B8028430FCF}"/>
+                <a16:creationId xmlns:a16="http://schemas.microsoft.com/office/drawing/2014/main" xmlns="" id="{815A87B5-9B7D-4471-AFD8-4B8028430FCF}"/>
               </a:ext>
             </a:extLst>
           </p:cNvPr>
@@ -6124,7 +6270,7 @@
           <p:cNvPr id="13" name="Straight Arrow Connector 12">
             <a:extLst>
               <a:ext uri="{FF2B5EF4-FFF2-40B4-BE49-F238E27FC236}">
-                <a16:creationId xmlns:a16="http://schemas.microsoft.com/office/drawing/2014/main" id="{ED5C6514-695A-4A15-A0F7-E6D0CC090184}"/>
+                <a16:creationId xmlns:a16="http://schemas.microsoft.com/office/drawing/2014/main" xmlns="" id="{ED5C6514-695A-4A15-A0F7-E6D0CC090184}"/>
               </a:ext>
             </a:extLst>
           </p:cNvPr>
@@ -6165,7 +6311,7 @@
           <p:cNvPr id="14" name="Rectangle: Rounded Corners 13">
             <a:extLst>
               <a:ext uri="{FF2B5EF4-FFF2-40B4-BE49-F238E27FC236}">
-                <a16:creationId xmlns:a16="http://schemas.microsoft.com/office/drawing/2014/main" id="{57E57005-B21A-4A45-ADC3-F95369B260FF}"/>
+                <a16:creationId xmlns:a16="http://schemas.microsoft.com/office/drawing/2014/main" xmlns="" id="{57E57005-B21A-4A45-ADC3-F95369B260FF}"/>
               </a:ext>
             </a:extLst>
           </p:cNvPr>
@@ -6219,7 +6365,7 @@
           <p:cNvPr id="15" name="Straight Arrow Connector 14">
             <a:extLst>
               <a:ext uri="{FF2B5EF4-FFF2-40B4-BE49-F238E27FC236}">
-                <a16:creationId xmlns:a16="http://schemas.microsoft.com/office/drawing/2014/main" id="{1A5077B3-93C1-40B0-A262-6A5BCC734D75}"/>
+                <a16:creationId xmlns:a16="http://schemas.microsoft.com/office/drawing/2014/main" xmlns="" id="{1A5077B3-93C1-40B0-A262-6A5BCC734D75}"/>
               </a:ext>
             </a:extLst>
           </p:cNvPr>
@@ -6262,7 +6408,7 @@
           <p:cNvPr id="16" name="Rectangle: Rounded Corners 15">
             <a:extLst>
               <a:ext uri="{FF2B5EF4-FFF2-40B4-BE49-F238E27FC236}">
-                <a16:creationId xmlns:a16="http://schemas.microsoft.com/office/drawing/2014/main" id="{26DF092E-0126-41D3-8BE8-6B6B7398B27D}"/>
+                <a16:creationId xmlns:a16="http://schemas.microsoft.com/office/drawing/2014/main" xmlns="" id="{26DF092E-0126-41D3-8BE8-6B6B7398B27D}"/>
               </a:ext>
             </a:extLst>
           </p:cNvPr>
@@ -6316,7 +6462,7 @@
           <p:cNvPr id="17" name="Straight Arrow Connector 16">
             <a:extLst>
               <a:ext uri="{FF2B5EF4-FFF2-40B4-BE49-F238E27FC236}">
-                <a16:creationId xmlns:a16="http://schemas.microsoft.com/office/drawing/2014/main" id="{7DAA150C-31ED-4433-B9A3-6E8877F4B2F5}"/>
+                <a16:creationId xmlns:a16="http://schemas.microsoft.com/office/drawing/2014/main" xmlns="" id="{7DAA150C-31ED-4433-B9A3-6E8877F4B2F5}"/>
               </a:ext>
             </a:extLst>
           </p:cNvPr>
@@ -6359,7 +6505,7 @@
           <p:cNvPr id="18" name="Rectangle: Rounded Corners 17">
             <a:extLst>
               <a:ext uri="{FF2B5EF4-FFF2-40B4-BE49-F238E27FC236}">
-                <a16:creationId xmlns:a16="http://schemas.microsoft.com/office/drawing/2014/main" id="{BBF1D18F-3D39-46F6-B2A9-CCF40F0816FA}"/>
+                <a16:creationId xmlns:a16="http://schemas.microsoft.com/office/drawing/2014/main" xmlns="" id="{BBF1D18F-3D39-46F6-B2A9-CCF40F0816FA}"/>
               </a:ext>
             </a:extLst>
           </p:cNvPr>
@@ -6413,7 +6559,7 @@
           <p:cNvPr id="19" name="Straight Arrow Connector 18">
             <a:extLst>
               <a:ext uri="{FF2B5EF4-FFF2-40B4-BE49-F238E27FC236}">
-                <a16:creationId xmlns:a16="http://schemas.microsoft.com/office/drawing/2014/main" id="{CC990130-9158-419F-9341-964A0E0E557B}"/>
+                <a16:creationId xmlns:a16="http://schemas.microsoft.com/office/drawing/2014/main" xmlns="" id="{CC990130-9158-419F-9341-964A0E0E557B}"/>
               </a:ext>
             </a:extLst>
           </p:cNvPr>
@@ -6486,7 +6632,7 @@
           <p:cNvPr id="2" name="Title 1">
             <a:extLst>
               <a:ext uri="{FF2B5EF4-FFF2-40B4-BE49-F238E27FC236}">
-                <a16:creationId xmlns:a16="http://schemas.microsoft.com/office/drawing/2014/main" id="{9D0AC49B-8687-4E37-B196-E85D6D97126B}"/>
+                <a16:creationId xmlns:a16="http://schemas.microsoft.com/office/drawing/2014/main" xmlns="" id="{9D0AC49B-8687-4E37-B196-E85D6D97126B}"/>
               </a:ext>
             </a:extLst>
           </p:cNvPr>
@@ -6514,7 +6660,7 @@
           <p:cNvPr id="3" name="Content Placeholder 2">
             <a:extLst>
               <a:ext uri="{FF2B5EF4-FFF2-40B4-BE49-F238E27FC236}">
-                <a16:creationId xmlns:a16="http://schemas.microsoft.com/office/drawing/2014/main" id="{6C5C3DC7-9103-4900-9CB2-D68911BC7DA7}"/>
+                <a16:creationId xmlns:a16="http://schemas.microsoft.com/office/drawing/2014/main" xmlns="" id="{6C5C3DC7-9103-4900-9CB2-D68911BC7DA7}"/>
               </a:ext>
             </a:extLst>
           </p:cNvPr>
@@ -6587,7 +6733,7 @@
           <p:cNvPr id="4" name="Content Placeholder 2">
             <a:extLst>
               <a:ext uri="{FF2B5EF4-FFF2-40B4-BE49-F238E27FC236}">
-                <a16:creationId xmlns:a16="http://schemas.microsoft.com/office/drawing/2014/main" id="{DE982E5C-5D42-4081-9766-A0BF38E2808B}"/>
+                <a16:creationId xmlns:a16="http://schemas.microsoft.com/office/drawing/2014/main" xmlns="" id="{DE982E5C-5D42-4081-9766-A0BF38E2808B}"/>
               </a:ext>
             </a:extLst>
           </p:cNvPr>
@@ -6847,7 +6993,7 @@
           <p:cNvPr id="9" name="Straight Arrow Connector 8">
             <a:extLst>
               <a:ext uri="{FF2B5EF4-FFF2-40B4-BE49-F238E27FC236}">
-                <a16:creationId xmlns:a16="http://schemas.microsoft.com/office/drawing/2014/main" id="{8AE8B345-C905-47D1-B7F3-66E22F605DA1}"/>
+                <a16:creationId xmlns:a16="http://schemas.microsoft.com/office/drawing/2014/main" xmlns="" id="{8AE8B345-C905-47D1-B7F3-66E22F605DA1}"/>
               </a:ext>
             </a:extLst>
           </p:cNvPr>
@@ -6886,7 +7032,7 @@
           <p:cNvPr id="10" name="Straight Arrow Connector 9">
             <a:extLst>
               <a:ext uri="{FF2B5EF4-FFF2-40B4-BE49-F238E27FC236}">
-                <a16:creationId xmlns:a16="http://schemas.microsoft.com/office/drawing/2014/main" id="{0F578E7E-4207-401C-9DA0-FC8FDA16DCAA}"/>
+                <a16:creationId xmlns:a16="http://schemas.microsoft.com/office/drawing/2014/main" xmlns="" id="{0F578E7E-4207-401C-9DA0-FC8FDA16DCAA}"/>
               </a:ext>
             </a:extLst>
           </p:cNvPr>
@@ -6925,7 +7071,7 @@
           <p:cNvPr id="11" name="TextBox 10">
             <a:extLst>
               <a:ext uri="{FF2B5EF4-FFF2-40B4-BE49-F238E27FC236}">
-                <a16:creationId xmlns:a16="http://schemas.microsoft.com/office/drawing/2014/main" id="{F36E3912-7913-4A78-975B-1BA28B6998EF}"/>
+                <a16:creationId xmlns:a16="http://schemas.microsoft.com/office/drawing/2014/main" xmlns="" id="{F36E3912-7913-4A78-975B-1BA28B6998EF}"/>
               </a:ext>
             </a:extLst>
           </p:cNvPr>
@@ -6990,7 +7136,7 @@
           <p:cNvPr id="2" name="Title 1">
             <a:extLst>
               <a:ext uri="{FF2B5EF4-FFF2-40B4-BE49-F238E27FC236}">
-                <a16:creationId xmlns:a16="http://schemas.microsoft.com/office/drawing/2014/main" id="{03D02295-3C38-422C-8BA0-7F0B9B86FA80}"/>
+                <a16:creationId xmlns:a16="http://schemas.microsoft.com/office/drawing/2014/main" xmlns="" id="{03D02295-3C38-422C-8BA0-7F0B9B86FA80}"/>
               </a:ext>
             </a:extLst>
           </p:cNvPr>
@@ -7054,7 +7200,7 @@
           <p:cNvPr id="2" name="Title 1">
             <a:extLst>
               <a:ext uri="{FF2B5EF4-FFF2-40B4-BE49-F238E27FC236}">
-                <a16:creationId xmlns:a16="http://schemas.microsoft.com/office/drawing/2014/main" id="{5DA731E3-253C-478D-B2BD-E87A72D99627}"/>
+                <a16:creationId xmlns:a16="http://schemas.microsoft.com/office/drawing/2014/main" xmlns="" id="{5DA731E3-253C-478D-B2BD-E87A72D99627}"/>
               </a:ext>
             </a:extLst>
           </p:cNvPr>
@@ -7118,7 +7264,7 @@
           <p:cNvPr id="4" name="Straight Connector 3">
             <a:extLst>
               <a:ext uri="{FF2B5EF4-FFF2-40B4-BE49-F238E27FC236}">
-                <a16:creationId xmlns:a16="http://schemas.microsoft.com/office/drawing/2014/main" id="{83B4F5AB-D851-4877-8348-5EB13AB6F388}"/>
+                <a16:creationId xmlns:a16="http://schemas.microsoft.com/office/drawing/2014/main" xmlns="" id="{83B4F5AB-D851-4877-8348-5EB13AB6F388}"/>
               </a:ext>
             </a:extLst>
           </p:cNvPr>
@@ -7154,7 +7300,7 @@
           <p:cNvPr id="5" name="Straight Connector 4">
             <a:extLst>
               <a:ext uri="{FF2B5EF4-FFF2-40B4-BE49-F238E27FC236}">
-                <a16:creationId xmlns:a16="http://schemas.microsoft.com/office/drawing/2014/main" id="{46B008F8-C54C-414E-A5EF-6BADE0853849}"/>
+                <a16:creationId xmlns:a16="http://schemas.microsoft.com/office/drawing/2014/main" xmlns="" id="{46B008F8-C54C-414E-A5EF-6BADE0853849}"/>
               </a:ext>
             </a:extLst>
           </p:cNvPr>
@@ -7190,7 +7336,7 @@
           <p:cNvPr id="6" name="Straight Connector 5">
             <a:extLst>
               <a:ext uri="{FF2B5EF4-FFF2-40B4-BE49-F238E27FC236}">
-                <a16:creationId xmlns:a16="http://schemas.microsoft.com/office/drawing/2014/main" id="{6445A927-27D1-4BEA-95A9-7FA125A69065}"/>
+                <a16:creationId xmlns:a16="http://schemas.microsoft.com/office/drawing/2014/main" xmlns="" id="{6445A927-27D1-4BEA-95A9-7FA125A69065}"/>
               </a:ext>
             </a:extLst>
           </p:cNvPr>
@@ -7226,7 +7372,7 @@
           <p:cNvPr id="7" name="Straight Connector 6">
             <a:extLst>
               <a:ext uri="{FF2B5EF4-FFF2-40B4-BE49-F238E27FC236}">
-                <a16:creationId xmlns:a16="http://schemas.microsoft.com/office/drawing/2014/main" id="{1B471109-2F24-4D59-BB94-23477A646218}"/>
+                <a16:creationId xmlns:a16="http://schemas.microsoft.com/office/drawing/2014/main" xmlns="" id="{1B471109-2F24-4D59-BB94-23477A646218}"/>
               </a:ext>
             </a:extLst>
           </p:cNvPr>
@@ -7262,7 +7408,7 @@
           <p:cNvPr id="8" name="Rectangle: Rounded Corners 7">
             <a:extLst>
               <a:ext uri="{FF2B5EF4-FFF2-40B4-BE49-F238E27FC236}">
-                <a16:creationId xmlns:a16="http://schemas.microsoft.com/office/drawing/2014/main" id="{78C342C3-9D87-45A9-A4A0-CC6C2CDEBE75}"/>
+                <a16:creationId xmlns:a16="http://schemas.microsoft.com/office/drawing/2014/main" xmlns="" id="{78C342C3-9D87-45A9-A4A0-CC6C2CDEBE75}"/>
               </a:ext>
             </a:extLst>
           </p:cNvPr>
@@ -7311,7 +7457,7 @@
           <p:cNvPr id="9" name="Rectangle: Rounded Corners 8">
             <a:extLst>
               <a:ext uri="{FF2B5EF4-FFF2-40B4-BE49-F238E27FC236}">
-                <a16:creationId xmlns:a16="http://schemas.microsoft.com/office/drawing/2014/main" id="{A730A3BD-E83B-4223-A71C-EEFC9FCB54F0}"/>
+                <a16:creationId xmlns:a16="http://schemas.microsoft.com/office/drawing/2014/main" xmlns="" id="{A730A3BD-E83B-4223-A71C-EEFC9FCB54F0}"/>
               </a:ext>
             </a:extLst>
           </p:cNvPr>
@@ -7361,7 +7507,7 @@
           <p:cNvPr id="10" name="Rectangle: Rounded Corners 9">
             <a:extLst>
               <a:ext uri="{FF2B5EF4-FFF2-40B4-BE49-F238E27FC236}">
-                <a16:creationId xmlns:a16="http://schemas.microsoft.com/office/drawing/2014/main" id="{BF914D4C-7479-4F4B-BB7F-94C3D6F87DAB}"/>
+                <a16:creationId xmlns:a16="http://schemas.microsoft.com/office/drawing/2014/main" xmlns="" id="{BF914D4C-7479-4F4B-BB7F-94C3D6F87DAB}"/>
               </a:ext>
             </a:extLst>
           </p:cNvPr>
@@ -7411,7 +7557,7 @@
           <p:cNvPr id="11" name="Rectangle: Rounded Corners 10">
             <a:extLst>
               <a:ext uri="{FF2B5EF4-FFF2-40B4-BE49-F238E27FC236}">
-                <a16:creationId xmlns:a16="http://schemas.microsoft.com/office/drawing/2014/main" id="{F8157968-ACC3-4A41-82C7-794C17603C66}"/>
+                <a16:creationId xmlns:a16="http://schemas.microsoft.com/office/drawing/2014/main" xmlns="" id="{F8157968-ACC3-4A41-82C7-794C17603C66}"/>
               </a:ext>
             </a:extLst>
           </p:cNvPr>
@@ -7461,7 +7607,7 @@
           <p:cNvPr id="12" name="Oval 11">
             <a:extLst>
               <a:ext uri="{FF2B5EF4-FFF2-40B4-BE49-F238E27FC236}">
-                <a16:creationId xmlns:a16="http://schemas.microsoft.com/office/drawing/2014/main" id="{B97395CC-9A0C-483F-9F43-477D09B12452}"/>
+                <a16:creationId xmlns:a16="http://schemas.microsoft.com/office/drawing/2014/main" xmlns="" id="{B97395CC-9A0C-483F-9F43-477D09B12452}"/>
               </a:ext>
             </a:extLst>
           </p:cNvPr>
@@ -7507,7 +7653,7 @@
           <p:cNvPr id="13" name="Oval 12">
             <a:extLst>
               <a:ext uri="{FF2B5EF4-FFF2-40B4-BE49-F238E27FC236}">
-                <a16:creationId xmlns:a16="http://schemas.microsoft.com/office/drawing/2014/main" id="{8A33C2A8-20F1-455C-BBFE-D8872C7D81EE}"/>
+                <a16:creationId xmlns:a16="http://schemas.microsoft.com/office/drawing/2014/main" xmlns="" id="{8A33C2A8-20F1-455C-BBFE-D8872C7D81EE}"/>
               </a:ext>
             </a:extLst>
           </p:cNvPr>
@@ -7553,7 +7699,7 @@
           <p:cNvPr id="14" name="Straight Arrow Connector 13">
             <a:extLst>
               <a:ext uri="{FF2B5EF4-FFF2-40B4-BE49-F238E27FC236}">
-                <a16:creationId xmlns:a16="http://schemas.microsoft.com/office/drawing/2014/main" id="{F999F119-0A33-44D0-9ED3-FC87108EB07F}"/>
+                <a16:creationId xmlns:a16="http://schemas.microsoft.com/office/drawing/2014/main" xmlns="" id="{F999F119-0A33-44D0-9ED3-FC87108EB07F}"/>
               </a:ext>
             </a:extLst>
           </p:cNvPr>
@@ -7595,7 +7741,7 @@
           <p:cNvPr id="15" name="Oval 14">
             <a:extLst>
               <a:ext uri="{FF2B5EF4-FFF2-40B4-BE49-F238E27FC236}">
-                <a16:creationId xmlns:a16="http://schemas.microsoft.com/office/drawing/2014/main" id="{5F52F451-F6A4-4CFA-B579-69BD1260DDFA}"/>
+                <a16:creationId xmlns:a16="http://schemas.microsoft.com/office/drawing/2014/main" xmlns="" id="{5F52F451-F6A4-4CFA-B579-69BD1260DDFA}"/>
               </a:ext>
             </a:extLst>
           </p:cNvPr>
@@ -7641,7 +7787,7 @@
           <p:cNvPr id="16" name="Straight Arrow Connector 15">
             <a:extLst>
               <a:ext uri="{FF2B5EF4-FFF2-40B4-BE49-F238E27FC236}">
-                <a16:creationId xmlns:a16="http://schemas.microsoft.com/office/drawing/2014/main" id="{49E3BB08-0A71-42C2-9A22-79BC6705AA4A}"/>
+                <a16:creationId xmlns:a16="http://schemas.microsoft.com/office/drawing/2014/main" xmlns="" id="{49E3BB08-0A71-42C2-9A22-79BC6705AA4A}"/>
               </a:ext>
             </a:extLst>
           </p:cNvPr>
@@ -7684,7 +7830,7 @@
           <p:cNvPr id="17" name="Star: 7 Points 16">
             <a:extLst>
               <a:ext uri="{FF2B5EF4-FFF2-40B4-BE49-F238E27FC236}">
-                <a16:creationId xmlns:a16="http://schemas.microsoft.com/office/drawing/2014/main" id="{D3004685-DBEB-495C-A77F-D54CA37FE5BB}"/>
+                <a16:creationId xmlns:a16="http://schemas.microsoft.com/office/drawing/2014/main" xmlns="" id="{D3004685-DBEB-495C-A77F-D54CA37FE5BB}"/>
               </a:ext>
             </a:extLst>
           </p:cNvPr>
@@ -7730,7 +7876,7 @@
           <p:cNvPr id="18" name="Oval 17">
             <a:extLst>
               <a:ext uri="{FF2B5EF4-FFF2-40B4-BE49-F238E27FC236}">
-                <a16:creationId xmlns:a16="http://schemas.microsoft.com/office/drawing/2014/main" id="{7B2280C8-E0C3-41F6-8733-5875FDD2869C}"/>
+                <a16:creationId xmlns:a16="http://schemas.microsoft.com/office/drawing/2014/main" xmlns="" id="{7B2280C8-E0C3-41F6-8733-5875FDD2869C}"/>
               </a:ext>
             </a:extLst>
           </p:cNvPr>
@@ -7776,7 +7922,7 @@
           <p:cNvPr id="19" name="Straight Arrow Connector 18">
             <a:extLst>
               <a:ext uri="{FF2B5EF4-FFF2-40B4-BE49-F238E27FC236}">
-                <a16:creationId xmlns:a16="http://schemas.microsoft.com/office/drawing/2014/main" id="{F2E7EE28-707C-4A68-A569-BD8F2289B794}"/>
+                <a16:creationId xmlns:a16="http://schemas.microsoft.com/office/drawing/2014/main" xmlns="" id="{F2E7EE28-707C-4A68-A569-BD8F2289B794}"/>
               </a:ext>
             </a:extLst>
           </p:cNvPr>
@@ -7819,7 +7965,7 @@
           <p:cNvPr id="20" name="Oval 19">
             <a:extLst>
               <a:ext uri="{FF2B5EF4-FFF2-40B4-BE49-F238E27FC236}">
-                <a16:creationId xmlns:a16="http://schemas.microsoft.com/office/drawing/2014/main" id="{819C0E69-B32D-4C75-94FB-43397116AF31}"/>
+                <a16:creationId xmlns:a16="http://schemas.microsoft.com/office/drawing/2014/main" xmlns="" id="{819C0E69-B32D-4C75-94FB-43397116AF31}"/>
               </a:ext>
             </a:extLst>
           </p:cNvPr>
@@ -7865,7 +8011,7 @@
           <p:cNvPr id="21" name="TextBox 20">
             <a:extLst>
               <a:ext uri="{FF2B5EF4-FFF2-40B4-BE49-F238E27FC236}">
-                <a16:creationId xmlns:a16="http://schemas.microsoft.com/office/drawing/2014/main" id="{D359BA50-A4B4-444B-AA67-87CF18FBE230}"/>
+                <a16:creationId xmlns:a16="http://schemas.microsoft.com/office/drawing/2014/main" xmlns="" id="{D359BA50-A4B4-444B-AA67-87CF18FBE230}"/>
               </a:ext>
             </a:extLst>
           </p:cNvPr>
@@ -7900,7 +8046,7 @@
           <p:cNvPr id="2" name="TextBox 1">
             <a:extLst>
               <a:ext uri="{FF2B5EF4-FFF2-40B4-BE49-F238E27FC236}">
-                <a16:creationId xmlns:a16="http://schemas.microsoft.com/office/drawing/2014/main" id="{4A5ADB36-D4CF-400A-8E2F-FB154A285EA4}"/>
+                <a16:creationId xmlns:a16="http://schemas.microsoft.com/office/drawing/2014/main" xmlns="" id="{4A5ADB36-D4CF-400A-8E2F-FB154A285EA4}"/>
               </a:ext>
             </a:extLst>
           </p:cNvPr>
@@ -7965,7 +8111,7 @@
           <p:cNvPr id="2" name="Title 1">
             <a:extLst>
               <a:ext uri="{FF2B5EF4-FFF2-40B4-BE49-F238E27FC236}">
-                <a16:creationId xmlns:a16="http://schemas.microsoft.com/office/drawing/2014/main" id="{B61BD2BC-2837-49E5-8C86-D998EC066742}"/>
+                <a16:creationId xmlns:a16="http://schemas.microsoft.com/office/drawing/2014/main" xmlns="" id="{B61BD2BC-2837-49E5-8C86-D998EC066742}"/>
               </a:ext>
             </a:extLst>
           </p:cNvPr>
@@ -7998,7 +8144,7 @@
           <p:cNvPr id="4" name="TextBox 3">
             <a:extLst>
               <a:ext uri="{FF2B5EF4-FFF2-40B4-BE49-F238E27FC236}">
-                <a16:creationId xmlns:a16="http://schemas.microsoft.com/office/drawing/2014/main" id="{9C52181B-1D07-4CB0-9F2D-F2EC2E2E6695}"/>
+                <a16:creationId xmlns:a16="http://schemas.microsoft.com/office/drawing/2014/main" xmlns="" id="{9C52181B-1D07-4CB0-9F2D-F2EC2E2E6695}"/>
               </a:ext>
             </a:extLst>
           </p:cNvPr>
@@ -8154,7 +8300,7 @@
           <p:cNvPr id="5" name="TextBox 4">
             <a:extLst>
               <a:ext uri="{FF2B5EF4-FFF2-40B4-BE49-F238E27FC236}">
-                <a16:creationId xmlns:a16="http://schemas.microsoft.com/office/drawing/2014/main" id="{B18A6F19-5BB4-43F5-A37B-D22739072290}"/>
+                <a16:creationId xmlns:a16="http://schemas.microsoft.com/office/drawing/2014/main" xmlns="" id="{B18A6F19-5BB4-43F5-A37B-D22739072290}"/>
               </a:ext>
             </a:extLst>
           </p:cNvPr>
@@ -8248,7 +8394,7 @@
     </a:clrScheme>
     <a:fontScheme name="Office">
       <a:majorFont>
-        <a:latin typeface="Calibri Light" panose="020F0302020204030204"/>
+        <a:latin typeface="Calibri Light"/>
         <a:ea typeface=""/>
         <a:cs typeface=""/>
         <a:font script="Jpan" typeface="游ゴシック Light"/>
@@ -8300,7 +8446,7 @@
         <a:font script="Tfng" typeface="Ebrima"/>
       </a:majorFont>
       <a:minorFont>
-        <a:latin typeface="Calibri" panose="020F0502020204030204"/>
+        <a:latin typeface="Calibri"/>
         <a:ea typeface=""/>
         <a:cs typeface=""/>
         <a:font script="Jpan" typeface="游ゴシック"/>
@@ -8494,7 +8640,7 @@
   <a:extraClrSchemeLst/>
   <a:extLst>
     <a:ext uri="{05A4C25C-085E-4340-85A3-A5531E510DB2}">
-      <thm15:themeFamily xmlns:thm15="http://schemas.microsoft.com/office/thememl/2012/main" name="Office Theme" id="{62F939B6-93AF-4DB8-9C6B-D6C7DFDC589F}" vid="{4A3C46E8-61CC-4603-A589-7422A47A8E4A}"/>
+      <thm15:themeFamily xmlns:thm15="http://schemas.microsoft.com/office/thememl/2012/main" xmlns="" name="Office Theme" id="{62F939B6-93AF-4DB8-9C6B-D6C7DFDC589F}" vid="{4A3C46E8-61CC-4603-A589-7422A47A8E4A}"/>
     </a:ext>
   </a:extLst>
 </a:theme>

--- a/featureToggles.pptx
+++ b/featureToggles.pptx
@@ -21,11 +21,14 @@
     <p:sldId id="275" r:id="rId15"/>
     <p:sldId id="266" r:id="rId16"/>
     <p:sldId id="274" r:id="rId17"/>
-    <p:sldId id="278" r:id="rId18"/>
-    <p:sldId id="276" r:id="rId19"/>
-    <p:sldId id="268" r:id="rId20"/>
-    <p:sldId id="277" r:id="rId21"/>
-    <p:sldId id="269" r:id="rId22"/>
+    <p:sldId id="279" r:id="rId18"/>
+    <p:sldId id="280" r:id="rId19"/>
+    <p:sldId id="278" r:id="rId20"/>
+    <p:sldId id="276" r:id="rId21"/>
+    <p:sldId id="268" r:id="rId22"/>
+    <p:sldId id="277" r:id="rId23"/>
+    <p:sldId id="269" r:id="rId24"/>
+    <p:sldId id="281" r:id="rId25"/>
   </p:sldIdLst>
   <p:sldSz cx="12192000" cy="6858000"/>
   <p:notesSz cx="6858000" cy="9144000"/>
@@ -126,7 +129,18 @@
   </p:defaultTextStyle>
   <p:extLst>
     <p:ext uri="{EFAFB233-063F-42B5-8137-9DF3F51BA10A}">
-      <p15:sldGuideLst xmlns:p15="http://schemas.microsoft.com/office/powerpoint/2012/main" xmlns=""/>
+      <p15:sldGuideLst xmlns:p15="http://schemas.microsoft.com/office/powerpoint/2012/main" xmlns="">
+        <p15:guide id="1" orient="horz" pos="2160">
+          <p15:clr>
+            <a:srgbClr val="A4A3A4"/>
+          </p15:clr>
+        </p15:guide>
+        <p15:guide id="2" pos="3840">
+          <p15:clr>
+            <a:srgbClr val="A4A3A4"/>
+          </p15:clr>
+        </p15:guide>
+      </p15:sldGuideLst>
     </p:ext>
   </p:extLst>
 </p:presentation>
@@ -285,7 +299,7 @@
           <a:p>
             <a:fld id="{ABAA4BC0-A8D9-4C08-86B1-EF96D428A184}" type="datetimeFigureOut">
               <a:rPr lang="en-AU" smtClean="0"/>
-              <a:t>30/11/2017</a:t>
+              <a:t>4/12/2017</a:t>
             </a:fld>
             <a:endParaRPr lang="en-AU"/>
           </a:p>
@@ -485,7 +499,7 @@
           <a:p>
             <a:fld id="{ABAA4BC0-A8D9-4C08-86B1-EF96D428A184}" type="datetimeFigureOut">
               <a:rPr lang="en-AU" smtClean="0"/>
-              <a:t>30/11/2017</a:t>
+              <a:t>4/12/2017</a:t>
             </a:fld>
             <a:endParaRPr lang="en-AU"/>
           </a:p>
@@ -695,7 +709,7 @@
           <a:p>
             <a:fld id="{ABAA4BC0-A8D9-4C08-86B1-EF96D428A184}" type="datetimeFigureOut">
               <a:rPr lang="en-AU" smtClean="0"/>
-              <a:t>30/11/2017</a:t>
+              <a:t>4/12/2017</a:t>
             </a:fld>
             <a:endParaRPr lang="en-AU"/>
           </a:p>
@@ -895,7 +909,7 @@
           <a:p>
             <a:fld id="{ABAA4BC0-A8D9-4C08-86B1-EF96D428A184}" type="datetimeFigureOut">
               <a:rPr lang="en-AU" smtClean="0"/>
-              <a:t>30/11/2017</a:t>
+              <a:t>4/12/2017</a:t>
             </a:fld>
             <a:endParaRPr lang="en-AU"/>
           </a:p>
@@ -1171,7 +1185,7 @@
           <a:p>
             <a:fld id="{ABAA4BC0-A8D9-4C08-86B1-EF96D428A184}" type="datetimeFigureOut">
               <a:rPr lang="en-AU" smtClean="0"/>
-              <a:t>30/11/2017</a:t>
+              <a:t>4/12/2017</a:t>
             </a:fld>
             <a:endParaRPr lang="en-AU"/>
           </a:p>
@@ -1439,7 +1453,7 @@
           <a:p>
             <a:fld id="{ABAA4BC0-A8D9-4C08-86B1-EF96D428A184}" type="datetimeFigureOut">
               <a:rPr lang="en-AU" smtClean="0"/>
-              <a:t>30/11/2017</a:t>
+              <a:t>4/12/2017</a:t>
             </a:fld>
             <a:endParaRPr lang="en-AU"/>
           </a:p>
@@ -1854,7 +1868,7 @@
           <a:p>
             <a:fld id="{ABAA4BC0-A8D9-4C08-86B1-EF96D428A184}" type="datetimeFigureOut">
               <a:rPr lang="en-AU" smtClean="0"/>
-              <a:t>30/11/2017</a:t>
+              <a:t>4/12/2017</a:t>
             </a:fld>
             <a:endParaRPr lang="en-AU"/>
           </a:p>
@@ -1996,7 +2010,7 @@
           <a:p>
             <a:fld id="{ABAA4BC0-A8D9-4C08-86B1-EF96D428A184}" type="datetimeFigureOut">
               <a:rPr lang="en-AU" smtClean="0"/>
-              <a:t>30/11/2017</a:t>
+              <a:t>4/12/2017</a:t>
             </a:fld>
             <a:endParaRPr lang="en-AU"/>
           </a:p>
@@ -2109,7 +2123,7 @@
           <a:p>
             <a:fld id="{ABAA4BC0-A8D9-4C08-86B1-EF96D428A184}" type="datetimeFigureOut">
               <a:rPr lang="en-AU" smtClean="0"/>
-              <a:t>30/11/2017</a:t>
+              <a:t>4/12/2017</a:t>
             </a:fld>
             <a:endParaRPr lang="en-AU"/>
           </a:p>
@@ -2422,7 +2436,7 @@
           <a:p>
             <a:fld id="{ABAA4BC0-A8D9-4C08-86B1-EF96D428A184}" type="datetimeFigureOut">
               <a:rPr lang="en-AU" smtClean="0"/>
-              <a:t>30/11/2017</a:t>
+              <a:t>4/12/2017</a:t>
             </a:fld>
             <a:endParaRPr lang="en-AU"/>
           </a:p>
@@ -2711,7 +2725,7 @@
           <a:p>
             <a:fld id="{ABAA4BC0-A8D9-4C08-86B1-EF96D428A184}" type="datetimeFigureOut">
               <a:rPr lang="en-AU" smtClean="0"/>
-              <a:t>30/11/2017</a:t>
+              <a:t>4/12/2017</a:t>
             </a:fld>
             <a:endParaRPr lang="en-AU"/>
           </a:p>
@@ -2954,7 +2968,7 @@
           <a:p>
             <a:fld id="{ABAA4BC0-A8D9-4C08-86B1-EF96D428A184}" type="datetimeFigureOut">
               <a:rPr lang="en-AU" smtClean="0"/>
-              <a:t>30/11/2017</a:t>
+              <a:t>4/12/2017</a:t>
             </a:fld>
             <a:endParaRPr lang="en-AU"/>
           </a:p>
@@ -3651,7 +3665,7 @@
             <a:pPr algn="ctr"/>
             <a:r>
               <a:rPr lang="en-AU" dirty="0"/>
-              <a:t>Part2: CI/CD pipeline</a:t>
+              <a:t>Part2: elastic CI/CD pipeline</a:t>
             </a:r>
           </a:p>
         </p:txBody>
@@ -3793,26 +3807,6 @@
             <a:r>
               <a:rPr lang="en-AU" dirty="0"/>
               <a:t>Finished: finished_???</a:t>
-            </a:r>
-          </a:p>
-          <a:p>
-            <a:pPr marL="1428750" lvl="2" indent="-514350">
-              <a:buFont typeface="+mj-lt"/>
-              <a:buAutoNum type="arabicPeriod"/>
-            </a:pPr>
-            <a:r>
-              <a:rPr lang="en-AU" dirty="0"/>
-              <a:t>formalize : formalize _???</a:t>
-            </a:r>
-          </a:p>
-          <a:p>
-            <a:pPr marL="1428750" lvl="2" indent="-514350">
-              <a:buFont typeface="+mj-lt"/>
-              <a:buAutoNum type="arabicPeriod"/>
-            </a:pPr>
-            <a:r>
-              <a:rPr lang="en-AU" dirty="0"/>
-              <a:t>Deprecate: deprecate_???</a:t>
             </a:r>
           </a:p>
         </p:txBody>
@@ -4300,11 +4294,11 @@
             </a:r>
             <a:r>
               <a:rPr lang="en-AU" sz="1100" dirty="0"/>
-              <a:t>=`dyna_`+</a:t>
+              <a:t>=`dyna_`+ </a:t>
             </a:r>
             <a:r>
               <a:rPr lang="en-AU" sz="1100" dirty="0" err="1"/>
-              <a:t>selectedFeatureBranches.reduce</a:t>
+              <a:t>group.selectedFeatureBranches.reduce</a:t>
             </a:r>
             <a:r>
               <a:rPr lang="en-AU" sz="1100" dirty="0"/>
@@ -4404,6 +4398,10 @@
             <a:pPr marL="0" indent="0">
               <a:buNone/>
             </a:pPr>
+            <a:r>
+              <a:rPr lang="en-AU" sz="1100" dirty="0"/>
+              <a:t>group. </a:t>
+            </a:r>
             <a:r>
               <a:rPr lang="en-AU" sz="1100" dirty="0" err="1"/>
               <a:t>selectedFeatureBranches.forEach</a:t>
@@ -4692,7 +4690,7 @@
           <p:cNvPr id="4" name="Title 1">
             <a:extLst>
               <a:ext uri="{FF2B5EF4-FFF2-40B4-BE49-F238E27FC236}">
-                <a16:creationId xmlns:a16="http://schemas.microsoft.com/office/drawing/2014/main" xmlns="" id="{78D141BE-904B-41D6-A1F5-70EACB375A02}"/>
+                <a16:creationId xmlns:a16="http://schemas.microsoft.com/office/drawing/2014/main" xmlns="" id="{6A06393E-99D8-4695-9207-D1A2BAC66F38}"/>
               </a:ext>
             </a:extLst>
           </p:cNvPr>
@@ -4716,15 +4714,24 @@
             <a:pPr algn="ctr"/>
             <a:r>
               <a:rPr lang="en-AU" dirty="0"/>
-              <a:t>Part3: runtime</a:t>
-            </a:r>
+              <a:t>Part3: </a:t>
+            </a:r>
+            <a:r>
+              <a:rPr lang="en-AU" dirty="0" smtClean="0"/>
+              <a:t>adaptive </a:t>
+            </a:r>
+            <a:r>
+              <a:rPr lang="en-AU" dirty="0" err="1" smtClean="0"/>
+              <a:t>webpack</a:t>
+            </a:r>
+            <a:endParaRPr lang="en-AU" dirty="0"/>
           </a:p>
         </p:txBody>
       </p:sp>
     </p:spTree>
     <p:extLst>
       <p:ext uri="{BB962C8B-B14F-4D97-AF65-F5344CB8AC3E}">
-        <p14:creationId xmlns:p14="http://schemas.microsoft.com/office/powerpoint/2010/main" val="209780505"/>
+        <p14:creationId xmlns:p14="http://schemas.microsoft.com/office/powerpoint/2010/main" val="928583072"/>
       </p:ext>
     </p:extLst>
   </p:cSld>
@@ -4756,7 +4763,7 @@
           <p:cNvPr id="2" name="Title 1">
             <a:extLst>
               <a:ext uri="{FF2B5EF4-FFF2-40B4-BE49-F238E27FC236}">
-                <a16:creationId xmlns:a16="http://schemas.microsoft.com/office/drawing/2014/main" xmlns="" id="{CDFF9C88-CA8A-4EDD-A2FD-2CBB1560A2AC}"/>
+                <a16:creationId xmlns:a16="http://schemas.microsoft.com/office/drawing/2014/main" xmlns="" id="{7A803F35-0FC6-4F91-A1FB-F2EA3D07BA08}"/>
               </a:ext>
             </a:extLst>
           </p:cNvPr>
@@ -4772,17 +4779,7 @@
           <a:bodyPr/>
           <a:lstStyle/>
           <a:p>
-            <a:r>
-              <a:rPr lang="en-AU" dirty="0"/>
-              <a:t>Option 1 multi-instances</a:t>
-            </a:r>
-            <a:br>
-              <a:rPr lang="en-AU" dirty="0"/>
-            </a:br>
-            <a:r>
-              <a:rPr lang="en-AU" dirty="0"/>
-              <a:t>(not bad, but not ideal)</a:t>
-            </a:r>
+            <a:endParaRPr lang="en-AU"/>
           </a:p>
         </p:txBody>
       </p:sp>
@@ -4791,7 +4788,7 @@
           <p:cNvPr id="3" name="Content Placeholder 2">
             <a:extLst>
               <a:ext uri="{FF2B5EF4-FFF2-40B4-BE49-F238E27FC236}">
-                <a16:creationId xmlns:a16="http://schemas.microsoft.com/office/drawing/2014/main" xmlns="" id="{A360B579-2AEB-4554-875C-E618D99B5A9A}"/>
+                <a16:creationId xmlns:a16="http://schemas.microsoft.com/office/drawing/2014/main" xmlns="" id="{C7039667-7B1D-4E42-83DD-DA7569B25DE8}"/>
               </a:ext>
             </a:extLst>
           </p:cNvPr>
@@ -4802,401 +4799,19 @@
             <p:ph idx="1"/>
           </p:nvPr>
         </p:nvSpPr>
-        <p:spPr>
-          <a:xfrm>
-            <a:off x="838200" y="1825625"/>
-            <a:ext cx="10515600" cy="607975"/>
-          </a:xfrm>
-        </p:spPr>
+        <p:spPr/>
         <p:txBody>
           <a:bodyPr/>
           <a:lstStyle/>
           <a:p>
-            <a:pPr marL="0" indent="0">
-              <a:buNone/>
-            </a:pPr>
-            <a:r>
-              <a:rPr lang="en-AU" dirty="0"/>
-              <a:t>we get 3 </a:t>
-            </a:r>
-            <a:r>
-              <a:rPr lang="en-AU" dirty="0" err="1"/>
-              <a:t>artifacts</a:t>
-            </a:r>
-            <a:r>
-              <a:rPr lang="en-AU" dirty="0"/>
-              <a:t>: dyna, dyna_feature1, dyna_ feature1_feature2</a:t>
-            </a:r>
-          </a:p>
-          <a:p>
-            <a:endParaRPr lang="en-AU" dirty="0"/>
-          </a:p>
-        </p:txBody>
-      </p:sp>
-      <p:sp>
-        <p:nvSpPr>
-          <p:cNvPr id="4" name="Rectangle: Rounded Corners 3">
-            <a:extLst>
-              <a:ext uri="{FF2B5EF4-FFF2-40B4-BE49-F238E27FC236}">
-                <a16:creationId xmlns:a16="http://schemas.microsoft.com/office/drawing/2014/main" xmlns="" id="{22F580C1-A0CE-4DE1-9125-45C894E8919B}"/>
-              </a:ext>
-            </a:extLst>
-          </p:cNvPr>
-          <p:cNvSpPr/>
-          <p:nvPr/>
-        </p:nvSpPr>
-        <p:spPr>
-          <a:xfrm>
-            <a:off x="1104000" y="3345600"/>
-            <a:ext cx="1392000" cy="1003200"/>
-          </a:xfrm>
-          <a:prstGeom prst="roundRect">
-            <a:avLst/>
-          </a:prstGeom>
-        </p:spPr>
-        <p:style>
-          <a:lnRef idx="2">
-            <a:schemeClr val="accent1">
-              <a:shade val="50000"/>
-            </a:schemeClr>
-          </a:lnRef>
-          <a:fillRef idx="1">
-            <a:schemeClr val="accent1"/>
-          </a:fillRef>
-          <a:effectRef idx="0">
-            <a:schemeClr val="accent1"/>
-          </a:effectRef>
-          <a:fontRef idx="minor">
-            <a:schemeClr val="lt1"/>
-          </a:fontRef>
-        </p:style>
-        <p:txBody>
-          <a:bodyPr rtlCol="0" anchor="ctr"/>
-          <a:lstStyle/>
-          <a:p>
-            <a:pPr algn="ctr"/>
-            <a:r>
-              <a:rPr lang="en-AU" dirty="0"/>
-              <a:t>dyna</a:t>
-            </a:r>
-          </a:p>
-        </p:txBody>
-      </p:sp>
-      <p:sp>
-        <p:nvSpPr>
-          <p:cNvPr id="5" name="Rectangle: Rounded Corners 4">
-            <a:extLst>
-              <a:ext uri="{FF2B5EF4-FFF2-40B4-BE49-F238E27FC236}">
-                <a16:creationId xmlns:a16="http://schemas.microsoft.com/office/drawing/2014/main" xmlns="" id="{BAB322B6-52C3-4BEF-AE12-CEFE4AF1737D}"/>
-              </a:ext>
-            </a:extLst>
-          </p:cNvPr>
-          <p:cNvSpPr/>
-          <p:nvPr/>
-        </p:nvSpPr>
-        <p:spPr>
-          <a:xfrm>
-            <a:off x="8208000" y="3374400"/>
-            <a:ext cx="3096000" cy="974400"/>
-          </a:xfrm>
-          <a:prstGeom prst="roundRect">
-            <a:avLst/>
-          </a:prstGeom>
-        </p:spPr>
-        <p:style>
-          <a:lnRef idx="2">
-            <a:schemeClr val="accent1">
-              <a:shade val="50000"/>
-            </a:schemeClr>
-          </a:lnRef>
-          <a:fillRef idx="1">
-            <a:schemeClr val="accent1"/>
-          </a:fillRef>
-          <a:effectRef idx="0">
-            <a:schemeClr val="accent1"/>
-          </a:effectRef>
-          <a:fontRef idx="minor">
-            <a:schemeClr val="lt1"/>
-          </a:fontRef>
-        </p:style>
-        <p:txBody>
-          <a:bodyPr rtlCol="0" anchor="ctr"/>
-          <a:lstStyle/>
-          <a:p>
-            <a:pPr algn="ctr"/>
-            <a:r>
-              <a:rPr lang="en-AU" dirty="0"/>
-              <a:t>dyna_ feature1_feature2</a:t>
-            </a:r>
-          </a:p>
-        </p:txBody>
-      </p:sp>
-      <p:sp>
-        <p:nvSpPr>
-          <p:cNvPr id="6" name="Rectangle: Rounded Corners 5">
-            <a:extLst>
-              <a:ext uri="{FF2B5EF4-FFF2-40B4-BE49-F238E27FC236}">
-                <a16:creationId xmlns:a16="http://schemas.microsoft.com/office/drawing/2014/main" xmlns="" id="{6E1CAEE1-F7D0-4692-87EE-C81F99C972C6}"/>
-              </a:ext>
-            </a:extLst>
-          </p:cNvPr>
-          <p:cNvSpPr/>
-          <p:nvPr/>
-        </p:nvSpPr>
-        <p:spPr>
-          <a:xfrm>
-            <a:off x="4713600" y="3400800"/>
-            <a:ext cx="1843200" cy="948000"/>
-          </a:xfrm>
-          <a:prstGeom prst="roundRect">
-            <a:avLst/>
-          </a:prstGeom>
-        </p:spPr>
-        <p:style>
-          <a:lnRef idx="2">
-            <a:schemeClr val="accent1">
-              <a:shade val="50000"/>
-            </a:schemeClr>
-          </a:lnRef>
-          <a:fillRef idx="1">
-            <a:schemeClr val="accent1"/>
-          </a:fillRef>
-          <a:effectRef idx="0">
-            <a:schemeClr val="accent1"/>
-          </a:effectRef>
-          <a:fontRef idx="minor">
-            <a:schemeClr val="lt1"/>
-          </a:fontRef>
-        </p:style>
-        <p:txBody>
-          <a:bodyPr rtlCol="0" anchor="ctr"/>
-          <a:lstStyle/>
-          <a:p>
-            <a:pPr algn="ctr"/>
-            <a:r>
-              <a:rPr lang="en-AU" dirty="0"/>
-              <a:t>dyna_feature1</a:t>
-            </a:r>
-          </a:p>
-        </p:txBody>
-      </p:sp>
-      <p:sp>
-        <p:nvSpPr>
-          <p:cNvPr id="7" name="Rectangle: Rounded Corners 6">
-            <a:extLst>
-              <a:ext uri="{FF2B5EF4-FFF2-40B4-BE49-F238E27FC236}">
-                <a16:creationId xmlns:a16="http://schemas.microsoft.com/office/drawing/2014/main" xmlns="" id="{2B2DADE3-74F8-4DD2-850B-2DAB16F42835}"/>
-              </a:ext>
-            </a:extLst>
-          </p:cNvPr>
-          <p:cNvSpPr/>
-          <p:nvPr/>
-        </p:nvSpPr>
-        <p:spPr>
-          <a:xfrm>
-            <a:off x="4712400" y="4933200"/>
-            <a:ext cx="1843200" cy="1668000"/>
-          </a:xfrm>
-          <a:prstGeom prst="roundRect">
-            <a:avLst/>
-          </a:prstGeom>
-        </p:spPr>
-        <p:style>
-          <a:lnRef idx="2">
-            <a:schemeClr val="accent1">
-              <a:shade val="50000"/>
-            </a:schemeClr>
-          </a:lnRef>
-          <a:fillRef idx="1">
-            <a:schemeClr val="accent1"/>
-          </a:fillRef>
-          <a:effectRef idx="0">
-            <a:schemeClr val="accent1"/>
-          </a:effectRef>
-          <a:fontRef idx="minor">
-            <a:schemeClr val="lt1"/>
-          </a:fontRef>
-        </p:style>
-        <p:txBody>
-          <a:bodyPr rtlCol="0" anchor="ctr"/>
-          <a:lstStyle/>
-          <a:p>
-            <a:pPr algn="ctr"/>
-            <a:r>
-              <a:rPr lang="en-AU" dirty="0"/>
-              <a:t>Load balancer?</a:t>
-            </a:r>
-          </a:p>
-        </p:txBody>
-      </p:sp>
-      <p:cxnSp>
-        <p:nvCxnSpPr>
-          <p:cNvPr id="9" name="Straight Arrow Connector 8">
-            <a:extLst>
-              <a:ext uri="{FF2B5EF4-FFF2-40B4-BE49-F238E27FC236}">
-                <a16:creationId xmlns:a16="http://schemas.microsoft.com/office/drawing/2014/main" xmlns="" id="{29342EDE-10B4-4566-A05F-EE67D11DFC15}"/>
-              </a:ext>
-            </a:extLst>
-          </p:cNvPr>
-          <p:cNvCxnSpPr>
-            <a:cxnSpLocks/>
-            <a:stCxn id="7" idx="1"/>
-            <a:endCxn id="4" idx="2"/>
-          </p:cNvCxnSpPr>
-          <p:nvPr/>
-        </p:nvCxnSpPr>
-        <p:spPr>
-          <a:xfrm flipH="1" flipV="1">
-            <a:off x="1800000" y="4348800"/>
-            <a:ext cx="2912400" cy="1418400"/>
-          </a:xfrm>
-          <a:prstGeom prst="straightConnector1">
-            <a:avLst/>
-          </a:prstGeom>
-          <a:ln>
-            <a:tailEnd type="triangle"/>
-          </a:ln>
-        </p:spPr>
-        <p:style>
-          <a:lnRef idx="1">
-            <a:schemeClr val="accent1"/>
-          </a:lnRef>
-          <a:fillRef idx="0">
-            <a:schemeClr val="accent1"/>
-          </a:fillRef>
-          <a:effectRef idx="0">
-            <a:schemeClr val="accent1"/>
-          </a:effectRef>
-          <a:fontRef idx="minor">
-            <a:schemeClr val="tx1"/>
-          </a:fontRef>
-        </p:style>
-      </p:cxnSp>
-      <p:cxnSp>
-        <p:nvCxnSpPr>
-          <p:cNvPr id="10" name="Straight Arrow Connector 9">
-            <a:extLst>
-              <a:ext uri="{FF2B5EF4-FFF2-40B4-BE49-F238E27FC236}">
-                <a16:creationId xmlns:a16="http://schemas.microsoft.com/office/drawing/2014/main" xmlns="" id="{4DBDDFB9-BB6B-4DC0-8721-90D2A2E86008}"/>
-              </a:ext>
-            </a:extLst>
-          </p:cNvPr>
-          <p:cNvCxnSpPr>
-            <a:cxnSpLocks/>
-            <a:stCxn id="7" idx="0"/>
-            <a:endCxn id="6" idx="2"/>
-          </p:cNvCxnSpPr>
-          <p:nvPr/>
-        </p:nvCxnSpPr>
-        <p:spPr>
-          <a:xfrm flipV="1">
-            <a:off x="5634000" y="4348800"/>
-            <a:ext cx="1200" cy="584400"/>
-          </a:xfrm>
-          <a:prstGeom prst="straightConnector1">
-            <a:avLst/>
-          </a:prstGeom>
-          <a:ln>
-            <a:tailEnd type="triangle"/>
-          </a:ln>
-        </p:spPr>
-        <p:style>
-          <a:lnRef idx="1">
-            <a:schemeClr val="accent1"/>
-          </a:lnRef>
-          <a:fillRef idx="0">
-            <a:schemeClr val="accent1"/>
-          </a:fillRef>
-          <a:effectRef idx="0">
-            <a:schemeClr val="accent1"/>
-          </a:effectRef>
-          <a:fontRef idx="minor">
-            <a:schemeClr val="tx1"/>
-          </a:fontRef>
-        </p:style>
-      </p:cxnSp>
-      <p:cxnSp>
-        <p:nvCxnSpPr>
-          <p:cNvPr id="13" name="Straight Arrow Connector 12">
-            <a:extLst>
-              <a:ext uri="{FF2B5EF4-FFF2-40B4-BE49-F238E27FC236}">
-                <a16:creationId xmlns:a16="http://schemas.microsoft.com/office/drawing/2014/main" xmlns="" id="{F7807ED4-61EC-4614-8D90-574B7B83C6E1}"/>
-              </a:ext>
-            </a:extLst>
-          </p:cNvPr>
-          <p:cNvCxnSpPr>
-            <a:cxnSpLocks/>
-            <a:stCxn id="7" idx="3"/>
-            <a:endCxn id="5" idx="2"/>
-          </p:cNvCxnSpPr>
-          <p:nvPr/>
-        </p:nvCxnSpPr>
-        <p:spPr>
-          <a:xfrm flipV="1">
-            <a:off x="6555600" y="4348800"/>
-            <a:ext cx="3200400" cy="1418400"/>
-          </a:xfrm>
-          <a:prstGeom prst="straightConnector1">
-            <a:avLst/>
-          </a:prstGeom>
-          <a:ln>
-            <a:tailEnd type="triangle"/>
-          </a:ln>
-        </p:spPr>
-        <p:style>
-          <a:lnRef idx="1">
-            <a:schemeClr val="accent1"/>
-          </a:lnRef>
-          <a:fillRef idx="0">
-            <a:schemeClr val="accent1"/>
-          </a:fillRef>
-          <a:effectRef idx="0">
-            <a:schemeClr val="accent1"/>
-          </a:effectRef>
-          <a:fontRef idx="minor">
-            <a:schemeClr val="tx1"/>
-          </a:fontRef>
-        </p:style>
-      </p:cxnSp>
-      <p:sp>
-        <p:nvSpPr>
-          <p:cNvPr id="16" name="TextBox 15">
-            <a:extLst>
-              <a:ext uri="{FF2B5EF4-FFF2-40B4-BE49-F238E27FC236}">
-                <a16:creationId xmlns:a16="http://schemas.microsoft.com/office/drawing/2014/main" xmlns="" id="{781B57AE-A8AF-4C28-B9C0-EBF4AF0EE7FC}"/>
-              </a:ext>
-            </a:extLst>
-          </p:cNvPr>
-          <p:cNvSpPr txBox="1"/>
-          <p:nvPr/>
-        </p:nvSpPr>
-        <p:spPr>
-          <a:xfrm>
-            <a:off x="4672800" y="2576035"/>
-            <a:ext cx="1855200" cy="369332"/>
-          </a:xfrm>
-          <a:prstGeom prst="rect">
-            <a:avLst/>
-          </a:prstGeom>
-          <a:noFill/>
-        </p:spPr>
-        <p:txBody>
-          <a:bodyPr wrap="square" rtlCol="0">
-            <a:spAutoFit/>
-          </a:bodyPr>
-          <a:lstStyle/>
-          <a:p>
-            <a:r>
-              <a:rPr lang="en-AU" dirty="0"/>
-              <a:t>Azure instances</a:t>
-            </a:r>
+            <a:endParaRPr lang="en-AU"/>
           </a:p>
         </p:txBody>
       </p:sp>
     </p:spTree>
     <p:extLst>
       <p:ext uri="{BB962C8B-B14F-4D97-AF65-F5344CB8AC3E}">
-        <p14:creationId xmlns:p14="http://schemas.microsoft.com/office/powerpoint/2010/main" val="2404233937"/>
+        <p14:creationId xmlns:p14="http://schemas.microsoft.com/office/powerpoint/2010/main" val="3148831565"/>
       </p:ext>
     </p:extLst>
   </p:cSld>
@@ -5225,6 +4840,671 @@
       </p:grpSpPr>
       <p:sp>
         <p:nvSpPr>
+          <p:cNvPr id="4" name="Title 1">
+            <a:extLst>
+              <a:ext uri="{FF2B5EF4-FFF2-40B4-BE49-F238E27FC236}">
+                <a16:creationId xmlns:a16="http://schemas.microsoft.com/office/drawing/2014/main" xmlns="" id="{78D141BE-904B-41D6-A1F5-70EACB375A02}"/>
+              </a:ext>
+            </a:extLst>
+          </p:cNvPr>
+          <p:cNvSpPr>
+            <a:spLocks noGrp="1"/>
+          </p:cNvSpPr>
+          <p:nvPr>
+            <p:ph type="title"/>
+          </p:nvPr>
+        </p:nvSpPr>
+        <p:spPr>
+          <a:xfrm>
+            <a:off x="819000" y="2292325"/>
+            <a:ext cx="10515600" cy="1325563"/>
+          </a:xfrm>
+        </p:spPr>
+        <p:txBody>
+          <a:bodyPr/>
+          <a:lstStyle/>
+          <a:p>
+            <a:pPr algn="ctr"/>
+            <a:r>
+              <a:rPr lang="en-AU" dirty="0"/>
+              <a:t>Part4: dynamic runtime</a:t>
+            </a:r>
+          </a:p>
+        </p:txBody>
+      </p:sp>
+    </p:spTree>
+    <p:extLst>
+      <p:ext uri="{BB962C8B-B14F-4D97-AF65-F5344CB8AC3E}">
+        <p14:creationId xmlns:p14="http://schemas.microsoft.com/office/powerpoint/2010/main" val="209780505"/>
+      </p:ext>
+    </p:extLst>
+  </p:cSld>
+  <p:clrMapOvr>
+    <a:masterClrMapping/>
+  </p:clrMapOvr>
+</p:sld>
+</file>
+
+<file path=ppt/slides/slide2.xml><?xml version="1.0" encoding="utf-8"?>
+<p:sld xmlns:a="http://schemas.openxmlformats.org/drawingml/2006/main" xmlns:r="http://schemas.openxmlformats.org/officeDocument/2006/relationships" xmlns:p="http://schemas.openxmlformats.org/presentationml/2006/main">
+  <p:cSld>
+    <p:spTree>
+      <p:nvGrpSpPr>
+        <p:cNvPr id="1" name=""/>
+        <p:cNvGrpSpPr/>
+        <p:nvPr/>
+      </p:nvGrpSpPr>
+      <p:grpSpPr>
+        <a:xfrm>
+          <a:off x="0" y="0"/>
+          <a:ext cx="0" cy="0"/>
+          <a:chOff x="0" y="0"/>
+          <a:chExt cx="0" cy="0"/>
+        </a:xfrm>
+      </p:grpSpPr>
+      <p:sp>
+        <p:nvSpPr>
+          <p:cNvPr id="2" name="Title 1">
+            <a:extLst>
+              <a:ext uri="{FF2B5EF4-FFF2-40B4-BE49-F238E27FC236}">
+                <a16:creationId xmlns:a16="http://schemas.microsoft.com/office/drawing/2014/main" xmlns="" id="{22615686-17FF-482C-922E-0E93B7206CA2}"/>
+              </a:ext>
+            </a:extLst>
+          </p:cNvPr>
+          <p:cNvSpPr>
+            <a:spLocks noGrp="1"/>
+          </p:cNvSpPr>
+          <p:nvPr>
+            <p:ph type="title"/>
+          </p:nvPr>
+        </p:nvSpPr>
+        <p:spPr/>
+        <p:txBody>
+          <a:bodyPr/>
+          <a:lstStyle/>
+          <a:p>
+            <a:r>
+              <a:rPr lang="en-AU" dirty="0"/>
+              <a:t>Why feature toggling</a:t>
+            </a:r>
+          </a:p>
+        </p:txBody>
+      </p:sp>
+      <p:sp>
+        <p:nvSpPr>
+          <p:cNvPr id="3" name="Content Placeholder 2">
+            <a:extLst>
+              <a:ext uri="{FF2B5EF4-FFF2-40B4-BE49-F238E27FC236}">
+                <a16:creationId xmlns:a16="http://schemas.microsoft.com/office/drawing/2014/main" xmlns="" id="{669EAA0D-DBFC-4A88-8236-2795907B48AA}"/>
+              </a:ext>
+            </a:extLst>
+          </p:cNvPr>
+          <p:cNvSpPr>
+            <a:spLocks noGrp="1"/>
+          </p:cNvSpPr>
+          <p:nvPr>
+            <p:ph idx="1"/>
+          </p:nvPr>
+        </p:nvSpPr>
+        <p:spPr/>
+        <p:txBody>
+          <a:bodyPr/>
+          <a:lstStyle/>
+          <a:p>
+            <a:pPr marL="0" indent="0">
+              <a:buNone/>
+            </a:pPr>
+            <a:r>
+              <a:rPr lang="en-AU" dirty="0"/>
+              <a:t>Pros</a:t>
+            </a:r>
+          </a:p>
+          <a:p>
+            <a:pPr marL="514350" indent="-514350">
+              <a:buFont typeface="+mj-lt"/>
+              <a:buAutoNum type="arabicPeriod"/>
+            </a:pPr>
+            <a:r>
+              <a:rPr lang="en-AU" dirty="0"/>
+              <a:t>Decouple development from release</a:t>
+            </a:r>
+          </a:p>
+          <a:p>
+            <a:pPr marL="514350" indent="-514350">
+              <a:buFont typeface="+mj-lt"/>
+              <a:buAutoNum type="arabicPeriod"/>
+            </a:pPr>
+            <a:r>
+              <a:rPr lang="en-AU" dirty="0"/>
+              <a:t>Runtime configurable feature toggling</a:t>
+            </a:r>
+          </a:p>
+          <a:p>
+            <a:pPr marL="514350" indent="-514350">
+              <a:buFont typeface="+mj-lt"/>
+              <a:buAutoNum type="arabicPeriod"/>
+            </a:pPr>
+            <a:r>
+              <a:rPr lang="en-AU" dirty="0"/>
+              <a:t>a/b testing</a:t>
+            </a:r>
+          </a:p>
+          <a:p>
+            <a:pPr marL="514350" indent="-514350">
+              <a:buFont typeface="+mj-lt"/>
+              <a:buAutoNum type="arabicPeriod"/>
+            </a:pPr>
+            <a:r>
+              <a:rPr lang="en-AU" dirty="0"/>
+              <a:t>…</a:t>
+            </a:r>
+          </a:p>
+        </p:txBody>
+      </p:sp>
+    </p:spTree>
+    <p:extLst>
+      <p:ext uri="{BB962C8B-B14F-4D97-AF65-F5344CB8AC3E}">
+        <p14:creationId xmlns:p14="http://schemas.microsoft.com/office/powerpoint/2010/main" val="1193451757"/>
+      </p:ext>
+    </p:extLst>
+  </p:cSld>
+  <p:clrMapOvr>
+    <a:masterClrMapping/>
+  </p:clrMapOvr>
+</p:sld>
+</file>
+
+<file path=ppt/slides/slide20.xml><?xml version="1.0" encoding="utf-8"?>
+<p:sld xmlns:a="http://schemas.openxmlformats.org/drawingml/2006/main" xmlns:r="http://schemas.openxmlformats.org/officeDocument/2006/relationships" xmlns:p="http://schemas.openxmlformats.org/presentationml/2006/main">
+  <p:cSld>
+    <p:spTree>
+      <p:nvGrpSpPr>
+        <p:cNvPr id="1" name=""/>
+        <p:cNvGrpSpPr/>
+        <p:nvPr/>
+      </p:nvGrpSpPr>
+      <p:grpSpPr>
+        <a:xfrm>
+          <a:off x="0" y="0"/>
+          <a:ext cx="0" cy="0"/>
+          <a:chOff x="0" y="0"/>
+          <a:chExt cx="0" cy="0"/>
+        </a:xfrm>
+      </p:grpSpPr>
+      <p:sp>
+        <p:nvSpPr>
+          <p:cNvPr id="2" name="Title 1">
+            <a:extLst>
+              <a:ext uri="{FF2B5EF4-FFF2-40B4-BE49-F238E27FC236}">
+                <a16:creationId xmlns:a16="http://schemas.microsoft.com/office/drawing/2014/main" xmlns="" id="{CDFF9C88-CA8A-4EDD-A2FD-2CBB1560A2AC}"/>
+              </a:ext>
+            </a:extLst>
+          </p:cNvPr>
+          <p:cNvSpPr>
+            <a:spLocks noGrp="1"/>
+          </p:cNvSpPr>
+          <p:nvPr>
+            <p:ph type="title"/>
+          </p:nvPr>
+        </p:nvSpPr>
+        <p:spPr/>
+        <p:txBody>
+          <a:bodyPr/>
+          <a:lstStyle/>
+          <a:p>
+            <a:r>
+              <a:rPr lang="en-AU" dirty="0"/>
+              <a:t>Option 1 multi-instances</a:t>
+            </a:r>
+            <a:br>
+              <a:rPr lang="en-AU" dirty="0"/>
+            </a:br>
+            <a:r>
+              <a:rPr lang="en-AU" dirty="0"/>
+              <a:t>(not bad, but not ideal)</a:t>
+            </a:r>
+          </a:p>
+        </p:txBody>
+      </p:sp>
+      <p:sp>
+        <p:nvSpPr>
+          <p:cNvPr id="3" name="Content Placeholder 2">
+            <a:extLst>
+              <a:ext uri="{FF2B5EF4-FFF2-40B4-BE49-F238E27FC236}">
+                <a16:creationId xmlns:a16="http://schemas.microsoft.com/office/drawing/2014/main" xmlns="" id="{A360B579-2AEB-4554-875C-E618D99B5A9A}"/>
+              </a:ext>
+            </a:extLst>
+          </p:cNvPr>
+          <p:cNvSpPr>
+            <a:spLocks noGrp="1"/>
+          </p:cNvSpPr>
+          <p:nvPr>
+            <p:ph idx="1"/>
+          </p:nvPr>
+        </p:nvSpPr>
+        <p:spPr>
+          <a:xfrm>
+            <a:off x="838200" y="1825625"/>
+            <a:ext cx="10515600" cy="607975"/>
+          </a:xfrm>
+        </p:spPr>
+        <p:txBody>
+          <a:bodyPr/>
+          <a:lstStyle/>
+          <a:p>
+            <a:pPr marL="0" indent="0">
+              <a:buNone/>
+            </a:pPr>
+            <a:r>
+              <a:rPr lang="en-AU" dirty="0"/>
+              <a:t>we get 3 </a:t>
+            </a:r>
+            <a:r>
+              <a:rPr lang="en-AU" dirty="0" err="1"/>
+              <a:t>artifacts</a:t>
+            </a:r>
+            <a:r>
+              <a:rPr lang="en-AU" dirty="0"/>
+              <a:t>: dyna, dyna_feature1, dyna_ feature1_feature2</a:t>
+            </a:r>
+          </a:p>
+          <a:p>
+            <a:endParaRPr lang="en-AU" dirty="0"/>
+          </a:p>
+        </p:txBody>
+      </p:sp>
+      <p:sp>
+        <p:nvSpPr>
+          <p:cNvPr id="4" name="Rectangle: Rounded Corners 3">
+            <a:extLst>
+              <a:ext uri="{FF2B5EF4-FFF2-40B4-BE49-F238E27FC236}">
+                <a16:creationId xmlns:a16="http://schemas.microsoft.com/office/drawing/2014/main" xmlns="" id="{22F580C1-A0CE-4DE1-9125-45C894E8919B}"/>
+              </a:ext>
+            </a:extLst>
+          </p:cNvPr>
+          <p:cNvSpPr/>
+          <p:nvPr/>
+        </p:nvSpPr>
+        <p:spPr>
+          <a:xfrm>
+            <a:off x="1104000" y="3345600"/>
+            <a:ext cx="1392000" cy="1003200"/>
+          </a:xfrm>
+          <a:prstGeom prst="roundRect">
+            <a:avLst/>
+          </a:prstGeom>
+        </p:spPr>
+        <p:style>
+          <a:lnRef idx="2">
+            <a:schemeClr val="accent1">
+              <a:shade val="50000"/>
+            </a:schemeClr>
+          </a:lnRef>
+          <a:fillRef idx="1">
+            <a:schemeClr val="accent1"/>
+          </a:fillRef>
+          <a:effectRef idx="0">
+            <a:schemeClr val="accent1"/>
+          </a:effectRef>
+          <a:fontRef idx="minor">
+            <a:schemeClr val="lt1"/>
+          </a:fontRef>
+        </p:style>
+        <p:txBody>
+          <a:bodyPr rtlCol="0" anchor="ctr"/>
+          <a:lstStyle/>
+          <a:p>
+            <a:pPr algn="ctr"/>
+            <a:r>
+              <a:rPr lang="en-AU" dirty="0"/>
+              <a:t>dyna</a:t>
+            </a:r>
+          </a:p>
+        </p:txBody>
+      </p:sp>
+      <p:sp>
+        <p:nvSpPr>
+          <p:cNvPr id="5" name="Rectangle: Rounded Corners 4">
+            <a:extLst>
+              <a:ext uri="{FF2B5EF4-FFF2-40B4-BE49-F238E27FC236}">
+                <a16:creationId xmlns:a16="http://schemas.microsoft.com/office/drawing/2014/main" xmlns="" id="{BAB322B6-52C3-4BEF-AE12-CEFE4AF1737D}"/>
+              </a:ext>
+            </a:extLst>
+          </p:cNvPr>
+          <p:cNvSpPr/>
+          <p:nvPr/>
+        </p:nvSpPr>
+        <p:spPr>
+          <a:xfrm>
+            <a:off x="8208000" y="3374400"/>
+            <a:ext cx="3096000" cy="974400"/>
+          </a:xfrm>
+          <a:prstGeom prst="roundRect">
+            <a:avLst/>
+          </a:prstGeom>
+        </p:spPr>
+        <p:style>
+          <a:lnRef idx="2">
+            <a:schemeClr val="accent1">
+              <a:shade val="50000"/>
+            </a:schemeClr>
+          </a:lnRef>
+          <a:fillRef idx="1">
+            <a:schemeClr val="accent1"/>
+          </a:fillRef>
+          <a:effectRef idx="0">
+            <a:schemeClr val="accent1"/>
+          </a:effectRef>
+          <a:fontRef idx="minor">
+            <a:schemeClr val="lt1"/>
+          </a:fontRef>
+        </p:style>
+        <p:txBody>
+          <a:bodyPr rtlCol="0" anchor="ctr"/>
+          <a:lstStyle/>
+          <a:p>
+            <a:pPr algn="ctr"/>
+            <a:r>
+              <a:rPr lang="en-AU" dirty="0"/>
+              <a:t>dyna_ feature1_feature2</a:t>
+            </a:r>
+          </a:p>
+        </p:txBody>
+      </p:sp>
+      <p:sp>
+        <p:nvSpPr>
+          <p:cNvPr id="6" name="Rectangle: Rounded Corners 5">
+            <a:extLst>
+              <a:ext uri="{FF2B5EF4-FFF2-40B4-BE49-F238E27FC236}">
+                <a16:creationId xmlns:a16="http://schemas.microsoft.com/office/drawing/2014/main" xmlns="" id="{6E1CAEE1-F7D0-4692-87EE-C81F99C972C6}"/>
+              </a:ext>
+            </a:extLst>
+          </p:cNvPr>
+          <p:cNvSpPr/>
+          <p:nvPr/>
+        </p:nvSpPr>
+        <p:spPr>
+          <a:xfrm>
+            <a:off x="4713600" y="3400800"/>
+            <a:ext cx="1843200" cy="948000"/>
+          </a:xfrm>
+          <a:prstGeom prst="roundRect">
+            <a:avLst/>
+          </a:prstGeom>
+        </p:spPr>
+        <p:style>
+          <a:lnRef idx="2">
+            <a:schemeClr val="accent1">
+              <a:shade val="50000"/>
+            </a:schemeClr>
+          </a:lnRef>
+          <a:fillRef idx="1">
+            <a:schemeClr val="accent1"/>
+          </a:fillRef>
+          <a:effectRef idx="0">
+            <a:schemeClr val="accent1"/>
+          </a:effectRef>
+          <a:fontRef idx="minor">
+            <a:schemeClr val="lt1"/>
+          </a:fontRef>
+        </p:style>
+        <p:txBody>
+          <a:bodyPr rtlCol="0" anchor="ctr"/>
+          <a:lstStyle/>
+          <a:p>
+            <a:pPr algn="ctr"/>
+            <a:r>
+              <a:rPr lang="en-AU" dirty="0"/>
+              <a:t>dyna_feature1</a:t>
+            </a:r>
+          </a:p>
+        </p:txBody>
+      </p:sp>
+      <p:sp>
+        <p:nvSpPr>
+          <p:cNvPr id="7" name="Rectangle: Rounded Corners 6">
+            <a:extLst>
+              <a:ext uri="{FF2B5EF4-FFF2-40B4-BE49-F238E27FC236}">
+                <a16:creationId xmlns:a16="http://schemas.microsoft.com/office/drawing/2014/main" xmlns="" id="{2B2DADE3-74F8-4DD2-850B-2DAB16F42835}"/>
+              </a:ext>
+            </a:extLst>
+          </p:cNvPr>
+          <p:cNvSpPr/>
+          <p:nvPr/>
+        </p:nvSpPr>
+        <p:spPr>
+          <a:xfrm>
+            <a:off x="4712400" y="4933200"/>
+            <a:ext cx="1843200" cy="1668000"/>
+          </a:xfrm>
+          <a:prstGeom prst="roundRect">
+            <a:avLst/>
+          </a:prstGeom>
+        </p:spPr>
+        <p:style>
+          <a:lnRef idx="2">
+            <a:schemeClr val="accent1">
+              <a:shade val="50000"/>
+            </a:schemeClr>
+          </a:lnRef>
+          <a:fillRef idx="1">
+            <a:schemeClr val="accent1"/>
+          </a:fillRef>
+          <a:effectRef idx="0">
+            <a:schemeClr val="accent1"/>
+          </a:effectRef>
+          <a:fontRef idx="minor">
+            <a:schemeClr val="lt1"/>
+          </a:fontRef>
+        </p:style>
+        <p:txBody>
+          <a:bodyPr rtlCol="0" anchor="ctr"/>
+          <a:lstStyle/>
+          <a:p>
+            <a:pPr algn="ctr"/>
+            <a:r>
+              <a:rPr lang="en-AU" dirty="0"/>
+              <a:t>Load balancer?</a:t>
+            </a:r>
+          </a:p>
+        </p:txBody>
+      </p:sp>
+      <p:cxnSp>
+        <p:nvCxnSpPr>
+          <p:cNvPr id="9" name="Straight Arrow Connector 8">
+            <a:extLst>
+              <a:ext uri="{FF2B5EF4-FFF2-40B4-BE49-F238E27FC236}">
+                <a16:creationId xmlns:a16="http://schemas.microsoft.com/office/drawing/2014/main" xmlns="" id="{29342EDE-10B4-4566-A05F-EE67D11DFC15}"/>
+              </a:ext>
+            </a:extLst>
+          </p:cNvPr>
+          <p:cNvCxnSpPr>
+            <a:cxnSpLocks/>
+            <a:stCxn id="7" idx="1"/>
+            <a:endCxn id="4" idx="2"/>
+          </p:cNvCxnSpPr>
+          <p:nvPr/>
+        </p:nvCxnSpPr>
+        <p:spPr>
+          <a:xfrm flipH="1" flipV="1">
+            <a:off x="1800000" y="4348800"/>
+            <a:ext cx="2912400" cy="1418400"/>
+          </a:xfrm>
+          <a:prstGeom prst="straightConnector1">
+            <a:avLst/>
+          </a:prstGeom>
+          <a:ln>
+            <a:tailEnd type="triangle"/>
+          </a:ln>
+        </p:spPr>
+        <p:style>
+          <a:lnRef idx="1">
+            <a:schemeClr val="accent1"/>
+          </a:lnRef>
+          <a:fillRef idx="0">
+            <a:schemeClr val="accent1"/>
+          </a:fillRef>
+          <a:effectRef idx="0">
+            <a:schemeClr val="accent1"/>
+          </a:effectRef>
+          <a:fontRef idx="minor">
+            <a:schemeClr val="tx1"/>
+          </a:fontRef>
+        </p:style>
+      </p:cxnSp>
+      <p:cxnSp>
+        <p:nvCxnSpPr>
+          <p:cNvPr id="10" name="Straight Arrow Connector 9">
+            <a:extLst>
+              <a:ext uri="{FF2B5EF4-FFF2-40B4-BE49-F238E27FC236}">
+                <a16:creationId xmlns:a16="http://schemas.microsoft.com/office/drawing/2014/main" xmlns="" id="{4DBDDFB9-BB6B-4DC0-8721-90D2A2E86008}"/>
+              </a:ext>
+            </a:extLst>
+          </p:cNvPr>
+          <p:cNvCxnSpPr>
+            <a:cxnSpLocks/>
+            <a:stCxn id="7" idx="0"/>
+            <a:endCxn id="6" idx="2"/>
+          </p:cNvCxnSpPr>
+          <p:nvPr/>
+        </p:nvCxnSpPr>
+        <p:spPr>
+          <a:xfrm flipV="1">
+            <a:off x="5634000" y="4348800"/>
+            <a:ext cx="1200" cy="584400"/>
+          </a:xfrm>
+          <a:prstGeom prst="straightConnector1">
+            <a:avLst/>
+          </a:prstGeom>
+          <a:ln>
+            <a:tailEnd type="triangle"/>
+          </a:ln>
+        </p:spPr>
+        <p:style>
+          <a:lnRef idx="1">
+            <a:schemeClr val="accent1"/>
+          </a:lnRef>
+          <a:fillRef idx="0">
+            <a:schemeClr val="accent1"/>
+          </a:fillRef>
+          <a:effectRef idx="0">
+            <a:schemeClr val="accent1"/>
+          </a:effectRef>
+          <a:fontRef idx="minor">
+            <a:schemeClr val="tx1"/>
+          </a:fontRef>
+        </p:style>
+      </p:cxnSp>
+      <p:cxnSp>
+        <p:nvCxnSpPr>
+          <p:cNvPr id="13" name="Straight Arrow Connector 12">
+            <a:extLst>
+              <a:ext uri="{FF2B5EF4-FFF2-40B4-BE49-F238E27FC236}">
+                <a16:creationId xmlns:a16="http://schemas.microsoft.com/office/drawing/2014/main" xmlns="" id="{F7807ED4-61EC-4614-8D90-574B7B83C6E1}"/>
+              </a:ext>
+            </a:extLst>
+          </p:cNvPr>
+          <p:cNvCxnSpPr>
+            <a:cxnSpLocks/>
+            <a:stCxn id="7" idx="3"/>
+            <a:endCxn id="5" idx="2"/>
+          </p:cNvCxnSpPr>
+          <p:nvPr/>
+        </p:nvCxnSpPr>
+        <p:spPr>
+          <a:xfrm flipV="1">
+            <a:off x="6555600" y="4348800"/>
+            <a:ext cx="3200400" cy="1418400"/>
+          </a:xfrm>
+          <a:prstGeom prst="straightConnector1">
+            <a:avLst/>
+          </a:prstGeom>
+          <a:ln>
+            <a:tailEnd type="triangle"/>
+          </a:ln>
+        </p:spPr>
+        <p:style>
+          <a:lnRef idx="1">
+            <a:schemeClr val="accent1"/>
+          </a:lnRef>
+          <a:fillRef idx="0">
+            <a:schemeClr val="accent1"/>
+          </a:fillRef>
+          <a:effectRef idx="0">
+            <a:schemeClr val="accent1"/>
+          </a:effectRef>
+          <a:fontRef idx="minor">
+            <a:schemeClr val="tx1"/>
+          </a:fontRef>
+        </p:style>
+      </p:cxnSp>
+      <p:sp>
+        <p:nvSpPr>
+          <p:cNvPr id="16" name="TextBox 15">
+            <a:extLst>
+              <a:ext uri="{FF2B5EF4-FFF2-40B4-BE49-F238E27FC236}">
+                <a16:creationId xmlns:a16="http://schemas.microsoft.com/office/drawing/2014/main" xmlns="" id="{781B57AE-A8AF-4C28-B9C0-EBF4AF0EE7FC}"/>
+              </a:ext>
+            </a:extLst>
+          </p:cNvPr>
+          <p:cNvSpPr txBox="1"/>
+          <p:nvPr/>
+        </p:nvSpPr>
+        <p:spPr>
+          <a:xfrm>
+            <a:off x="4672800" y="2576035"/>
+            <a:ext cx="1855200" cy="369332"/>
+          </a:xfrm>
+          <a:prstGeom prst="rect">
+            <a:avLst/>
+          </a:prstGeom>
+          <a:noFill/>
+        </p:spPr>
+        <p:txBody>
+          <a:bodyPr wrap="square" rtlCol="0">
+            <a:spAutoFit/>
+          </a:bodyPr>
+          <a:lstStyle/>
+          <a:p>
+            <a:r>
+              <a:rPr lang="en-AU" dirty="0"/>
+              <a:t>Azure instances</a:t>
+            </a:r>
+          </a:p>
+        </p:txBody>
+      </p:sp>
+    </p:spTree>
+    <p:extLst>
+      <p:ext uri="{BB962C8B-B14F-4D97-AF65-F5344CB8AC3E}">
+        <p14:creationId xmlns:p14="http://schemas.microsoft.com/office/powerpoint/2010/main" val="2404233937"/>
+      </p:ext>
+    </p:extLst>
+  </p:cSld>
+  <p:clrMapOvr>
+    <a:masterClrMapping/>
+  </p:clrMapOvr>
+</p:sld>
+</file>
+
+<file path=ppt/slides/slide21.xml><?xml version="1.0" encoding="utf-8"?>
+<p:sld xmlns:a="http://schemas.openxmlformats.org/drawingml/2006/main" xmlns:r="http://schemas.openxmlformats.org/officeDocument/2006/relationships" xmlns:p="http://schemas.openxmlformats.org/presentationml/2006/main">
+  <p:cSld>
+    <p:spTree>
+      <p:nvGrpSpPr>
+        <p:cNvPr id="1" name=""/>
+        <p:cNvGrpSpPr/>
+        <p:nvPr/>
+      </p:nvGrpSpPr>
+      <p:grpSpPr>
+        <a:xfrm>
+          <a:off x="0" y="0"/>
+          <a:ext cx="0" cy="0"/>
+          <a:chOff x="0" y="0"/>
+          <a:chExt cx="0" cy="0"/>
+        </a:xfrm>
+      </p:grpSpPr>
+      <p:sp>
+        <p:nvSpPr>
           <p:cNvPr id="2" name="Title 1">
             <a:extLst>
               <a:ext uri="{FF2B5EF4-FFF2-40B4-BE49-F238E27FC236}">
@@ -5255,14 +5535,10 @@
             </a:br>
             <a:r>
               <a:rPr lang="en-AU" sz="2000" dirty="0"/>
-              <a:t>babel-plugin-syntax-dynamic-import, </a:t>
-            </a:r>
-            <a:r>
-              <a:rPr lang="en-AU" sz="2000" dirty="0" smtClean="0"/>
-              <a:t>babel-plugin-dynamic-import-</a:t>
-            </a:r>
-            <a:r>
-              <a:rPr lang="en-AU" sz="2000" dirty="0" err="1" smtClean="0"/>
+              <a:t>babel-plugin-syntax-dynamic-import, babel-plugin-dynamic-import-</a:t>
+            </a:r>
+            <a:r>
+              <a:rPr lang="en-AU" sz="2000" dirty="0" err="1"/>
               <a:t>webpack</a:t>
             </a:r>
             <a:r>
@@ -5383,7 +5659,7 @@
 </p:sld>
 </file>
 
-<file path=ppt/slides/slide2.xml><?xml version="1.0" encoding="utf-8"?>
+<file path=ppt/slides/slide22.xml><?xml version="1.0" encoding="utf-8"?>
 <p:sld xmlns:a="http://schemas.openxmlformats.org/drawingml/2006/main" xmlns:r="http://schemas.openxmlformats.org/officeDocument/2006/relationships" xmlns:p="http://schemas.openxmlformats.org/presentationml/2006/main">
   <p:cSld>
     <p:spTree>
@@ -5405,7 +5681,7 @@
           <p:cNvPr id="2" name="Title 1">
             <a:extLst>
               <a:ext uri="{FF2B5EF4-FFF2-40B4-BE49-F238E27FC236}">
-                <a16:creationId xmlns:a16="http://schemas.microsoft.com/office/drawing/2014/main" xmlns="" id="{22615686-17FF-482C-922E-0E93B7206CA2}"/>
+                <a16:creationId xmlns:a16="http://schemas.microsoft.com/office/drawing/2014/main" xmlns="" id="{33F06CFE-7E28-48E4-9C8E-52EF37937809}"/>
               </a:ext>
             </a:extLst>
           </p:cNvPr>
@@ -5423,17 +5699,17 @@
           <a:p>
             <a:r>
               <a:rPr lang="en-AU" dirty="0"/>
-              <a:t>Why feature toggling</a:t>
-            </a:r>
-          </a:p>
-        </p:txBody>
-      </p:sp>
-      <p:sp>
-        <p:nvSpPr>
-          <p:cNvPr id="3" name="Content Placeholder 2">
-            <a:extLst>
-              <a:ext uri="{FF2B5EF4-FFF2-40B4-BE49-F238E27FC236}">
-                <a16:creationId xmlns:a16="http://schemas.microsoft.com/office/drawing/2014/main" xmlns="" id="{669EAA0D-DBFC-4A88-8236-2795907B48AA}"/>
+              <a:t>Index.js</a:t>
+            </a:r>
+          </a:p>
+        </p:txBody>
+      </p:sp>
+      <p:sp>
+        <p:nvSpPr>
+          <p:cNvPr id="4" name="Content Placeholder 2">
+            <a:extLst>
+              <a:ext uri="{FF2B5EF4-FFF2-40B4-BE49-F238E27FC236}">
+                <a16:creationId xmlns:a16="http://schemas.microsoft.com/office/drawing/2014/main" xmlns="" id="{284737B6-E0BD-4584-81E7-2CD25B88C98D}"/>
               </a:ext>
             </a:extLst>
           </p:cNvPr>
@@ -5444,9 +5720,16 @@
             <p:ph idx="1"/>
           </p:nvPr>
         </p:nvSpPr>
-        <p:spPr/>
-        <p:txBody>
-          <a:bodyPr/>
+        <p:spPr>
+          <a:xfrm>
+            <a:off x="587829" y="1396092"/>
+            <a:ext cx="11193235" cy="5119007"/>
+          </a:xfrm>
+        </p:spPr>
+        <p:txBody>
+          <a:bodyPr>
+            <a:normAutofit fontScale="62500" lnSpcReduction="20000"/>
+          </a:bodyPr>
           <a:lstStyle/>
           <a:p>
             <a:pPr marL="0" indent="0">
@@ -5454,47 +5737,188 @@
             </a:pPr>
             <a:r>
               <a:rPr lang="en-AU" dirty="0"/>
-              <a:t>Pros</a:t>
-            </a:r>
-          </a:p>
-          <a:p>
-            <a:pPr marL="514350" indent="-514350">
-              <a:buFont typeface="+mj-lt"/>
-              <a:buAutoNum type="arabicPeriod"/>
+              <a:t>import </a:t>
+            </a:r>
+            <a:r>
+              <a:rPr lang="en-AU" dirty="0" err="1"/>
+              <a:t>LoadableVisibility</a:t>
+            </a:r>
+            <a:r>
+              <a:rPr lang="en-AU" dirty="0"/>
+              <a:t> from 'react-loadable-visibility/react-loadable';</a:t>
+            </a:r>
+          </a:p>
+          <a:p>
+            <a:pPr marL="0" indent="0">
+              <a:buNone/>
             </a:pPr>
-            <a:r>
-              <a:rPr lang="en-AU" dirty="0"/>
-              <a:t>Decouple development from release</a:t>
-            </a:r>
-          </a:p>
-          <a:p>
-            <a:pPr marL="514350" indent="-514350">
-              <a:buFont typeface="+mj-lt"/>
-              <a:buAutoNum type="arabicPeriod"/>
+            <a:endParaRPr lang="en-AU" dirty="0"/>
+          </a:p>
+          <a:p>
+            <a:pPr marL="0" indent="0">
+              <a:buNone/>
             </a:pPr>
             <a:r>
-              <a:rPr lang="en-AU" dirty="0"/>
-              <a:t>Runtime configurable feature toggling</a:t>
-            </a:r>
-          </a:p>
-          <a:p>
-            <a:pPr marL="514350" indent="-514350">
-              <a:buFont typeface="+mj-lt"/>
-              <a:buAutoNum type="arabicPeriod"/>
+              <a:rPr lang="en-AU" dirty="0" err="1"/>
+              <a:t>const</a:t>
+            </a:r>
+            <a:r>
+              <a:rPr lang="en-AU" dirty="0"/>
+              <a:t> App= </a:t>
+            </a:r>
+            <a:r>
+              <a:rPr lang="en-AU" dirty="0" err="1"/>
+              <a:t>LoadableVisibility</a:t>
+            </a:r>
+            <a:r>
+              <a:rPr lang="en-AU" dirty="0"/>
+              <a:t>({</a:t>
+            </a:r>
+          </a:p>
+          <a:p>
+            <a:pPr marL="0" indent="0">
+              <a:buNone/>
             </a:pPr>
             <a:r>
               <a:rPr lang="en-AU" dirty="0"/>
-              <a:t>a/b testing</a:t>
-            </a:r>
-          </a:p>
-          <a:p>
-            <a:pPr marL="514350" indent="-514350">
-              <a:buFont typeface="+mj-lt"/>
-              <a:buAutoNum type="arabicPeriod"/>
+              <a:t>  loader: () =&gt; import(</a:t>
+            </a:r>
+            <a:r>
+              <a:rPr lang="en-AU" b="1" dirty="0"/>
+              <a:t>`./</a:t>
+            </a:r>
+            <a:r>
+              <a:rPr lang="en-AU" b="1" dirty="0" err="1"/>
+              <a:t>dyna</a:t>
+            </a:r>
+            <a:r>
+              <a:rPr lang="en-AU" b="1" dirty="0"/>
+              <a:t>_${</a:t>
+            </a:r>
+            <a:r>
+              <a:rPr lang="en-AU" b="1" dirty="0" err="1"/>
+              <a:t>features.join</a:t>
+            </a:r>
+            <a:r>
+              <a:rPr lang="en-AU" b="1" dirty="0"/>
+              <a:t>(‘_’)}/app`</a:t>
+            </a:r>
+            <a:r>
+              <a:rPr lang="en-AU" dirty="0"/>
+              <a:t>),</a:t>
+            </a:r>
+          </a:p>
+          <a:p>
+            <a:pPr marL="0" indent="0">
+              <a:buNone/>
             </a:pPr>
             <a:r>
               <a:rPr lang="en-AU" dirty="0"/>
-              <a:t>…</a:t>
+              <a:t>// get dyna_feature1_feature2/App.js</a:t>
+            </a:r>
+          </a:p>
+          <a:p>
+            <a:pPr marL="0" indent="0">
+              <a:buNone/>
+            </a:pPr>
+            <a:r>
+              <a:rPr lang="en-AU" dirty="0"/>
+              <a:t>  loading() {</a:t>
+            </a:r>
+          </a:p>
+          <a:p>
+            <a:pPr marL="0" indent="0">
+              <a:buNone/>
+            </a:pPr>
+            <a:r>
+              <a:rPr lang="en-AU" dirty="0"/>
+              <a:t>    return &lt;div&gt;Loading...&lt;/div&gt;;</a:t>
+            </a:r>
+          </a:p>
+          <a:p>
+            <a:pPr marL="0" indent="0">
+              <a:buNone/>
+            </a:pPr>
+            <a:r>
+              <a:rPr lang="en-AU" dirty="0"/>
+              <a:t>  }</a:t>
+            </a:r>
+          </a:p>
+          <a:p>
+            <a:pPr marL="0" indent="0">
+              <a:buNone/>
+            </a:pPr>
+            <a:r>
+              <a:rPr lang="en-AU" dirty="0"/>
+              <a:t>});</a:t>
+            </a:r>
+          </a:p>
+          <a:p>
+            <a:pPr marL="0" indent="0">
+              <a:buNone/>
+            </a:pPr>
+            <a:endParaRPr lang="en-AU" dirty="0"/>
+          </a:p>
+          <a:p>
+            <a:pPr marL="0" indent="0">
+              <a:buNone/>
+            </a:pPr>
+            <a:r>
+              <a:rPr lang="en-AU" dirty="0"/>
+              <a:t>render(</a:t>
+            </a:r>
+          </a:p>
+          <a:p>
+            <a:pPr marL="0" indent="0">
+              <a:buNone/>
+            </a:pPr>
+            <a:r>
+              <a:rPr lang="en-AU" dirty="0"/>
+              <a:t>  &lt;Provider store={store}&gt;</a:t>
+            </a:r>
+          </a:p>
+          <a:p>
+            <a:pPr marL="0" indent="0">
+              <a:buNone/>
+            </a:pPr>
+            <a:r>
+              <a:rPr lang="en-AU" dirty="0"/>
+              <a:t>    &lt; App /&gt;</a:t>
+            </a:r>
+          </a:p>
+          <a:p>
+            <a:pPr marL="0" indent="0">
+              <a:buNone/>
+            </a:pPr>
+            <a:r>
+              <a:rPr lang="en-AU" dirty="0"/>
+              <a:t>  &lt;/Provider&gt;,</a:t>
+            </a:r>
+          </a:p>
+          <a:p>
+            <a:pPr marL="0" indent="0">
+              <a:buNone/>
+            </a:pPr>
+            <a:r>
+              <a:rPr lang="en-AU" dirty="0"/>
+              <a:t>  </a:t>
+            </a:r>
+            <a:r>
+              <a:rPr lang="en-AU" dirty="0" err="1"/>
+              <a:t>document.getElementById</a:t>
+            </a:r>
+            <a:r>
+              <a:rPr lang="en-AU" dirty="0"/>
+              <a:t>(`root`)</a:t>
+            </a:r>
+          </a:p>
+          <a:p>
+            <a:pPr marL="0" indent="0">
+              <a:buNone/>
+            </a:pPr>
+            <a:r>
+              <a:rPr lang="en-AU" dirty="0"/>
+              <a:t>);</a:t>
             </a:r>
           </a:p>
         </p:txBody>
@@ -5502,7 +5926,7 @@
     </p:spTree>
     <p:extLst>
       <p:ext uri="{BB962C8B-B14F-4D97-AF65-F5344CB8AC3E}">
-        <p14:creationId xmlns:p14="http://schemas.microsoft.com/office/powerpoint/2010/main" val="1193451757"/>
+        <p14:creationId xmlns:p14="http://schemas.microsoft.com/office/powerpoint/2010/main" val="2039964391"/>
       </p:ext>
     </p:extLst>
   </p:cSld>
@@ -5512,7 +5936,7 @@
 </p:sld>
 </file>
 
-<file path=ppt/slides/slide20.xml><?xml version="1.0" encoding="utf-8"?>
+<file path=ppt/slides/slide23.xml><?xml version="1.0" encoding="utf-8"?>
 <p:sld xmlns:a="http://schemas.openxmlformats.org/drawingml/2006/main" xmlns:r="http://schemas.openxmlformats.org/officeDocument/2006/relationships" xmlns:p="http://schemas.openxmlformats.org/presentationml/2006/main">
   <p:cSld>
     <p:spTree>
@@ -5534,7 +5958,7 @@
           <p:cNvPr id="2" name="Title 1">
             <a:extLst>
               <a:ext uri="{FF2B5EF4-FFF2-40B4-BE49-F238E27FC236}">
-                <a16:creationId xmlns:a16="http://schemas.microsoft.com/office/drawing/2014/main" xmlns="" id="{33F06CFE-7E28-48E4-9C8E-52EF37937809}"/>
+                <a16:creationId xmlns:a16="http://schemas.microsoft.com/office/drawing/2014/main" xmlns="" id="{11E1DF8B-9E4A-4840-A2A1-4EDDBA6B07EE}"/>
               </a:ext>
             </a:extLst>
           </p:cNvPr>
@@ -5552,17 +5976,17 @@
           <a:p>
             <a:r>
               <a:rPr lang="en-AU" dirty="0"/>
-              <a:t>Index.js</a:t>
-            </a:r>
-          </a:p>
-        </p:txBody>
-      </p:sp>
-      <p:sp>
-        <p:nvSpPr>
-          <p:cNvPr id="4" name="Content Placeholder 2">
-            <a:extLst>
-              <a:ext uri="{FF2B5EF4-FFF2-40B4-BE49-F238E27FC236}">
-                <a16:creationId xmlns:a16="http://schemas.microsoft.com/office/drawing/2014/main" xmlns="" id="{284737B6-E0BD-4584-81E7-2CD25B88C98D}"/>
+              <a:t>Summary</a:t>
+            </a:r>
+          </a:p>
+        </p:txBody>
+      </p:sp>
+      <p:sp>
+        <p:nvSpPr>
+          <p:cNvPr id="3" name="Content Placeholder 2">
+            <a:extLst>
+              <a:ext uri="{FF2B5EF4-FFF2-40B4-BE49-F238E27FC236}">
+                <a16:creationId xmlns:a16="http://schemas.microsoft.com/office/drawing/2014/main" xmlns="" id="{D75B4ED2-165E-4B98-96C0-22387CEEF9DA}"/>
               </a:ext>
             </a:extLst>
           </p:cNvPr>
@@ -5575,237 +5999,282 @@
         </p:nvSpPr>
         <p:spPr>
           <a:xfrm>
-            <a:off x="587829" y="1396092"/>
-            <a:ext cx="11193235" cy="5119007"/>
+            <a:off x="903000" y="5128799"/>
+            <a:ext cx="10515600" cy="544163"/>
           </a:xfrm>
         </p:spPr>
         <p:txBody>
-          <a:bodyPr>
-            <a:normAutofit fontScale="62500" lnSpcReduction="20000"/>
+          <a:bodyPr/>
+          <a:lstStyle/>
+          <a:p>
+            <a:pPr marL="0" indent="0">
+              <a:buNone/>
+            </a:pPr>
+            <a:r>
+              <a:rPr lang="en-AU" dirty="0"/>
+              <a:t>What about backend?</a:t>
+            </a:r>
+          </a:p>
+        </p:txBody>
+      </p:sp>
+      <p:sp>
+        <p:nvSpPr>
+          <p:cNvPr id="4" name="Rectangle: Rounded Corners 3">
+            <a:extLst>
+              <a:ext uri="{FF2B5EF4-FFF2-40B4-BE49-F238E27FC236}">
+                <a16:creationId xmlns:a16="http://schemas.microsoft.com/office/drawing/2014/main" xmlns="" id="{A0879E72-D641-4A88-B06B-428D7CB7C5DE}"/>
+              </a:ext>
+            </a:extLst>
+          </p:cNvPr>
+          <p:cNvSpPr/>
+          <p:nvPr/>
+        </p:nvSpPr>
+        <p:spPr>
+          <a:xfrm>
+            <a:off x="3622983" y="1920164"/>
+            <a:ext cx="1881600" cy="779836"/>
+          </a:xfrm>
+          <a:prstGeom prst="roundRect">
+            <a:avLst/>
+          </a:prstGeom>
+          <a:ln>
+            <a:solidFill>
+              <a:schemeClr val="bg1"/>
+            </a:solidFill>
+          </a:ln>
+        </p:spPr>
+        <p:style>
+          <a:lnRef idx="2">
+            <a:schemeClr val="accent1">
+              <a:shade val="50000"/>
+            </a:schemeClr>
+          </a:lnRef>
+          <a:fillRef idx="1">
+            <a:schemeClr val="accent1"/>
+          </a:fillRef>
+          <a:effectRef idx="0">
+            <a:schemeClr val="accent1"/>
+          </a:effectRef>
+          <a:fontRef idx="minor">
+            <a:schemeClr val="lt1"/>
+          </a:fontRef>
+        </p:style>
+        <p:txBody>
+          <a:bodyPr rtlCol="0" anchor="ctr"/>
+          <a:lstStyle/>
+          <a:p>
+            <a:pPr algn="ctr"/>
+            <a:r>
+              <a:rPr lang="en-AU" dirty="0"/>
+              <a:t>elastic CI/CD pipeline</a:t>
+            </a:r>
+          </a:p>
+        </p:txBody>
+      </p:sp>
+      <p:sp>
+        <p:nvSpPr>
+          <p:cNvPr id="8" name="Rectangle: Rounded Corners 7">
+            <a:extLst>
+              <a:ext uri="{FF2B5EF4-FFF2-40B4-BE49-F238E27FC236}">
+                <a16:creationId xmlns:a16="http://schemas.microsoft.com/office/drawing/2014/main" xmlns="" id="{0F035666-46AE-4EF1-8615-DA9A8F3E69CE}"/>
+              </a:ext>
+            </a:extLst>
+          </p:cNvPr>
+          <p:cNvSpPr/>
+          <p:nvPr/>
+        </p:nvSpPr>
+        <p:spPr>
+          <a:xfrm>
+            <a:off x="1027200" y="1920164"/>
+            <a:ext cx="1972475" cy="827836"/>
+          </a:xfrm>
+          <a:prstGeom prst="roundRect">
+            <a:avLst/>
+          </a:prstGeom>
+          <a:ln>
+            <a:solidFill>
+              <a:schemeClr val="bg1"/>
+            </a:solidFill>
+          </a:ln>
+        </p:spPr>
+        <p:style>
+          <a:lnRef idx="2">
+            <a:schemeClr val="accent1">
+              <a:shade val="50000"/>
+            </a:schemeClr>
+          </a:lnRef>
+          <a:fillRef idx="1">
+            <a:schemeClr val="accent1"/>
+          </a:fillRef>
+          <a:effectRef idx="0">
+            <a:schemeClr val="accent1"/>
+          </a:effectRef>
+          <a:fontRef idx="minor">
+            <a:schemeClr val="lt1"/>
+          </a:fontRef>
+        </p:style>
+        <p:txBody>
+          <a:bodyPr rtlCol="0" anchor="ctr"/>
+          <a:lstStyle/>
+          <a:p>
+            <a:pPr algn="ctr"/>
+            <a:r>
+              <a:rPr lang="en-AU" dirty="0"/>
+              <a:t>Git strategy &amp; hook</a:t>
+            </a:r>
+          </a:p>
+        </p:txBody>
+      </p:sp>
+      <p:sp>
+        <p:nvSpPr>
+          <p:cNvPr id="11" name="Rectangle: Rounded Corners 10">
+            <a:extLst>
+              <a:ext uri="{FF2B5EF4-FFF2-40B4-BE49-F238E27FC236}">
+                <a16:creationId xmlns:a16="http://schemas.microsoft.com/office/drawing/2014/main" xmlns="" id="{C83017FB-FA2C-4CE0-B14B-2278CF8A8DA2}"/>
+              </a:ext>
+            </a:extLst>
+          </p:cNvPr>
+          <p:cNvSpPr/>
+          <p:nvPr/>
+        </p:nvSpPr>
+        <p:spPr>
+          <a:xfrm>
+            <a:off x="6127891" y="1885364"/>
+            <a:ext cx="1881600" cy="779836"/>
+          </a:xfrm>
+          <a:prstGeom prst="roundRect">
+            <a:avLst/>
+          </a:prstGeom>
+          <a:ln>
+            <a:solidFill>
+              <a:schemeClr val="bg1"/>
+            </a:solidFill>
+          </a:ln>
+        </p:spPr>
+        <p:style>
+          <a:lnRef idx="2">
+            <a:schemeClr val="accent1">
+              <a:shade val="50000"/>
+            </a:schemeClr>
+          </a:lnRef>
+          <a:fillRef idx="1">
+            <a:schemeClr val="accent1"/>
+          </a:fillRef>
+          <a:effectRef idx="0">
+            <a:schemeClr val="accent1"/>
+          </a:effectRef>
+          <a:fontRef idx="minor">
+            <a:schemeClr val="lt1"/>
+          </a:fontRef>
+        </p:style>
+        <p:txBody>
+          <a:bodyPr rtlCol="0" anchor="ctr"/>
+          <a:lstStyle/>
+          <a:p>
+            <a:pPr algn="ctr"/>
+            <a:r>
+              <a:rPr lang="en-AU" dirty="0"/>
+              <a:t>adaptive </a:t>
+            </a:r>
+            <a:r>
+              <a:rPr lang="en-AU" dirty="0" err="1"/>
+              <a:t>webpack</a:t>
+            </a:r>
+            <a:endParaRPr lang="en-AU" dirty="0"/>
+          </a:p>
+        </p:txBody>
+      </p:sp>
+      <p:sp>
+        <p:nvSpPr>
+          <p:cNvPr id="12" name="Rectangle: Rounded Corners 11">
+            <a:extLst>
+              <a:ext uri="{FF2B5EF4-FFF2-40B4-BE49-F238E27FC236}">
+                <a16:creationId xmlns:a16="http://schemas.microsoft.com/office/drawing/2014/main" xmlns="" id="{D02F0EDA-1F76-41E5-B9DB-AF50179CD422}"/>
+              </a:ext>
+            </a:extLst>
+          </p:cNvPr>
+          <p:cNvSpPr/>
+          <p:nvPr/>
+        </p:nvSpPr>
+        <p:spPr>
+          <a:xfrm>
+            <a:off x="8632800" y="1888964"/>
+            <a:ext cx="1881600" cy="779836"/>
+          </a:xfrm>
+          <a:prstGeom prst="roundRect">
+            <a:avLst/>
+          </a:prstGeom>
+          <a:ln>
+            <a:solidFill>
+              <a:schemeClr val="bg1"/>
+            </a:solidFill>
+          </a:ln>
+        </p:spPr>
+        <p:style>
+          <a:lnRef idx="2">
+            <a:schemeClr val="accent1">
+              <a:shade val="50000"/>
+            </a:schemeClr>
+          </a:lnRef>
+          <a:fillRef idx="1">
+            <a:schemeClr val="accent1"/>
+          </a:fillRef>
+          <a:effectRef idx="0">
+            <a:schemeClr val="accent1"/>
+          </a:effectRef>
+          <a:fontRef idx="minor">
+            <a:schemeClr val="lt1"/>
+          </a:fontRef>
+        </p:style>
+        <p:txBody>
+          <a:bodyPr rtlCol="0" anchor="ctr"/>
+          <a:lstStyle/>
+          <a:p>
+            <a:pPr algn="ctr"/>
+            <a:r>
+              <a:rPr lang="en-AU" dirty="0"/>
+              <a:t>Dynamic runtime</a:t>
+            </a:r>
+          </a:p>
+        </p:txBody>
+      </p:sp>
+      <p:sp>
+        <p:nvSpPr>
+          <p:cNvPr id="13" name="TextBox 12">
+            <a:extLst>
+              <a:ext uri="{FF2B5EF4-FFF2-40B4-BE49-F238E27FC236}">
+                <a16:creationId xmlns:a16="http://schemas.microsoft.com/office/drawing/2014/main" xmlns="" id="{05B20F83-55F0-446A-979B-E53AED1662A4}"/>
+              </a:ext>
+            </a:extLst>
+          </p:cNvPr>
+          <p:cNvSpPr txBox="1"/>
+          <p:nvPr/>
+        </p:nvSpPr>
+        <p:spPr>
+          <a:xfrm>
+            <a:off x="1080000" y="3088800"/>
+            <a:ext cx="7420800" cy="646331"/>
+          </a:xfrm>
+          <a:prstGeom prst="rect">
+            <a:avLst/>
+          </a:prstGeom>
+          <a:noFill/>
+        </p:spPr>
+        <p:txBody>
+          <a:bodyPr wrap="square" rtlCol="0">
+            <a:spAutoFit/>
           </a:bodyPr>
           <a:lstStyle/>
           <a:p>
-            <a:pPr marL="0" indent="0">
-              <a:buNone/>
-            </a:pPr>
-            <a:r>
-              <a:rPr lang="en-AU" dirty="0" smtClean="0"/>
-              <a:t>import </a:t>
-            </a:r>
-            <a:r>
-              <a:rPr lang="en-AU" dirty="0" err="1"/>
-              <a:t>LoadableVisibility</a:t>
-            </a:r>
-            <a:r>
-              <a:rPr lang="en-AU" dirty="0"/>
-              <a:t> from 'react-loadable-visibility/react-loadable';</a:t>
-            </a:r>
-          </a:p>
-          <a:p>
-            <a:pPr marL="0" indent="0">
-              <a:buNone/>
-            </a:pPr>
-            <a:endParaRPr lang="en-AU" dirty="0"/>
-          </a:p>
-          <a:p>
-            <a:pPr marL="0" indent="0">
-              <a:buNone/>
-            </a:pPr>
-            <a:r>
-              <a:rPr lang="en-AU" dirty="0" err="1"/>
-              <a:t>const</a:t>
-            </a:r>
-            <a:r>
-              <a:rPr lang="en-AU" dirty="0"/>
-              <a:t> </a:t>
-            </a:r>
-            <a:r>
-              <a:rPr lang="en-AU" dirty="0" smtClean="0"/>
-              <a:t>App= </a:t>
-            </a:r>
-            <a:r>
-              <a:rPr lang="en-AU" dirty="0" err="1"/>
-              <a:t>LoadableVisibility</a:t>
-            </a:r>
-            <a:r>
-              <a:rPr lang="en-AU" dirty="0"/>
-              <a:t>({</a:t>
-            </a:r>
-          </a:p>
-          <a:p>
-            <a:pPr marL="0" indent="0">
-              <a:buNone/>
-            </a:pPr>
-            <a:r>
-              <a:rPr lang="en-AU" dirty="0"/>
-              <a:t>  loader: () =&gt; import</a:t>
-            </a:r>
-            <a:r>
-              <a:rPr lang="en-AU" dirty="0" smtClean="0"/>
-              <a:t>(</a:t>
-            </a:r>
-            <a:r>
-              <a:rPr lang="en-AU" b="1" dirty="0" smtClean="0"/>
-              <a:t>`./</a:t>
-            </a:r>
-            <a:r>
-              <a:rPr lang="en-AU" b="1" dirty="0" err="1"/>
-              <a:t>dyna</a:t>
-            </a:r>
-            <a:r>
-              <a:rPr lang="en-AU" b="1" dirty="0"/>
-              <a:t>_${</a:t>
-            </a:r>
-            <a:r>
-              <a:rPr lang="en-AU" b="1" dirty="0" err="1"/>
-              <a:t>features.join</a:t>
-            </a:r>
-            <a:r>
-              <a:rPr lang="en-AU" b="1" dirty="0"/>
-              <a:t>(‘_’)}/app</a:t>
-            </a:r>
-            <a:r>
-              <a:rPr lang="en-AU" b="1" dirty="0" smtClean="0"/>
-              <a:t>`</a:t>
-            </a:r>
-            <a:r>
-              <a:rPr lang="en-AU" dirty="0" smtClean="0"/>
-              <a:t>),</a:t>
-            </a:r>
-          </a:p>
-          <a:p>
-            <a:pPr marL="0" indent="0">
-              <a:buNone/>
-            </a:pPr>
-            <a:r>
-              <a:rPr lang="en-AU" dirty="0" smtClean="0"/>
-              <a:t>// </a:t>
-            </a:r>
-            <a:r>
-              <a:rPr lang="en-AU" dirty="0"/>
-              <a:t>get </a:t>
-            </a:r>
-            <a:r>
-              <a:rPr lang="en-AU" dirty="0" smtClean="0"/>
-              <a:t>dyna_feature1_feature2/App.js</a:t>
-            </a:r>
-            <a:endParaRPr lang="en-AU" dirty="0"/>
-          </a:p>
-          <a:p>
-            <a:pPr marL="0" indent="0">
-              <a:buNone/>
-            </a:pPr>
-            <a:r>
-              <a:rPr lang="en-AU" dirty="0"/>
-              <a:t>  loading() {</a:t>
-            </a:r>
-          </a:p>
-          <a:p>
-            <a:pPr marL="0" indent="0">
-              <a:buNone/>
-            </a:pPr>
-            <a:r>
-              <a:rPr lang="en-AU" dirty="0"/>
-              <a:t>    return &lt;div&gt;Loading...&lt;/div&gt;;</a:t>
-            </a:r>
-          </a:p>
-          <a:p>
-            <a:pPr marL="0" indent="0">
-              <a:buNone/>
-            </a:pPr>
-            <a:r>
-              <a:rPr lang="en-AU" dirty="0"/>
-              <a:t>  }</a:t>
-            </a:r>
-          </a:p>
-          <a:p>
-            <a:pPr marL="0" indent="0">
-              <a:buNone/>
-            </a:pPr>
-            <a:r>
-              <a:rPr lang="en-AU" dirty="0"/>
-              <a:t>});</a:t>
-            </a:r>
-          </a:p>
-          <a:p>
-            <a:pPr marL="0" indent="0">
-              <a:buNone/>
-            </a:pPr>
-            <a:endParaRPr lang="en-AU" dirty="0"/>
-          </a:p>
-          <a:p>
-            <a:pPr marL="0" indent="0">
-              <a:buNone/>
-            </a:pPr>
-            <a:r>
-              <a:rPr lang="en-AU" dirty="0"/>
-              <a:t>render(</a:t>
-            </a:r>
-          </a:p>
-          <a:p>
-            <a:pPr marL="0" indent="0">
-              <a:buNone/>
-            </a:pPr>
-            <a:r>
-              <a:rPr lang="en-AU" dirty="0"/>
-              <a:t>  &lt;Provider store={store}&gt;</a:t>
-            </a:r>
-          </a:p>
-          <a:p>
-            <a:pPr marL="0" indent="0">
-              <a:buNone/>
-            </a:pPr>
-            <a:r>
-              <a:rPr lang="en-AU" dirty="0"/>
-              <a:t>    </a:t>
-            </a:r>
-            <a:r>
-              <a:rPr lang="en-AU" dirty="0" smtClean="0"/>
-              <a:t>&lt;</a:t>
-            </a:r>
-            <a:r>
-              <a:rPr lang="en-AU" dirty="0"/>
-              <a:t> App </a:t>
-            </a:r>
-            <a:r>
-              <a:rPr lang="en-AU" dirty="0" smtClean="0"/>
-              <a:t>/&gt;</a:t>
-            </a:r>
-            <a:endParaRPr lang="en-AU" dirty="0"/>
-          </a:p>
-          <a:p>
-            <a:pPr marL="0" indent="0">
-              <a:buNone/>
-            </a:pPr>
-            <a:r>
-              <a:rPr lang="en-AU" dirty="0"/>
-              <a:t>  &lt;/Provider&gt;,</a:t>
-            </a:r>
-          </a:p>
-          <a:p>
-            <a:pPr marL="0" indent="0">
-              <a:buNone/>
-            </a:pPr>
-            <a:r>
-              <a:rPr lang="en-AU" dirty="0"/>
-              <a:t>  </a:t>
-            </a:r>
-            <a:r>
-              <a:rPr lang="en-AU" dirty="0" err="1"/>
-              <a:t>document.getElementById</a:t>
-            </a:r>
-            <a:r>
-              <a:rPr lang="en-AU" dirty="0"/>
-              <a:t>(`root`)</a:t>
-            </a:r>
-          </a:p>
-          <a:p>
-            <a:pPr marL="0" indent="0">
-              <a:buNone/>
-            </a:pPr>
-            <a:r>
-              <a:rPr lang="en-AU" dirty="0"/>
-              <a:t>);</a:t>
+            <a:r>
+              <a:rPr lang="en-AU" dirty="0"/>
+              <a:t>Apparently only happy path considered</a:t>
+            </a:r>
+          </a:p>
+          <a:p>
+            <a:r>
+              <a:rPr lang="en-AU" dirty="0"/>
+              <a:t>Not runtime, but click-build-deploy, still quick enough?</a:t>
             </a:r>
           </a:p>
         </p:txBody>
@@ -5813,7 +6282,7 @@
     </p:spTree>
     <p:extLst>
       <p:ext uri="{BB962C8B-B14F-4D97-AF65-F5344CB8AC3E}">
-        <p14:creationId xmlns:p14="http://schemas.microsoft.com/office/powerpoint/2010/main" val="2039964391"/>
+        <p14:creationId xmlns:p14="http://schemas.microsoft.com/office/powerpoint/2010/main" val="1284333701"/>
       </p:ext>
     </p:extLst>
   </p:cSld>
@@ -5823,7 +6292,7 @@
 </p:sld>
 </file>
 
-<file path=ppt/slides/slide21.xml><?xml version="1.0" encoding="utf-8"?>
+<file path=ppt/slides/slide24.xml><?xml version="1.0" encoding="utf-8"?>
 <p:sld xmlns:a="http://schemas.openxmlformats.org/drawingml/2006/main" xmlns:r="http://schemas.openxmlformats.org/officeDocument/2006/relationships" xmlns:p="http://schemas.openxmlformats.org/presentationml/2006/main">
   <p:cSld>
     <p:spTree>
@@ -5840,12 +6309,47 @@
           <a:chExt cx="0" cy="0"/>
         </a:xfrm>
       </p:grpSpPr>
+      <p:pic>
+        <p:nvPicPr>
+          <p:cNvPr id="5" name="Content Placeholder 4">
+            <a:extLst>
+              <a:ext uri="{FF2B5EF4-FFF2-40B4-BE49-F238E27FC236}">
+                <a16:creationId xmlns:a16="http://schemas.microsoft.com/office/drawing/2014/main" xmlns="" id="{AD93727E-7F42-4C0C-9BEB-A4BCF2B99BC4}"/>
+              </a:ext>
+            </a:extLst>
+          </p:cNvPr>
+          <p:cNvPicPr>
+            <a:picLocks noGrp="1" noChangeAspect="1"/>
+          </p:cNvPicPr>
+          <p:nvPr>
+            <p:ph idx="1"/>
+          </p:nvPr>
+        </p:nvPicPr>
+        <p:blipFill>
+          <a:blip r:embed="rId2" cstate="print">
+            <a:extLst>
+              <a:ext uri="{28A0092B-C50C-407E-A947-70E740481C1C}">
+                <a14:useLocalDpi xmlns:a14="http://schemas.microsoft.com/office/drawing/2010/main" val="0"/>
+              </a:ext>
+            </a:extLst>
+          </a:blip>
+          <a:stretch>
+            <a:fillRect/>
+          </a:stretch>
+        </p:blipFill>
+        <p:spPr>
+          <a:xfrm>
+            <a:off x="2651151" y="1189625"/>
+            <a:ext cx="6539298" cy="4351338"/>
+          </a:xfrm>
+        </p:spPr>
+      </p:pic>
       <p:sp>
         <p:nvSpPr>
           <p:cNvPr id="2" name="Title 1">
             <a:extLst>
               <a:ext uri="{FF2B5EF4-FFF2-40B4-BE49-F238E27FC236}">
-                <a16:creationId xmlns:a16="http://schemas.microsoft.com/office/drawing/2014/main" xmlns="" id="{11E1DF8B-9E4A-4840-A2A1-4EDDBA6B07EE}"/>
+                <a16:creationId xmlns:a16="http://schemas.microsoft.com/office/drawing/2014/main" xmlns="" id="{0281058A-E1D9-44B2-BFF2-0ACD4AB1569D}"/>
               </a:ext>
             </a:extLst>
           </p:cNvPr>
@@ -5856,56 +6360,39 @@
             <p:ph type="title"/>
           </p:nvPr>
         </p:nvSpPr>
-        <p:spPr/>
-        <p:txBody>
-          <a:bodyPr/>
-          <a:lstStyle/>
-          <a:p>
-            <a:r>
-              <a:rPr lang="en-AU" dirty="0"/>
-              <a:t>Summary</a:t>
-            </a:r>
-          </a:p>
-        </p:txBody>
-      </p:sp>
-      <p:sp>
-        <p:nvSpPr>
-          <p:cNvPr id="3" name="Content Placeholder 2">
-            <a:extLst>
-              <a:ext uri="{FF2B5EF4-FFF2-40B4-BE49-F238E27FC236}">
-                <a16:creationId xmlns:a16="http://schemas.microsoft.com/office/drawing/2014/main" xmlns="" id="{D75B4ED2-165E-4B98-96C0-22387CEEF9DA}"/>
-              </a:ext>
-            </a:extLst>
-          </p:cNvPr>
-          <p:cNvSpPr>
-            <a:spLocks noGrp="1"/>
-          </p:cNvSpPr>
-          <p:nvPr>
-            <p:ph idx="1"/>
-          </p:nvPr>
-        </p:nvSpPr>
-        <p:spPr/>
-        <p:txBody>
-          <a:bodyPr/>
-          <a:lstStyle/>
-          <a:p>
-            <a:r>
-              <a:rPr lang="en-AU" dirty="0"/>
-              <a:t>no magic, just stitch</a:t>
-            </a:r>
-          </a:p>
-          <a:p>
-            <a:r>
-              <a:rPr lang="en-AU" dirty="0"/>
-              <a:t>What about backend?</a:t>
-            </a:r>
+        <p:spPr>
+          <a:xfrm>
+            <a:off x="4078759" y="1317600"/>
+            <a:ext cx="3757241" cy="624297"/>
+          </a:xfrm>
+        </p:spPr>
+        <p:txBody>
+          <a:bodyPr>
+            <a:normAutofit fontScale="90000"/>
+          </a:bodyPr>
+          <a:lstStyle/>
+          <a:p>
+            <a:pPr algn="dist"/>
+            <a:r>
+              <a:rPr lang="en-AU" dirty="0" err="1">
+                <a:solidFill>
+                  <a:schemeClr val="bg1"/>
+                </a:solidFill>
+              </a:rPr>
+              <a:t>devops</a:t>
+            </a:r>
+            <a:endParaRPr lang="en-AU" dirty="0">
+              <a:solidFill>
+                <a:schemeClr val="bg1"/>
+              </a:solidFill>
+            </a:endParaRPr>
           </a:p>
         </p:txBody>
       </p:sp>
     </p:spTree>
     <p:extLst>
       <p:ext uri="{BB962C8B-B14F-4D97-AF65-F5344CB8AC3E}">
-        <p14:creationId xmlns:p14="http://schemas.microsoft.com/office/powerpoint/2010/main" val="1284333701"/>
+        <p14:creationId xmlns:p14="http://schemas.microsoft.com/office/powerpoint/2010/main" val="270118507"/>
       </p:ext>
     </p:extLst>
   </p:cSld>
@@ -6468,14 +6955,12 @@
           </p:cNvPr>
           <p:cNvCxnSpPr>
             <a:cxnSpLocks/>
-            <a:stCxn id="16" idx="3"/>
-            <a:endCxn id="10" idx="1"/>
           </p:cNvCxnSpPr>
           <p:nvPr/>
         </p:nvCxnSpPr>
         <p:spPr>
           <a:xfrm>
-            <a:off x="2277275" y="2566369"/>
+            <a:off x="2277275" y="2467969"/>
             <a:ext cx="485118" cy="2"/>
           </a:xfrm>
           <a:prstGeom prst="straightConnector1">
@@ -6574,6 +7059,47 @@
           <a:xfrm>
             <a:off x="5060027" y="2566370"/>
             <a:ext cx="517692" cy="533562"/>
+          </a:xfrm>
+          <a:prstGeom prst="straightConnector1">
+            <a:avLst/>
+          </a:prstGeom>
+          <a:ln>
+            <a:tailEnd type="triangle"/>
+          </a:ln>
+        </p:spPr>
+        <p:style>
+          <a:lnRef idx="1">
+            <a:schemeClr val="accent1"/>
+          </a:lnRef>
+          <a:fillRef idx="0">
+            <a:schemeClr val="accent1"/>
+          </a:fillRef>
+          <a:effectRef idx="0">
+            <a:schemeClr val="accent1"/>
+          </a:effectRef>
+          <a:fontRef idx="minor">
+            <a:schemeClr val="tx1"/>
+          </a:fontRef>
+        </p:style>
+      </p:cxnSp>
+      <p:cxnSp>
+        <p:nvCxnSpPr>
+          <p:cNvPr id="20" name="Straight Arrow Connector 19">
+            <a:extLst>
+              <a:ext uri="{FF2B5EF4-FFF2-40B4-BE49-F238E27FC236}">
+                <a16:creationId xmlns:a16="http://schemas.microsoft.com/office/drawing/2014/main" xmlns="" id="{E36B0B59-4CE8-4884-B51F-4E0915B8E709}"/>
+              </a:ext>
+            </a:extLst>
+          </p:cNvPr>
+          <p:cNvCxnSpPr>
+            <a:cxnSpLocks/>
+          </p:cNvCxnSpPr>
+          <p:nvPr/>
+        </p:nvCxnSpPr>
+        <p:spPr>
+          <a:xfrm flipH="1">
+            <a:off x="2277275" y="2682706"/>
+            <a:ext cx="506725" cy="0"/>
           </a:xfrm>
           <a:prstGeom prst="straightConnector1">
             <a:avLst/>
@@ -7224,7 +7750,7 @@
             <a:pPr algn="ctr"/>
             <a:r>
               <a:rPr lang="en-AU" dirty="0"/>
-              <a:t>Part1: git strategy</a:t>
+              <a:t>Part1: git strategy &amp; hook</a:t>
             </a:r>
           </a:p>
         </p:txBody>
@@ -7545,10 +8071,9 @@
           <a:p>
             <a:pPr algn="ctr"/>
             <a:r>
-              <a:rPr lang="en-AU" dirty="0" err="1"/>
-              <a:t>featureA</a:t>
-            </a:r>
-            <a:endParaRPr lang="en-AU" dirty="0"/>
+              <a:rPr lang="en-AU" dirty="0"/>
+              <a:t>feature1</a:t>
+            </a:r>
           </a:p>
         </p:txBody>
       </p:sp>
@@ -7595,10 +8120,9 @@
           <a:p>
             <a:pPr algn="ctr"/>
             <a:r>
-              <a:rPr lang="en-AU" dirty="0" err="1"/>
-              <a:t>featureB</a:t>
-            </a:r>
-            <a:endParaRPr lang="en-AU" dirty="0"/>
+              <a:rPr lang="en-AU" dirty="0"/>
+              <a:t>feature2</a:t>
+            </a:r>
           </a:p>
         </p:txBody>
       </p:sp>

--- a/featureToggles.pptx
+++ b/featureToggles.pptx
@@ -20,15 +20,17 @@
     <p:sldId id="264" r:id="rId14"/>
     <p:sldId id="275" r:id="rId15"/>
     <p:sldId id="266" r:id="rId16"/>
-    <p:sldId id="274" r:id="rId17"/>
-    <p:sldId id="279" r:id="rId18"/>
-    <p:sldId id="280" r:id="rId19"/>
-    <p:sldId id="278" r:id="rId20"/>
-    <p:sldId id="276" r:id="rId21"/>
-    <p:sldId id="268" r:id="rId22"/>
-    <p:sldId id="277" r:id="rId23"/>
-    <p:sldId id="269" r:id="rId24"/>
-    <p:sldId id="281" r:id="rId25"/>
+    <p:sldId id="282" r:id="rId17"/>
+    <p:sldId id="274" r:id="rId18"/>
+    <p:sldId id="279" r:id="rId19"/>
+    <p:sldId id="280" r:id="rId20"/>
+    <p:sldId id="283" r:id="rId21"/>
+    <p:sldId id="278" r:id="rId22"/>
+    <p:sldId id="276" r:id="rId23"/>
+    <p:sldId id="268" r:id="rId24"/>
+    <p:sldId id="277" r:id="rId25"/>
+    <p:sldId id="269" r:id="rId26"/>
+    <p:sldId id="281" r:id="rId27"/>
   </p:sldIdLst>
   <p:sldSz cx="12192000" cy="6858000"/>
   <p:notesSz cx="6858000" cy="9144000"/>
@@ -129,7 +131,7 @@
   </p:defaultTextStyle>
   <p:extLst>
     <p:ext uri="{EFAFB233-063F-42B5-8137-9DF3F51BA10A}">
-      <p15:sldGuideLst xmlns:p15="http://schemas.microsoft.com/office/powerpoint/2012/main" xmlns="">
+      <p15:sldGuideLst xmlns="" xmlns:p15="http://schemas.microsoft.com/office/powerpoint/2012/main">
         <p15:guide id="1" orient="horz" pos="2160">
           <p15:clr>
             <a:srgbClr val="A4A3A4"/>
@@ -172,7 +174,7 @@
           <p:cNvPr id="2" name="Title 1">
             <a:extLst>
               <a:ext uri="{FF2B5EF4-FFF2-40B4-BE49-F238E27FC236}">
-                <a16:creationId xmlns:a16="http://schemas.microsoft.com/office/drawing/2014/main" xmlns="" id="{38F81ACD-8C1F-4BB2-BA73-47F37386D344}"/>
+                <a16:creationId xmlns="" xmlns:a16="http://schemas.microsoft.com/office/drawing/2014/main" id="{38F81ACD-8C1F-4BB2-BA73-47F37386D344}"/>
               </a:ext>
             </a:extLst>
           </p:cNvPr>
@@ -210,7 +212,7 @@
           <p:cNvPr id="3" name="Subtitle 2">
             <a:extLst>
               <a:ext uri="{FF2B5EF4-FFF2-40B4-BE49-F238E27FC236}">
-                <a16:creationId xmlns:a16="http://schemas.microsoft.com/office/drawing/2014/main" xmlns="" id="{5BDFD646-F3F1-4378-91F9-75517FA3A993}"/>
+                <a16:creationId xmlns="" xmlns:a16="http://schemas.microsoft.com/office/drawing/2014/main" id="{5BDFD646-F3F1-4378-91F9-75517FA3A993}"/>
               </a:ext>
             </a:extLst>
           </p:cNvPr>
@@ -281,7 +283,7 @@
           <p:cNvPr id="4" name="Date Placeholder 3">
             <a:extLst>
               <a:ext uri="{FF2B5EF4-FFF2-40B4-BE49-F238E27FC236}">
-                <a16:creationId xmlns:a16="http://schemas.microsoft.com/office/drawing/2014/main" xmlns="" id="{C116471B-760C-4B29-BC65-A5261A6DD762}"/>
+                <a16:creationId xmlns="" xmlns:a16="http://schemas.microsoft.com/office/drawing/2014/main" id="{C116471B-760C-4B29-BC65-A5261A6DD762}"/>
               </a:ext>
             </a:extLst>
           </p:cNvPr>
@@ -310,7 +312,7 @@
           <p:cNvPr id="5" name="Footer Placeholder 4">
             <a:extLst>
               <a:ext uri="{FF2B5EF4-FFF2-40B4-BE49-F238E27FC236}">
-                <a16:creationId xmlns:a16="http://schemas.microsoft.com/office/drawing/2014/main" xmlns="" id="{55048D6F-E27F-402B-9B6C-750D1A2AD34A}"/>
+                <a16:creationId xmlns="" xmlns:a16="http://schemas.microsoft.com/office/drawing/2014/main" id="{55048D6F-E27F-402B-9B6C-750D1A2AD34A}"/>
               </a:ext>
             </a:extLst>
           </p:cNvPr>
@@ -335,7 +337,7 @@
           <p:cNvPr id="6" name="Slide Number Placeholder 5">
             <a:extLst>
               <a:ext uri="{FF2B5EF4-FFF2-40B4-BE49-F238E27FC236}">
-                <a16:creationId xmlns:a16="http://schemas.microsoft.com/office/drawing/2014/main" xmlns="" id="{B3E9A2DE-C84E-4DC5-AA0C-C45C8E1E15A5}"/>
+                <a16:creationId xmlns="" xmlns:a16="http://schemas.microsoft.com/office/drawing/2014/main" id="{B3E9A2DE-C84E-4DC5-AA0C-C45C8E1E15A5}"/>
               </a:ext>
             </a:extLst>
           </p:cNvPr>
@@ -394,7 +396,7 @@
           <p:cNvPr id="2" name="Title 1">
             <a:extLst>
               <a:ext uri="{FF2B5EF4-FFF2-40B4-BE49-F238E27FC236}">
-                <a16:creationId xmlns:a16="http://schemas.microsoft.com/office/drawing/2014/main" xmlns="" id="{7C0EFEF6-DAD2-401D-8CEF-58DEEDA30E36}"/>
+                <a16:creationId xmlns="" xmlns:a16="http://schemas.microsoft.com/office/drawing/2014/main" id="{7C0EFEF6-DAD2-401D-8CEF-58DEEDA30E36}"/>
               </a:ext>
             </a:extLst>
           </p:cNvPr>
@@ -423,7 +425,7 @@
           <p:cNvPr id="3" name="Vertical Text Placeholder 2">
             <a:extLst>
               <a:ext uri="{FF2B5EF4-FFF2-40B4-BE49-F238E27FC236}">
-                <a16:creationId xmlns:a16="http://schemas.microsoft.com/office/drawing/2014/main" xmlns="" id="{117EED84-C3CB-4AF5-AD23-90CA35E96273}"/>
+                <a16:creationId xmlns="" xmlns:a16="http://schemas.microsoft.com/office/drawing/2014/main" id="{117EED84-C3CB-4AF5-AD23-90CA35E96273}"/>
               </a:ext>
             </a:extLst>
           </p:cNvPr>
@@ -481,7 +483,7 @@
           <p:cNvPr id="4" name="Date Placeholder 3">
             <a:extLst>
               <a:ext uri="{FF2B5EF4-FFF2-40B4-BE49-F238E27FC236}">
-                <a16:creationId xmlns:a16="http://schemas.microsoft.com/office/drawing/2014/main" xmlns="" id="{004A36D1-B023-456D-A05D-E708709D6B75}"/>
+                <a16:creationId xmlns="" xmlns:a16="http://schemas.microsoft.com/office/drawing/2014/main" id="{004A36D1-B023-456D-A05D-E708709D6B75}"/>
               </a:ext>
             </a:extLst>
           </p:cNvPr>
@@ -510,7 +512,7 @@
           <p:cNvPr id="5" name="Footer Placeholder 4">
             <a:extLst>
               <a:ext uri="{FF2B5EF4-FFF2-40B4-BE49-F238E27FC236}">
-                <a16:creationId xmlns:a16="http://schemas.microsoft.com/office/drawing/2014/main" xmlns="" id="{05D3A2AD-699E-462A-B229-90E89740B46F}"/>
+                <a16:creationId xmlns="" xmlns:a16="http://schemas.microsoft.com/office/drawing/2014/main" id="{05D3A2AD-699E-462A-B229-90E89740B46F}"/>
               </a:ext>
             </a:extLst>
           </p:cNvPr>
@@ -535,7 +537,7 @@
           <p:cNvPr id="6" name="Slide Number Placeholder 5">
             <a:extLst>
               <a:ext uri="{FF2B5EF4-FFF2-40B4-BE49-F238E27FC236}">
-                <a16:creationId xmlns:a16="http://schemas.microsoft.com/office/drawing/2014/main" xmlns="" id="{9050A44C-61DD-456A-8955-C46F258F8157}"/>
+                <a16:creationId xmlns="" xmlns:a16="http://schemas.microsoft.com/office/drawing/2014/main" id="{9050A44C-61DD-456A-8955-C46F258F8157}"/>
               </a:ext>
             </a:extLst>
           </p:cNvPr>
@@ -594,7 +596,7 @@
           <p:cNvPr id="2" name="Vertical Title 1">
             <a:extLst>
               <a:ext uri="{FF2B5EF4-FFF2-40B4-BE49-F238E27FC236}">
-                <a16:creationId xmlns:a16="http://schemas.microsoft.com/office/drawing/2014/main" xmlns="" id="{F5377BB8-079C-4A89-A9FD-32FF6E883D75}"/>
+                <a16:creationId xmlns="" xmlns:a16="http://schemas.microsoft.com/office/drawing/2014/main" id="{F5377BB8-079C-4A89-A9FD-32FF6E883D75}"/>
               </a:ext>
             </a:extLst>
           </p:cNvPr>
@@ -628,7 +630,7 @@
           <p:cNvPr id="3" name="Vertical Text Placeholder 2">
             <a:extLst>
               <a:ext uri="{FF2B5EF4-FFF2-40B4-BE49-F238E27FC236}">
-                <a16:creationId xmlns:a16="http://schemas.microsoft.com/office/drawing/2014/main" xmlns="" id="{EB81C5F0-725D-449A-8EF3-6531E2FA1AA8}"/>
+                <a16:creationId xmlns="" xmlns:a16="http://schemas.microsoft.com/office/drawing/2014/main" id="{EB81C5F0-725D-449A-8EF3-6531E2FA1AA8}"/>
               </a:ext>
             </a:extLst>
           </p:cNvPr>
@@ -691,7 +693,7 @@
           <p:cNvPr id="4" name="Date Placeholder 3">
             <a:extLst>
               <a:ext uri="{FF2B5EF4-FFF2-40B4-BE49-F238E27FC236}">
-                <a16:creationId xmlns:a16="http://schemas.microsoft.com/office/drawing/2014/main" xmlns="" id="{FC0181BA-19FD-4050-9029-64DEBEBE498A}"/>
+                <a16:creationId xmlns="" xmlns:a16="http://schemas.microsoft.com/office/drawing/2014/main" id="{FC0181BA-19FD-4050-9029-64DEBEBE498A}"/>
               </a:ext>
             </a:extLst>
           </p:cNvPr>
@@ -720,7 +722,7 @@
           <p:cNvPr id="5" name="Footer Placeholder 4">
             <a:extLst>
               <a:ext uri="{FF2B5EF4-FFF2-40B4-BE49-F238E27FC236}">
-                <a16:creationId xmlns:a16="http://schemas.microsoft.com/office/drawing/2014/main" xmlns="" id="{C5BBB84B-A425-43A6-9E6B-AF292D520063}"/>
+                <a16:creationId xmlns="" xmlns:a16="http://schemas.microsoft.com/office/drawing/2014/main" id="{C5BBB84B-A425-43A6-9E6B-AF292D520063}"/>
               </a:ext>
             </a:extLst>
           </p:cNvPr>
@@ -745,7 +747,7 @@
           <p:cNvPr id="6" name="Slide Number Placeholder 5">
             <a:extLst>
               <a:ext uri="{FF2B5EF4-FFF2-40B4-BE49-F238E27FC236}">
-                <a16:creationId xmlns:a16="http://schemas.microsoft.com/office/drawing/2014/main" xmlns="" id="{C6BEEE56-BCA2-41E1-8198-EA1D0263C7A3}"/>
+                <a16:creationId xmlns="" xmlns:a16="http://schemas.microsoft.com/office/drawing/2014/main" id="{C6BEEE56-BCA2-41E1-8198-EA1D0263C7A3}"/>
               </a:ext>
             </a:extLst>
           </p:cNvPr>
@@ -804,7 +806,7 @@
           <p:cNvPr id="2" name="Title 1">
             <a:extLst>
               <a:ext uri="{FF2B5EF4-FFF2-40B4-BE49-F238E27FC236}">
-                <a16:creationId xmlns:a16="http://schemas.microsoft.com/office/drawing/2014/main" xmlns="" id="{1FAB533F-D466-4C2E-A38D-D6DAB9435884}"/>
+                <a16:creationId xmlns="" xmlns:a16="http://schemas.microsoft.com/office/drawing/2014/main" id="{1FAB533F-D466-4C2E-A38D-D6DAB9435884}"/>
               </a:ext>
             </a:extLst>
           </p:cNvPr>
@@ -833,7 +835,7 @@
           <p:cNvPr id="3" name="Content Placeholder 2">
             <a:extLst>
               <a:ext uri="{FF2B5EF4-FFF2-40B4-BE49-F238E27FC236}">
-                <a16:creationId xmlns:a16="http://schemas.microsoft.com/office/drawing/2014/main" xmlns="" id="{25260A0A-1EB9-4D07-8FE5-FEE29792F594}"/>
+                <a16:creationId xmlns="" xmlns:a16="http://schemas.microsoft.com/office/drawing/2014/main" id="{25260A0A-1EB9-4D07-8FE5-FEE29792F594}"/>
               </a:ext>
             </a:extLst>
           </p:cNvPr>
@@ -891,7 +893,7 @@
           <p:cNvPr id="4" name="Date Placeholder 3">
             <a:extLst>
               <a:ext uri="{FF2B5EF4-FFF2-40B4-BE49-F238E27FC236}">
-                <a16:creationId xmlns:a16="http://schemas.microsoft.com/office/drawing/2014/main" xmlns="" id="{A1C8AA27-F3BA-44A6-9B2B-C315B74FFBA5}"/>
+                <a16:creationId xmlns="" xmlns:a16="http://schemas.microsoft.com/office/drawing/2014/main" id="{A1C8AA27-F3BA-44A6-9B2B-C315B74FFBA5}"/>
               </a:ext>
             </a:extLst>
           </p:cNvPr>
@@ -920,7 +922,7 @@
           <p:cNvPr id="5" name="Footer Placeholder 4">
             <a:extLst>
               <a:ext uri="{FF2B5EF4-FFF2-40B4-BE49-F238E27FC236}">
-                <a16:creationId xmlns:a16="http://schemas.microsoft.com/office/drawing/2014/main" xmlns="" id="{FDAE1B9D-3A65-4218-9B24-F7F07259FE98}"/>
+                <a16:creationId xmlns="" xmlns:a16="http://schemas.microsoft.com/office/drawing/2014/main" id="{FDAE1B9D-3A65-4218-9B24-F7F07259FE98}"/>
               </a:ext>
             </a:extLst>
           </p:cNvPr>
@@ -945,7 +947,7 @@
           <p:cNvPr id="6" name="Slide Number Placeholder 5">
             <a:extLst>
               <a:ext uri="{FF2B5EF4-FFF2-40B4-BE49-F238E27FC236}">
-                <a16:creationId xmlns:a16="http://schemas.microsoft.com/office/drawing/2014/main" xmlns="" id="{7F6469AC-87CC-4110-853E-4EF47FB24469}"/>
+                <a16:creationId xmlns="" xmlns:a16="http://schemas.microsoft.com/office/drawing/2014/main" id="{7F6469AC-87CC-4110-853E-4EF47FB24469}"/>
               </a:ext>
             </a:extLst>
           </p:cNvPr>
@@ -1004,7 +1006,7 @@
           <p:cNvPr id="2" name="Title 1">
             <a:extLst>
               <a:ext uri="{FF2B5EF4-FFF2-40B4-BE49-F238E27FC236}">
-                <a16:creationId xmlns:a16="http://schemas.microsoft.com/office/drawing/2014/main" xmlns="" id="{7CD84C07-8032-40E4-8188-26C90C375735}"/>
+                <a16:creationId xmlns="" xmlns:a16="http://schemas.microsoft.com/office/drawing/2014/main" id="{7CD84C07-8032-40E4-8188-26C90C375735}"/>
               </a:ext>
             </a:extLst>
           </p:cNvPr>
@@ -1042,7 +1044,7 @@
           <p:cNvPr id="3" name="Text Placeholder 2">
             <a:extLst>
               <a:ext uri="{FF2B5EF4-FFF2-40B4-BE49-F238E27FC236}">
-                <a16:creationId xmlns:a16="http://schemas.microsoft.com/office/drawing/2014/main" xmlns="" id="{58BBB9ED-EEEF-486B-BBD2-B0F5F29FB751}"/>
+                <a16:creationId xmlns="" xmlns:a16="http://schemas.microsoft.com/office/drawing/2014/main" id="{58BBB9ED-EEEF-486B-BBD2-B0F5F29FB751}"/>
               </a:ext>
             </a:extLst>
           </p:cNvPr>
@@ -1167,7 +1169,7 @@
           <p:cNvPr id="4" name="Date Placeholder 3">
             <a:extLst>
               <a:ext uri="{FF2B5EF4-FFF2-40B4-BE49-F238E27FC236}">
-                <a16:creationId xmlns:a16="http://schemas.microsoft.com/office/drawing/2014/main" xmlns="" id="{C1886328-7A1B-432B-899F-09D7885145D0}"/>
+                <a16:creationId xmlns="" xmlns:a16="http://schemas.microsoft.com/office/drawing/2014/main" id="{C1886328-7A1B-432B-899F-09D7885145D0}"/>
               </a:ext>
             </a:extLst>
           </p:cNvPr>
@@ -1196,7 +1198,7 @@
           <p:cNvPr id="5" name="Footer Placeholder 4">
             <a:extLst>
               <a:ext uri="{FF2B5EF4-FFF2-40B4-BE49-F238E27FC236}">
-                <a16:creationId xmlns:a16="http://schemas.microsoft.com/office/drawing/2014/main" xmlns="" id="{687EDC61-8E2E-47AA-B91B-3A51ED2E1244}"/>
+                <a16:creationId xmlns="" xmlns:a16="http://schemas.microsoft.com/office/drawing/2014/main" id="{687EDC61-8E2E-47AA-B91B-3A51ED2E1244}"/>
               </a:ext>
             </a:extLst>
           </p:cNvPr>
@@ -1221,7 +1223,7 @@
           <p:cNvPr id="6" name="Slide Number Placeholder 5">
             <a:extLst>
               <a:ext uri="{FF2B5EF4-FFF2-40B4-BE49-F238E27FC236}">
-                <a16:creationId xmlns:a16="http://schemas.microsoft.com/office/drawing/2014/main" xmlns="" id="{7D9AD1A8-963F-4E0F-A996-1D59DEB2AB11}"/>
+                <a16:creationId xmlns="" xmlns:a16="http://schemas.microsoft.com/office/drawing/2014/main" id="{7D9AD1A8-963F-4E0F-A996-1D59DEB2AB11}"/>
               </a:ext>
             </a:extLst>
           </p:cNvPr>
@@ -1280,7 +1282,7 @@
           <p:cNvPr id="2" name="Title 1">
             <a:extLst>
               <a:ext uri="{FF2B5EF4-FFF2-40B4-BE49-F238E27FC236}">
-                <a16:creationId xmlns:a16="http://schemas.microsoft.com/office/drawing/2014/main" xmlns="" id="{F94DB45A-071D-4C99-A5B5-35979556A0CC}"/>
+                <a16:creationId xmlns="" xmlns:a16="http://schemas.microsoft.com/office/drawing/2014/main" id="{F94DB45A-071D-4C99-A5B5-35979556A0CC}"/>
               </a:ext>
             </a:extLst>
           </p:cNvPr>
@@ -1309,7 +1311,7 @@
           <p:cNvPr id="3" name="Content Placeholder 2">
             <a:extLst>
               <a:ext uri="{FF2B5EF4-FFF2-40B4-BE49-F238E27FC236}">
-                <a16:creationId xmlns:a16="http://schemas.microsoft.com/office/drawing/2014/main" xmlns="" id="{0A2162A9-A21E-4501-AC10-15F68B1F8653}"/>
+                <a16:creationId xmlns="" xmlns:a16="http://schemas.microsoft.com/office/drawing/2014/main" id="{0A2162A9-A21E-4501-AC10-15F68B1F8653}"/>
               </a:ext>
             </a:extLst>
           </p:cNvPr>
@@ -1372,7 +1374,7 @@
           <p:cNvPr id="4" name="Content Placeholder 3">
             <a:extLst>
               <a:ext uri="{FF2B5EF4-FFF2-40B4-BE49-F238E27FC236}">
-                <a16:creationId xmlns:a16="http://schemas.microsoft.com/office/drawing/2014/main" xmlns="" id="{C9808B4B-FAC3-4EF5-945D-276AEBCEEB56}"/>
+                <a16:creationId xmlns="" xmlns:a16="http://schemas.microsoft.com/office/drawing/2014/main" id="{C9808B4B-FAC3-4EF5-945D-276AEBCEEB56}"/>
               </a:ext>
             </a:extLst>
           </p:cNvPr>
@@ -1435,7 +1437,7 @@
           <p:cNvPr id="5" name="Date Placeholder 4">
             <a:extLst>
               <a:ext uri="{FF2B5EF4-FFF2-40B4-BE49-F238E27FC236}">
-                <a16:creationId xmlns:a16="http://schemas.microsoft.com/office/drawing/2014/main" xmlns="" id="{111E4125-3763-4CDE-A124-A7F37129BF6F}"/>
+                <a16:creationId xmlns="" xmlns:a16="http://schemas.microsoft.com/office/drawing/2014/main" id="{111E4125-3763-4CDE-A124-A7F37129BF6F}"/>
               </a:ext>
             </a:extLst>
           </p:cNvPr>
@@ -1464,7 +1466,7 @@
           <p:cNvPr id="6" name="Footer Placeholder 5">
             <a:extLst>
               <a:ext uri="{FF2B5EF4-FFF2-40B4-BE49-F238E27FC236}">
-                <a16:creationId xmlns:a16="http://schemas.microsoft.com/office/drawing/2014/main" xmlns="" id="{6A31F033-2EFA-4A06-8CCE-4CC9C6D6F2C9}"/>
+                <a16:creationId xmlns="" xmlns:a16="http://schemas.microsoft.com/office/drawing/2014/main" id="{6A31F033-2EFA-4A06-8CCE-4CC9C6D6F2C9}"/>
               </a:ext>
             </a:extLst>
           </p:cNvPr>
@@ -1489,7 +1491,7 @@
           <p:cNvPr id="7" name="Slide Number Placeholder 6">
             <a:extLst>
               <a:ext uri="{FF2B5EF4-FFF2-40B4-BE49-F238E27FC236}">
-                <a16:creationId xmlns:a16="http://schemas.microsoft.com/office/drawing/2014/main" xmlns="" id="{39784076-D524-4AB4-96F2-C3CDEFC47AB1}"/>
+                <a16:creationId xmlns="" xmlns:a16="http://schemas.microsoft.com/office/drawing/2014/main" id="{39784076-D524-4AB4-96F2-C3CDEFC47AB1}"/>
               </a:ext>
             </a:extLst>
           </p:cNvPr>
@@ -1548,7 +1550,7 @@
           <p:cNvPr id="2" name="Title 1">
             <a:extLst>
               <a:ext uri="{FF2B5EF4-FFF2-40B4-BE49-F238E27FC236}">
-                <a16:creationId xmlns:a16="http://schemas.microsoft.com/office/drawing/2014/main" xmlns="" id="{B745368A-B171-42D4-B621-B342A8582657}"/>
+                <a16:creationId xmlns="" xmlns:a16="http://schemas.microsoft.com/office/drawing/2014/main" id="{B745368A-B171-42D4-B621-B342A8582657}"/>
               </a:ext>
             </a:extLst>
           </p:cNvPr>
@@ -1582,7 +1584,7 @@
           <p:cNvPr id="3" name="Text Placeholder 2">
             <a:extLst>
               <a:ext uri="{FF2B5EF4-FFF2-40B4-BE49-F238E27FC236}">
-                <a16:creationId xmlns:a16="http://schemas.microsoft.com/office/drawing/2014/main" xmlns="" id="{6EB5C1D4-3980-42FF-B1F5-02359E1FF18B}"/>
+                <a16:creationId xmlns="" xmlns:a16="http://schemas.microsoft.com/office/drawing/2014/main" id="{6EB5C1D4-3980-42FF-B1F5-02359E1FF18B}"/>
               </a:ext>
             </a:extLst>
           </p:cNvPr>
@@ -1653,7 +1655,7 @@
           <p:cNvPr id="4" name="Content Placeholder 3">
             <a:extLst>
               <a:ext uri="{FF2B5EF4-FFF2-40B4-BE49-F238E27FC236}">
-                <a16:creationId xmlns:a16="http://schemas.microsoft.com/office/drawing/2014/main" xmlns="" id="{83C8D96C-588F-4783-A633-494FB037A1EE}"/>
+                <a16:creationId xmlns="" xmlns:a16="http://schemas.microsoft.com/office/drawing/2014/main" id="{83C8D96C-588F-4783-A633-494FB037A1EE}"/>
               </a:ext>
             </a:extLst>
           </p:cNvPr>
@@ -1716,7 +1718,7 @@
           <p:cNvPr id="5" name="Text Placeholder 4">
             <a:extLst>
               <a:ext uri="{FF2B5EF4-FFF2-40B4-BE49-F238E27FC236}">
-                <a16:creationId xmlns:a16="http://schemas.microsoft.com/office/drawing/2014/main" xmlns="" id="{28667787-A838-4CC1-A1ED-AE08B50E6BCC}"/>
+                <a16:creationId xmlns="" xmlns:a16="http://schemas.microsoft.com/office/drawing/2014/main" id="{28667787-A838-4CC1-A1ED-AE08B50E6BCC}"/>
               </a:ext>
             </a:extLst>
           </p:cNvPr>
@@ -1787,7 +1789,7 @@
           <p:cNvPr id="6" name="Content Placeholder 5">
             <a:extLst>
               <a:ext uri="{FF2B5EF4-FFF2-40B4-BE49-F238E27FC236}">
-                <a16:creationId xmlns:a16="http://schemas.microsoft.com/office/drawing/2014/main" xmlns="" id="{7B40A859-B47C-4D03-8DBB-62106BCC6396}"/>
+                <a16:creationId xmlns="" xmlns:a16="http://schemas.microsoft.com/office/drawing/2014/main" id="{7B40A859-B47C-4D03-8DBB-62106BCC6396}"/>
               </a:ext>
             </a:extLst>
           </p:cNvPr>
@@ -1850,7 +1852,7 @@
           <p:cNvPr id="7" name="Date Placeholder 6">
             <a:extLst>
               <a:ext uri="{FF2B5EF4-FFF2-40B4-BE49-F238E27FC236}">
-                <a16:creationId xmlns:a16="http://schemas.microsoft.com/office/drawing/2014/main" xmlns="" id="{9E8971B1-954C-4FAC-B307-11F8197CCC26}"/>
+                <a16:creationId xmlns="" xmlns:a16="http://schemas.microsoft.com/office/drawing/2014/main" id="{9E8971B1-954C-4FAC-B307-11F8197CCC26}"/>
               </a:ext>
             </a:extLst>
           </p:cNvPr>
@@ -1879,7 +1881,7 @@
           <p:cNvPr id="8" name="Footer Placeholder 7">
             <a:extLst>
               <a:ext uri="{FF2B5EF4-FFF2-40B4-BE49-F238E27FC236}">
-                <a16:creationId xmlns:a16="http://schemas.microsoft.com/office/drawing/2014/main" xmlns="" id="{495E3B1A-D948-4A43-9383-89A59162C90A}"/>
+                <a16:creationId xmlns="" xmlns:a16="http://schemas.microsoft.com/office/drawing/2014/main" id="{495E3B1A-D948-4A43-9383-89A59162C90A}"/>
               </a:ext>
             </a:extLst>
           </p:cNvPr>
@@ -1904,7 +1906,7 @@
           <p:cNvPr id="9" name="Slide Number Placeholder 8">
             <a:extLst>
               <a:ext uri="{FF2B5EF4-FFF2-40B4-BE49-F238E27FC236}">
-                <a16:creationId xmlns:a16="http://schemas.microsoft.com/office/drawing/2014/main" xmlns="" id="{3104F6C4-5756-4122-8B27-29C65B744BB6}"/>
+                <a16:creationId xmlns="" xmlns:a16="http://schemas.microsoft.com/office/drawing/2014/main" id="{3104F6C4-5756-4122-8B27-29C65B744BB6}"/>
               </a:ext>
             </a:extLst>
           </p:cNvPr>
@@ -1963,7 +1965,7 @@
           <p:cNvPr id="2" name="Title 1">
             <a:extLst>
               <a:ext uri="{FF2B5EF4-FFF2-40B4-BE49-F238E27FC236}">
-                <a16:creationId xmlns:a16="http://schemas.microsoft.com/office/drawing/2014/main" xmlns="" id="{204971F9-7824-41A4-8398-B33DB2E25B17}"/>
+                <a16:creationId xmlns="" xmlns:a16="http://schemas.microsoft.com/office/drawing/2014/main" id="{204971F9-7824-41A4-8398-B33DB2E25B17}"/>
               </a:ext>
             </a:extLst>
           </p:cNvPr>
@@ -1992,7 +1994,7 @@
           <p:cNvPr id="3" name="Date Placeholder 2">
             <a:extLst>
               <a:ext uri="{FF2B5EF4-FFF2-40B4-BE49-F238E27FC236}">
-                <a16:creationId xmlns:a16="http://schemas.microsoft.com/office/drawing/2014/main" xmlns="" id="{2CD14C02-4114-42B0-A0A0-1561A896C5F6}"/>
+                <a16:creationId xmlns="" xmlns:a16="http://schemas.microsoft.com/office/drawing/2014/main" id="{2CD14C02-4114-42B0-A0A0-1561A896C5F6}"/>
               </a:ext>
             </a:extLst>
           </p:cNvPr>
@@ -2021,7 +2023,7 @@
           <p:cNvPr id="4" name="Footer Placeholder 3">
             <a:extLst>
               <a:ext uri="{FF2B5EF4-FFF2-40B4-BE49-F238E27FC236}">
-                <a16:creationId xmlns:a16="http://schemas.microsoft.com/office/drawing/2014/main" xmlns="" id="{69224448-8C00-4357-8694-938F1723F49C}"/>
+                <a16:creationId xmlns="" xmlns:a16="http://schemas.microsoft.com/office/drawing/2014/main" id="{69224448-8C00-4357-8694-938F1723F49C}"/>
               </a:ext>
             </a:extLst>
           </p:cNvPr>
@@ -2046,7 +2048,7 @@
           <p:cNvPr id="5" name="Slide Number Placeholder 4">
             <a:extLst>
               <a:ext uri="{FF2B5EF4-FFF2-40B4-BE49-F238E27FC236}">
-                <a16:creationId xmlns:a16="http://schemas.microsoft.com/office/drawing/2014/main" xmlns="" id="{6C7DCA96-9B71-49D7-B19E-DF6F73963068}"/>
+                <a16:creationId xmlns="" xmlns:a16="http://schemas.microsoft.com/office/drawing/2014/main" id="{6C7DCA96-9B71-49D7-B19E-DF6F73963068}"/>
               </a:ext>
             </a:extLst>
           </p:cNvPr>
@@ -2105,7 +2107,7 @@
           <p:cNvPr id="2" name="Date Placeholder 1">
             <a:extLst>
               <a:ext uri="{FF2B5EF4-FFF2-40B4-BE49-F238E27FC236}">
-                <a16:creationId xmlns:a16="http://schemas.microsoft.com/office/drawing/2014/main" xmlns="" id="{E8DF68A8-5D4D-47DE-A680-03D5A49717C6}"/>
+                <a16:creationId xmlns="" xmlns:a16="http://schemas.microsoft.com/office/drawing/2014/main" id="{E8DF68A8-5D4D-47DE-A680-03D5A49717C6}"/>
               </a:ext>
             </a:extLst>
           </p:cNvPr>
@@ -2134,7 +2136,7 @@
           <p:cNvPr id="3" name="Footer Placeholder 2">
             <a:extLst>
               <a:ext uri="{FF2B5EF4-FFF2-40B4-BE49-F238E27FC236}">
-                <a16:creationId xmlns:a16="http://schemas.microsoft.com/office/drawing/2014/main" xmlns="" id="{155CD824-5C15-4A04-82D3-7B629C181F19}"/>
+                <a16:creationId xmlns="" xmlns:a16="http://schemas.microsoft.com/office/drawing/2014/main" id="{155CD824-5C15-4A04-82D3-7B629C181F19}"/>
               </a:ext>
             </a:extLst>
           </p:cNvPr>
@@ -2159,7 +2161,7 @@
           <p:cNvPr id="4" name="Slide Number Placeholder 3">
             <a:extLst>
               <a:ext uri="{FF2B5EF4-FFF2-40B4-BE49-F238E27FC236}">
-                <a16:creationId xmlns:a16="http://schemas.microsoft.com/office/drawing/2014/main" xmlns="" id="{018AE5D8-A796-4C5F-AF96-633C586CE814}"/>
+                <a16:creationId xmlns="" xmlns:a16="http://schemas.microsoft.com/office/drawing/2014/main" id="{018AE5D8-A796-4C5F-AF96-633C586CE814}"/>
               </a:ext>
             </a:extLst>
           </p:cNvPr>
@@ -2218,7 +2220,7 @@
           <p:cNvPr id="2" name="Title 1">
             <a:extLst>
               <a:ext uri="{FF2B5EF4-FFF2-40B4-BE49-F238E27FC236}">
-                <a16:creationId xmlns:a16="http://schemas.microsoft.com/office/drawing/2014/main" xmlns="" id="{5785C08C-F708-4E59-9638-67476CCE6F8E}"/>
+                <a16:creationId xmlns="" xmlns:a16="http://schemas.microsoft.com/office/drawing/2014/main" id="{5785C08C-F708-4E59-9638-67476CCE6F8E}"/>
               </a:ext>
             </a:extLst>
           </p:cNvPr>
@@ -2256,7 +2258,7 @@
           <p:cNvPr id="3" name="Content Placeholder 2">
             <a:extLst>
               <a:ext uri="{FF2B5EF4-FFF2-40B4-BE49-F238E27FC236}">
-                <a16:creationId xmlns:a16="http://schemas.microsoft.com/office/drawing/2014/main" xmlns="" id="{37D67BF5-8B86-462B-B714-E04C03AFACB1}"/>
+                <a16:creationId xmlns="" xmlns:a16="http://schemas.microsoft.com/office/drawing/2014/main" id="{37D67BF5-8B86-462B-B714-E04C03AFACB1}"/>
               </a:ext>
             </a:extLst>
           </p:cNvPr>
@@ -2347,7 +2349,7 @@
           <p:cNvPr id="4" name="Text Placeholder 3">
             <a:extLst>
               <a:ext uri="{FF2B5EF4-FFF2-40B4-BE49-F238E27FC236}">
-                <a16:creationId xmlns:a16="http://schemas.microsoft.com/office/drawing/2014/main" xmlns="" id="{11D7DB8C-9AFD-4BF2-86F3-684F952F52FC}"/>
+                <a16:creationId xmlns="" xmlns:a16="http://schemas.microsoft.com/office/drawing/2014/main" id="{11D7DB8C-9AFD-4BF2-86F3-684F952F52FC}"/>
               </a:ext>
             </a:extLst>
           </p:cNvPr>
@@ -2418,7 +2420,7 @@
           <p:cNvPr id="5" name="Date Placeholder 4">
             <a:extLst>
               <a:ext uri="{FF2B5EF4-FFF2-40B4-BE49-F238E27FC236}">
-                <a16:creationId xmlns:a16="http://schemas.microsoft.com/office/drawing/2014/main" xmlns="" id="{7E4D098C-4950-4964-9D3B-09607BD26634}"/>
+                <a16:creationId xmlns="" xmlns:a16="http://schemas.microsoft.com/office/drawing/2014/main" id="{7E4D098C-4950-4964-9D3B-09607BD26634}"/>
               </a:ext>
             </a:extLst>
           </p:cNvPr>
@@ -2447,7 +2449,7 @@
           <p:cNvPr id="6" name="Footer Placeholder 5">
             <a:extLst>
               <a:ext uri="{FF2B5EF4-FFF2-40B4-BE49-F238E27FC236}">
-                <a16:creationId xmlns:a16="http://schemas.microsoft.com/office/drawing/2014/main" xmlns="" id="{F2CA40CB-8C56-4909-A6E1-D90B748B0886}"/>
+                <a16:creationId xmlns="" xmlns:a16="http://schemas.microsoft.com/office/drawing/2014/main" id="{F2CA40CB-8C56-4909-A6E1-D90B748B0886}"/>
               </a:ext>
             </a:extLst>
           </p:cNvPr>
@@ -2472,7 +2474,7 @@
           <p:cNvPr id="7" name="Slide Number Placeholder 6">
             <a:extLst>
               <a:ext uri="{FF2B5EF4-FFF2-40B4-BE49-F238E27FC236}">
-                <a16:creationId xmlns:a16="http://schemas.microsoft.com/office/drawing/2014/main" xmlns="" id="{1551E7B9-06EE-4679-B231-5169CDC44B45}"/>
+                <a16:creationId xmlns="" xmlns:a16="http://schemas.microsoft.com/office/drawing/2014/main" id="{1551E7B9-06EE-4679-B231-5169CDC44B45}"/>
               </a:ext>
             </a:extLst>
           </p:cNvPr>
@@ -2531,7 +2533,7 @@
           <p:cNvPr id="2" name="Title 1">
             <a:extLst>
               <a:ext uri="{FF2B5EF4-FFF2-40B4-BE49-F238E27FC236}">
-                <a16:creationId xmlns:a16="http://schemas.microsoft.com/office/drawing/2014/main" xmlns="" id="{50226FEE-AE82-46F3-A9E5-F264D85E74BA}"/>
+                <a16:creationId xmlns="" xmlns:a16="http://schemas.microsoft.com/office/drawing/2014/main" id="{50226FEE-AE82-46F3-A9E5-F264D85E74BA}"/>
               </a:ext>
             </a:extLst>
           </p:cNvPr>
@@ -2569,7 +2571,7 @@
           <p:cNvPr id="3" name="Picture Placeholder 2">
             <a:extLst>
               <a:ext uri="{FF2B5EF4-FFF2-40B4-BE49-F238E27FC236}">
-                <a16:creationId xmlns:a16="http://schemas.microsoft.com/office/drawing/2014/main" xmlns="" id="{7AD3BDF5-6F94-4C5F-A081-4F39CD8DF92C}"/>
+                <a16:creationId xmlns="" xmlns:a16="http://schemas.microsoft.com/office/drawing/2014/main" id="{7AD3BDF5-6F94-4C5F-A081-4F39CD8DF92C}"/>
               </a:ext>
             </a:extLst>
           </p:cNvPr>
@@ -2636,7 +2638,7 @@
           <p:cNvPr id="4" name="Text Placeholder 3">
             <a:extLst>
               <a:ext uri="{FF2B5EF4-FFF2-40B4-BE49-F238E27FC236}">
-                <a16:creationId xmlns:a16="http://schemas.microsoft.com/office/drawing/2014/main" xmlns="" id="{C669047C-3BD7-4697-A39B-E0FA10A4C5F9}"/>
+                <a16:creationId xmlns="" xmlns:a16="http://schemas.microsoft.com/office/drawing/2014/main" id="{C669047C-3BD7-4697-A39B-E0FA10A4C5F9}"/>
               </a:ext>
             </a:extLst>
           </p:cNvPr>
@@ -2707,7 +2709,7 @@
           <p:cNvPr id="5" name="Date Placeholder 4">
             <a:extLst>
               <a:ext uri="{FF2B5EF4-FFF2-40B4-BE49-F238E27FC236}">
-                <a16:creationId xmlns:a16="http://schemas.microsoft.com/office/drawing/2014/main" xmlns="" id="{6812A225-2F33-4179-8DB9-53942F3FBF3C}"/>
+                <a16:creationId xmlns="" xmlns:a16="http://schemas.microsoft.com/office/drawing/2014/main" id="{6812A225-2F33-4179-8DB9-53942F3FBF3C}"/>
               </a:ext>
             </a:extLst>
           </p:cNvPr>
@@ -2736,7 +2738,7 @@
           <p:cNvPr id="6" name="Footer Placeholder 5">
             <a:extLst>
               <a:ext uri="{FF2B5EF4-FFF2-40B4-BE49-F238E27FC236}">
-                <a16:creationId xmlns:a16="http://schemas.microsoft.com/office/drawing/2014/main" xmlns="" id="{5DCCCAF8-1A25-44ED-92D3-EAA55863C860}"/>
+                <a16:creationId xmlns="" xmlns:a16="http://schemas.microsoft.com/office/drawing/2014/main" id="{5DCCCAF8-1A25-44ED-92D3-EAA55863C860}"/>
               </a:ext>
             </a:extLst>
           </p:cNvPr>
@@ -2761,7 +2763,7 @@
           <p:cNvPr id="7" name="Slide Number Placeholder 6">
             <a:extLst>
               <a:ext uri="{FF2B5EF4-FFF2-40B4-BE49-F238E27FC236}">
-                <a16:creationId xmlns:a16="http://schemas.microsoft.com/office/drawing/2014/main" xmlns="" id="{081D2EF8-4469-4E48-998D-B582FE060B65}"/>
+                <a16:creationId xmlns="" xmlns:a16="http://schemas.microsoft.com/office/drawing/2014/main" id="{081D2EF8-4469-4E48-998D-B582FE060B65}"/>
               </a:ext>
             </a:extLst>
           </p:cNvPr>
@@ -2825,7 +2827,7 @@
           <p:cNvPr id="2" name="Title Placeholder 1">
             <a:extLst>
               <a:ext uri="{FF2B5EF4-FFF2-40B4-BE49-F238E27FC236}">
-                <a16:creationId xmlns:a16="http://schemas.microsoft.com/office/drawing/2014/main" xmlns="" id="{9CDA4241-5F65-4F1F-91FC-6A9573E87A72}"/>
+                <a16:creationId xmlns="" xmlns:a16="http://schemas.microsoft.com/office/drawing/2014/main" id="{9CDA4241-5F65-4F1F-91FC-6A9573E87A72}"/>
               </a:ext>
             </a:extLst>
           </p:cNvPr>
@@ -2864,7 +2866,7 @@
           <p:cNvPr id="3" name="Text Placeholder 2">
             <a:extLst>
               <a:ext uri="{FF2B5EF4-FFF2-40B4-BE49-F238E27FC236}">
-                <a16:creationId xmlns:a16="http://schemas.microsoft.com/office/drawing/2014/main" xmlns="" id="{3BC58C6C-4267-4E58-A71E-23F428330912}"/>
+                <a16:creationId xmlns="" xmlns:a16="http://schemas.microsoft.com/office/drawing/2014/main" id="{3BC58C6C-4267-4E58-A71E-23F428330912}"/>
               </a:ext>
             </a:extLst>
           </p:cNvPr>
@@ -2932,7 +2934,7 @@
           <p:cNvPr id="4" name="Date Placeholder 3">
             <a:extLst>
               <a:ext uri="{FF2B5EF4-FFF2-40B4-BE49-F238E27FC236}">
-                <a16:creationId xmlns:a16="http://schemas.microsoft.com/office/drawing/2014/main" xmlns="" id="{F644D2BD-1B24-4FD2-9415-DA9215D62A57}"/>
+                <a16:creationId xmlns="" xmlns:a16="http://schemas.microsoft.com/office/drawing/2014/main" id="{F644D2BD-1B24-4FD2-9415-DA9215D62A57}"/>
               </a:ext>
             </a:extLst>
           </p:cNvPr>
@@ -2979,7 +2981,7 @@
           <p:cNvPr id="5" name="Footer Placeholder 4">
             <a:extLst>
               <a:ext uri="{FF2B5EF4-FFF2-40B4-BE49-F238E27FC236}">
-                <a16:creationId xmlns:a16="http://schemas.microsoft.com/office/drawing/2014/main" xmlns="" id="{052B2DEC-4883-463C-AF09-7784E5013BE5}"/>
+                <a16:creationId xmlns="" xmlns:a16="http://schemas.microsoft.com/office/drawing/2014/main" id="{052B2DEC-4883-463C-AF09-7784E5013BE5}"/>
               </a:ext>
             </a:extLst>
           </p:cNvPr>
@@ -3022,7 +3024,7 @@
           <p:cNvPr id="6" name="Slide Number Placeholder 5">
             <a:extLst>
               <a:ext uri="{FF2B5EF4-FFF2-40B4-BE49-F238E27FC236}">
-                <a16:creationId xmlns:a16="http://schemas.microsoft.com/office/drawing/2014/main" xmlns="" id="{B91E765B-C133-4BEF-9B0E-51DD0E9F5B27}"/>
+                <a16:creationId xmlns="" xmlns:a16="http://schemas.microsoft.com/office/drawing/2014/main" id="{B91E765B-C133-4BEF-9B0E-51DD0E9F5B27}"/>
               </a:ext>
             </a:extLst>
           </p:cNvPr>
@@ -3390,7 +3392,7 @@
           <p:cNvPr id="2" name="Title 1">
             <a:extLst>
               <a:ext uri="{FF2B5EF4-FFF2-40B4-BE49-F238E27FC236}">
-                <a16:creationId xmlns:a16="http://schemas.microsoft.com/office/drawing/2014/main" xmlns="" id="{46D20EEB-69A2-4947-B9C0-B5C51449390F}"/>
+                <a16:creationId xmlns="" xmlns:a16="http://schemas.microsoft.com/office/drawing/2014/main" id="{46D20EEB-69A2-4947-B9C0-B5C51449390F}"/>
               </a:ext>
             </a:extLst>
           </p:cNvPr>
@@ -3420,7 +3422,7 @@
           <p:cNvPr id="3" name="Subtitle 2">
             <a:extLst>
               <a:ext uri="{FF2B5EF4-FFF2-40B4-BE49-F238E27FC236}">
-                <a16:creationId xmlns:a16="http://schemas.microsoft.com/office/drawing/2014/main" xmlns="" id="{87970C47-FB20-494C-B2FC-D44C678CD97A}"/>
+                <a16:creationId xmlns="" xmlns:a16="http://schemas.microsoft.com/office/drawing/2014/main" id="{87970C47-FB20-494C-B2FC-D44C678CD97A}"/>
               </a:ext>
             </a:extLst>
           </p:cNvPr>
@@ -3478,7 +3480,7 @@
           <p:cNvPr id="2" name="Title 1">
             <a:extLst>
               <a:ext uri="{FF2B5EF4-FFF2-40B4-BE49-F238E27FC236}">
-                <a16:creationId xmlns:a16="http://schemas.microsoft.com/office/drawing/2014/main" xmlns="" id="{5AEACDF5-E062-45D5-A343-01EC2AD8C1FD}"/>
+                <a16:creationId xmlns="" xmlns:a16="http://schemas.microsoft.com/office/drawing/2014/main" id="{5AEACDF5-E062-45D5-A343-01EC2AD8C1FD}"/>
               </a:ext>
             </a:extLst>
           </p:cNvPr>
@@ -3506,7 +3508,7 @@
           <p:cNvPr id="3" name="Content Placeholder 2">
             <a:extLst>
               <a:ext uri="{FF2B5EF4-FFF2-40B4-BE49-F238E27FC236}">
-                <a16:creationId xmlns:a16="http://schemas.microsoft.com/office/drawing/2014/main" xmlns="" id="{6A6FF85F-C9FB-4F56-8D6B-2583AF24D2E9}"/>
+                <a16:creationId xmlns="" xmlns:a16="http://schemas.microsoft.com/office/drawing/2014/main" id="{6A6FF85F-C9FB-4F56-8D6B-2583AF24D2E9}"/>
               </a:ext>
             </a:extLst>
           </p:cNvPr>
@@ -3524,8 +3526,13 @@
           <a:p>
             <a:r>
               <a:rPr lang="en-AU" dirty="0"/>
-              <a:t>Run full merge from scratch N time/day</a:t>
-            </a:r>
+              <a:t>Run full merge from scratch N </a:t>
+            </a:r>
+            <a:r>
+              <a:rPr lang="en-AU" dirty="0" smtClean="0"/>
+              <a:t>times/day</a:t>
+            </a:r>
+            <a:endParaRPr lang="en-AU" dirty="0"/>
           </a:p>
         </p:txBody>
       </p:sp>
@@ -3564,7 +3571,7 @@
           <p:cNvPr id="3" name="Content Placeholder 2">
             <a:extLst>
               <a:ext uri="{FF2B5EF4-FFF2-40B4-BE49-F238E27FC236}">
-                <a16:creationId xmlns:a16="http://schemas.microsoft.com/office/drawing/2014/main" xmlns="" id="{C9A5D316-4BC8-407F-B333-AFF90256DD5D}"/>
+                <a16:creationId xmlns="" xmlns:a16="http://schemas.microsoft.com/office/drawing/2014/main" id="{C9A5D316-4BC8-407F-B333-AFF90256DD5D}"/>
               </a:ext>
             </a:extLst>
           </p:cNvPr>
@@ -3641,7 +3648,7 @@
           <p:cNvPr id="2" name="Title 1">
             <a:extLst>
               <a:ext uri="{FF2B5EF4-FFF2-40B4-BE49-F238E27FC236}">
-                <a16:creationId xmlns:a16="http://schemas.microsoft.com/office/drawing/2014/main" xmlns="" id="{7A314DC1-A148-43FE-A875-9257708AC501}"/>
+                <a16:creationId xmlns="" xmlns:a16="http://schemas.microsoft.com/office/drawing/2014/main" id="{7A314DC1-A148-43FE-A875-9257708AC501}"/>
               </a:ext>
             </a:extLst>
           </p:cNvPr>
@@ -3705,7 +3712,7 @@
           <p:cNvPr id="2" name="Title 1">
             <a:extLst>
               <a:ext uri="{FF2B5EF4-FFF2-40B4-BE49-F238E27FC236}">
-                <a16:creationId xmlns:a16="http://schemas.microsoft.com/office/drawing/2014/main" xmlns="" id="{42E80B67-816B-4805-81B1-91ED500C40B9}"/>
+                <a16:creationId xmlns="" xmlns:a16="http://schemas.microsoft.com/office/drawing/2014/main" id="{42E80B67-816B-4805-81B1-91ED500C40B9}"/>
               </a:ext>
             </a:extLst>
           </p:cNvPr>
@@ -3733,7 +3740,7 @@
           <p:cNvPr id="3" name="Content Placeholder 2">
             <a:extLst>
               <a:ext uri="{FF2B5EF4-FFF2-40B4-BE49-F238E27FC236}">
-                <a16:creationId xmlns:a16="http://schemas.microsoft.com/office/drawing/2014/main" xmlns="" id="{B7AE8FF8-276A-4B82-8B87-2A0DB8D7C833}"/>
+                <a16:creationId xmlns="" xmlns:a16="http://schemas.microsoft.com/office/drawing/2014/main" id="{B7AE8FF8-276A-4B82-8B87-2A0DB8D7C833}"/>
               </a:ext>
             </a:extLst>
           </p:cNvPr>
@@ -3796,8 +3803,13 @@
             </a:pPr>
             <a:r>
               <a:rPr lang="en-AU" dirty="0"/>
-              <a:t>Not finished: ???</a:t>
-            </a:r>
+              <a:t>Not finished: </a:t>
+            </a:r>
+            <a:r>
+              <a:rPr lang="en-AU" dirty="0"/>
+              <a:t>??? / Not finished</a:t>
+            </a:r>
+            <a:endParaRPr lang="en-AU" dirty="0"/>
           </a:p>
           <a:p>
             <a:pPr marL="1428750" lvl="2" indent="-514350">
@@ -3846,7 +3858,7 @@
           <p:cNvPr id="2" name="Title 1">
             <a:extLst>
               <a:ext uri="{FF2B5EF4-FFF2-40B4-BE49-F238E27FC236}">
-                <a16:creationId xmlns:a16="http://schemas.microsoft.com/office/drawing/2014/main" xmlns="" id="{D1414B65-0177-4A54-A913-98463AB982CF}"/>
+                <a16:creationId xmlns="" xmlns:a16="http://schemas.microsoft.com/office/drawing/2014/main" id="{D1414B65-0177-4A54-A913-98463AB982CF}"/>
               </a:ext>
             </a:extLst>
           </p:cNvPr>
@@ -3874,7 +3886,7 @@
           <p:cNvPr id="3" name="Content Placeholder 2">
             <a:extLst>
               <a:ext uri="{FF2B5EF4-FFF2-40B4-BE49-F238E27FC236}">
-                <a16:creationId xmlns:a16="http://schemas.microsoft.com/office/drawing/2014/main" xmlns="" id="{15AE89D6-962C-4069-9B0D-E280DFCF4FA9}"/>
+                <a16:creationId xmlns="" xmlns:a16="http://schemas.microsoft.com/office/drawing/2014/main" id="{15AE89D6-962C-4069-9B0D-E280DFCF4FA9}"/>
               </a:ext>
             </a:extLst>
           </p:cNvPr>
@@ -3946,16 +3958,13 @@
             </a:r>
             <a:r>
               <a:rPr lang="en-AU" sz="1800" dirty="0"/>
-              <a:t>(0, 7)===`feature_` || </a:t>
-            </a:r>
-            <a:r>
-              <a:rPr lang="en-AU" sz="1800" dirty="0" err="1"/>
-              <a:t>branch.name.substring</a:t>
-            </a:r>
-            <a:r>
-              <a:rPr lang="en-AU" sz="1800" dirty="0"/>
-              <a:t>(0, 5)===`master`);</a:t>
-            </a:r>
+              <a:t>(0, 7)===`</a:t>
+            </a:r>
+            <a:r>
+              <a:rPr lang="en-AU" sz="1800" dirty="0" smtClean="0"/>
+              <a:t>feature);</a:t>
+            </a:r>
+            <a:endParaRPr lang="en-AU" sz="1800" dirty="0"/>
           </a:p>
           <a:p>
             <a:pPr marL="0" indent="0">
@@ -4123,7 +4132,7 @@
           <p:cNvPr id="3" name="Content Placeholder 2">
             <a:extLst>
               <a:ext uri="{FF2B5EF4-FFF2-40B4-BE49-F238E27FC236}">
-                <a16:creationId xmlns:a16="http://schemas.microsoft.com/office/drawing/2014/main" xmlns="" id="{C6D2743B-E048-4C36-BFE3-A63B5EAD2557}"/>
+                <a16:creationId xmlns="" xmlns:a16="http://schemas.microsoft.com/office/drawing/2014/main" id="{C6D2743B-E048-4C36-BFE3-A63B5EAD2557}"/>
               </a:ext>
             </a:extLst>
           </p:cNvPr>
@@ -4177,7 +4186,7 @@
           <p:cNvPr id="6" name="Picture 5">
             <a:extLst>
               <a:ext uri="{FF2B5EF4-FFF2-40B4-BE49-F238E27FC236}">
-                <a16:creationId xmlns:a16="http://schemas.microsoft.com/office/drawing/2014/main" xmlns="" id="{84150866-0F51-4A6A-A1C6-41FE94B390F7}"/>
+                <a16:creationId xmlns="" xmlns:a16="http://schemas.microsoft.com/office/drawing/2014/main" id="{84150866-0F51-4A6A-A1C6-41FE94B390F7}"/>
               </a:ext>
             </a:extLst>
           </p:cNvPr>
@@ -4234,10 +4243,565 @@
       </p:grpSpPr>
       <p:sp>
         <p:nvSpPr>
-          <p:cNvPr id="3" name="Content Placeholder 2">
-            <a:extLst>
-              <a:ext uri="{FF2B5EF4-FFF2-40B4-BE49-F238E27FC236}">
-                <a16:creationId xmlns:a16="http://schemas.microsoft.com/office/drawing/2014/main" xmlns="" id="{C00F5369-1212-4EFF-9A2F-15998C0D4852}"/>
+          <p:cNvPr id="4" name="Rectangle: Rounded Corners 3">
+            <a:extLst>
+              <a:ext uri="{FF2B5EF4-FFF2-40B4-BE49-F238E27FC236}">
+                <a16:creationId xmlns="" xmlns:a16="http://schemas.microsoft.com/office/drawing/2014/main" id="{22F580C1-A0CE-4DE1-9125-45C894E8919B}"/>
+              </a:ext>
+            </a:extLst>
+          </p:cNvPr>
+          <p:cNvSpPr/>
+          <p:nvPr/>
+        </p:nvSpPr>
+        <p:spPr>
+          <a:xfrm>
+            <a:off x="1038686" y="4553914"/>
+            <a:ext cx="1392000" cy="1003200"/>
+          </a:xfrm>
+          <a:prstGeom prst="roundRect">
+            <a:avLst/>
+          </a:prstGeom>
+        </p:spPr>
+        <p:style>
+          <a:lnRef idx="2">
+            <a:schemeClr val="accent1">
+              <a:shade val="50000"/>
+            </a:schemeClr>
+          </a:lnRef>
+          <a:fillRef idx="1">
+            <a:schemeClr val="accent1"/>
+          </a:fillRef>
+          <a:effectRef idx="0">
+            <a:schemeClr val="accent1"/>
+          </a:effectRef>
+          <a:fontRef idx="minor">
+            <a:schemeClr val="lt1"/>
+          </a:fontRef>
+        </p:style>
+        <p:txBody>
+          <a:bodyPr rtlCol="0" anchor="ctr"/>
+          <a:lstStyle/>
+          <a:p>
+            <a:pPr algn="ctr"/>
+            <a:r>
+              <a:rPr lang="en-AU" dirty="0"/>
+              <a:t>dyna</a:t>
+            </a:r>
+          </a:p>
+        </p:txBody>
+      </p:sp>
+      <p:sp>
+        <p:nvSpPr>
+          <p:cNvPr id="5" name="Rectangle: Rounded Corners 4">
+            <a:extLst>
+              <a:ext uri="{FF2B5EF4-FFF2-40B4-BE49-F238E27FC236}">
+                <a16:creationId xmlns="" xmlns:a16="http://schemas.microsoft.com/office/drawing/2014/main" id="{BAB322B6-52C3-4BEF-AE12-CEFE4AF1737D}"/>
+              </a:ext>
+            </a:extLst>
+          </p:cNvPr>
+          <p:cNvSpPr/>
+          <p:nvPr/>
+        </p:nvSpPr>
+        <p:spPr>
+          <a:xfrm>
+            <a:off x="8142686" y="4582714"/>
+            <a:ext cx="3096000" cy="974400"/>
+          </a:xfrm>
+          <a:prstGeom prst="roundRect">
+            <a:avLst/>
+          </a:prstGeom>
+        </p:spPr>
+        <p:style>
+          <a:lnRef idx="2">
+            <a:schemeClr val="accent1">
+              <a:shade val="50000"/>
+            </a:schemeClr>
+          </a:lnRef>
+          <a:fillRef idx="1">
+            <a:schemeClr val="accent1"/>
+          </a:fillRef>
+          <a:effectRef idx="0">
+            <a:schemeClr val="accent1"/>
+          </a:effectRef>
+          <a:fontRef idx="minor">
+            <a:schemeClr val="lt1"/>
+          </a:fontRef>
+        </p:style>
+        <p:txBody>
+          <a:bodyPr rtlCol="0" anchor="ctr"/>
+          <a:lstStyle/>
+          <a:p>
+            <a:pPr algn="ctr"/>
+            <a:r>
+              <a:rPr lang="en-AU" dirty="0"/>
+              <a:t>dyna_ feature1_feature2</a:t>
+            </a:r>
+          </a:p>
+        </p:txBody>
+      </p:sp>
+      <p:sp>
+        <p:nvSpPr>
+          <p:cNvPr id="6" name="Rectangle: Rounded Corners 5">
+            <a:extLst>
+              <a:ext uri="{FF2B5EF4-FFF2-40B4-BE49-F238E27FC236}">
+                <a16:creationId xmlns="" xmlns:a16="http://schemas.microsoft.com/office/drawing/2014/main" id="{6E1CAEE1-F7D0-4692-87EE-C81F99C972C6}"/>
+              </a:ext>
+            </a:extLst>
+          </p:cNvPr>
+          <p:cNvSpPr/>
+          <p:nvPr/>
+        </p:nvSpPr>
+        <p:spPr>
+          <a:xfrm>
+            <a:off x="4648286" y="4609114"/>
+            <a:ext cx="1843200" cy="948000"/>
+          </a:xfrm>
+          <a:prstGeom prst="roundRect">
+            <a:avLst/>
+          </a:prstGeom>
+        </p:spPr>
+        <p:style>
+          <a:lnRef idx="2">
+            <a:schemeClr val="accent1">
+              <a:shade val="50000"/>
+            </a:schemeClr>
+          </a:lnRef>
+          <a:fillRef idx="1">
+            <a:schemeClr val="accent1"/>
+          </a:fillRef>
+          <a:effectRef idx="0">
+            <a:schemeClr val="accent1"/>
+          </a:effectRef>
+          <a:fontRef idx="minor">
+            <a:schemeClr val="lt1"/>
+          </a:fontRef>
+        </p:style>
+        <p:txBody>
+          <a:bodyPr rtlCol="0" anchor="ctr"/>
+          <a:lstStyle/>
+          <a:p>
+            <a:pPr algn="ctr"/>
+            <a:r>
+              <a:rPr lang="en-AU" dirty="0"/>
+              <a:t>dyna_feature1</a:t>
+            </a:r>
+          </a:p>
+        </p:txBody>
+      </p:sp>
+      <p:sp>
+        <p:nvSpPr>
+          <p:cNvPr id="8" name="Rectangle: Rounded Corners 3">
+            <a:extLst>
+              <a:ext uri="{FF2B5EF4-FFF2-40B4-BE49-F238E27FC236}">
+                <a16:creationId xmlns="" xmlns:a16="http://schemas.microsoft.com/office/drawing/2014/main" id="{22F580C1-A0CE-4DE1-9125-45C894E8919B}"/>
+              </a:ext>
+            </a:extLst>
+          </p:cNvPr>
+          <p:cNvSpPr/>
+          <p:nvPr/>
+        </p:nvSpPr>
+        <p:spPr>
+          <a:xfrm>
+            <a:off x="1038686" y="2150893"/>
+            <a:ext cx="1392000" cy="1003200"/>
+          </a:xfrm>
+          <a:prstGeom prst="roundRect">
+            <a:avLst/>
+          </a:prstGeom>
+        </p:spPr>
+        <p:style>
+          <a:lnRef idx="2">
+            <a:schemeClr val="accent1">
+              <a:shade val="50000"/>
+            </a:schemeClr>
+          </a:lnRef>
+          <a:fillRef idx="1">
+            <a:schemeClr val="accent1"/>
+          </a:fillRef>
+          <a:effectRef idx="0">
+            <a:schemeClr val="accent1"/>
+          </a:effectRef>
+          <a:fontRef idx="minor">
+            <a:schemeClr val="lt1"/>
+          </a:fontRef>
+        </p:style>
+        <p:txBody>
+          <a:bodyPr rtlCol="0" anchor="ctr"/>
+          <a:lstStyle/>
+          <a:p>
+            <a:pPr algn="ctr"/>
+            <a:r>
+              <a:rPr lang="en-AU" dirty="0" smtClean="0"/>
+              <a:t>master</a:t>
+            </a:r>
+            <a:endParaRPr lang="en-AU" dirty="0"/>
+          </a:p>
+        </p:txBody>
+      </p:sp>
+      <p:sp>
+        <p:nvSpPr>
+          <p:cNvPr id="9" name="Rectangle: Rounded Corners 4">
+            <a:extLst>
+              <a:ext uri="{FF2B5EF4-FFF2-40B4-BE49-F238E27FC236}">
+                <a16:creationId xmlns="" xmlns:a16="http://schemas.microsoft.com/office/drawing/2014/main" id="{BAB322B6-52C3-4BEF-AE12-CEFE4AF1737D}"/>
+              </a:ext>
+            </a:extLst>
+          </p:cNvPr>
+          <p:cNvSpPr/>
+          <p:nvPr/>
+        </p:nvSpPr>
+        <p:spPr>
+          <a:xfrm>
+            <a:off x="8142686" y="2179693"/>
+            <a:ext cx="3096000" cy="974400"/>
+          </a:xfrm>
+          <a:prstGeom prst="roundRect">
+            <a:avLst/>
+          </a:prstGeom>
+        </p:spPr>
+        <p:style>
+          <a:lnRef idx="2">
+            <a:schemeClr val="accent1">
+              <a:shade val="50000"/>
+            </a:schemeClr>
+          </a:lnRef>
+          <a:fillRef idx="1">
+            <a:schemeClr val="accent1"/>
+          </a:fillRef>
+          <a:effectRef idx="0">
+            <a:schemeClr val="accent1"/>
+          </a:effectRef>
+          <a:fontRef idx="minor">
+            <a:schemeClr val="lt1"/>
+          </a:fontRef>
+        </p:style>
+        <p:txBody>
+          <a:bodyPr rtlCol="0" anchor="ctr"/>
+          <a:lstStyle/>
+          <a:p>
+            <a:pPr algn="ctr"/>
+            <a:r>
+              <a:rPr lang="en-AU" dirty="0" smtClean="0"/>
+              <a:t>feature2</a:t>
+            </a:r>
+            <a:endParaRPr lang="en-AU" dirty="0"/>
+          </a:p>
+        </p:txBody>
+      </p:sp>
+      <p:sp>
+        <p:nvSpPr>
+          <p:cNvPr id="10" name="Rectangle: Rounded Corners 5">
+            <a:extLst>
+              <a:ext uri="{FF2B5EF4-FFF2-40B4-BE49-F238E27FC236}">
+                <a16:creationId xmlns="" xmlns:a16="http://schemas.microsoft.com/office/drawing/2014/main" id="{6E1CAEE1-F7D0-4692-87EE-C81F99C972C6}"/>
+              </a:ext>
+            </a:extLst>
+          </p:cNvPr>
+          <p:cNvSpPr/>
+          <p:nvPr/>
+        </p:nvSpPr>
+        <p:spPr>
+          <a:xfrm>
+            <a:off x="4795243" y="2150893"/>
+            <a:ext cx="1843200" cy="948000"/>
+          </a:xfrm>
+          <a:prstGeom prst="roundRect">
+            <a:avLst/>
+          </a:prstGeom>
+        </p:spPr>
+        <p:style>
+          <a:lnRef idx="2">
+            <a:schemeClr val="accent1">
+              <a:shade val="50000"/>
+            </a:schemeClr>
+          </a:lnRef>
+          <a:fillRef idx="1">
+            <a:schemeClr val="accent1"/>
+          </a:fillRef>
+          <a:effectRef idx="0">
+            <a:schemeClr val="accent1"/>
+          </a:effectRef>
+          <a:fontRef idx="minor">
+            <a:schemeClr val="lt1"/>
+          </a:fontRef>
+        </p:style>
+        <p:txBody>
+          <a:bodyPr rtlCol="0" anchor="ctr"/>
+          <a:lstStyle/>
+          <a:p>
+            <a:pPr algn="ctr"/>
+            <a:r>
+              <a:rPr lang="en-AU" dirty="0" smtClean="0"/>
+              <a:t>feature1</a:t>
+            </a:r>
+            <a:endParaRPr lang="en-AU" dirty="0"/>
+          </a:p>
+        </p:txBody>
+      </p:sp>
+      <p:cxnSp>
+        <p:nvCxnSpPr>
+          <p:cNvPr id="11" name="Straight Arrow Connector 10">
+            <a:extLst>
+              <a:ext uri="{FF2B5EF4-FFF2-40B4-BE49-F238E27FC236}">
+                <a16:creationId xmlns="" xmlns:a16="http://schemas.microsoft.com/office/drawing/2014/main" id="{4DBDDFB9-BB6B-4DC0-8721-90D2A2E86008}"/>
+              </a:ext>
+            </a:extLst>
+          </p:cNvPr>
+          <p:cNvCxnSpPr>
+            <a:cxnSpLocks/>
+            <a:stCxn id="8" idx="2"/>
+            <a:endCxn id="4" idx="0"/>
+          </p:cNvCxnSpPr>
+          <p:nvPr/>
+        </p:nvCxnSpPr>
+        <p:spPr>
+          <a:xfrm>
+            <a:off x="1734686" y="3154093"/>
+            <a:ext cx="0" cy="1399821"/>
+          </a:xfrm>
+          <a:prstGeom prst="straightConnector1">
+            <a:avLst/>
+          </a:prstGeom>
+          <a:ln>
+            <a:tailEnd type="triangle"/>
+          </a:ln>
+        </p:spPr>
+        <p:style>
+          <a:lnRef idx="1">
+            <a:schemeClr val="accent1"/>
+          </a:lnRef>
+          <a:fillRef idx="0">
+            <a:schemeClr val="accent1"/>
+          </a:fillRef>
+          <a:effectRef idx="0">
+            <a:schemeClr val="accent1"/>
+          </a:effectRef>
+          <a:fontRef idx="minor">
+            <a:schemeClr val="tx1"/>
+          </a:fontRef>
+        </p:style>
+      </p:cxnSp>
+      <p:cxnSp>
+        <p:nvCxnSpPr>
+          <p:cNvPr id="14" name="Straight Arrow Connector 13">
+            <a:extLst>
+              <a:ext uri="{FF2B5EF4-FFF2-40B4-BE49-F238E27FC236}">
+                <a16:creationId xmlns="" xmlns:a16="http://schemas.microsoft.com/office/drawing/2014/main" id="{4DBDDFB9-BB6B-4DC0-8721-90D2A2E86008}"/>
+              </a:ext>
+            </a:extLst>
+          </p:cNvPr>
+          <p:cNvCxnSpPr>
+            <a:cxnSpLocks/>
+            <a:stCxn id="8" idx="2"/>
+            <a:endCxn id="5" idx="0"/>
+          </p:cNvCxnSpPr>
+          <p:nvPr/>
+        </p:nvCxnSpPr>
+        <p:spPr>
+          <a:xfrm>
+            <a:off x="1734686" y="3154093"/>
+            <a:ext cx="7956000" cy="1428621"/>
+          </a:xfrm>
+          <a:prstGeom prst="straightConnector1">
+            <a:avLst/>
+          </a:prstGeom>
+          <a:ln>
+            <a:tailEnd type="triangle"/>
+          </a:ln>
+        </p:spPr>
+        <p:style>
+          <a:lnRef idx="1">
+            <a:schemeClr val="accent1"/>
+          </a:lnRef>
+          <a:fillRef idx="0">
+            <a:schemeClr val="accent1"/>
+          </a:fillRef>
+          <a:effectRef idx="0">
+            <a:schemeClr val="accent1"/>
+          </a:effectRef>
+          <a:fontRef idx="minor">
+            <a:schemeClr val="tx1"/>
+          </a:fontRef>
+        </p:style>
+      </p:cxnSp>
+      <p:cxnSp>
+        <p:nvCxnSpPr>
+          <p:cNvPr id="17" name="Straight Arrow Connector 16">
+            <a:extLst>
+              <a:ext uri="{FF2B5EF4-FFF2-40B4-BE49-F238E27FC236}">
+                <a16:creationId xmlns="" xmlns:a16="http://schemas.microsoft.com/office/drawing/2014/main" id="{4DBDDFB9-BB6B-4DC0-8721-90D2A2E86008}"/>
+              </a:ext>
+            </a:extLst>
+          </p:cNvPr>
+          <p:cNvCxnSpPr>
+            <a:cxnSpLocks/>
+            <a:stCxn id="10" idx="2"/>
+            <a:endCxn id="5" idx="0"/>
+          </p:cNvCxnSpPr>
+          <p:nvPr/>
+        </p:nvCxnSpPr>
+        <p:spPr>
+          <a:xfrm>
+            <a:off x="5716843" y="3098893"/>
+            <a:ext cx="3973843" cy="1483821"/>
+          </a:xfrm>
+          <a:prstGeom prst="straightConnector1">
+            <a:avLst/>
+          </a:prstGeom>
+          <a:ln>
+            <a:tailEnd type="triangle"/>
+          </a:ln>
+        </p:spPr>
+        <p:style>
+          <a:lnRef idx="1">
+            <a:schemeClr val="accent1"/>
+          </a:lnRef>
+          <a:fillRef idx="0">
+            <a:schemeClr val="accent1"/>
+          </a:fillRef>
+          <a:effectRef idx="0">
+            <a:schemeClr val="accent1"/>
+          </a:effectRef>
+          <a:fontRef idx="minor">
+            <a:schemeClr val="tx1"/>
+          </a:fontRef>
+        </p:style>
+      </p:cxnSp>
+      <p:cxnSp>
+        <p:nvCxnSpPr>
+          <p:cNvPr id="20" name="Straight Arrow Connector 19">
+            <a:extLst>
+              <a:ext uri="{FF2B5EF4-FFF2-40B4-BE49-F238E27FC236}">
+                <a16:creationId xmlns="" xmlns:a16="http://schemas.microsoft.com/office/drawing/2014/main" id="{4DBDDFB9-BB6B-4DC0-8721-90D2A2E86008}"/>
+              </a:ext>
+            </a:extLst>
+          </p:cNvPr>
+          <p:cNvCxnSpPr>
+            <a:cxnSpLocks/>
+            <a:stCxn id="9" idx="2"/>
+            <a:endCxn id="5" idx="0"/>
+          </p:cNvCxnSpPr>
+          <p:nvPr/>
+        </p:nvCxnSpPr>
+        <p:spPr>
+          <a:xfrm>
+            <a:off x="9690686" y="3154093"/>
+            <a:ext cx="0" cy="1428621"/>
+          </a:xfrm>
+          <a:prstGeom prst="straightConnector1">
+            <a:avLst/>
+          </a:prstGeom>
+          <a:ln>
+            <a:tailEnd type="triangle"/>
+          </a:ln>
+        </p:spPr>
+        <p:style>
+          <a:lnRef idx="1">
+            <a:schemeClr val="accent1"/>
+          </a:lnRef>
+          <a:fillRef idx="0">
+            <a:schemeClr val="accent1"/>
+          </a:fillRef>
+          <a:effectRef idx="0">
+            <a:schemeClr val="accent1"/>
+          </a:effectRef>
+          <a:fontRef idx="minor">
+            <a:schemeClr val="tx1"/>
+          </a:fontRef>
+        </p:style>
+      </p:cxnSp>
+      <p:cxnSp>
+        <p:nvCxnSpPr>
+          <p:cNvPr id="23" name="Straight Arrow Connector 22">
+            <a:extLst>
+              <a:ext uri="{FF2B5EF4-FFF2-40B4-BE49-F238E27FC236}">
+                <a16:creationId xmlns="" xmlns:a16="http://schemas.microsoft.com/office/drawing/2014/main" id="{4DBDDFB9-BB6B-4DC0-8721-90D2A2E86008}"/>
+              </a:ext>
+            </a:extLst>
+          </p:cNvPr>
+          <p:cNvCxnSpPr>
+            <a:cxnSpLocks/>
+            <a:stCxn id="10" idx="2"/>
+            <a:endCxn id="6" idx="0"/>
+          </p:cNvCxnSpPr>
+          <p:nvPr/>
+        </p:nvCxnSpPr>
+        <p:spPr>
+          <a:xfrm flipH="1">
+            <a:off x="5569886" y="3098893"/>
+            <a:ext cx="146957" cy="1510221"/>
+          </a:xfrm>
+          <a:prstGeom prst="straightConnector1">
+            <a:avLst/>
+          </a:prstGeom>
+          <a:ln>
+            <a:tailEnd type="triangle"/>
+          </a:ln>
+        </p:spPr>
+        <p:style>
+          <a:lnRef idx="1">
+            <a:schemeClr val="accent1"/>
+          </a:lnRef>
+          <a:fillRef idx="0">
+            <a:schemeClr val="accent1"/>
+          </a:fillRef>
+          <a:effectRef idx="0">
+            <a:schemeClr val="accent1"/>
+          </a:effectRef>
+          <a:fontRef idx="minor">
+            <a:schemeClr val="tx1"/>
+          </a:fontRef>
+        </p:style>
+      </p:cxnSp>
+      <p:cxnSp>
+        <p:nvCxnSpPr>
+          <p:cNvPr id="26" name="Straight Arrow Connector 25">
+            <a:extLst>
+              <a:ext uri="{FF2B5EF4-FFF2-40B4-BE49-F238E27FC236}">
+                <a16:creationId xmlns="" xmlns:a16="http://schemas.microsoft.com/office/drawing/2014/main" id="{4DBDDFB9-BB6B-4DC0-8721-90D2A2E86008}"/>
+              </a:ext>
+            </a:extLst>
+          </p:cNvPr>
+          <p:cNvCxnSpPr>
+            <a:cxnSpLocks/>
+            <a:stCxn id="8" idx="2"/>
+            <a:endCxn id="6" idx="0"/>
+          </p:cNvCxnSpPr>
+          <p:nvPr/>
+        </p:nvCxnSpPr>
+        <p:spPr>
+          <a:xfrm>
+            <a:off x="1734686" y="3154093"/>
+            <a:ext cx="3835200" cy="1455021"/>
+          </a:xfrm>
+          <a:prstGeom prst="straightConnector1">
+            <a:avLst/>
+          </a:prstGeom>
+          <a:ln>
+            <a:tailEnd type="triangle"/>
+          </a:ln>
+        </p:spPr>
+        <p:style>
+          <a:lnRef idx="1">
+            <a:schemeClr val="accent1"/>
+          </a:lnRef>
+          <a:fillRef idx="0">
+            <a:schemeClr val="accent1"/>
+          </a:fillRef>
+          <a:effectRef idx="0">
+            <a:schemeClr val="accent1"/>
+          </a:effectRef>
+          <a:fontRef idx="minor">
+            <a:schemeClr val="tx1"/>
+          </a:fontRef>
+        </p:style>
+      </p:cxnSp>
+      <p:sp>
+        <p:nvSpPr>
+          <p:cNvPr id="30" name="Title 1">
+            <a:extLst>
+              <a:ext uri="{FF2B5EF4-FFF2-40B4-BE49-F238E27FC236}">
+                <a16:creationId xmlns="" xmlns:a16="http://schemas.microsoft.com/office/drawing/2014/main" id="{D1414B65-0177-4A54-A913-98463AB982CF}"/>
               </a:ext>
             </a:extLst>
           </p:cNvPr>
@@ -4245,411 +4809,22 @@
             <a:spLocks noGrp="1"/>
           </p:cNvSpPr>
           <p:nvPr>
-            <p:ph idx="1"/>
+            <p:ph type="title"/>
           </p:nvPr>
         </p:nvSpPr>
         <p:spPr>
           <a:xfrm>
-            <a:off x="36000" y="81600"/>
-            <a:ext cx="6180000" cy="6720000"/>
-          </a:xfrm>
-        </p:spPr>
-        <p:txBody>
-          <a:bodyPr>
-            <a:normAutofit/>
-          </a:bodyPr>
-          <a:lstStyle/>
-          <a:p>
-            <a:pPr marL="0" indent="0">
-              <a:buNone/>
-            </a:pPr>
-            <a:r>
-              <a:rPr lang="en-AU" sz="1100" dirty="0" err="1"/>
-              <a:t>Groups.forEach</a:t>
-            </a:r>
-            <a:r>
-              <a:rPr lang="en-AU" sz="1100" dirty="0"/>
-              <a:t>(group=&gt;{</a:t>
-            </a:r>
-          </a:p>
-          <a:p>
-            <a:pPr marL="0" indent="0">
-              <a:buNone/>
-            </a:pPr>
-            <a:r>
-              <a:rPr lang="en-AU" sz="1100" dirty="0"/>
-              <a:t> </a:t>
-            </a:r>
-            <a:r>
-              <a:rPr lang="en-AU" sz="1100" dirty="0" err="1"/>
-              <a:t>const</a:t>
-            </a:r>
-            <a:r>
-              <a:rPr lang="en-AU" sz="1100" dirty="0"/>
-              <a:t> </a:t>
-            </a:r>
-            <a:r>
-              <a:rPr lang="en-AU" sz="1100" dirty="0" err="1"/>
-              <a:t>concatName</a:t>
-            </a:r>
-            <a:r>
-              <a:rPr lang="en-AU" sz="1100" dirty="0"/>
-              <a:t>=`dyna_`+ </a:t>
-            </a:r>
-            <a:r>
-              <a:rPr lang="en-AU" sz="1100" dirty="0" err="1"/>
-              <a:t>group.selectedFeatureBranches.reduce</a:t>
-            </a:r>
-            <a:r>
-              <a:rPr lang="en-AU" sz="1100" dirty="0"/>
-              <a:t>(</a:t>
-            </a:r>
-          </a:p>
-          <a:p>
-            <a:pPr marL="0" indent="0">
-              <a:buNone/>
-            </a:pPr>
-            <a:r>
-              <a:rPr lang="en-AU" sz="1100" dirty="0"/>
-              <a:t>        (total, branch)=&gt;total+`_`+branch.name</a:t>
-            </a:r>
-          </a:p>
-          <a:p>
-            <a:pPr marL="0" indent="0">
-              <a:buNone/>
-            </a:pPr>
-            <a:r>
-              <a:rPr lang="en-AU" sz="1100" dirty="0"/>
-              <a:t>       ,``);</a:t>
-            </a:r>
-          </a:p>
-          <a:p>
-            <a:pPr marL="0" indent="0">
-              <a:buNone/>
-            </a:pPr>
-            <a:r>
-              <a:rPr lang="en-AU" sz="1100" dirty="0"/>
-              <a:t>        // GET /repos/:owner/:repo/branches/:branch</a:t>
-            </a:r>
-          </a:p>
-          <a:p>
-            <a:pPr marL="0" indent="0">
-              <a:buNone/>
-            </a:pPr>
-            <a:r>
-              <a:rPr lang="en-AU" sz="1100" dirty="0"/>
-              <a:t>        if (exist(</a:t>
-            </a:r>
-            <a:r>
-              <a:rPr lang="en-AU" sz="1100" dirty="0" err="1"/>
-              <a:t>concatName</a:t>
-            </a:r>
-            <a:r>
-              <a:rPr lang="en-AU" sz="1100" dirty="0"/>
-              <a:t>)){</a:t>
-            </a:r>
-          </a:p>
-          <a:p>
-            <a:pPr marL="0" indent="0">
-              <a:buNone/>
-            </a:pPr>
-            <a:r>
-              <a:rPr lang="en-AU" sz="1100" dirty="0"/>
-              <a:t>            // DELETE /repos/:owner/:repo/git/refs/:ref</a:t>
-            </a:r>
-          </a:p>
-          <a:p>
-            <a:pPr marL="0" indent="0">
-              <a:buNone/>
-            </a:pPr>
-            <a:r>
-              <a:rPr lang="en-AU" sz="1100" dirty="0"/>
-              <a:t>            delete the branch;</a:t>
-            </a:r>
-          </a:p>
-          <a:p>
-            <a:pPr marL="0" indent="0">
-              <a:buNone/>
-            </a:pPr>
-            <a:r>
-              <a:rPr lang="en-AU" sz="1100" dirty="0"/>
-              <a:t>        }</a:t>
-            </a:r>
-          </a:p>
-          <a:p>
-            <a:pPr marL="0" indent="0">
-              <a:buNone/>
-            </a:pPr>
-            <a:r>
-              <a:rPr lang="en-AU" sz="1100" dirty="0"/>
-              <a:t>        // POST /repos/:owner/:repo/git/refs</a:t>
-            </a:r>
-          </a:p>
-          <a:p>
-            <a:pPr marL="0" indent="0">
-              <a:buNone/>
-            </a:pPr>
-            <a:r>
-              <a:rPr lang="en-AU" sz="1100" dirty="0"/>
-              <a:t>        create the branch from master;</a:t>
-            </a:r>
-          </a:p>
-          <a:p>
-            <a:pPr marL="0" indent="0">
-              <a:buNone/>
-            </a:pPr>
-            <a:r>
-              <a:rPr lang="en-AU" sz="1100" dirty="0"/>
-              <a:t>group. </a:t>
-            </a:r>
-            <a:r>
-              <a:rPr lang="en-AU" sz="1100" dirty="0" err="1"/>
-              <a:t>selectedFeatureBranches.forEach</a:t>
-            </a:r>
-            <a:r>
-              <a:rPr lang="en-AU" sz="1100" dirty="0"/>
-              <a:t>(</a:t>
-            </a:r>
-          </a:p>
-          <a:p>
-            <a:pPr marL="0" indent="0">
-              <a:buNone/>
-            </a:pPr>
-            <a:r>
-              <a:rPr lang="en-AU" sz="1100" dirty="0"/>
-              <a:t>// merging: </a:t>
-            </a:r>
-            <a:r>
-              <a:rPr lang="en-AU" sz="1100" dirty="0">
-                <a:hlinkClick r:id="rId2"/>
-              </a:rPr>
-              <a:t>https://developer.github.com/v3/repos/merging/</a:t>
-            </a:r>
-            <a:endParaRPr lang="en-AU" sz="1100" dirty="0"/>
-          </a:p>
-          <a:p>
-            <a:pPr marL="457200" lvl="1" indent="0">
-              <a:buNone/>
-            </a:pPr>
-            <a:r>
-              <a:rPr lang="en-AU" sz="1100" dirty="0"/>
-              <a:t>Call </a:t>
-            </a:r>
-            <a:r>
-              <a:rPr lang="en-AU" sz="1100" dirty="0" err="1"/>
-              <a:t>github</a:t>
-            </a:r>
-            <a:r>
-              <a:rPr lang="en-AU" sz="1100" dirty="0"/>
-              <a:t> to merge the </a:t>
-            </a:r>
-            <a:r>
-              <a:rPr lang="en-AU" sz="1100" dirty="0" err="1"/>
-              <a:t>selectedFeatureBranche</a:t>
-            </a:r>
-            <a:r>
-              <a:rPr lang="en-AU" sz="1100" dirty="0"/>
-              <a:t> into </a:t>
-            </a:r>
-            <a:r>
-              <a:rPr lang="en-AU" sz="1100" dirty="0" err="1"/>
-              <a:t>concatName</a:t>
-            </a:r>
-            <a:r>
-              <a:rPr lang="en-AU" sz="1100" dirty="0"/>
-              <a:t> branch</a:t>
-            </a:r>
-          </a:p>
-          <a:p>
-            <a:pPr marL="457200" lvl="1" indent="0">
-              <a:buNone/>
-            </a:pPr>
-            <a:r>
-              <a:rPr lang="en-AU" sz="1100" dirty="0"/>
-              <a:t>If (conflict) then {</a:t>
-            </a:r>
-          </a:p>
-          <a:p>
-            <a:pPr marL="457200" lvl="1" indent="0">
-              <a:buNone/>
-            </a:pPr>
-            <a:r>
-              <a:rPr lang="en-AU" sz="1100" dirty="0"/>
-              <a:t>// Update a Reference: </a:t>
-            </a:r>
-            <a:r>
-              <a:rPr lang="en-AU" sz="1100" dirty="0">
-                <a:hlinkClick r:id="rId3"/>
-              </a:rPr>
-              <a:t>https://developer.github.com/v3/git/refs/</a:t>
-            </a:r>
-            <a:endParaRPr lang="en-AU" sz="1100" dirty="0"/>
-          </a:p>
-          <a:p>
-            <a:pPr marL="457200" lvl="1" indent="0">
-              <a:buNone/>
-            </a:pPr>
-            <a:r>
-              <a:rPr lang="en-AU" sz="1100" dirty="0"/>
-              <a:t>    call </a:t>
-            </a:r>
-            <a:r>
-              <a:rPr lang="en-AU" sz="1100" dirty="0" err="1"/>
-              <a:t>github</a:t>
-            </a:r>
-            <a:r>
-              <a:rPr lang="en-AU" sz="1100" dirty="0"/>
-              <a:t> to rollback the merge </a:t>
-            </a:r>
-          </a:p>
-          <a:p>
-            <a:pPr marL="457200" lvl="1" indent="0">
-              <a:buNone/>
-            </a:pPr>
-            <a:r>
-              <a:rPr lang="en-AU" sz="1100" dirty="0"/>
-              <a:t>    return;</a:t>
-            </a:r>
-          </a:p>
-          <a:p>
-            <a:pPr marL="457200" lvl="1" indent="0">
-              <a:buNone/>
-            </a:pPr>
-            <a:r>
-              <a:rPr lang="en-AU" sz="1100" dirty="0"/>
-              <a:t>}</a:t>
-            </a:r>
-          </a:p>
-          <a:p>
-            <a:pPr marL="0" indent="0">
-              <a:buNone/>
-            </a:pPr>
-            <a:r>
-              <a:rPr lang="en-AU" sz="1100" dirty="0"/>
-              <a:t>)</a:t>
-            </a:r>
-          </a:p>
-          <a:p>
-            <a:pPr marL="0" indent="0">
-              <a:buNone/>
-            </a:pPr>
-            <a:r>
-              <a:rPr lang="en-AU" sz="1100" dirty="0"/>
-              <a:t>Run build// got a </a:t>
-            </a:r>
-            <a:r>
-              <a:rPr lang="en-AU" sz="1100" dirty="0" err="1"/>
-              <a:t>artifact</a:t>
-            </a:r>
-            <a:r>
-              <a:rPr lang="en-AU" sz="1100" dirty="0"/>
-              <a:t> with name like dyna_feature1_feature2</a:t>
-            </a:r>
-          </a:p>
-          <a:p>
-            <a:pPr marL="0" indent="0">
-              <a:buNone/>
-            </a:pPr>
-            <a:r>
-              <a:rPr lang="en-AU" sz="1100" dirty="0"/>
-              <a:t>}</a:t>
-            </a:r>
-          </a:p>
-          <a:p>
-            <a:pPr marL="0" indent="0">
-              <a:buNone/>
-            </a:pPr>
-            <a:r>
-              <a:rPr lang="en-AU" sz="1100" dirty="0"/>
-              <a:t>)</a:t>
-            </a:r>
-          </a:p>
-          <a:p>
-            <a:pPr marL="0" indent="0">
-              <a:buNone/>
-            </a:pPr>
-            <a:endParaRPr lang="en-AU" sz="1100" dirty="0"/>
-          </a:p>
-          <a:p>
-            <a:pPr marL="0" indent="0">
-              <a:buNone/>
-            </a:pPr>
-            <a:endParaRPr lang="en-AU" sz="1100" dirty="0"/>
-          </a:p>
-        </p:txBody>
-      </p:sp>
-      <p:sp>
-        <p:nvSpPr>
-          <p:cNvPr id="7" name="TextBox 6">
-            <a:extLst>
-              <a:ext uri="{FF2B5EF4-FFF2-40B4-BE49-F238E27FC236}">
-                <a16:creationId xmlns:a16="http://schemas.microsoft.com/office/drawing/2014/main" xmlns="" id="{AAED3613-F3B3-469B-8611-F832AC9EC84C}"/>
-              </a:ext>
-            </a:extLst>
-          </p:cNvPr>
-          <p:cNvSpPr txBox="1"/>
-          <p:nvPr/>
-        </p:nvSpPr>
-        <p:spPr>
-          <a:xfrm>
-            <a:off x="6376800" y="237600"/>
-            <a:ext cx="4207200" cy="1200329"/>
-          </a:xfrm>
-          <a:prstGeom prst="rect">
-            <a:avLst/>
-          </a:prstGeom>
-          <a:noFill/>
-        </p:spPr>
-        <p:txBody>
-          <a:bodyPr wrap="square" rtlCol="0">
-            <a:spAutoFit/>
-          </a:bodyPr>
-          <a:lstStyle/>
-          <a:p>
-            <a:r>
-              <a:rPr lang="en-AU" dirty="0" err="1"/>
-              <a:t>Github</a:t>
-            </a:r>
-            <a:r>
-              <a:rPr lang="en-AU" dirty="0"/>
-              <a:t> </a:t>
-            </a:r>
-            <a:r>
-              <a:rPr lang="en-AU" dirty="0" err="1"/>
-              <a:t>api</a:t>
-            </a:r>
-            <a:endParaRPr lang="en-AU" dirty="0"/>
-          </a:p>
-          <a:p>
-            <a:r>
-              <a:rPr lang="en-AU" dirty="0"/>
-              <a:t>Bamboo </a:t>
-            </a:r>
-            <a:r>
-              <a:rPr lang="en-AU" dirty="0" err="1"/>
-              <a:t>api</a:t>
-            </a:r>
-            <a:endParaRPr lang="en-AU" dirty="0"/>
-          </a:p>
-          <a:p>
-            <a:r>
-              <a:rPr lang="en-AU" dirty="0"/>
-              <a:t>Octopus </a:t>
-            </a:r>
-            <a:r>
-              <a:rPr lang="en-AU" dirty="0" err="1"/>
-              <a:t>api</a:t>
-            </a:r>
-            <a:endParaRPr lang="en-AU" dirty="0"/>
-          </a:p>
-          <a:p>
-            <a:r>
-              <a:rPr lang="en-AU" dirty="0"/>
-              <a:t>Azure </a:t>
-            </a:r>
-            <a:r>
-              <a:rPr lang="en-AU" dirty="0" err="1"/>
-              <a:t>api</a:t>
+            <a:off x="838200" y="365125"/>
+            <a:ext cx="10515600" cy="1325563"/>
+          </a:xfrm>
+        </p:spPr>
+        <p:txBody>
+          <a:bodyPr/>
+          <a:lstStyle/>
+          <a:p>
+            <a:r>
+              <a:rPr lang="en-AU" dirty="0" smtClean="0"/>
+              <a:t>Mix and match</a:t>
             </a:r>
             <a:endParaRPr lang="en-AU" dirty="0"/>
           </a:p>
@@ -4658,7 +4833,7 @@
     </p:spTree>
     <p:extLst>
       <p:ext uri="{BB962C8B-B14F-4D97-AF65-F5344CB8AC3E}">
-        <p14:creationId xmlns:p14="http://schemas.microsoft.com/office/powerpoint/2010/main" val="2380412752"/>
+        <p14:creationId xmlns:p14="http://schemas.microsoft.com/office/powerpoint/2010/main" val="2766299604"/>
       </p:ext>
     </p:extLst>
   </p:cSld>
@@ -4687,10 +4862,10 @@
       </p:grpSpPr>
       <p:sp>
         <p:nvSpPr>
-          <p:cNvPr id="4" name="Title 1">
-            <a:extLst>
-              <a:ext uri="{FF2B5EF4-FFF2-40B4-BE49-F238E27FC236}">
-                <a16:creationId xmlns:a16="http://schemas.microsoft.com/office/drawing/2014/main" xmlns="" id="{6A06393E-99D8-4695-9207-D1A2BAC66F38}"/>
+          <p:cNvPr id="3" name="Content Placeholder 2">
+            <a:extLst>
+              <a:ext uri="{FF2B5EF4-FFF2-40B4-BE49-F238E27FC236}">
+                <a16:creationId xmlns="" xmlns:a16="http://schemas.microsoft.com/office/drawing/2014/main" id="{C00F5369-1212-4EFF-9A2F-15998C0D4852}"/>
               </a:ext>
             </a:extLst>
           </p:cNvPr>
@@ -4698,31 +4873,414 @@
             <a:spLocks noGrp="1"/>
           </p:cNvSpPr>
           <p:nvPr>
-            <p:ph type="title"/>
+            <p:ph idx="1"/>
           </p:nvPr>
         </p:nvSpPr>
         <p:spPr>
           <a:xfrm>
-            <a:off x="819000" y="2292325"/>
-            <a:ext cx="10515600" cy="1325563"/>
-          </a:xfrm>
-        </p:spPr>
-        <p:txBody>
-          <a:bodyPr/>
-          <a:lstStyle/>
-          <a:p>
-            <a:pPr algn="ctr"/>
-            <a:r>
-              <a:rPr lang="en-AU" dirty="0"/>
-              <a:t>Part3: </a:t>
+            <a:off x="36000" y="81600"/>
+            <a:ext cx="6180000" cy="6720000"/>
+          </a:xfrm>
+        </p:spPr>
+        <p:txBody>
+          <a:bodyPr>
+            <a:normAutofit/>
+          </a:bodyPr>
+          <a:lstStyle/>
+          <a:p>
+            <a:pPr marL="0" indent="0">
+              <a:buNone/>
+            </a:pPr>
+            <a:r>
+              <a:rPr lang="en-AU" sz="1100" dirty="0" err="1"/>
+              <a:t>Groups.forEach</a:t>
+            </a:r>
+            <a:r>
+              <a:rPr lang="en-AU" sz="1100" dirty="0"/>
+              <a:t>(group=&gt;{</a:t>
+            </a:r>
+          </a:p>
+          <a:p>
+            <a:pPr marL="0" indent="0">
+              <a:buNone/>
+            </a:pPr>
+            <a:r>
+              <a:rPr lang="en-AU" sz="1100" dirty="0"/>
+              <a:t> </a:t>
+            </a:r>
+            <a:r>
+              <a:rPr lang="en-AU" sz="1100" dirty="0" err="1"/>
+              <a:t>const</a:t>
+            </a:r>
+            <a:r>
+              <a:rPr lang="en-AU" sz="1100" dirty="0"/>
+              <a:t> </a:t>
+            </a:r>
+            <a:r>
+              <a:rPr lang="en-AU" sz="1100" dirty="0" err="1"/>
+              <a:t>concatName</a:t>
+            </a:r>
+            <a:r>
+              <a:rPr lang="en-AU" sz="1100" dirty="0"/>
+              <a:t>=`dyna_`+ </a:t>
+            </a:r>
+            <a:r>
+              <a:rPr lang="en-AU" sz="1100" dirty="0" err="1" smtClean="0"/>
+              <a:t>group.selectedFeatureBranches.join</a:t>
+            </a:r>
+            <a:r>
+              <a:rPr lang="en-AU" sz="1100" dirty="0" smtClean="0"/>
+              <a:t>(`_`);</a:t>
+            </a:r>
+            <a:endParaRPr lang="en-AU" sz="1100" dirty="0"/>
+          </a:p>
+          <a:p>
+            <a:pPr marL="0" indent="0">
+              <a:buNone/>
+            </a:pPr>
+            <a:r>
+              <a:rPr lang="en-AU" sz="1100" dirty="0"/>
+              <a:t>        // GET /repos/:owner/:repo/branches/:branch</a:t>
+            </a:r>
+          </a:p>
+          <a:p>
+            <a:pPr marL="0" indent="0">
+              <a:buNone/>
+            </a:pPr>
+            <a:r>
+              <a:rPr lang="en-AU" sz="1100" dirty="0"/>
+              <a:t>        if (exist(</a:t>
+            </a:r>
+            <a:r>
+              <a:rPr lang="en-AU" sz="1100" dirty="0" err="1"/>
+              <a:t>concatName</a:t>
+            </a:r>
+            <a:r>
+              <a:rPr lang="en-AU" sz="1100" dirty="0"/>
+              <a:t>)){</a:t>
+            </a:r>
+          </a:p>
+          <a:p>
+            <a:pPr marL="0" indent="0">
+              <a:buNone/>
+            </a:pPr>
+            <a:r>
+              <a:rPr lang="en-AU" sz="1100" dirty="0"/>
+              <a:t>            // DELETE /repos/:owner/:repo/git/refs/:ref</a:t>
+            </a:r>
+          </a:p>
+          <a:p>
+            <a:pPr marL="0" indent="0">
+              <a:buNone/>
+            </a:pPr>
+            <a:r>
+              <a:rPr lang="en-AU" sz="1100" dirty="0"/>
+              <a:t>            delete the branch;</a:t>
+            </a:r>
+          </a:p>
+          <a:p>
+            <a:pPr marL="0" indent="0">
+              <a:buNone/>
+            </a:pPr>
+            <a:r>
+              <a:rPr lang="en-AU" sz="1100" dirty="0"/>
+              <a:t>        }</a:t>
+            </a:r>
+          </a:p>
+          <a:p>
+            <a:pPr marL="0" indent="0">
+              <a:buNone/>
+            </a:pPr>
+            <a:r>
+              <a:rPr lang="en-AU" sz="1100" dirty="0"/>
+              <a:t>        // POST /repos/:owner/:repo/git/refs</a:t>
+            </a:r>
+          </a:p>
+          <a:p>
+            <a:pPr marL="0" indent="0">
+              <a:buNone/>
+            </a:pPr>
+            <a:r>
+              <a:rPr lang="en-AU" sz="1100" dirty="0"/>
+              <a:t>        create the branch from master;</a:t>
+            </a:r>
+          </a:p>
+          <a:p>
+            <a:pPr marL="0" indent="0">
+              <a:buNone/>
+            </a:pPr>
+            <a:r>
+              <a:rPr lang="en-AU" sz="1100" dirty="0"/>
+              <a:t>group. </a:t>
+            </a:r>
+            <a:r>
+              <a:rPr lang="en-AU" sz="1100" dirty="0" err="1"/>
+              <a:t>selectedFeatureBranches.forEach</a:t>
+            </a:r>
+            <a:r>
+              <a:rPr lang="en-AU" sz="1100" dirty="0"/>
+              <a:t>(</a:t>
+            </a:r>
+          </a:p>
+          <a:p>
+            <a:pPr marL="0" indent="0">
+              <a:buNone/>
+            </a:pPr>
+            <a:r>
+              <a:rPr lang="en-AU" sz="1100" dirty="0"/>
+              <a:t>// merging: </a:t>
+            </a:r>
+            <a:r>
+              <a:rPr lang="en-AU" sz="1100" dirty="0">
+                <a:hlinkClick r:id="rId2"/>
+              </a:rPr>
+              <a:t>https://developer.github.com/v3/repos/merging/</a:t>
+            </a:r>
+            <a:endParaRPr lang="en-AU" sz="1100" dirty="0"/>
+          </a:p>
+          <a:p>
+            <a:pPr marL="457200" lvl="1" indent="0">
+              <a:buNone/>
+            </a:pPr>
+            <a:r>
+              <a:rPr lang="en-AU" sz="1100" dirty="0"/>
+              <a:t>Call </a:t>
+            </a:r>
+            <a:r>
+              <a:rPr lang="en-AU" sz="1100" dirty="0" err="1"/>
+              <a:t>github</a:t>
+            </a:r>
+            <a:r>
+              <a:rPr lang="en-AU" sz="1100" dirty="0"/>
+              <a:t> to merge the </a:t>
+            </a:r>
+            <a:r>
+              <a:rPr lang="en-AU" sz="1100" dirty="0" err="1"/>
+              <a:t>selectedFeatureBranche</a:t>
+            </a:r>
+            <a:r>
+              <a:rPr lang="en-AU" sz="1100" dirty="0"/>
+              <a:t> into </a:t>
+            </a:r>
+            <a:r>
+              <a:rPr lang="en-AU" sz="1100" dirty="0" err="1"/>
+              <a:t>concatName</a:t>
+            </a:r>
+            <a:r>
+              <a:rPr lang="en-AU" sz="1100" dirty="0"/>
+              <a:t> branch</a:t>
+            </a:r>
+          </a:p>
+          <a:p>
+            <a:pPr marL="457200" lvl="1" indent="0">
+              <a:buNone/>
+            </a:pPr>
+            <a:r>
+              <a:rPr lang="en-AU" sz="1100" dirty="0"/>
+              <a:t>If (conflict) then {</a:t>
+            </a:r>
+          </a:p>
+          <a:p>
+            <a:pPr marL="457200" lvl="1" indent="0">
+              <a:buNone/>
+            </a:pPr>
+            <a:r>
+              <a:rPr lang="en-AU" sz="1100" dirty="0"/>
+              <a:t>// Update a Reference: </a:t>
+            </a:r>
+            <a:r>
+              <a:rPr lang="en-AU" sz="1100" dirty="0">
+                <a:hlinkClick r:id="rId3"/>
+              </a:rPr>
+              <a:t>https://developer.github.com/v3/git/refs/</a:t>
+            </a:r>
+            <a:endParaRPr lang="en-AU" sz="1100" dirty="0"/>
+          </a:p>
+          <a:p>
+            <a:pPr marL="457200" lvl="1" indent="0">
+              <a:buNone/>
+            </a:pPr>
+            <a:r>
+              <a:rPr lang="en-AU" sz="1100" dirty="0"/>
+              <a:t>    call </a:t>
+            </a:r>
+            <a:r>
+              <a:rPr lang="en-AU" sz="1100" dirty="0" err="1"/>
+              <a:t>github</a:t>
+            </a:r>
+            <a:r>
+              <a:rPr lang="en-AU" sz="1100" dirty="0"/>
+              <a:t> to rollback the merge </a:t>
+            </a:r>
+          </a:p>
+          <a:p>
+            <a:pPr marL="457200" lvl="1" indent="0">
+              <a:buNone/>
+            </a:pPr>
+            <a:r>
+              <a:rPr lang="en-AU" sz="1100" dirty="0"/>
+              <a:t>    return;</a:t>
+            </a:r>
+          </a:p>
+          <a:p>
+            <a:pPr marL="457200" lvl="1" indent="0">
+              <a:buNone/>
+            </a:pPr>
+            <a:r>
+              <a:rPr lang="en-AU" sz="1100" dirty="0"/>
+              <a:t>}</a:t>
+            </a:r>
+          </a:p>
+          <a:p>
+            <a:pPr marL="0" indent="0">
+              <a:buNone/>
+            </a:pPr>
+            <a:r>
+              <a:rPr lang="en-AU" sz="1100" dirty="0"/>
+              <a:t>)</a:t>
+            </a:r>
+          </a:p>
+          <a:p>
+            <a:pPr marL="0" indent="0">
+              <a:buNone/>
+            </a:pPr>
+            <a:r>
+              <a:rPr lang="en-AU" sz="1100" dirty="0"/>
+              <a:t>Run build// got a </a:t>
+            </a:r>
+            <a:r>
+              <a:rPr lang="en-AU" sz="1100" dirty="0" err="1"/>
+              <a:t>artifact</a:t>
+            </a:r>
+            <a:r>
+              <a:rPr lang="en-AU" sz="1100" dirty="0"/>
+              <a:t> with name like dyna_feature1_feature2</a:t>
+            </a:r>
+          </a:p>
+          <a:p>
+            <a:pPr marL="0" indent="0">
+              <a:buNone/>
+            </a:pPr>
+            <a:r>
+              <a:rPr lang="en-AU" sz="1100" dirty="0"/>
+              <a:t>}</a:t>
+            </a:r>
+          </a:p>
+          <a:p>
+            <a:pPr marL="0" indent="0">
+              <a:buNone/>
+            </a:pPr>
+            <a:r>
+              <a:rPr lang="en-AU" sz="1100" dirty="0"/>
+              <a:t>)</a:t>
+            </a:r>
+          </a:p>
+          <a:p>
+            <a:pPr marL="0" indent="0">
+              <a:buNone/>
+            </a:pPr>
+            <a:endParaRPr lang="en-AU" sz="1100" dirty="0"/>
+          </a:p>
+          <a:p>
+            <a:pPr marL="0" indent="0">
+              <a:buNone/>
+            </a:pPr>
+            <a:endParaRPr lang="en-AU" sz="1100" dirty="0"/>
+          </a:p>
+        </p:txBody>
+      </p:sp>
+      <p:sp>
+        <p:nvSpPr>
+          <p:cNvPr id="7" name="TextBox 6">
+            <a:extLst>
+              <a:ext uri="{FF2B5EF4-FFF2-40B4-BE49-F238E27FC236}">
+                <a16:creationId xmlns="" xmlns:a16="http://schemas.microsoft.com/office/drawing/2014/main" id="{AAED3613-F3B3-469B-8611-F832AC9EC84C}"/>
+              </a:ext>
+            </a:extLst>
+          </p:cNvPr>
+          <p:cNvSpPr txBox="1"/>
+          <p:nvPr/>
+        </p:nvSpPr>
+        <p:spPr>
+          <a:xfrm>
+            <a:off x="4327071" y="237600"/>
+            <a:ext cx="7535635" cy="1200329"/>
+          </a:xfrm>
+          <a:prstGeom prst="rect">
+            <a:avLst/>
+          </a:prstGeom>
+          <a:noFill/>
+        </p:spPr>
+        <p:txBody>
+          <a:bodyPr wrap="square" rtlCol="0">
+            <a:spAutoFit/>
+          </a:bodyPr>
+          <a:lstStyle/>
+          <a:p>
+            <a:r>
+              <a:rPr lang="en-AU" dirty="0" err="1"/>
+              <a:t>Github</a:t>
+            </a:r>
+            <a:r>
+              <a:rPr lang="en-AU" dirty="0"/>
+              <a:t> </a:t>
+            </a:r>
+            <a:r>
+              <a:rPr lang="en-AU" dirty="0" err="1"/>
+              <a:t>api</a:t>
+            </a:r>
+            <a:endParaRPr lang="en-AU" dirty="0"/>
+          </a:p>
+          <a:p>
+            <a:r>
+              <a:rPr lang="en-AU" dirty="0"/>
+              <a:t>Bamboo </a:t>
+            </a:r>
+            <a:r>
+              <a:rPr lang="en-AU" dirty="0" err="1" smtClean="0"/>
+              <a:t>api</a:t>
+            </a:r>
+            <a:r>
+              <a:rPr lang="en-AU" dirty="0"/>
+              <a:t> (</a:t>
+            </a:r>
+            <a:r>
+              <a:rPr lang="en-AU" dirty="0">
+                <a:hlinkClick r:id="rId4"/>
+              </a:rPr>
+              <a:t>https://docs.atlassian.com/bamboo/REST/5.5.0</a:t>
+            </a:r>
+            <a:r>
+              <a:rPr lang="en-AU" dirty="0" smtClean="0">
+                <a:hlinkClick r:id="rId4"/>
+              </a:rPr>
+              <a:t>/</a:t>
             </a:r>
             <a:r>
               <a:rPr lang="en-AU" dirty="0" smtClean="0"/>
-              <a:t>adaptive </a:t>
-            </a:r>
-            <a:r>
-              <a:rPr lang="en-AU" dirty="0" err="1" smtClean="0"/>
-              <a:t>webpack</a:t>
+              <a:t>)</a:t>
+            </a:r>
+            <a:endParaRPr lang="en-AU" dirty="0"/>
+          </a:p>
+          <a:p>
+            <a:r>
+              <a:rPr lang="en-AU" dirty="0"/>
+              <a:t>Octopus </a:t>
+            </a:r>
+            <a:r>
+              <a:rPr lang="en-AU" dirty="0" err="1"/>
+              <a:t>api</a:t>
+            </a:r>
+            <a:endParaRPr lang="en-AU" dirty="0"/>
+          </a:p>
+          <a:p>
+            <a:r>
+              <a:rPr lang="en-AU" dirty="0"/>
+              <a:t>Azure </a:t>
+            </a:r>
+            <a:r>
+              <a:rPr lang="en-AU" dirty="0" err="1"/>
+              <a:t>api</a:t>
             </a:r>
             <a:endParaRPr lang="en-AU" dirty="0"/>
           </a:p>
@@ -4731,7 +5289,7 @@
     </p:spTree>
     <p:extLst>
       <p:ext uri="{BB962C8B-B14F-4D97-AF65-F5344CB8AC3E}">
-        <p14:creationId xmlns:p14="http://schemas.microsoft.com/office/powerpoint/2010/main" val="928583072"/>
+        <p14:creationId xmlns:p14="http://schemas.microsoft.com/office/powerpoint/2010/main" val="2380412752"/>
       </p:ext>
     </p:extLst>
   </p:cSld>
@@ -4760,10 +5318,10 @@
       </p:grpSpPr>
       <p:sp>
         <p:nvSpPr>
-          <p:cNvPr id="2" name="Title 1">
-            <a:extLst>
-              <a:ext uri="{FF2B5EF4-FFF2-40B4-BE49-F238E27FC236}">
-                <a16:creationId xmlns:a16="http://schemas.microsoft.com/office/drawing/2014/main" xmlns="" id="{7A803F35-0FC6-4F91-A1FB-F2EA3D07BA08}"/>
+          <p:cNvPr id="4" name="Title 1">
+            <a:extLst>
+              <a:ext uri="{FF2B5EF4-FFF2-40B4-BE49-F238E27FC236}">
+                <a16:creationId xmlns="" xmlns:a16="http://schemas.microsoft.com/office/drawing/2014/main" id="{6A06393E-99D8-4695-9207-D1A2BAC66F38}"/>
               </a:ext>
             </a:extLst>
           </p:cNvPr>
@@ -4774,44 +5332,37 @@
             <p:ph type="title"/>
           </p:nvPr>
         </p:nvSpPr>
-        <p:spPr/>
+        <p:spPr>
+          <a:xfrm>
+            <a:off x="819000" y="2292325"/>
+            <a:ext cx="10515600" cy="1325563"/>
+          </a:xfrm>
+        </p:spPr>
         <p:txBody>
           <a:bodyPr/>
           <a:lstStyle/>
           <a:p>
-            <a:endParaRPr lang="en-AU"/>
-          </a:p>
-        </p:txBody>
-      </p:sp>
-      <p:sp>
-        <p:nvSpPr>
-          <p:cNvPr id="3" name="Content Placeholder 2">
-            <a:extLst>
-              <a:ext uri="{FF2B5EF4-FFF2-40B4-BE49-F238E27FC236}">
-                <a16:creationId xmlns:a16="http://schemas.microsoft.com/office/drawing/2014/main" xmlns="" id="{C7039667-7B1D-4E42-83DD-DA7569B25DE8}"/>
-              </a:ext>
-            </a:extLst>
-          </p:cNvPr>
-          <p:cNvSpPr>
-            <a:spLocks noGrp="1"/>
-          </p:cNvSpPr>
-          <p:nvPr>
-            <p:ph idx="1"/>
-          </p:nvPr>
-        </p:nvSpPr>
-        <p:spPr/>
-        <p:txBody>
-          <a:bodyPr/>
-          <a:lstStyle/>
-          <a:p>
-            <a:endParaRPr lang="en-AU"/>
+            <a:pPr algn="ctr"/>
+            <a:r>
+              <a:rPr lang="en-AU" dirty="0"/>
+              <a:t>Part3: </a:t>
+            </a:r>
+            <a:r>
+              <a:rPr lang="en-AU" dirty="0" smtClean="0"/>
+              <a:t>adaptive </a:t>
+            </a:r>
+            <a:r>
+              <a:rPr lang="en-AU" dirty="0" err="1" smtClean="0"/>
+              <a:t>webpack</a:t>
+            </a:r>
+            <a:endParaRPr lang="en-AU" dirty="0"/>
           </a:p>
         </p:txBody>
       </p:sp>
     </p:spTree>
     <p:extLst>
       <p:ext uri="{BB962C8B-B14F-4D97-AF65-F5344CB8AC3E}">
-        <p14:creationId xmlns:p14="http://schemas.microsoft.com/office/powerpoint/2010/main" val="3148831565"/>
+        <p14:creationId xmlns:p14="http://schemas.microsoft.com/office/powerpoint/2010/main" val="928583072"/>
       </p:ext>
     </p:extLst>
   </p:cSld>
@@ -4840,10 +5391,10 @@
       </p:grpSpPr>
       <p:sp>
         <p:nvSpPr>
-          <p:cNvPr id="4" name="Title 1">
-            <a:extLst>
-              <a:ext uri="{FF2B5EF4-FFF2-40B4-BE49-F238E27FC236}">
-                <a16:creationId xmlns:a16="http://schemas.microsoft.com/office/drawing/2014/main" xmlns="" id="{78D141BE-904B-41D6-A1F5-70EACB375A02}"/>
+          <p:cNvPr id="2" name="Title 1">
+            <a:extLst>
+              <a:ext uri="{FF2B5EF4-FFF2-40B4-BE49-F238E27FC236}">
+                <a16:creationId xmlns="" xmlns:a16="http://schemas.microsoft.com/office/drawing/2014/main" id="{7A803F35-0FC6-4F91-A1FB-F2EA3D07BA08}"/>
               </a:ext>
             </a:extLst>
           </p:cNvPr>
@@ -4854,34 +5405,145 @@
             <p:ph type="title"/>
           </p:nvPr>
         </p:nvSpPr>
-        <p:spPr>
-          <a:xfrm>
-            <a:off x="819000" y="2292325"/>
-            <a:ext cx="10515600" cy="1325563"/>
-          </a:xfrm>
-        </p:spPr>
+        <p:spPr/>
         <p:txBody>
           <a:bodyPr/>
           <a:lstStyle/>
           <a:p>
-            <a:pPr algn="ctr"/>
-            <a:r>
-              <a:rPr lang="en-AU" dirty="0"/>
-              <a:t>Part4: dynamic runtime</a:t>
-            </a:r>
+            <a:r>
+              <a:rPr lang="en-US" dirty="0" err="1"/>
+              <a:t>git</a:t>
+            </a:r>
+            <a:r>
+              <a:rPr lang="en-US" dirty="0"/>
+              <a:t>-rev-sync</a:t>
+            </a:r>
+            <a:endParaRPr lang="en-AU" dirty="0"/>
+          </a:p>
+        </p:txBody>
+      </p:sp>
+      <p:sp>
+        <p:nvSpPr>
+          <p:cNvPr id="3" name="Content Placeholder 2">
+            <a:extLst>
+              <a:ext uri="{FF2B5EF4-FFF2-40B4-BE49-F238E27FC236}">
+                <a16:creationId xmlns="" xmlns:a16="http://schemas.microsoft.com/office/drawing/2014/main" id="{C7039667-7B1D-4E42-83DD-DA7569B25DE8}"/>
+              </a:ext>
+            </a:extLst>
+          </p:cNvPr>
+          <p:cNvSpPr>
+            <a:spLocks noGrp="1"/>
+          </p:cNvSpPr>
+          <p:nvPr>
+            <p:ph idx="1"/>
+          </p:nvPr>
+        </p:nvSpPr>
+        <p:spPr/>
+        <p:txBody>
+          <a:bodyPr>
+            <a:normAutofit/>
+          </a:bodyPr>
+          <a:lstStyle/>
+          <a:p>
+            <a:pPr marL="0" indent="0">
+              <a:buNone/>
+            </a:pPr>
+            <a:r>
+              <a:rPr lang="en-US" dirty="0" err="1" smtClean="0"/>
+              <a:t>Const</a:t>
+            </a:r>
+            <a:r>
+              <a:rPr lang="en-US" dirty="0" smtClean="0"/>
+              <a:t> </a:t>
+            </a:r>
+            <a:r>
+              <a:rPr lang="en-US" dirty="0" err="1" smtClean="0"/>
+              <a:t>git</a:t>
+            </a:r>
+            <a:r>
+              <a:rPr lang="en-US" dirty="0" smtClean="0"/>
+              <a:t> </a:t>
+            </a:r>
+            <a:r>
+              <a:rPr lang="en-US" dirty="0"/>
+              <a:t>= require('</a:t>
+            </a:r>
+            <a:r>
+              <a:rPr lang="en-US" dirty="0" err="1"/>
+              <a:t>git</a:t>
+            </a:r>
+            <a:r>
+              <a:rPr lang="en-US" dirty="0"/>
+              <a:t>-rev-sync');</a:t>
+            </a:r>
+          </a:p>
+          <a:p>
+            <a:pPr marL="0" indent="0">
+              <a:buNone/>
+            </a:pPr>
+            <a:r>
+              <a:rPr lang="en-US" dirty="0" err="1" smtClean="0"/>
+              <a:t>Const</a:t>
+            </a:r>
+            <a:r>
+              <a:rPr lang="en-US" dirty="0" smtClean="0"/>
+              <a:t> </a:t>
+            </a:r>
+            <a:r>
+              <a:rPr lang="en-AU" dirty="0" err="1"/>
+              <a:t>currentBranchName</a:t>
+            </a:r>
+            <a:r>
+              <a:rPr lang="en-AU" dirty="0"/>
+              <a:t> </a:t>
+            </a:r>
+            <a:r>
+              <a:rPr lang="en-AU" dirty="0" smtClean="0"/>
+              <a:t>= </a:t>
+            </a:r>
+            <a:r>
+              <a:rPr lang="en-US" dirty="0" err="1" smtClean="0"/>
+              <a:t>git.branch</a:t>
+            </a:r>
+            <a:r>
+              <a:rPr lang="en-US" dirty="0" smtClean="0"/>
+              <a:t>();</a:t>
+            </a:r>
+            <a:endParaRPr lang="en-US" dirty="0"/>
+          </a:p>
+          <a:p>
+            <a:pPr marL="0" indent="0">
+              <a:buNone/>
+            </a:pPr>
+            <a:r>
+              <a:rPr lang="en-US" dirty="0"/>
+              <a:t>// </a:t>
+            </a:r>
+            <a:r>
+              <a:rPr lang="en-US" dirty="0" smtClean="0"/>
+              <a:t>feature1</a:t>
+            </a:r>
+            <a:endParaRPr lang="en-AU" dirty="0"/>
           </a:p>
         </p:txBody>
       </p:sp>
     </p:spTree>
     <p:extLst>
       <p:ext uri="{BB962C8B-B14F-4D97-AF65-F5344CB8AC3E}">
-        <p14:creationId xmlns:p14="http://schemas.microsoft.com/office/powerpoint/2010/main" val="209780505"/>
+        <p14:creationId xmlns:p14="http://schemas.microsoft.com/office/powerpoint/2010/main" val="3148831565"/>
       </p:ext>
     </p:extLst>
   </p:cSld>
   <p:clrMapOvr>
     <a:masterClrMapping/>
   </p:clrMapOvr>
+  <p:timing>
+    <p:tnLst>
+      <p:par>
+        <p:cTn id="1" dur="indefinite" restart="never" nodeType="tmRoot"/>
+      </p:par>
+    </p:tnLst>
+  </p:timing>
 </p:sld>
 </file>
 
@@ -4907,7 +5569,7 @@
           <p:cNvPr id="2" name="Title 1">
             <a:extLst>
               <a:ext uri="{FF2B5EF4-FFF2-40B4-BE49-F238E27FC236}">
-                <a16:creationId xmlns:a16="http://schemas.microsoft.com/office/drawing/2014/main" xmlns="" id="{22615686-17FF-482C-922E-0E93B7206CA2}"/>
+                <a16:creationId xmlns="" xmlns:a16="http://schemas.microsoft.com/office/drawing/2014/main" id="{22615686-17FF-482C-922E-0E93B7206CA2}"/>
               </a:ext>
             </a:extLst>
           </p:cNvPr>
@@ -4935,7 +5597,7 @@
           <p:cNvPr id="3" name="Content Placeholder 2">
             <a:extLst>
               <a:ext uri="{FF2B5EF4-FFF2-40B4-BE49-F238E27FC236}">
-                <a16:creationId xmlns:a16="http://schemas.microsoft.com/office/drawing/2014/main" xmlns="" id="{669EAA0D-DBFC-4A88-8236-2795907B48AA}"/>
+                <a16:creationId xmlns="" xmlns:a16="http://schemas.microsoft.com/office/drawing/2014/main" id="{669EAA0D-DBFC-4A88-8236-2795907B48AA}"/>
               </a:ext>
             </a:extLst>
           </p:cNvPr>
@@ -5033,13 +5695,7 @@
       </p:grpSpPr>
       <p:sp>
         <p:nvSpPr>
-          <p:cNvPr id="2" name="Title 1">
-            <a:extLst>
-              <a:ext uri="{FF2B5EF4-FFF2-40B4-BE49-F238E27FC236}">
-                <a16:creationId xmlns:a16="http://schemas.microsoft.com/office/drawing/2014/main" xmlns="" id="{CDFF9C88-CA8A-4EDD-A2FD-2CBB1560A2AC}"/>
-              </a:ext>
-            </a:extLst>
-          </p:cNvPr>
+          <p:cNvPr id="2" name="Title 1"/>
           <p:cNvSpPr>
             <a:spLocks noGrp="1"/>
           </p:cNvSpPr>
@@ -5049,32 +5705,34 @@
         </p:nvSpPr>
         <p:spPr/>
         <p:txBody>
-          <a:bodyPr/>
-          <a:lstStyle/>
-          <a:p>
-            <a:r>
-              <a:rPr lang="en-AU" dirty="0"/>
-              <a:t>Option 1 multi-instances</a:t>
-            </a:r>
-            <a:br>
-              <a:rPr lang="en-AU" dirty="0"/>
-            </a:br>
-            <a:r>
-              <a:rPr lang="en-AU" dirty="0"/>
-              <a:t>(not bad, but not ideal)</a:t>
-            </a:r>
-          </a:p>
-        </p:txBody>
-      </p:sp>
-      <p:sp>
-        <p:nvSpPr>
-          <p:cNvPr id="3" name="Content Placeholder 2">
-            <a:extLst>
-              <a:ext uri="{FF2B5EF4-FFF2-40B4-BE49-F238E27FC236}">
-                <a16:creationId xmlns:a16="http://schemas.microsoft.com/office/drawing/2014/main" xmlns="" id="{A360B579-2AEB-4554-875C-E618D99B5A9A}"/>
-              </a:ext>
-            </a:extLst>
-          </p:cNvPr>
+          <a:bodyPr>
+            <a:normAutofit/>
+          </a:bodyPr>
+          <a:lstStyle/>
+          <a:p>
+            <a:r>
+              <a:rPr lang="en-US" dirty="0" err="1" smtClean="0"/>
+              <a:t>Webpack</a:t>
+            </a:r>
+            <a:r>
+              <a:rPr lang="en-US" dirty="0" smtClean="0"/>
+              <a:t> </a:t>
+            </a:r>
+            <a:r>
+              <a:rPr lang="en-US" dirty="0"/>
+              <a:t>+ </a:t>
+            </a:r>
+            <a:r>
+              <a:rPr lang="en-US" dirty="0" smtClean="0"/>
+              <a:t>multi-compiler</a:t>
+            </a:r>
+            <a:endParaRPr lang="en-AU" sz="4000" dirty="0"/>
+          </a:p>
+        </p:txBody>
+      </p:sp>
+      <p:sp>
+        <p:nvSpPr>
+          <p:cNvPr id="3" name="Content Placeholder 2"/>
           <p:cNvSpPr>
             <a:spLocks noGrp="1"/>
           </p:cNvSpPr>
@@ -5084,391 +5742,377 @@
         </p:nvSpPr>
         <p:spPr>
           <a:xfrm>
-            <a:off x="838200" y="1825625"/>
-            <a:ext cx="10515600" cy="607975"/>
-          </a:xfrm>
-        </p:spPr>
-        <p:txBody>
-          <a:bodyPr/>
+            <a:off x="846364" y="1409246"/>
+            <a:ext cx="10515600" cy="4351338"/>
+          </a:xfrm>
+        </p:spPr>
+        <p:txBody>
+          <a:bodyPr>
+            <a:noAutofit/>
+          </a:bodyPr>
           <a:lstStyle/>
           <a:p>
             <a:pPr marL="0" indent="0">
               <a:buNone/>
             </a:pPr>
             <a:r>
-              <a:rPr lang="en-AU" dirty="0"/>
-              <a:t>we get 3 </a:t>
-            </a:r>
-            <a:r>
-              <a:rPr lang="en-AU" dirty="0" err="1"/>
-              <a:t>artifacts</a:t>
-            </a:r>
-            <a:r>
-              <a:rPr lang="en-AU" dirty="0"/>
-              <a:t>: dyna, dyna_feature1, dyna_ feature1_feature2</a:t>
-            </a:r>
-          </a:p>
-          <a:p>
-            <a:endParaRPr lang="en-AU" dirty="0"/>
-          </a:p>
-        </p:txBody>
-      </p:sp>
-      <p:sp>
-        <p:nvSpPr>
-          <p:cNvPr id="4" name="Rectangle: Rounded Corners 3">
-            <a:extLst>
-              <a:ext uri="{FF2B5EF4-FFF2-40B4-BE49-F238E27FC236}">
-                <a16:creationId xmlns:a16="http://schemas.microsoft.com/office/drawing/2014/main" xmlns="" id="{22F580C1-A0CE-4DE1-9125-45C894E8919B}"/>
-              </a:ext>
-            </a:extLst>
-          </p:cNvPr>
-          <p:cNvSpPr/>
-          <p:nvPr/>
-        </p:nvSpPr>
-        <p:spPr>
-          <a:xfrm>
-            <a:off x="1104000" y="3345600"/>
-            <a:ext cx="1392000" cy="1003200"/>
-          </a:xfrm>
-          <a:prstGeom prst="roundRect">
-            <a:avLst/>
-          </a:prstGeom>
-        </p:spPr>
-        <p:style>
-          <a:lnRef idx="2">
-            <a:schemeClr val="accent1">
-              <a:shade val="50000"/>
-            </a:schemeClr>
-          </a:lnRef>
-          <a:fillRef idx="1">
-            <a:schemeClr val="accent1"/>
-          </a:fillRef>
-          <a:effectRef idx="0">
-            <a:schemeClr val="accent1"/>
-          </a:effectRef>
-          <a:fontRef idx="minor">
-            <a:schemeClr val="lt1"/>
-          </a:fontRef>
-        </p:style>
-        <p:txBody>
-          <a:bodyPr rtlCol="0" anchor="ctr"/>
-          <a:lstStyle/>
-          <a:p>
-            <a:pPr algn="ctr"/>
-            <a:r>
-              <a:rPr lang="en-AU" dirty="0"/>
+              <a:rPr lang="en-AU" sz="1600" dirty="0" err="1"/>
+              <a:t>var</a:t>
+            </a:r>
+            <a:r>
+              <a:rPr lang="en-AU" sz="1600" dirty="0"/>
+              <a:t> </a:t>
+            </a:r>
+            <a:r>
+              <a:rPr lang="en-AU" sz="1600" dirty="0" err="1"/>
+              <a:t>config</a:t>
+            </a:r>
+            <a:r>
+              <a:rPr lang="en-AU" sz="1600" dirty="0"/>
+              <a:t> = {</a:t>
+            </a:r>
+          </a:p>
+          <a:p>
+            <a:pPr marL="0" indent="0">
+              <a:buNone/>
+            </a:pPr>
+            <a:r>
+              <a:rPr lang="en-AU" sz="1600" dirty="0"/>
+              <a:t>    // TODO: Add common Configuration</a:t>
+            </a:r>
+          </a:p>
+          <a:p>
+            <a:pPr marL="0" indent="0">
+              <a:buNone/>
+            </a:pPr>
+            <a:r>
+              <a:rPr lang="en-AU" sz="1600" dirty="0"/>
+              <a:t>    module: {},</a:t>
+            </a:r>
+          </a:p>
+          <a:p>
+            <a:pPr marL="0" indent="0">
+              <a:buNone/>
+            </a:pPr>
+            <a:r>
+              <a:rPr lang="en-AU" sz="1600" dirty="0"/>
+              <a:t>};</a:t>
+            </a:r>
+          </a:p>
+          <a:p>
+            <a:pPr marL="0" indent="0">
+              <a:buNone/>
+            </a:pPr>
+            <a:endParaRPr lang="en-AU" sz="1600" dirty="0"/>
+          </a:p>
+          <a:p>
+            <a:pPr marL="0" indent="0">
+              <a:buNone/>
+            </a:pPr>
+            <a:r>
+              <a:rPr lang="en-AU" sz="1600" dirty="0" err="1"/>
+              <a:t>var</a:t>
+            </a:r>
+            <a:r>
+              <a:rPr lang="en-AU" sz="1600" dirty="0"/>
+              <a:t> </a:t>
+            </a:r>
+            <a:r>
+              <a:rPr lang="en-AU" sz="1600" dirty="0" err="1"/>
+              <a:t>indexConfig</a:t>
+            </a:r>
+            <a:r>
+              <a:rPr lang="en-AU" sz="1600" dirty="0"/>
+              <a:t> = {...</a:t>
+            </a:r>
+            <a:r>
+              <a:rPr lang="en-AU" sz="1600" dirty="0" err="1"/>
+              <a:t>config</a:t>
+            </a:r>
+            <a:r>
+              <a:rPr lang="en-AU" sz="1600" dirty="0"/>
+              <a:t>, ...{</a:t>
+            </a:r>
+          </a:p>
+          <a:p>
+            <a:pPr marL="0" indent="0">
+              <a:buNone/>
+            </a:pPr>
+            <a:r>
+              <a:rPr lang="en-AU" sz="1600" dirty="0"/>
+              <a:t>    name: "index",</a:t>
+            </a:r>
+          </a:p>
+          <a:p>
+            <a:pPr marL="0" indent="0">
+              <a:buNone/>
+            </a:pPr>
+            <a:r>
+              <a:rPr lang="en-AU" sz="1600" dirty="0"/>
+              <a:t>    entry: "./</a:t>
+            </a:r>
+            <a:r>
+              <a:rPr lang="en-AU" sz="1600" dirty="0" err="1"/>
+              <a:t>src</a:t>
+            </a:r>
+            <a:r>
+              <a:rPr lang="en-AU" sz="1600" dirty="0"/>
+              <a:t>/index.js",</a:t>
+            </a:r>
+          </a:p>
+          <a:p>
+            <a:pPr marL="0" indent="0">
+              <a:buNone/>
+            </a:pPr>
+            <a:r>
+              <a:rPr lang="en-AU" sz="1600" dirty="0"/>
+              <a:t>    output: {</a:t>
+            </a:r>
+          </a:p>
+          <a:p>
+            <a:pPr marL="0" indent="0">
+              <a:buNone/>
+            </a:pPr>
+            <a:r>
+              <a:rPr lang="en-AU" sz="1600" dirty="0"/>
+              <a:t>       path: "./</a:t>
+            </a:r>
+            <a:r>
+              <a:rPr lang="en-AU" sz="1600" dirty="0" err="1"/>
+              <a:t>dist</a:t>
+            </a:r>
+            <a:r>
+              <a:rPr lang="en-AU" sz="1600" dirty="0"/>
+              <a:t>",</a:t>
+            </a:r>
+          </a:p>
+          <a:p>
+            <a:pPr marL="0" indent="0">
+              <a:buNone/>
+            </a:pPr>
+            <a:r>
+              <a:rPr lang="en-AU" sz="1600" dirty="0"/>
+              <a:t>       filename: "index-[hash].</a:t>
+            </a:r>
+            <a:r>
+              <a:rPr lang="en-AU" sz="1600" dirty="0" err="1"/>
+              <a:t>js</a:t>
+            </a:r>
+            <a:r>
+              <a:rPr lang="en-AU" sz="1600" dirty="0"/>
+              <a:t>"</a:t>
+            </a:r>
+          </a:p>
+          <a:p>
+            <a:pPr marL="0" indent="0">
+              <a:buNone/>
+            </a:pPr>
+            <a:r>
+              <a:rPr lang="en-AU" sz="1600" dirty="0"/>
+              <a:t>    },</a:t>
+            </a:r>
+          </a:p>
+          <a:p>
+            <a:pPr marL="0" indent="0">
+              <a:buNone/>
+            </a:pPr>
+            <a:r>
+              <a:rPr lang="en-AU" sz="1600" dirty="0"/>
+              <a:t>}};</a:t>
+            </a:r>
+          </a:p>
+          <a:p>
+            <a:pPr marL="0" indent="0">
+              <a:buNone/>
+            </a:pPr>
+            <a:r>
+              <a:rPr lang="en-AU" sz="1600" dirty="0" err="1"/>
+              <a:t>var</a:t>
+            </a:r>
+            <a:r>
+              <a:rPr lang="en-AU" sz="1600" dirty="0"/>
+              <a:t> </a:t>
+            </a:r>
+            <a:r>
+              <a:rPr lang="en-AU" sz="1600" dirty="0" err="1"/>
+              <a:t>appConfig</a:t>
+            </a:r>
+            <a:r>
+              <a:rPr lang="en-AU" sz="1600" dirty="0"/>
+              <a:t> = {...</a:t>
+            </a:r>
+            <a:r>
+              <a:rPr lang="en-AU" sz="1600" dirty="0" err="1"/>
+              <a:t>config</a:t>
+            </a:r>
+            <a:r>
+              <a:rPr lang="en-AU" sz="1600" dirty="0"/>
+              <a:t>, ...{</a:t>
+            </a:r>
+          </a:p>
+          <a:p>
+            <a:pPr marL="0" indent="0">
+              <a:buNone/>
+            </a:pPr>
+            <a:r>
+              <a:rPr lang="en-AU" sz="1600" dirty="0"/>
+              <a:t>    name: "app",</a:t>
+            </a:r>
+          </a:p>
+          <a:p>
+            <a:pPr marL="0" indent="0">
+              <a:buNone/>
+            </a:pPr>
+            <a:r>
+              <a:rPr lang="en-AU" sz="1600" dirty="0"/>
+              <a:t>    entry: "./</a:t>
+            </a:r>
+            <a:r>
+              <a:rPr lang="en-AU" sz="1600" dirty="0" err="1"/>
+              <a:t>src</a:t>
+            </a:r>
+            <a:r>
+              <a:rPr lang="en-AU" sz="1600" dirty="0"/>
+              <a:t>/</a:t>
+            </a:r>
+            <a:r>
+              <a:rPr lang="en-AU" sz="1600" dirty="0" err="1"/>
+              <a:t>App.jsx</a:t>
+            </a:r>
+            <a:r>
+              <a:rPr lang="en-AU" sz="1600" dirty="0"/>
+              <a:t>",</a:t>
+            </a:r>
+          </a:p>
+          <a:p>
+            <a:pPr marL="0" indent="0">
+              <a:buNone/>
+            </a:pPr>
+            <a:r>
+              <a:rPr lang="en-AU" sz="1600" dirty="0"/>
+              <a:t>    output: {</a:t>
+            </a:r>
+          </a:p>
+          <a:p>
+            <a:pPr marL="0" indent="0">
+              <a:buNone/>
+            </a:pPr>
+            <a:r>
+              <a:rPr lang="en-AU" sz="1600" dirty="0"/>
+              <a:t>       path: `./</a:t>
+            </a:r>
+            <a:r>
+              <a:rPr lang="en-AU" sz="1600" dirty="0" err="1"/>
+              <a:t>dist</a:t>
+            </a:r>
+            <a:r>
+              <a:rPr lang="en-AU" sz="1600" dirty="0"/>
+              <a:t>/</a:t>
+            </a:r>
+            <a:r>
+              <a:rPr lang="en-AU" sz="1600" dirty="0" err="1"/>
               <a:t>dyna</a:t>
             </a:r>
-          </a:p>
-        </p:txBody>
-      </p:sp>
-      <p:sp>
-        <p:nvSpPr>
-          <p:cNvPr id="5" name="Rectangle: Rounded Corners 4">
-            <a:extLst>
-              <a:ext uri="{FF2B5EF4-FFF2-40B4-BE49-F238E27FC236}">
-                <a16:creationId xmlns:a16="http://schemas.microsoft.com/office/drawing/2014/main" xmlns="" id="{BAB322B6-52C3-4BEF-AE12-CEFE4AF1737D}"/>
-              </a:ext>
-            </a:extLst>
-          </p:cNvPr>
-          <p:cNvSpPr/>
-          <p:nvPr/>
-        </p:nvSpPr>
-        <p:spPr>
-          <a:xfrm>
-            <a:off x="8208000" y="3374400"/>
-            <a:ext cx="3096000" cy="974400"/>
-          </a:xfrm>
-          <a:prstGeom prst="roundRect">
-            <a:avLst/>
-          </a:prstGeom>
-        </p:spPr>
-        <p:style>
-          <a:lnRef idx="2">
-            <a:schemeClr val="accent1">
-              <a:shade val="50000"/>
-            </a:schemeClr>
-          </a:lnRef>
-          <a:fillRef idx="1">
-            <a:schemeClr val="accent1"/>
-          </a:fillRef>
-          <a:effectRef idx="0">
-            <a:schemeClr val="accent1"/>
-          </a:effectRef>
-          <a:fontRef idx="minor">
-            <a:schemeClr val="lt1"/>
-          </a:fontRef>
-        </p:style>
-        <p:txBody>
-          <a:bodyPr rtlCol="0" anchor="ctr"/>
-          <a:lstStyle/>
-          <a:p>
-            <a:pPr algn="ctr"/>
-            <a:r>
-              <a:rPr lang="en-AU" dirty="0"/>
-              <a:t>dyna_ feature1_feature2</a:t>
-            </a:r>
-          </a:p>
-        </p:txBody>
-      </p:sp>
-      <p:sp>
-        <p:nvSpPr>
-          <p:cNvPr id="6" name="Rectangle: Rounded Corners 5">
-            <a:extLst>
-              <a:ext uri="{FF2B5EF4-FFF2-40B4-BE49-F238E27FC236}">
-                <a16:creationId xmlns:a16="http://schemas.microsoft.com/office/drawing/2014/main" xmlns="" id="{6E1CAEE1-F7D0-4692-87EE-C81F99C972C6}"/>
-              </a:ext>
-            </a:extLst>
-          </p:cNvPr>
-          <p:cNvSpPr/>
-          <p:nvPr/>
-        </p:nvSpPr>
-        <p:spPr>
-          <a:xfrm>
-            <a:off x="4713600" y="3400800"/>
-            <a:ext cx="1843200" cy="948000"/>
-          </a:xfrm>
-          <a:prstGeom prst="roundRect">
-            <a:avLst/>
-          </a:prstGeom>
-        </p:spPr>
-        <p:style>
-          <a:lnRef idx="2">
-            <a:schemeClr val="accent1">
-              <a:shade val="50000"/>
-            </a:schemeClr>
-          </a:lnRef>
-          <a:fillRef idx="1">
-            <a:schemeClr val="accent1"/>
-          </a:fillRef>
-          <a:effectRef idx="0">
-            <a:schemeClr val="accent1"/>
-          </a:effectRef>
-          <a:fontRef idx="minor">
-            <a:schemeClr val="lt1"/>
-          </a:fontRef>
-        </p:style>
-        <p:txBody>
-          <a:bodyPr rtlCol="0" anchor="ctr"/>
-          <a:lstStyle/>
-          <a:p>
-            <a:pPr algn="ctr"/>
-            <a:r>
-              <a:rPr lang="en-AU" dirty="0"/>
-              <a:t>dyna_feature1</a:t>
-            </a:r>
-          </a:p>
-        </p:txBody>
-      </p:sp>
-      <p:sp>
-        <p:nvSpPr>
-          <p:cNvPr id="7" name="Rectangle: Rounded Corners 6">
-            <a:extLst>
-              <a:ext uri="{FF2B5EF4-FFF2-40B4-BE49-F238E27FC236}">
-                <a16:creationId xmlns:a16="http://schemas.microsoft.com/office/drawing/2014/main" xmlns="" id="{2B2DADE3-74F8-4DD2-850B-2DAB16F42835}"/>
-              </a:ext>
-            </a:extLst>
-          </p:cNvPr>
-          <p:cNvSpPr/>
-          <p:nvPr/>
-        </p:nvSpPr>
-        <p:spPr>
-          <a:xfrm>
-            <a:off x="4712400" y="4933200"/>
-            <a:ext cx="1843200" cy="1668000"/>
-          </a:xfrm>
-          <a:prstGeom prst="roundRect">
-            <a:avLst/>
-          </a:prstGeom>
-        </p:spPr>
-        <p:style>
-          <a:lnRef idx="2">
-            <a:schemeClr val="accent1">
-              <a:shade val="50000"/>
-            </a:schemeClr>
-          </a:lnRef>
-          <a:fillRef idx="1">
-            <a:schemeClr val="accent1"/>
-          </a:fillRef>
-          <a:effectRef idx="0">
-            <a:schemeClr val="accent1"/>
-          </a:effectRef>
-          <a:fontRef idx="minor">
-            <a:schemeClr val="lt1"/>
-          </a:fontRef>
-        </p:style>
-        <p:txBody>
-          <a:bodyPr rtlCol="0" anchor="ctr"/>
-          <a:lstStyle/>
-          <a:p>
-            <a:pPr algn="ctr"/>
-            <a:r>
-              <a:rPr lang="en-AU" dirty="0"/>
-              <a:t>Load balancer?</a:t>
-            </a:r>
-          </a:p>
-        </p:txBody>
-      </p:sp>
-      <p:cxnSp>
-        <p:nvCxnSpPr>
-          <p:cNvPr id="9" name="Straight Arrow Connector 8">
-            <a:extLst>
-              <a:ext uri="{FF2B5EF4-FFF2-40B4-BE49-F238E27FC236}">
-                <a16:creationId xmlns:a16="http://schemas.microsoft.com/office/drawing/2014/main" xmlns="" id="{29342EDE-10B4-4566-A05F-EE67D11DFC15}"/>
-              </a:ext>
-            </a:extLst>
-          </p:cNvPr>
-          <p:cNvCxnSpPr>
-            <a:cxnSpLocks/>
-            <a:stCxn id="7" idx="1"/>
-            <a:endCxn id="4" idx="2"/>
-          </p:cNvCxnSpPr>
-          <p:nvPr/>
-        </p:nvCxnSpPr>
-        <p:spPr>
-          <a:xfrm flipH="1" flipV="1">
-            <a:off x="1800000" y="4348800"/>
-            <a:ext cx="2912400" cy="1418400"/>
-          </a:xfrm>
-          <a:prstGeom prst="straightConnector1">
-            <a:avLst/>
-          </a:prstGeom>
-          <a:ln>
-            <a:tailEnd type="triangle"/>
-          </a:ln>
-        </p:spPr>
-        <p:style>
-          <a:lnRef idx="1">
-            <a:schemeClr val="accent1"/>
-          </a:lnRef>
-          <a:fillRef idx="0">
-            <a:schemeClr val="accent1"/>
-          </a:fillRef>
-          <a:effectRef idx="0">
-            <a:schemeClr val="accent1"/>
-          </a:effectRef>
-          <a:fontRef idx="minor">
-            <a:schemeClr val="tx1"/>
-          </a:fontRef>
-        </p:style>
-      </p:cxnSp>
-      <p:cxnSp>
-        <p:nvCxnSpPr>
-          <p:cNvPr id="10" name="Straight Arrow Connector 9">
-            <a:extLst>
-              <a:ext uri="{FF2B5EF4-FFF2-40B4-BE49-F238E27FC236}">
-                <a16:creationId xmlns:a16="http://schemas.microsoft.com/office/drawing/2014/main" xmlns="" id="{4DBDDFB9-BB6B-4DC0-8721-90D2A2E86008}"/>
-              </a:ext>
-            </a:extLst>
-          </p:cNvPr>
-          <p:cNvCxnSpPr>
-            <a:cxnSpLocks/>
-            <a:stCxn id="7" idx="0"/>
-            <a:endCxn id="6" idx="2"/>
-          </p:cNvCxnSpPr>
-          <p:nvPr/>
-        </p:nvCxnSpPr>
-        <p:spPr>
-          <a:xfrm flipV="1">
-            <a:off x="5634000" y="4348800"/>
-            <a:ext cx="1200" cy="584400"/>
-          </a:xfrm>
-          <a:prstGeom prst="straightConnector1">
-            <a:avLst/>
-          </a:prstGeom>
-          <a:ln>
-            <a:tailEnd type="triangle"/>
-          </a:ln>
-        </p:spPr>
-        <p:style>
-          <a:lnRef idx="1">
-            <a:schemeClr val="accent1"/>
-          </a:lnRef>
-          <a:fillRef idx="0">
-            <a:schemeClr val="accent1"/>
-          </a:fillRef>
-          <a:effectRef idx="0">
-            <a:schemeClr val="accent1"/>
-          </a:effectRef>
-          <a:fontRef idx="minor">
-            <a:schemeClr val="tx1"/>
-          </a:fontRef>
-        </p:style>
-      </p:cxnSp>
-      <p:cxnSp>
-        <p:nvCxnSpPr>
-          <p:cNvPr id="13" name="Straight Arrow Connector 12">
-            <a:extLst>
-              <a:ext uri="{FF2B5EF4-FFF2-40B4-BE49-F238E27FC236}">
-                <a16:creationId xmlns:a16="http://schemas.microsoft.com/office/drawing/2014/main" xmlns="" id="{F7807ED4-61EC-4614-8D90-574B7B83C6E1}"/>
-              </a:ext>
-            </a:extLst>
-          </p:cNvPr>
-          <p:cNvCxnSpPr>
-            <a:cxnSpLocks/>
-            <a:stCxn id="7" idx="3"/>
-            <a:endCxn id="5" idx="2"/>
-          </p:cNvCxnSpPr>
-          <p:nvPr/>
-        </p:nvCxnSpPr>
-        <p:spPr>
-          <a:xfrm flipV="1">
-            <a:off x="6555600" y="4348800"/>
-            <a:ext cx="3200400" cy="1418400"/>
-          </a:xfrm>
-          <a:prstGeom prst="straightConnector1">
-            <a:avLst/>
-          </a:prstGeom>
-          <a:ln>
-            <a:tailEnd type="triangle"/>
-          </a:ln>
-        </p:spPr>
-        <p:style>
-          <a:lnRef idx="1">
-            <a:schemeClr val="accent1"/>
-          </a:lnRef>
-          <a:fillRef idx="0">
-            <a:schemeClr val="accent1"/>
-          </a:fillRef>
-          <a:effectRef idx="0">
-            <a:schemeClr val="accent1"/>
-          </a:effectRef>
-          <a:fontRef idx="minor">
-            <a:schemeClr val="tx1"/>
-          </a:fontRef>
-        </p:style>
-      </p:cxnSp>
-      <p:sp>
-        <p:nvSpPr>
-          <p:cNvPr id="16" name="TextBox 15">
-            <a:extLst>
-              <a:ext uri="{FF2B5EF4-FFF2-40B4-BE49-F238E27FC236}">
-                <a16:creationId xmlns:a16="http://schemas.microsoft.com/office/drawing/2014/main" xmlns="" id="{781B57AE-A8AF-4C28-B9C0-EBF4AF0EE7FC}"/>
-              </a:ext>
-            </a:extLst>
-          </p:cNvPr>
-          <p:cNvSpPr txBox="1"/>
-          <p:nvPr/>
-        </p:nvSpPr>
-        <p:spPr>
-          <a:xfrm>
-            <a:off x="4672800" y="2576035"/>
-            <a:ext cx="1855200" cy="369332"/>
-          </a:xfrm>
-          <a:prstGeom prst="rect">
-            <a:avLst/>
-          </a:prstGeom>
-          <a:noFill/>
-        </p:spPr>
-        <p:txBody>
-          <a:bodyPr wrap="square" rtlCol="0">
-            <a:spAutoFit/>
-          </a:bodyPr>
-          <a:lstStyle/>
-          <a:p>
-            <a:r>
-              <a:rPr lang="en-AU" dirty="0"/>
-              <a:t>Azure instances</a:t>
+            <a:r>
+              <a:rPr lang="en-AU" sz="1600" dirty="0"/>
+              <a:t>_${</a:t>
+            </a:r>
+            <a:r>
+              <a:rPr lang="en-AU" sz="1600" dirty="0" err="1"/>
+              <a:t>currentBranchName</a:t>
+            </a:r>
+            <a:r>
+              <a:rPr lang="en-AU" sz="1600" dirty="0"/>
+              <a:t>}`,</a:t>
+            </a:r>
+          </a:p>
+          <a:p>
+            <a:pPr marL="0" indent="0">
+              <a:buNone/>
+            </a:pPr>
+            <a:r>
+              <a:rPr lang="en-AU" sz="1600" dirty="0"/>
+              <a:t>       filename: `app-[hash].js</a:t>
+            </a:r>
+          </a:p>
+          <a:p>
+            <a:pPr marL="0" indent="0">
+              <a:buNone/>
+            </a:pPr>
+            <a:r>
+              <a:rPr lang="en-AU" sz="1600" dirty="0"/>
+              <a:t>    },</a:t>
+            </a:r>
+          </a:p>
+          <a:p>
+            <a:pPr marL="0" indent="0">
+              <a:buNone/>
+            </a:pPr>
+            <a:r>
+              <a:rPr lang="en-AU" sz="1600" dirty="0"/>
+              <a:t>}};</a:t>
+            </a:r>
+          </a:p>
+          <a:p>
+            <a:pPr marL="0" indent="0">
+              <a:buNone/>
+            </a:pPr>
+            <a:endParaRPr lang="en-AU" sz="1600" dirty="0"/>
+          </a:p>
+          <a:p>
+            <a:pPr marL="0" indent="0">
+              <a:buNone/>
+            </a:pPr>
+            <a:r>
+              <a:rPr lang="en-AU" sz="1600" dirty="0"/>
+              <a:t>// Return Array of Configurations</a:t>
+            </a:r>
+          </a:p>
+          <a:p>
+            <a:pPr marL="0" indent="0">
+              <a:buNone/>
+            </a:pPr>
+            <a:r>
+              <a:rPr lang="en-AU" sz="1600" dirty="0" err="1"/>
+              <a:t>module.exports</a:t>
+            </a:r>
+            <a:r>
+              <a:rPr lang="en-AU" sz="1600" dirty="0"/>
+              <a:t> = [</a:t>
+            </a:r>
+          </a:p>
+          <a:p>
+            <a:pPr marL="0" indent="0">
+              <a:buNone/>
+            </a:pPr>
+            <a:r>
+              <a:rPr lang="en-AU" sz="1600" dirty="0"/>
+              <a:t>    </a:t>
+            </a:r>
+            <a:r>
+              <a:rPr lang="en-AU" sz="1600" dirty="0" err="1"/>
+              <a:t>fooConfig</a:t>
+            </a:r>
+            <a:r>
+              <a:rPr lang="en-AU" sz="1600" dirty="0"/>
+              <a:t>, </a:t>
+            </a:r>
+            <a:r>
+              <a:rPr lang="en-AU" sz="1600" dirty="0" err="1"/>
+              <a:t>barConfig</a:t>
+            </a:r>
+            <a:r>
+              <a:rPr lang="en-AU" sz="1600" dirty="0"/>
+              <a:t>,    	</a:t>
+            </a:r>
+          </a:p>
+          <a:p>
+            <a:pPr marL="0" indent="0">
+              <a:buNone/>
+            </a:pPr>
+            <a:r>
+              <a:rPr lang="en-AU" sz="1600" dirty="0"/>
+              <a:t>];</a:t>
             </a:r>
           </a:p>
         </p:txBody>
@@ -5476,13 +6120,20 @@
     </p:spTree>
     <p:extLst>
       <p:ext uri="{BB962C8B-B14F-4D97-AF65-F5344CB8AC3E}">
-        <p14:creationId xmlns:p14="http://schemas.microsoft.com/office/powerpoint/2010/main" val="2404233937"/>
+        <p14:creationId xmlns:p14="http://schemas.microsoft.com/office/powerpoint/2010/main" val="2539371564"/>
       </p:ext>
     </p:extLst>
   </p:cSld>
   <p:clrMapOvr>
     <a:masterClrMapping/>
   </p:clrMapOvr>
+  <p:timing>
+    <p:tnLst>
+      <p:par>
+        <p:cTn id="1" dur="indefinite" restart="never" nodeType="tmRoot"/>
+      </p:par>
+    </p:tnLst>
+  </p:timing>
 </p:sld>
 </file>
 
@@ -5505,10 +6156,10 @@
       </p:grpSpPr>
       <p:sp>
         <p:nvSpPr>
-          <p:cNvPr id="2" name="Title 1">
-            <a:extLst>
-              <a:ext uri="{FF2B5EF4-FFF2-40B4-BE49-F238E27FC236}">
-                <a16:creationId xmlns:a16="http://schemas.microsoft.com/office/drawing/2014/main" xmlns="" id="{6580116B-469C-4A92-B2C2-9BDE67496583}"/>
+          <p:cNvPr id="4" name="Title 1">
+            <a:extLst>
+              <a:ext uri="{FF2B5EF4-FFF2-40B4-BE49-F238E27FC236}">
+                <a16:creationId xmlns="" xmlns:a16="http://schemas.microsoft.com/office/drawing/2014/main" id="{78D141BE-904B-41D6-A1F5-70EACB375A02}"/>
               </a:ext>
             </a:extLst>
           </p:cNvPr>
@@ -5519,143 +6170,41 @@
             <p:ph type="title"/>
           </p:nvPr>
         </p:nvSpPr>
-        <p:spPr/>
-        <p:txBody>
-          <a:bodyPr>
-            <a:normAutofit fontScale="90000"/>
-          </a:bodyPr>
-          <a:lstStyle/>
-          <a:p>
-            <a:r>
-              <a:rPr lang="en-AU" dirty="0"/>
-              <a:t>Option2: Dynamic import ( TC39 stage 3)</a:t>
-            </a:r>
-            <a:br>
-              <a:rPr lang="en-AU" dirty="0"/>
-            </a:br>
-            <a:r>
-              <a:rPr lang="en-AU" sz="2000" dirty="0"/>
-              <a:t>babel-plugin-syntax-dynamic-import, babel-plugin-dynamic-import-</a:t>
-            </a:r>
-            <a:r>
-              <a:rPr lang="en-AU" sz="2000" dirty="0" err="1"/>
-              <a:t>webpack</a:t>
-            </a:r>
-            <a:r>
-              <a:rPr lang="en-AU" sz="2000" dirty="0"/>
-              <a:t>, react-loadable</a:t>
-            </a:r>
-            <a:r>
-              <a:rPr lang="en-AU" dirty="0"/>
-              <a:t/>
-            </a:r>
-            <a:br>
-              <a:rPr lang="en-AU" dirty="0"/>
-            </a:br>
-            <a:r>
-              <a:rPr lang="en-AU" sz="2000" dirty="0">
-                <a:hlinkClick r:id="rId2"/>
-              </a:rPr>
-              <a:t>https://developers.google.com/web/updates/2017/11/dynamic-import</a:t>
-            </a:r>
-            <a:r>
-              <a:rPr lang="en-AU" sz="2000" dirty="0"/>
-              <a:t/>
-            </a:r>
-            <a:br>
-              <a:rPr lang="en-AU" sz="2000" dirty="0"/>
-            </a:br>
-            <a:endParaRPr lang="en-AU" dirty="0"/>
-          </a:p>
-        </p:txBody>
-      </p:sp>
-      <p:sp>
-        <p:nvSpPr>
-          <p:cNvPr id="6" name="Content Placeholder 5">
-            <a:extLst>
-              <a:ext uri="{FF2B5EF4-FFF2-40B4-BE49-F238E27FC236}">
-                <a16:creationId xmlns:a16="http://schemas.microsoft.com/office/drawing/2014/main" xmlns="" id="{C7DFB363-8077-4763-B6EA-8873B846E7B3}"/>
-              </a:ext>
-            </a:extLst>
-          </p:cNvPr>
-          <p:cNvSpPr>
-            <a:spLocks noGrp="1"/>
-          </p:cNvSpPr>
-          <p:nvPr>
-            <p:ph idx="1"/>
-          </p:nvPr>
-        </p:nvSpPr>
         <p:spPr>
           <a:xfrm>
-            <a:off x="874200" y="1496825"/>
-            <a:ext cx="10515600" cy="564775"/>
+            <a:off x="819000" y="2292325"/>
+            <a:ext cx="10515600" cy="1325563"/>
           </a:xfrm>
         </p:spPr>
         <p:txBody>
           <a:bodyPr/>
           <a:lstStyle/>
           <a:p>
-            <a:pPr marL="0" indent="0">
-              <a:buNone/>
-            </a:pPr>
-            <a:r>
-              <a:rPr lang="en-AU" dirty="0"/>
-              <a:t>We get 3 folders in the same project/</a:t>
-            </a:r>
-            <a:r>
-              <a:rPr lang="en-AU" dirty="0" err="1"/>
-              <a:t>artifact</a:t>
-            </a:r>
-            <a:endParaRPr lang="en-AU" dirty="0"/>
-          </a:p>
-          <a:p>
-            <a:pPr marL="0" indent="0">
-              <a:buNone/>
-            </a:pPr>
-            <a:endParaRPr lang="en-AU" dirty="0"/>
-          </a:p>
-        </p:txBody>
-      </p:sp>
-      <p:pic>
-        <p:nvPicPr>
-          <p:cNvPr id="8" name="Picture 7">
-            <a:extLst>
-              <a:ext uri="{FF2B5EF4-FFF2-40B4-BE49-F238E27FC236}">
-                <a16:creationId xmlns:a16="http://schemas.microsoft.com/office/drawing/2014/main" xmlns="" id="{90B177CF-B5E3-4B8F-BD17-3C3EC96B4E7B}"/>
-              </a:ext>
-            </a:extLst>
-          </p:cNvPr>
-          <p:cNvPicPr>
-            <a:picLocks noChangeAspect="1"/>
-          </p:cNvPicPr>
-          <p:nvPr/>
-        </p:nvPicPr>
-        <p:blipFill>
-          <a:blip r:embed="rId3"/>
-          <a:stretch>
-            <a:fillRect/>
-          </a:stretch>
-        </p:blipFill>
-        <p:spPr>
-          <a:xfrm>
-            <a:off x="910200" y="2158950"/>
-            <a:ext cx="4039466" cy="4331710"/>
-          </a:xfrm>
-          <a:prstGeom prst="rect">
-            <a:avLst/>
-          </a:prstGeom>
-        </p:spPr>
-      </p:pic>
+            <a:pPr algn="ctr"/>
+            <a:r>
+              <a:rPr lang="en-AU" dirty="0"/>
+              <a:t>Part4: dynamic runtime</a:t>
+            </a:r>
+          </a:p>
+        </p:txBody>
+      </p:sp>
     </p:spTree>
     <p:extLst>
       <p:ext uri="{BB962C8B-B14F-4D97-AF65-F5344CB8AC3E}">
-        <p14:creationId xmlns:p14="http://schemas.microsoft.com/office/powerpoint/2010/main" val="618768341"/>
+        <p14:creationId xmlns:p14="http://schemas.microsoft.com/office/powerpoint/2010/main" val="209780505"/>
       </p:ext>
     </p:extLst>
   </p:cSld>
   <p:clrMapOvr>
     <a:masterClrMapping/>
   </p:clrMapOvr>
+  <p:timing>
+    <p:tnLst>
+      <p:par>
+        <p:cTn id="1" dur="indefinite" restart="never" nodeType="tmRoot"/>
+      </p:par>
+    </p:tnLst>
+  </p:timing>
 </p:sld>
 </file>
 
@@ -5681,7 +6230,7 @@
           <p:cNvPr id="2" name="Title 1">
             <a:extLst>
               <a:ext uri="{FF2B5EF4-FFF2-40B4-BE49-F238E27FC236}">
-                <a16:creationId xmlns:a16="http://schemas.microsoft.com/office/drawing/2014/main" xmlns="" id="{33F06CFE-7E28-48E4-9C8E-52EF37937809}"/>
+                <a16:creationId xmlns="" xmlns:a16="http://schemas.microsoft.com/office/drawing/2014/main" id="{CDFF9C88-CA8A-4EDD-A2FD-2CBB1560A2AC}"/>
               </a:ext>
             </a:extLst>
           </p:cNvPr>
@@ -5699,17 +6248,24 @@
           <a:p>
             <a:r>
               <a:rPr lang="en-AU" dirty="0"/>
-              <a:t>Index.js</a:t>
-            </a:r>
-          </a:p>
-        </p:txBody>
-      </p:sp>
-      <p:sp>
-        <p:nvSpPr>
-          <p:cNvPr id="4" name="Content Placeholder 2">
-            <a:extLst>
-              <a:ext uri="{FF2B5EF4-FFF2-40B4-BE49-F238E27FC236}">
-                <a16:creationId xmlns:a16="http://schemas.microsoft.com/office/drawing/2014/main" xmlns="" id="{284737B6-E0BD-4584-81E7-2CD25B88C98D}"/>
+              <a:t>Option 1 multi-instances</a:t>
+            </a:r>
+            <a:br>
+              <a:rPr lang="en-AU" dirty="0"/>
+            </a:br>
+            <a:r>
+              <a:rPr lang="en-AU" dirty="0"/>
+              <a:t>(not bad, but not ideal)</a:t>
+            </a:r>
+          </a:p>
+        </p:txBody>
+      </p:sp>
+      <p:sp>
+        <p:nvSpPr>
+          <p:cNvPr id="3" name="Content Placeholder 2">
+            <a:extLst>
+              <a:ext uri="{FF2B5EF4-FFF2-40B4-BE49-F238E27FC236}">
+                <a16:creationId xmlns="" xmlns:a16="http://schemas.microsoft.com/office/drawing/2014/main" id="{A360B579-2AEB-4554-875C-E618D99B5A9A}"/>
               </a:ext>
             </a:extLst>
           </p:cNvPr>
@@ -5722,217 +6278,498 @@
         </p:nvSpPr>
         <p:spPr>
           <a:xfrm>
-            <a:off x="587829" y="1396092"/>
-            <a:ext cx="11193235" cy="5119007"/>
-          </a:xfrm>
-        </p:spPr>
-        <p:txBody>
-          <a:bodyPr>
-            <a:normAutofit fontScale="62500" lnSpcReduction="20000"/>
+            <a:off x="838200" y="1825625"/>
+            <a:ext cx="10515600" cy="607975"/>
+          </a:xfrm>
+        </p:spPr>
+        <p:txBody>
+          <a:bodyPr/>
+          <a:lstStyle/>
+          <a:p>
+            <a:pPr marL="0" indent="0">
+              <a:buNone/>
+            </a:pPr>
+            <a:r>
+              <a:rPr lang="en-AU" dirty="0"/>
+              <a:t>we get 3 </a:t>
+            </a:r>
+            <a:r>
+              <a:rPr lang="en-AU" dirty="0" err="1"/>
+              <a:t>artifacts</a:t>
+            </a:r>
+            <a:r>
+              <a:rPr lang="en-AU" dirty="0"/>
+              <a:t>: dyna, dyna_feature1, dyna_ feature1_feature2</a:t>
+            </a:r>
+          </a:p>
+          <a:p>
+            <a:endParaRPr lang="en-AU" dirty="0"/>
+          </a:p>
+        </p:txBody>
+      </p:sp>
+      <p:sp>
+        <p:nvSpPr>
+          <p:cNvPr id="4" name="Rectangle: Rounded Corners 3">
+            <a:extLst>
+              <a:ext uri="{FF2B5EF4-FFF2-40B4-BE49-F238E27FC236}">
+                <a16:creationId xmlns="" xmlns:a16="http://schemas.microsoft.com/office/drawing/2014/main" id="{22F580C1-A0CE-4DE1-9125-45C894E8919B}"/>
+              </a:ext>
+            </a:extLst>
+          </p:cNvPr>
+          <p:cNvSpPr/>
+          <p:nvPr/>
+        </p:nvSpPr>
+        <p:spPr>
+          <a:xfrm>
+            <a:off x="1103999" y="3345600"/>
+            <a:ext cx="1794321" cy="1003200"/>
+          </a:xfrm>
+          <a:prstGeom prst="roundRect">
+            <a:avLst/>
+          </a:prstGeom>
+        </p:spPr>
+        <p:style>
+          <a:lnRef idx="2">
+            <a:schemeClr val="accent1">
+              <a:shade val="50000"/>
+            </a:schemeClr>
+          </a:lnRef>
+          <a:fillRef idx="1">
+            <a:schemeClr val="accent1"/>
+          </a:fillRef>
+          <a:effectRef idx="0">
+            <a:schemeClr val="accent1"/>
+          </a:effectRef>
+          <a:fontRef idx="minor">
+            <a:schemeClr val="lt1"/>
+          </a:fontRef>
+        </p:style>
+        <p:txBody>
+          <a:bodyPr rtlCol="0" anchor="ctr"/>
+          <a:lstStyle/>
+          <a:p>
+            <a:pPr algn="ctr"/>
+            <a:r>
+              <a:rPr lang="en-AU" dirty="0" err="1" smtClean="0"/>
+              <a:t>Dyna</a:t>
+            </a:r>
+            <a:r>
+              <a:rPr lang="en-AU" dirty="0" smtClean="0"/>
+              <a:t>:</a:t>
+            </a:r>
+          </a:p>
+          <a:p>
+            <a:pPr algn="ctr"/>
+            <a:r>
+              <a:rPr lang="en-US" dirty="0" smtClean="0"/>
+              <a:t>Index-hash.js</a:t>
+            </a:r>
+            <a:endParaRPr lang="en-US" dirty="0"/>
+          </a:p>
+        </p:txBody>
+      </p:sp>
+      <p:sp>
+        <p:nvSpPr>
+          <p:cNvPr id="5" name="Rectangle: Rounded Corners 4">
+            <a:extLst>
+              <a:ext uri="{FF2B5EF4-FFF2-40B4-BE49-F238E27FC236}">
+                <a16:creationId xmlns="" xmlns:a16="http://schemas.microsoft.com/office/drawing/2014/main" id="{BAB322B6-52C3-4BEF-AE12-CEFE4AF1737D}"/>
+              </a:ext>
+            </a:extLst>
+          </p:cNvPr>
+          <p:cNvSpPr/>
+          <p:nvPr/>
+        </p:nvSpPr>
+        <p:spPr>
+          <a:xfrm>
+            <a:off x="8208000" y="3374400"/>
+            <a:ext cx="3096000" cy="974400"/>
+          </a:xfrm>
+          <a:prstGeom prst="roundRect">
+            <a:avLst/>
+          </a:prstGeom>
+        </p:spPr>
+        <p:style>
+          <a:lnRef idx="2">
+            <a:schemeClr val="accent1">
+              <a:shade val="50000"/>
+            </a:schemeClr>
+          </a:lnRef>
+          <a:fillRef idx="1">
+            <a:schemeClr val="accent1"/>
+          </a:fillRef>
+          <a:effectRef idx="0">
+            <a:schemeClr val="accent1"/>
+          </a:effectRef>
+          <a:fontRef idx="minor">
+            <a:schemeClr val="lt1"/>
+          </a:fontRef>
+        </p:style>
+        <p:txBody>
+          <a:bodyPr rtlCol="0" anchor="ctr"/>
+          <a:lstStyle/>
+          <a:p>
+            <a:pPr algn="ctr"/>
+            <a:r>
+              <a:rPr lang="en-AU" dirty="0"/>
+              <a:t>dyna_ </a:t>
+            </a:r>
+            <a:r>
+              <a:rPr lang="en-AU" dirty="0" smtClean="0"/>
+              <a:t>feature1_feature2:</a:t>
+            </a:r>
+          </a:p>
+          <a:p>
+            <a:pPr algn="ctr"/>
+            <a:r>
+              <a:rPr lang="en-US" dirty="0" smtClean="0"/>
+              <a:t>Index-hash12.js</a:t>
+            </a:r>
+            <a:endParaRPr lang="en-US" dirty="0"/>
+          </a:p>
+        </p:txBody>
+      </p:sp>
+      <p:sp>
+        <p:nvSpPr>
+          <p:cNvPr id="6" name="Rectangle: Rounded Corners 5">
+            <a:extLst>
+              <a:ext uri="{FF2B5EF4-FFF2-40B4-BE49-F238E27FC236}">
+                <a16:creationId xmlns="" xmlns:a16="http://schemas.microsoft.com/office/drawing/2014/main" id="{6E1CAEE1-F7D0-4692-87EE-C81F99C972C6}"/>
+              </a:ext>
+            </a:extLst>
+          </p:cNvPr>
+          <p:cNvSpPr/>
+          <p:nvPr/>
+        </p:nvSpPr>
+        <p:spPr>
+          <a:xfrm>
+            <a:off x="4713600" y="3400800"/>
+            <a:ext cx="1843200" cy="948000"/>
+          </a:xfrm>
+          <a:prstGeom prst="roundRect">
+            <a:avLst/>
+          </a:prstGeom>
+        </p:spPr>
+        <p:style>
+          <a:lnRef idx="2">
+            <a:schemeClr val="accent1">
+              <a:shade val="50000"/>
+            </a:schemeClr>
+          </a:lnRef>
+          <a:fillRef idx="1">
+            <a:schemeClr val="accent1"/>
+          </a:fillRef>
+          <a:effectRef idx="0">
+            <a:schemeClr val="accent1"/>
+          </a:effectRef>
+          <a:fontRef idx="minor">
+            <a:schemeClr val="lt1"/>
+          </a:fontRef>
+        </p:style>
+        <p:txBody>
+          <a:bodyPr rtlCol="0" anchor="ctr"/>
+          <a:lstStyle/>
+          <a:p>
+            <a:pPr algn="ctr"/>
+            <a:r>
+              <a:rPr lang="en-AU" dirty="0" smtClean="0"/>
+              <a:t>dyna_feature1:</a:t>
+            </a:r>
+          </a:p>
+          <a:p>
+            <a:pPr algn="ctr"/>
+            <a:r>
+              <a:rPr lang="en-US" dirty="0" smtClean="0"/>
+              <a:t>Index-hash1.js</a:t>
+            </a:r>
+          </a:p>
+        </p:txBody>
+      </p:sp>
+      <p:sp>
+        <p:nvSpPr>
+          <p:cNvPr id="7" name="Rectangle: Rounded Corners 6">
+            <a:extLst>
+              <a:ext uri="{FF2B5EF4-FFF2-40B4-BE49-F238E27FC236}">
+                <a16:creationId xmlns="" xmlns:a16="http://schemas.microsoft.com/office/drawing/2014/main" id="{2B2DADE3-74F8-4DD2-850B-2DAB16F42835}"/>
+              </a:ext>
+            </a:extLst>
+          </p:cNvPr>
+          <p:cNvSpPr/>
+          <p:nvPr/>
+        </p:nvSpPr>
+        <p:spPr>
+          <a:xfrm>
+            <a:off x="4712400" y="4933200"/>
+            <a:ext cx="1843200" cy="702972"/>
+          </a:xfrm>
+          <a:prstGeom prst="roundRect">
+            <a:avLst/>
+          </a:prstGeom>
+        </p:spPr>
+        <p:style>
+          <a:lnRef idx="2">
+            <a:schemeClr val="accent1">
+              <a:shade val="50000"/>
+            </a:schemeClr>
+          </a:lnRef>
+          <a:fillRef idx="1">
+            <a:schemeClr val="accent1"/>
+          </a:fillRef>
+          <a:effectRef idx="0">
+            <a:schemeClr val="accent1"/>
+          </a:effectRef>
+          <a:fontRef idx="minor">
+            <a:schemeClr val="lt1"/>
+          </a:fontRef>
+        </p:style>
+        <p:txBody>
+          <a:bodyPr rtlCol="0" anchor="ctr"/>
+          <a:lstStyle/>
+          <a:p>
+            <a:pPr algn="ctr"/>
+            <a:r>
+              <a:rPr lang="en-AU" dirty="0"/>
+              <a:t>Load balancer?</a:t>
+            </a:r>
+          </a:p>
+        </p:txBody>
+      </p:sp>
+      <p:cxnSp>
+        <p:nvCxnSpPr>
+          <p:cNvPr id="9" name="Straight Arrow Connector 8">
+            <a:extLst>
+              <a:ext uri="{FF2B5EF4-FFF2-40B4-BE49-F238E27FC236}">
+                <a16:creationId xmlns="" xmlns:a16="http://schemas.microsoft.com/office/drawing/2014/main" id="{29342EDE-10B4-4566-A05F-EE67D11DFC15}"/>
+              </a:ext>
+            </a:extLst>
+          </p:cNvPr>
+          <p:cNvCxnSpPr>
+            <a:cxnSpLocks/>
+            <a:stCxn id="7" idx="1"/>
+            <a:endCxn id="4" idx="2"/>
+          </p:cNvCxnSpPr>
+          <p:nvPr/>
+        </p:nvCxnSpPr>
+        <p:spPr>
+          <a:xfrm flipH="1" flipV="1">
+            <a:off x="2001160" y="4348800"/>
+            <a:ext cx="2711240" cy="935886"/>
+          </a:xfrm>
+          <a:prstGeom prst="straightConnector1">
+            <a:avLst/>
+          </a:prstGeom>
+          <a:ln>
+            <a:tailEnd type="triangle"/>
+          </a:ln>
+        </p:spPr>
+        <p:style>
+          <a:lnRef idx="1">
+            <a:schemeClr val="accent1"/>
+          </a:lnRef>
+          <a:fillRef idx="0">
+            <a:schemeClr val="accent1"/>
+          </a:fillRef>
+          <a:effectRef idx="0">
+            <a:schemeClr val="accent1"/>
+          </a:effectRef>
+          <a:fontRef idx="minor">
+            <a:schemeClr val="tx1"/>
+          </a:fontRef>
+        </p:style>
+      </p:cxnSp>
+      <p:cxnSp>
+        <p:nvCxnSpPr>
+          <p:cNvPr id="10" name="Straight Arrow Connector 9">
+            <a:extLst>
+              <a:ext uri="{FF2B5EF4-FFF2-40B4-BE49-F238E27FC236}">
+                <a16:creationId xmlns="" xmlns:a16="http://schemas.microsoft.com/office/drawing/2014/main" id="{4DBDDFB9-BB6B-4DC0-8721-90D2A2E86008}"/>
+              </a:ext>
+            </a:extLst>
+          </p:cNvPr>
+          <p:cNvCxnSpPr>
+            <a:cxnSpLocks/>
+            <a:stCxn id="7" idx="0"/>
+            <a:endCxn id="6" idx="2"/>
+          </p:cNvCxnSpPr>
+          <p:nvPr/>
+        </p:nvCxnSpPr>
+        <p:spPr>
+          <a:xfrm flipV="1">
+            <a:off x="5634000" y="4348800"/>
+            <a:ext cx="1200" cy="584400"/>
+          </a:xfrm>
+          <a:prstGeom prst="straightConnector1">
+            <a:avLst/>
+          </a:prstGeom>
+          <a:ln>
+            <a:tailEnd type="triangle"/>
+          </a:ln>
+        </p:spPr>
+        <p:style>
+          <a:lnRef idx="1">
+            <a:schemeClr val="accent1"/>
+          </a:lnRef>
+          <a:fillRef idx="0">
+            <a:schemeClr val="accent1"/>
+          </a:fillRef>
+          <a:effectRef idx="0">
+            <a:schemeClr val="accent1"/>
+          </a:effectRef>
+          <a:fontRef idx="minor">
+            <a:schemeClr val="tx1"/>
+          </a:fontRef>
+        </p:style>
+      </p:cxnSp>
+      <p:cxnSp>
+        <p:nvCxnSpPr>
+          <p:cNvPr id="13" name="Straight Arrow Connector 12">
+            <a:extLst>
+              <a:ext uri="{FF2B5EF4-FFF2-40B4-BE49-F238E27FC236}">
+                <a16:creationId xmlns="" xmlns:a16="http://schemas.microsoft.com/office/drawing/2014/main" id="{F7807ED4-61EC-4614-8D90-574B7B83C6E1}"/>
+              </a:ext>
+            </a:extLst>
+          </p:cNvPr>
+          <p:cNvCxnSpPr>
+            <a:cxnSpLocks/>
+            <a:stCxn id="7" idx="3"/>
+            <a:endCxn id="5" idx="2"/>
+          </p:cNvCxnSpPr>
+          <p:nvPr/>
+        </p:nvCxnSpPr>
+        <p:spPr>
+          <a:xfrm flipV="1">
+            <a:off x="6555600" y="4348800"/>
+            <a:ext cx="3200400" cy="935886"/>
+          </a:xfrm>
+          <a:prstGeom prst="straightConnector1">
+            <a:avLst/>
+          </a:prstGeom>
+          <a:ln>
+            <a:tailEnd type="triangle"/>
+          </a:ln>
+        </p:spPr>
+        <p:style>
+          <a:lnRef idx="1">
+            <a:schemeClr val="accent1"/>
+          </a:lnRef>
+          <a:fillRef idx="0">
+            <a:schemeClr val="accent1"/>
+          </a:fillRef>
+          <a:effectRef idx="0">
+            <a:schemeClr val="accent1"/>
+          </a:effectRef>
+          <a:fontRef idx="minor">
+            <a:schemeClr val="tx1"/>
+          </a:fontRef>
+        </p:style>
+      </p:cxnSp>
+      <p:sp>
+        <p:nvSpPr>
+          <p:cNvPr id="16" name="TextBox 15">
+            <a:extLst>
+              <a:ext uri="{FF2B5EF4-FFF2-40B4-BE49-F238E27FC236}">
+                <a16:creationId xmlns="" xmlns:a16="http://schemas.microsoft.com/office/drawing/2014/main" id="{781B57AE-A8AF-4C28-B9C0-EBF4AF0EE7FC}"/>
+              </a:ext>
+            </a:extLst>
+          </p:cNvPr>
+          <p:cNvSpPr txBox="1"/>
+          <p:nvPr/>
+        </p:nvSpPr>
+        <p:spPr>
+          <a:xfrm>
+            <a:off x="4672800" y="2576035"/>
+            <a:ext cx="1855200" cy="369332"/>
+          </a:xfrm>
+          <a:prstGeom prst="rect">
+            <a:avLst/>
+          </a:prstGeom>
+          <a:noFill/>
+        </p:spPr>
+        <p:txBody>
+          <a:bodyPr wrap="square" rtlCol="0">
+            <a:spAutoFit/>
           </a:bodyPr>
           <a:lstStyle/>
           <a:p>
-            <a:pPr marL="0" indent="0">
-              <a:buNone/>
-            </a:pPr>
-            <a:r>
-              <a:rPr lang="en-AU" dirty="0"/>
-              <a:t>import </a:t>
-            </a:r>
-            <a:r>
-              <a:rPr lang="en-AU" dirty="0" err="1"/>
-              <a:t>LoadableVisibility</a:t>
-            </a:r>
-            <a:r>
-              <a:rPr lang="en-AU" dirty="0"/>
-              <a:t> from 'react-loadable-visibility/react-loadable';</a:t>
-            </a:r>
-          </a:p>
-          <a:p>
-            <a:pPr marL="0" indent="0">
-              <a:buNone/>
-            </a:pPr>
-            <a:endParaRPr lang="en-AU" dirty="0"/>
-          </a:p>
-          <a:p>
-            <a:pPr marL="0" indent="0">
-              <a:buNone/>
-            </a:pPr>
-            <a:r>
-              <a:rPr lang="en-AU" dirty="0" err="1"/>
-              <a:t>const</a:t>
-            </a:r>
-            <a:r>
-              <a:rPr lang="en-AU" dirty="0"/>
-              <a:t> App= </a:t>
-            </a:r>
-            <a:r>
-              <a:rPr lang="en-AU" dirty="0" err="1"/>
-              <a:t>LoadableVisibility</a:t>
-            </a:r>
-            <a:r>
-              <a:rPr lang="en-AU" dirty="0"/>
-              <a:t>({</a:t>
-            </a:r>
-          </a:p>
-          <a:p>
-            <a:pPr marL="0" indent="0">
-              <a:buNone/>
-            </a:pPr>
-            <a:r>
-              <a:rPr lang="en-AU" dirty="0"/>
-              <a:t>  loader: () =&gt; import(</a:t>
-            </a:r>
-            <a:r>
-              <a:rPr lang="en-AU" b="1" dirty="0"/>
-              <a:t>`./</a:t>
-            </a:r>
-            <a:r>
-              <a:rPr lang="en-AU" b="1" dirty="0" err="1"/>
-              <a:t>dyna</a:t>
-            </a:r>
-            <a:r>
-              <a:rPr lang="en-AU" b="1" dirty="0"/>
-              <a:t>_${</a:t>
-            </a:r>
-            <a:r>
-              <a:rPr lang="en-AU" b="1" dirty="0" err="1"/>
-              <a:t>features.join</a:t>
-            </a:r>
-            <a:r>
-              <a:rPr lang="en-AU" b="1" dirty="0"/>
-              <a:t>(‘_’)}/app`</a:t>
-            </a:r>
-            <a:r>
-              <a:rPr lang="en-AU" dirty="0"/>
-              <a:t>),</a:t>
-            </a:r>
-          </a:p>
-          <a:p>
-            <a:pPr marL="0" indent="0">
-              <a:buNone/>
-            </a:pPr>
-            <a:r>
-              <a:rPr lang="en-AU" dirty="0"/>
-              <a:t>// get dyna_feature1_feature2/App.js</a:t>
-            </a:r>
-          </a:p>
-          <a:p>
-            <a:pPr marL="0" indent="0">
-              <a:buNone/>
-            </a:pPr>
-            <a:r>
-              <a:rPr lang="en-AU" dirty="0"/>
-              <a:t>  loading() {</a:t>
-            </a:r>
-          </a:p>
-          <a:p>
-            <a:pPr marL="0" indent="0">
-              <a:buNone/>
-            </a:pPr>
-            <a:r>
-              <a:rPr lang="en-AU" dirty="0"/>
-              <a:t>    return &lt;div&gt;Loading...&lt;/div&gt;;</a:t>
-            </a:r>
-          </a:p>
-          <a:p>
-            <a:pPr marL="0" indent="0">
-              <a:buNone/>
-            </a:pPr>
-            <a:r>
-              <a:rPr lang="en-AU" dirty="0"/>
-              <a:t>  }</a:t>
-            </a:r>
-          </a:p>
-          <a:p>
-            <a:pPr marL="0" indent="0">
-              <a:buNone/>
-            </a:pPr>
-            <a:r>
-              <a:rPr lang="en-AU" dirty="0"/>
-              <a:t>});</a:t>
-            </a:r>
-          </a:p>
-          <a:p>
-            <a:pPr marL="0" indent="0">
-              <a:buNone/>
-            </a:pPr>
-            <a:endParaRPr lang="en-AU" dirty="0"/>
-          </a:p>
-          <a:p>
-            <a:pPr marL="0" indent="0">
-              <a:buNone/>
-            </a:pPr>
-            <a:r>
-              <a:rPr lang="en-AU" dirty="0"/>
-              <a:t>render(</a:t>
-            </a:r>
-          </a:p>
-          <a:p>
-            <a:pPr marL="0" indent="0">
-              <a:buNone/>
-            </a:pPr>
-            <a:r>
-              <a:rPr lang="en-AU" dirty="0"/>
-              <a:t>  &lt;Provider store={store}&gt;</a:t>
-            </a:r>
-          </a:p>
-          <a:p>
-            <a:pPr marL="0" indent="0">
-              <a:buNone/>
-            </a:pPr>
-            <a:r>
-              <a:rPr lang="en-AU" dirty="0"/>
-              <a:t>    &lt; App /&gt;</a:t>
-            </a:r>
-          </a:p>
-          <a:p>
-            <a:pPr marL="0" indent="0">
-              <a:buNone/>
-            </a:pPr>
-            <a:r>
-              <a:rPr lang="en-AU" dirty="0"/>
-              <a:t>  &lt;/Provider&gt;,</a:t>
-            </a:r>
-          </a:p>
-          <a:p>
-            <a:pPr marL="0" indent="0">
-              <a:buNone/>
-            </a:pPr>
-            <a:r>
-              <a:rPr lang="en-AU" dirty="0"/>
-              <a:t>  </a:t>
-            </a:r>
-            <a:r>
-              <a:rPr lang="en-AU" dirty="0" err="1"/>
-              <a:t>document.getElementById</a:t>
-            </a:r>
-            <a:r>
-              <a:rPr lang="en-AU" dirty="0"/>
-              <a:t>(`root`)</a:t>
-            </a:r>
-          </a:p>
-          <a:p>
-            <a:pPr marL="0" indent="0">
-              <a:buNone/>
-            </a:pPr>
-            <a:r>
-              <a:rPr lang="en-AU" dirty="0"/>
-              <a:t>);</a:t>
-            </a:r>
+            <a:r>
+              <a:rPr lang="en-AU" dirty="0"/>
+              <a:t>Azure instances</a:t>
+            </a:r>
+          </a:p>
+        </p:txBody>
+      </p:sp>
+      <p:sp>
+        <p:nvSpPr>
+          <p:cNvPr id="14" name="Rectangle 13"/>
+          <p:cNvSpPr/>
+          <p:nvPr/>
+        </p:nvSpPr>
+        <p:spPr>
+          <a:xfrm>
+            <a:off x="1174531" y="5785973"/>
+            <a:ext cx="9380484" cy="1200329"/>
+          </a:xfrm>
+          <a:prstGeom prst="rect">
+            <a:avLst/>
+          </a:prstGeom>
+        </p:spPr>
+        <p:txBody>
+          <a:bodyPr wrap="square">
+            <a:spAutoFit/>
+          </a:bodyPr>
+          <a:lstStyle/>
+          <a:p>
+            <a:r>
+              <a:rPr lang="en-AU" dirty="0">
+                <a:hlinkClick r:id="rId2"/>
+              </a:rPr>
+              <a:t>https://</a:t>
+            </a:r>
+            <a:r>
+              <a:rPr lang="en-AU" dirty="0" smtClean="0">
+                <a:hlinkClick r:id="rId2"/>
+              </a:rPr>
+              <a:t>docs.microsoft.com/en-us/azure/load-balancer/load-balancer-distribution-mode</a:t>
+            </a:r>
+            <a:endParaRPr lang="en-AU" dirty="0" smtClean="0"/>
+          </a:p>
+          <a:p>
+            <a:r>
+              <a:rPr lang="en-AU" dirty="0">
+                <a:hlinkClick r:id="rId3"/>
+              </a:rPr>
+              <a:t>https://blogs.msdn.microsoft.com/benjaminperkins/2016/06/03/setting-application-request-routing-arr-affinity-for-your-azure-app-service</a:t>
+            </a:r>
+            <a:r>
+              <a:rPr lang="en-AU" dirty="0" smtClean="0">
+                <a:hlinkClick r:id="rId3"/>
+              </a:rPr>
+              <a:t>/</a:t>
+            </a:r>
+            <a:endParaRPr lang="en-AU" dirty="0" smtClean="0"/>
+          </a:p>
+          <a:p>
+            <a:endParaRPr lang="en-AU" dirty="0" smtClean="0"/>
           </a:p>
         </p:txBody>
       </p:sp>
     </p:spTree>
     <p:extLst>
       <p:ext uri="{BB962C8B-B14F-4D97-AF65-F5344CB8AC3E}">
-        <p14:creationId xmlns:p14="http://schemas.microsoft.com/office/powerpoint/2010/main" val="2039964391"/>
+        <p14:creationId xmlns:p14="http://schemas.microsoft.com/office/powerpoint/2010/main" val="2404233937"/>
       </p:ext>
     </p:extLst>
   </p:cSld>
   <p:clrMapOvr>
     <a:masterClrMapping/>
   </p:clrMapOvr>
+  <p:timing>
+    <p:tnLst>
+      <p:par>
+        <p:cTn id="1" dur="indefinite" restart="never" nodeType="tmRoot"/>
+      </p:par>
+    </p:tnLst>
+  </p:timing>
 </p:sld>
 </file>
 
@@ -5958,7 +6795,7 @@
           <p:cNvPr id="2" name="Title 1">
             <a:extLst>
               <a:ext uri="{FF2B5EF4-FFF2-40B4-BE49-F238E27FC236}">
-                <a16:creationId xmlns:a16="http://schemas.microsoft.com/office/drawing/2014/main" xmlns="" id="{11E1DF8B-9E4A-4840-A2A1-4EDDBA6B07EE}"/>
+                <a16:creationId xmlns="" xmlns:a16="http://schemas.microsoft.com/office/drawing/2014/main" id="{6580116B-469C-4A92-B2C2-9BDE67496583}"/>
               </a:ext>
             </a:extLst>
           </p:cNvPr>
@@ -5971,22 +6808,60 @@
         </p:nvSpPr>
         <p:spPr/>
         <p:txBody>
-          <a:bodyPr/>
-          <a:lstStyle/>
-          <a:p>
-            <a:r>
-              <a:rPr lang="en-AU" dirty="0"/>
-              <a:t>Summary</a:t>
-            </a:r>
-          </a:p>
-        </p:txBody>
-      </p:sp>
-      <p:sp>
-        <p:nvSpPr>
-          <p:cNvPr id="3" name="Content Placeholder 2">
-            <a:extLst>
-              <a:ext uri="{FF2B5EF4-FFF2-40B4-BE49-F238E27FC236}">
-                <a16:creationId xmlns:a16="http://schemas.microsoft.com/office/drawing/2014/main" xmlns="" id="{D75B4ED2-165E-4B98-96C0-22387CEEF9DA}"/>
+          <a:bodyPr>
+            <a:normAutofit fontScale="90000"/>
+          </a:bodyPr>
+          <a:lstStyle/>
+          <a:p>
+            <a:r>
+              <a:rPr lang="en-AU" dirty="0"/>
+              <a:t>Option2: Dynamic import ( TC39 stage 3)</a:t>
+            </a:r>
+            <a:br>
+              <a:rPr lang="en-AU" dirty="0"/>
+            </a:br>
+            <a:r>
+              <a:rPr lang="en-AU" sz="2000" dirty="0"/>
+              <a:t>babel-plugin-syntax-dynamic-import, babel-plugin-dynamic-import-</a:t>
+            </a:r>
+            <a:r>
+              <a:rPr lang="en-AU" sz="2000" dirty="0" err="1"/>
+              <a:t>webpack</a:t>
+            </a:r>
+            <a:r>
+              <a:rPr lang="en-AU" sz="2000" dirty="0"/>
+              <a:t>, react-loadable</a:t>
+            </a:r>
+            <a:r>
+              <a:rPr lang="en-AU" dirty="0"/>
+              <a:t/>
+            </a:r>
+            <a:br>
+              <a:rPr lang="en-AU" dirty="0"/>
+            </a:br>
+            <a:r>
+              <a:rPr lang="en-AU" sz="2000" dirty="0">
+                <a:hlinkClick r:id="rId2"/>
+              </a:rPr>
+              <a:t>https://developers.google.com/web/updates/2017/11/dynamic-import</a:t>
+            </a:r>
+            <a:r>
+              <a:rPr lang="en-AU" sz="2000" dirty="0"/>
+              <a:t/>
+            </a:r>
+            <a:br>
+              <a:rPr lang="en-AU" sz="2000" dirty="0"/>
+            </a:br>
+            <a:endParaRPr lang="en-AU" dirty="0"/>
+          </a:p>
+        </p:txBody>
+      </p:sp>
+      <p:sp>
+        <p:nvSpPr>
+          <p:cNvPr id="6" name="Content Placeholder 5">
+            <a:extLst>
+              <a:ext uri="{FF2B5EF4-FFF2-40B4-BE49-F238E27FC236}">
+                <a16:creationId xmlns="" xmlns:a16="http://schemas.microsoft.com/office/drawing/2014/main" id="{C7DFB363-8077-4763-B6EA-8873B846E7B3}"/>
               </a:ext>
             </a:extLst>
           </p:cNvPr>
@@ -5999,8 +6874,8 @@
         </p:nvSpPr>
         <p:spPr>
           <a:xfrm>
-            <a:off x="903000" y="5128799"/>
-            <a:ext cx="10515600" cy="544163"/>
+            <a:off x="874200" y="1496825"/>
+            <a:ext cx="10515600" cy="564775"/>
           </a:xfrm>
         </p:spPr>
         <p:txBody>
@@ -6011,18 +6886,63 @@
               <a:buNone/>
             </a:pPr>
             <a:r>
-              <a:rPr lang="en-AU" dirty="0"/>
-              <a:t>What about backend?</a:t>
-            </a:r>
-          </a:p>
-        </p:txBody>
-      </p:sp>
-      <p:sp>
-        <p:nvSpPr>
-          <p:cNvPr id="4" name="Rectangle: Rounded Corners 3">
-            <a:extLst>
-              <a:ext uri="{FF2B5EF4-FFF2-40B4-BE49-F238E27FC236}">
-                <a16:creationId xmlns:a16="http://schemas.microsoft.com/office/drawing/2014/main" xmlns="" id="{A0879E72-D641-4A88-B06B-428D7CB7C5DE}"/>
+              <a:rPr lang="en-AU" dirty="0" smtClean="0"/>
+              <a:t>From build to 1 </a:t>
+            </a:r>
+            <a:r>
+              <a:rPr lang="en-AU" dirty="0" err="1" smtClean="0"/>
+              <a:t>artifact</a:t>
+            </a:r>
+            <a:r>
+              <a:rPr lang="en-AU" dirty="0" smtClean="0"/>
+              <a:t> (mix and match again)</a:t>
+            </a:r>
+            <a:endParaRPr lang="en-AU" dirty="0"/>
+          </a:p>
+          <a:p>
+            <a:pPr marL="0" indent="0">
+              <a:buNone/>
+            </a:pPr>
+            <a:endParaRPr lang="en-AU" dirty="0"/>
+          </a:p>
+        </p:txBody>
+      </p:sp>
+      <p:pic>
+        <p:nvPicPr>
+          <p:cNvPr id="8" name="Picture 7">
+            <a:extLst>
+              <a:ext uri="{FF2B5EF4-FFF2-40B4-BE49-F238E27FC236}">
+                <a16:creationId xmlns="" xmlns:a16="http://schemas.microsoft.com/office/drawing/2014/main" id="{90B177CF-B5E3-4B8F-BD17-3C3EC96B4E7B}"/>
+              </a:ext>
+            </a:extLst>
+          </p:cNvPr>
+          <p:cNvPicPr>
+            <a:picLocks noChangeAspect="1"/>
+          </p:cNvPicPr>
+          <p:nvPr/>
+        </p:nvPicPr>
+        <p:blipFill>
+          <a:blip r:embed="rId3"/>
+          <a:stretch>
+            <a:fillRect/>
+          </a:stretch>
+        </p:blipFill>
+        <p:spPr>
+          <a:xfrm>
+            <a:off x="7245686" y="2035516"/>
+            <a:ext cx="4039466" cy="4331710"/>
+          </a:xfrm>
+          <a:prstGeom prst="rect">
+            <a:avLst/>
+          </a:prstGeom>
+        </p:spPr>
+      </p:pic>
+      <p:sp>
+        <p:nvSpPr>
+          <p:cNvPr id="5" name="Rectangle: Rounded Corners 3">
+            <a:extLst>
+              <a:ext uri="{FF2B5EF4-FFF2-40B4-BE49-F238E27FC236}">
+                <a16:creationId xmlns="" xmlns:a16="http://schemas.microsoft.com/office/drawing/2014/main" id="{22F580C1-A0CE-4DE1-9125-45C894E8919B}"/>
               </a:ext>
             </a:extLst>
           </p:cNvPr>
@@ -6031,17 +6951,12 @@
         </p:nvSpPr>
         <p:spPr>
           <a:xfrm>
-            <a:off x="3622983" y="1920164"/>
-            <a:ext cx="1881600" cy="779836"/>
+            <a:off x="1030521" y="2344972"/>
+            <a:ext cx="3263894" cy="1003200"/>
           </a:xfrm>
           <a:prstGeom prst="roundRect">
             <a:avLst/>
           </a:prstGeom>
-          <a:ln>
-            <a:solidFill>
-              <a:schemeClr val="bg1"/>
-            </a:solidFill>
-          </a:ln>
         </p:spPr>
         <p:style>
           <a:lnRef idx="2">
@@ -6065,18 +6980,45 @@
           <a:p>
             <a:pPr algn="ctr"/>
             <a:r>
-              <a:rPr lang="en-AU" dirty="0"/>
-              <a:t>elastic CI/CD pipeline</a:t>
-            </a:r>
-          </a:p>
-        </p:txBody>
-      </p:sp>
-      <p:sp>
-        <p:nvSpPr>
-          <p:cNvPr id="8" name="Rectangle: Rounded Corners 7">
-            <a:extLst>
-              <a:ext uri="{FF2B5EF4-FFF2-40B4-BE49-F238E27FC236}">
-                <a16:creationId xmlns:a16="http://schemas.microsoft.com/office/drawing/2014/main" xmlns="" id="{0F035666-46AE-4EF1-8615-DA9A8F3E69CE}"/>
+              <a:rPr lang="en-AU" dirty="0" err="1"/>
+              <a:t>d</a:t>
+            </a:r>
+            <a:r>
+              <a:rPr lang="en-AU" dirty="0" err="1" smtClean="0"/>
+              <a:t>yna</a:t>
+            </a:r>
+            <a:r>
+              <a:rPr lang="en-AU" dirty="0" smtClean="0"/>
+              <a:t>:</a:t>
+            </a:r>
+          </a:p>
+          <a:p>
+            <a:pPr algn="ctr"/>
+            <a:r>
+              <a:rPr lang="en-US" dirty="0" smtClean="0"/>
+              <a:t>Index-hash.js</a:t>
+            </a:r>
+          </a:p>
+          <a:p>
+            <a:pPr algn="ctr"/>
+            <a:r>
+              <a:rPr lang="en-US" dirty="0" err="1" smtClean="0"/>
+              <a:t>Dyna</a:t>
+            </a:r>
+            <a:r>
+              <a:rPr lang="en-US" dirty="0" smtClean="0"/>
+              <a:t>/app.js</a:t>
+            </a:r>
+            <a:endParaRPr lang="en-US" dirty="0"/>
+          </a:p>
+        </p:txBody>
+      </p:sp>
+      <p:sp>
+        <p:nvSpPr>
+          <p:cNvPr id="7" name="Rectangle: Rounded Corners 4">
+            <a:extLst>
+              <a:ext uri="{FF2B5EF4-FFF2-40B4-BE49-F238E27FC236}">
+                <a16:creationId xmlns="" xmlns:a16="http://schemas.microsoft.com/office/drawing/2014/main" id="{BAB322B6-52C3-4BEF-AE12-CEFE4AF1737D}"/>
               </a:ext>
             </a:extLst>
           </p:cNvPr>
@@ -6085,17 +7027,12 @@
         </p:nvSpPr>
         <p:spPr>
           <a:xfrm>
-            <a:off x="1027200" y="1920164"/>
-            <a:ext cx="1972475" cy="827836"/>
+            <a:off x="1030521" y="5105229"/>
+            <a:ext cx="3263894" cy="974400"/>
           </a:xfrm>
           <a:prstGeom prst="roundRect">
             <a:avLst/>
           </a:prstGeom>
-          <a:ln>
-            <a:solidFill>
-              <a:schemeClr val="bg1"/>
-            </a:solidFill>
-          </a:ln>
         </p:spPr>
         <p:style>
           <a:lnRef idx="2">
@@ -6120,17 +7057,36 @@
             <a:pPr algn="ctr"/>
             <a:r>
               <a:rPr lang="en-AU" dirty="0"/>
-              <a:t>Git strategy &amp; hook</a:t>
-            </a:r>
-          </a:p>
-        </p:txBody>
-      </p:sp>
-      <p:sp>
-        <p:nvSpPr>
-          <p:cNvPr id="11" name="Rectangle: Rounded Corners 10">
-            <a:extLst>
-              <a:ext uri="{FF2B5EF4-FFF2-40B4-BE49-F238E27FC236}">
-                <a16:creationId xmlns:a16="http://schemas.microsoft.com/office/drawing/2014/main" xmlns="" id="{C83017FB-FA2C-4CE0-B14B-2278CF8A8DA2}"/>
+              <a:t>dyna_ </a:t>
+            </a:r>
+            <a:r>
+              <a:rPr lang="en-AU" dirty="0" smtClean="0"/>
+              <a:t>feature1_feature2:</a:t>
+            </a:r>
+          </a:p>
+          <a:p>
+            <a:pPr algn="ctr"/>
+            <a:r>
+              <a:rPr lang="en-US" dirty="0"/>
+              <a:t>Index-hash.js</a:t>
+            </a:r>
+          </a:p>
+          <a:p>
+            <a:pPr algn="ctr"/>
+            <a:r>
+              <a:rPr lang="en-US" dirty="0" smtClean="0"/>
+              <a:t>Dyna_feature1_feature2/app.js</a:t>
+            </a:r>
+            <a:endParaRPr lang="en-US" dirty="0"/>
+          </a:p>
+        </p:txBody>
+      </p:sp>
+      <p:sp>
+        <p:nvSpPr>
+          <p:cNvPr id="9" name="Rectangle: Rounded Corners 5">
+            <a:extLst>
+              <a:ext uri="{FF2B5EF4-FFF2-40B4-BE49-F238E27FC236}">
+                <a16:creationId xmlns="" xmlns:a16="http://schemas.microsoft.com/office/drawing/2014/main" id="{6E1CAEE1-F7D0-4692-87EE-C81F99C972C6}"/>
               </a:ext>
             </a:extLst>
           </p:cNvPr>
@@ -6139,17 +7095,12 @@
         </p:nvSpPr>
         <p:spPr>
           <a:xfrm>
-            <a:off x="6127891" y="1885364"/>
-            <a:ext cx="1881600" cy="779836"/>
+            <a:off x="1030520" y="3727371"/>
+            <a:ext cx="3263895" cy="948000"/>
           </a:xfrm>
           <a:prstGeom prst="roundRect">
             <a:avLst/>
           </a:prstGeom>
-          <a:ln>
-            <a:solidFill>
-              <a:schemeClr val="bg1"/>
-            </a:solidFill>
-          </a:ln>
         </p:spPr>
         <p:style>
           <a:lnRef idx="2">
@@ -6173,122 +7124,173 @@
           <a:p>
             <a:pPr algn="ctr"/>
             <a:r>
-              <a:rPr lang="en-AU" dirty="0"/>
-              <a:t>adaptive </a:t>
-            </a:r>
-            <a:r>
-              <a:rPr lang="en-AU" dirty="0" err="1"/>
-              <a:t>webpack</a:t>
-            </a:r>
-            <a:endParaRPr lang="en-AU" dirty="0"/>
-          </a:p>
-        </p:txBody>
-      </p:sp>
-      <p:sp>
-        <p:nvSpPr>
-          <p:cNvPr id="12" name="Rectangle: Rounded Corners 11">
-            <a:extLst>
-              <a:ext uri="{FF2B5EF4-FFF2-40B4-BE49-F238E27FC236}">
-                <a16:creationId xmlns:a16="http://schemas.microsoft.com/office/drawing/2014/main" xmlns="" id="{D02F0EDA-1F76-41E5-B9DB-AF50179CD422}"/>
-              </a:ext>
-            </a:extLst>
-          </p:cNvPr>
-          <p:cNvSpPr/>
+              <a:rPr lang="en-AU" dirty="0" smtClean="0"/>
+              <a:t>dyna_feature1:</a:t>
+            </a:r>
+          </a:p>
+          <a:p>
+            <a:pPr algn="ctr"/>
+            <a:r>
+              <a:rPr lang="en-US" dirty="0" smtClean="0"/>
+              <a:t>Index-hash.js</a:t>
+            </a:r>
+          </a:p>
+          <a:p>
+            <a:pPr algn="ctr"/>
+            <a:r>
+              <a:rPr lang="en-US" dirty="0" smtClean="0"/>
+              <a:t>Dyna_feature1/app.js</a:t>
+            </a:r>
+            <a:endParaRPr lang="en-US" dirty="0"/>
+          </a:p>
+        </p:txBody>
+      </p:sp>
+      <p:cxnSp>
+        <p:nvCxnSpPr>
+          <p:cNvPr id="10" name="Straight Arrow Connector 9">
+            <a:extLst>
+              <a:ext uri="{FF2B5EF4-FFF2-40B4-BE49-F238E27FC236}">
+                <a16:creationId xmlns="" xmlns:a16="http://schemas.microsoft.com/office/drawing/2014/main" id="{F7807ED4-61EC-4614-8D90-574B7B83C6E1}"/>
+              </a:ext>
+            </a:extLst>
+          </p:cNvPr>
+          <p:cNvCxnSpPr>
+            <a:cxnSpLocks/>
+            <a:stCxn id="5" idx="3"/>
+            <a:endCxn id="8" idx="1"/>
+          </p:cNvCxnSpPr>
           <p:nvPr/>
-        </p:nvSpPr>
+        </p:nvCxnSpPr>
         <p:spPr>
           <a:xfrm>
-            <a:off x="8632800" y="1888964"/>
-            <a:ext cx="1881600" cy="779836"/>
-          </a:xfrm>
-          <a:prstGeom prst="roundRect">
+            <a:off x="4294415" y="2846572"/>
+            <a:ext cx="2951271" cy="1354799"/>
+          </a:xfrm>
+          <a:prstGeom prst="straightConnector1">
             <a:avLst/>
           </a:prstGeom>
           <a:ln>
-            <a:solidFill>
-              <a:schemeClr val="bg1"/>
-            </a:solidFill>
+            <a:tailEnd type="triangle"/>
           </a:ln>
         </p:spPr>
         <p:style>
-          <a:lnRef idx="2">
-            <a:schemeClr val="accent1">
-              <a:shade val="50000"/>
-            </a:schemeClr>
+          <a:lnRef idx="1">
+            <a:schemeClr val="accent1"/>
           </a:lnRef>
-          <a:fillRef idx="1">
+          <a:fillRef idx="0">
             <a:schemeClr val="accent1"/>
           </a:fillRef>
           <a:effectRef idx="0">
             <a:schemeClr val="accent1"/>
           </a:effectRef>
           <a:fontRef idx="minor">
-            <a:schemeClr val="lt1"/>
+            <a:schemeClr val="tx1"/>
           </a:fontRef>
         </p:style>
-        <p:txBody>
-          <a:bodyPr rtlCol="0" anchor="ctr"/>
-          <a:lstStyle/>
-          <a:p>
-            <a:pPr algn="ctr"/>
-            <a:r>
-              <a:rPr lang="en-AU" dirty="0"/>
-              <a:t>Dynamic runtime</a:t>
-            </a:r>
-          </a:p>
-        </p:txBody>
-      </p:sp>
-      <p:sp>
-        <p:nvSpPr>
-          <p:cNvPr id="13" name="TextBox 12">
-            <a:extLst>
-              <a:ext uri="{FF2B5EF4-FFF2-40B4-BE49-F238E27FC236}">
-                <a16:creationId xmlns:a16="http://schemas.microsoft.com/office/drawing/2014/main" xmlns="" id="{05B20F83-55F0-446A-979B-E53AED1662A4}"/>
-              </a:ext>
-            </a:extLst>
-          </p:cNvPr>
-          <p:cNvSpPr txBox="1"/>
+      </p:cxnSp>
+      <p:cxnSp>
+        <p:nvCxnSpPr>
+          <p:cNvPr id="11" name="Straight Arrow Connector 10">
+            <a:extLst>
+              <a:ext uri="{FF2B5EF4-FFF2-40B4-BE49-F238E27FC236}">
+                <a16:creationId xmlns="" xmlns:a16="http://schemas.microsoft.com/office/drawing/2014/main" id="{F7807ED4-61EC-4614-8D90-574B7B83C6E1}"/>
+              </a:ext>
+            </a:extLst>
+          </p:cNvPr>
+          <p:cNvCxnSpPr>
+            <a:cxnSpLocks/>
+            <a:stCxn id="9" idx="3"/>
+            <a:endCxn id="8" idx="1"/>
+          </p:cNvCxnSpPr>
           <p:nvPr/>
-        </p:nvSpPr>
+        </p:nvCxnSpPr>
         <p:spPr>
           <a:xfrm>
-            <a:off x="1080000" y="3088800"/>
-            <a:ext cx="7420800" cy="646331"/>
-          </a:xfrm>
-          <a:prstGeom prst="rect">
+            <a:off x="4294415" y="4201371"/>
+            <a:ext cx="2951271" cy="0"/>
+          </a:xfrm>
+          <a:prstGeom prst="straightConnector1">
             <a:avLst/>
           </a:prstGeom>
-          <a:noFill/>
-        </p:spPr>
-        <p:txBody>
-          <a:bodyPr wrap="square" rtlCol="0">
-            <a:spAutoFit/>
-          </a:bodyPr>
-          <a:lstStyle/>
-          <a:p>
-            <a:r>
-              <a:rPr lang="en-AU" dirty="0"/>
-              <a:t>Apparently only happy path considered</a:t>
-            </a:r>
-          </a:p>
-          <a:p>
-            <a:r>
-              <a:rPr lang="en-AU" dirty="0"/>
-              <a:t>Not runtime, but click-build-deploy, still quick enough?</a:t>
-            </a:r>
-          </a:p>
-        </p:txBody>
-      </p:sp>
+          <a:ln>
+            <a:tailEnd type="triangle"/>
+          </a:ln>
+        </p:spPr>
+        <p:style>
+          <a:lnRef idx="1">
+            <a:schemeClr val="accent1"/>
+          </a:lnRef>
+          <a:fillRef idx="0">
+            <a:schemeClr val="accent1"/>
+          </a:fillRef>
+          <a:effectRef idx="0">
+            <a:schemeClr val="accent1"/>
+          </a:effectRef>
+          <a:fontRef idx="minor">
+            <a:schemeClr val="tx1"/>
+          </a:fontRef>
+        </p:style>
+      </p:cxnSp>
+      <p:cxnSp>
+        <p:nvCxnSpPr>
+          <p:cNvPr id="14" name="Straight Arrow Connector 13">
+            <a:extLst>
+              <a:ext uri="{FF2B5EF4-FFF2-40B4-BE49-F238E27FC236}">
+                <a16:creationId xmlns="" xmlns:a16="http://schemas.microsoft.com/office/drawing/2014/main" id="{F7807ED4-61EC-4614-8D90-574B7B83C6E1}"/>
+              </a:ext>
+            </a:extLst>
+          </p:cNvPr>
+          <p:cNvCxnSpPr>
+            <a:cxnSpLocks/>
+            <a:stCxn id="7" idx="3"/>
+            <a:endCxn id="8" idx="1"/>
+          </p:cNvCxnSpPr>
+          <p:nvPr/>
+        </p:nvCxnSpPr>
+        <p:spPr>
+          <a:xfrm flipV="1">
+            <a:off x="4294415" y="4201371"/>
+            <a:ext cx="2951271" cy="1391058"/>
+          </a:xfrm>
+          <a:prstGeom prst="straightConnector1">
+            <a:avLst/>
+          </a:prstGeom>
+          <a:ln>
+            <a:tailEnd type="triangle"/>
+          </a:ln>
+        </p:spPr>
+        <p:style>
+          <a:lnRef idx="1">
+            <a:schemeClr val="accent1"/>
+          </a:lnRef>
+          <a:fillRef idx="0">
+            <a:schemeClr val="accent1"/>
+          </a:fillRef>
+          <a:effectRef idx="0">
+            <a:schemeClr val="accent1"/>
+          </a:effectRef>
+          <a:fontRef idx="minor">
+            <a:schemeClr val="tx1"/>
+          </a:fontRef>
+        </p:style>
+      </p:cxnSp>
     </p:spTree>
     <p:extLst>
       <p:ext uri="{BB962C8B-B14F-4D97-AF65-F5344CB8AC3E}">
-        <p14:creationId xmlns:p14="http://schemas.microsoft.com/office/powerpoint/2010/main" val="1284333701"/>
+        <p14:creationId xmlns:p14="http://schemas.microsoft.com/office/powerpoint/2010/main" val="618768341"/>
       </p:ext>
     </p:extLst>
   </p:cSld>
   <p:clrMapOvr>
     <a:masterClrMapping/>
   </p:clrMapOvr>
+  <p:timing>
+    <p:tnLst>
+      <p:par>
+        <p:cTn id="1" dur="indefinite" restart="never" nodeType="tmRoot"/>
+      </p:par>
+    </p:tnLst>
+  </p:timing>
 </p:sld>
 </file>
 
@@ -6309,12 +7311,739 @@
           <a:chExt cx="0" cy="0"/>
         </a:xfrm>
       </p:grpSpPr>
+      <p:sp>
+        <p:nvSpPr>
+          <p:cNvPr id="2" name="Title 1">
+            <a:extLst>
+              <a:ext uri="{FF2B5EF4-FFF2-40B4-BE49-F238E27FC236}">
+                <a16:creationId xmlns="" xmlns:a16="http://schemas.microsoft.com/office/drawing/2014/main" id="{33F06CFE-7E28-48E4-9C8E-52EF37937809}"/>
+              </a:ext>
+            </a:extLst>
+          </p:cNvPr>
+          <p:cNvSpPr>
+            <a:spLocks noGrp="1"/>
+          </p:cNvSpPr>
+          <p:nvPr>
+            <p:ph type="title"/>
+          </p:nvPr>
+        </p:nvSpPr>
+        <p:spPr/>
+        <p:txBody>
+          <a:bodyPr/>
+          <a:lstStyle/>
+          <a:p>
+            <a:r>
+              <a:rPr lang="en-AU" dirty="0"/>
+              <a:t>Index.js</a:t>
+            </a:r>
+          </a:p>
+        </p:txBody>
+      </p:sp>
+      <p:sp>
+        <p:nvSpPr>
+          <p:cNvPr id="4" name="Content Placeholder 2">
+            <a:extLst>
+              <a:ext uri="{FF2B5EF4-FFF2-40B4-BE49-F238E27FC236}">
+                <a16:creationId xmlns="" xmlns:a16="http://schemas.microsoft.com/office/drawing/2014/main" id="{284737B6-E0BD-4584-81E7-2CD25B88C98D}"/>
+              </a:ext>
+            </a:extLst>
+          </p:cNvPr>
+          <p:cNvSpPr>
+            <a:spLocks noGrp="1"/>
+          </p:cNvSpPr>
+          <p:nvPr>
+            <p:ph idx="1"/>
+          </p:nvPr>
+        </p:nvSpPr>
+        <p:spPr>
+          <a:xfrm>
+            <a:off x="587829" y="1396092"/>
+            <a:ext cx="11193235" cy="5119007"/>
+          </a:xfrm>
+        </p:spPr>
+        <p:txBody>
+          <a:bodyPr>
+            <a:normAutofit fontScale="62500" lnSpcReduction="20000"/>
+          </a:bodyPr>
+          <a:lstStyle/>
+          <a:p>
+            <a:pPr marL="0" indent="0">
+              <a:buNone/>
+            </a:pPr>
+            <a:r>
+              <a:rPr lang="en-AU" dirty="0"/>
+              <a:t>import </a:t>
+            </a:r>
+            <a:r>
+              <a:rPr lang="en-AU" dirty="0" err="1"/>
+              <a:t>LoadableVisibility</a:t>
+            </a:r>
+            <a:r>
+              <a:rPr lang="en-AU" dirty="0"/>
+              <a:t> from 'react-loadable-visibility/react-loadable';</a:t>
+            </a:r>
+          </a:p>
+          <a:p>
+            <a:pPr marL="0" indent="0">
+              <a:buNone/>
+            </a:pPr>
+            <a:endParaRPr lang="en-AU" dirty="0"/>
+          </a:p>
+          <a:p>
+            <a:pPr marL="0" indent="0">
+              <a:buNone/>
+            </a:pPr>
+            <a:r>
+              <a:rPr lang="en-AU" dirty="0" err="1"/>
+              <a:t>const</a:t>
+            </a:r>
+            <a:r>
+              <a:rPr lang="en-AU" dirty="0"/>
+              <a:t> </a:t>
+            </a:r>
+            <a:r>
+              <a:rPr lang="en-AU" b="1" dirty="0"/>
+              <a:t>App</a:t>
+            </a:r>
+            <a:r>
+              <a:rPr lang="en-AU" dirty="0"/>
+              <a:t>= </a:t>
+            </a:r>
+            <a:r>
+              <a:rPr lang="en-AU" dirty="0" err="1"/>
+              <a:t>LoadableVisibility</a:t>
+            </a:r>
+            <a:r>
+              <a:rPr lang="en-AU" dirty="0"/>
+              <a:t>({</a:t>
+            </a:r>
+          </a:p>
+          <a:p>
+            <a:pPr marL="0" indent="0">
+              <a:buNone/>
+            </a:pPr>
+            <a:r>
+              <a:rPr lang="en-AU" dirty="0"/>
+              <a:t>  loader: () =&gt; import(</a:t>
+            </a:r>
+            <a:r>
+              <a:rPr lang="en-AU" b="1" dirty="0"/>
+              <a:t>`./</a:t>
+            </a:r>
+            <a:r>
+              <a:rPr lang="en-AU" b="1" dirty="0" err="1"/>
+              <a:t>dyna</a:t>
+            </a:r>
+            <a:r>
+              <a:rPr lang="en-AU" b="1" dirty="0"/>
+              <a:t>_${</a:t>
+            </a:r>
+            <a:r>
+              <a:rPr lang="en-AU" b="1" dirty="0" err="1"/>
+              <a:t>features.join</a:t>
+            </a:r>
+            <a:r>
+              <a:rPr lang="en-AU" b="1" dirty="0"/>
+              <a:t>(‘_’)}/app`</a:t>
+            </a:r>
+            <a:r>
+              <a:rPr lang="en-AU" dirty="0"/>
+              <a:t>),</a:t>
+            </a:r>
+          </a:p>
+          <a:p>
+            <a:pPr marL="0" indent="0">
+              <a:buNone/>
+            </a:pPr>
+            <a:r>
+              <a:rPr lang="en-AU" dirty="0"/>
+              <a:t>// get dyna_feature1_feature2/App.js</a:t>
+            </a:r>
+          </a:p>
+          <a:p>
+            <a:pPr marL="0" indent="0">
+              <a:buNone/>
+            </a:pPr>
+            <a:r>
+              <a:rPr lang="en-AU" dirty="0"/>
+              <a:t>  loading() {</a:t>
+            </a:r>
+          </a:p>
+          <a:p>
+            <a:pPr marL="0" indent="0">
+              <a:buNone/>
+            </a:pPr>
+            <a:r>
+              <a:rPr lang="en-AU" dirty="0"/>
+              <a:t>    return &lt;div&gt;Loading...&lt;/div&gt;;</a:t>
+            </a:r>
+          </a:p>
+          <a:p>
+            <a:pPr marL="0" indent="0">
+              <a:buNone/>
+            </a:pPr>
+            <a:r>
+              <a:rPr lang="en-AU" dirty="0"/>
+              <a:t>  }</a:t>
+            </a:r>
+          </a:p>
+          <a:p>
+            <a:pPr marL="0" indent="0">
+              <a:buNone/>
+            </a:pPr>
+            <a:r>
+              <a:rPr lang="en-AU" dirty="0"/>
+              <a:t>});</a:t>
+            </a:r>
+          </a:p>
+          <a:p>
+            <a:pPr marL="0" indent="0">
+              <a:buNone/>
+            </a:pPr>
+            <a:endParaRPr lang="en-AU" dirty="0"/>
+          </a:p>
+          <a:p>
+            <a:pPr marL="0" indent="0">
+              <a:buNone/>
+            </a:pPr>
+            <a:r>
+              <a:rPr lang="en-AU" dirty="0"/>
+              <a:t>render(</a:t>
+            </a:r>
+          </a:p>
+          <a:p>
+            <a:pPr marL="0" indent="0">
+              <a:buNone/>
+            </a:pPr>
+            <a:r>
+              <a:rPr lang="en-AU" dirty="0"/>
+              <a:t>  &lt;Provider store={store}&gt;</a:t>
+            </a:r>
+          </a:p>
+          <a:p>
+            <a:pPr marL="0" indent="0">
+              <a:buNone/>
+            </a:pPr>
+            <a:r>
+              <a:rPr lang="en-AU" dirty="0"/>
+              <a:t>    &lt; </a:t>
+            </a:r>
+            <a:r>
+              <a:rPr lang="en-AU" b="1" dirty="0"/>
+              <a:t>App</a:t>
+            </a:r>
+            <a:r>
+              <a:rPr lang="en-AU" dirty="0"/>
+              <a:t> /&gt;</a:t>
+            </a:r>
+          </a:p>
+          <a:p>
+            <a:pPr marL="0" indent="0">
+              <a:buNone/>
+            </a:pPr>
+            <a:r>
+              <a:rPr lang="en-AU" dirty="0"/>
+              <a:t>  &lt;/Provider&gt;,</a:t>
+            </a:r>
+          </a:p>
+          <a:p>
+            <a:pPr marL="0" indent="0">
+              <a:buNone/>
+            </a:pPr>
+            <a:r>
+              <a:rPr lang="en-AU" dirty="0"/>
+              <a:t>  </a:t>
+            </a:r>
+            <a:r>
+              <a:rPr lang="en-AU" dirty="0" err="1"/>
+              <a:t>document.getElementById</a:t>
+            </a:r>
+            <a:r>
+              <a:rPr lang="en-AU" dirty="0"/>
+              <a:t>(`root`)</a:t>
+            </a:r>
+          </a:p>
+          <a:p>
+            <a:pPr marL="0" indent="0">
+              <a:buNone/>
+            </a:pPr>
+            <a:r>
+              <a:rPr lang="en-AU" dirty="0"/>
+              <a:t>);</a:t>
+            </a:r>
+          </a:p>
+        </p:txBody>
+      </p:sp>
+    </p:spTree>
+    <p:extLst>
+      <p:ext uri="{BB962C8B-B14F-4D97-AF65-F5344CB8AC3E}">
+        <p14:creationId xmlns:p14="http://schemas.microsoft.com/office/powerpoint/2010/main" val="2039964391"/>
+      </p:ext>
+    </p:extLst>
+  </p:cSld>
+  <p:clrMapOvr>
+    <a:masterClrMapping/>
+  </p:clrMapOvr>
+  <p:timing>
+    <p:tnLst>
+      <p:par>
+        <p:cTn id="1" dur="indefinite" restart="never" nodeType="tmRoot"/>
+      </p:par>
+    </p:tnLst>
+  </p:timing>
+</p:sld>
+</file>
+
+<file path=ppt/slides/slide25.xml><?xml version="1.0" encoding="utf-8"?>
+<p:sld xmlns:a="http://schemas.openxmlformats.org/drawingml/2006/main" xmlns:r="http://schemas.openxmlformats.org/officeDocument/2006/relationships" xmlns:p="http://schemas.openxmlformats.org/presentationml/2006/main">
+  <p:cSld>
+    <p:spTree>
+      <p:nvGrpSpPr>
+        <p:cNvPr id="1" name=""/>
+        <p:cNvGrpSpPr/>
+        <p:nvPr/>
+      </p:nvGrpSpPr>
+      <p:grpSpPr>
+        <a:xfrm>
+          <a:off x="0" y="0"/>
+          <a:ext cx="0" cy="0"/>
+          <a:chOff x="0" y="0"/>
+          <a:chExt cx="0" cy="0"/>
+        </a:xfrm>
+      </p:grpSpPr>
+      <p:sp>
+        <p:nvSpPr>
+          <p:cNvPr id="2" name="Title 1">
+            <a:extLst>
+              <a:ext uri="{FF2B5EF4-FFF2-40B4-BE49-F238E27FC236}">
+                <a16:creationId xmlns="" xmlns:a16="http://schemas.microsoft.com/office/drawing/2014/main" id="{11E1DF8B-9E4A-4840-A2A1-4EDDBA6B07EE}"/>
+              </a:ext>
+            </a:extLst>
+          </p:cNvPr>
+          <p:cNvSpPr>
+            <a:spLocks noGrp="1"/>
+          </p:cNvSpPr>
+          <p:nvPr>
+            <p:ph type="title"/>
+          </p:nvPr>
+        </p:nvSpPr>
+        <p:spPr/>
+        <p:txBody>
+          <a:bodyPr/>
+          <a:lstStyle/>
+          <a:p>
+            <a:r>
+              <a:rPr lang="en-AU" dirty="0"/>
+              <a:t>Summary</a:t>
+            </a:r>
+          </a:p>
+        </p:txBody>
+      </p:sp>
+      <p:sp>
+        <p:nvSpPr>
+          <p:cNvPr id="3" name="Content Placeholder 2">
+            <a:extLst>
+              <a:ext uri="{FF2B5EF4-FFF2-40B4-BE49-F238E27FC236}">
+                <a16:creationId xmlns="" xmlns:a16="http://schemas.microsoft.com/office/drawing/2014/main" id="{D75B4ED2-165E-4B98-96C0-22387CEEF9DA}"/>
+              </a:ext>
+            </a:extLst>
+          </p:cNvPr>
+          <p:cNvSpPr>
+            <a:spLocks noGrp="1"/>
+          </p:cNvSpPr>
+          <p:nvPr>
+            <p:ph idx="1"/>
+          </p:nvPr>
+        </p:nvSpPr>
+        <p:spPr>
+          <a:xfrm>
+            <a:off x="903000" y="5128799"/>
+            <a:ext cx="10515600" cy="544163"/>
+          </a:xfrm>
+        </p:spPr>
+        <p:txBody>
+          <a:bodyPr/>
+          <a:lstStyle/>
+          <a:p>
+            <a:pPr marL="0" indent="0">
+              <a:buNone/>
+            </a:pPr>
+            <a:r>
+              <a:rPr lang="en-AU" dirty="0"/>
+              <a:t>What about backend?</a:t>
+            </a:r>
+          </a:p>
+        </p:txBody>
+      </p:sp>
+      <p:sp>
+        <p:nvSpPr>
+          <p:cNvPr id="4" name="Rectangle: Rounded Corners 3">
+            <a:extLst>
+              <a:ext uri="{FF2B5EF4-FFF2-40B4-BE49-F238E27FC236}">
+                <a16:creationId xmlns="" xmlns:a16="http://schemas.microsoft.com/office/drawing/2014/main" id="{A0879E72-D641-4A88-B06B-428D7CB7C5DE}"/>
+              </a:ext>
+            </a:extLst>
+          </p:cNvPr>
+          <p:cNvSpPr/>
+          <p:nvPr/>
+        </p:nvSpPr>
+        <p:spPr>
+          <a:xfrm>
+            <a:off x="3622983" y="1920164"/>
+            <a:ext cx="1881600" cy="779836"/>
+          </a:xfrm>
+          <a:prstGeom prst="roundRect">
+            <a:avLst/>
+          </a:prstGeom>
+          <a:ln>
+            <a:solidFill>
+              <a:schemeClr val="bg1"/>
+            </a:solidFill>
+          </a:ln>
+        </p:spPr>
+        <p:style>
+          <a:lnRef idx="2">
+            <a:schemeClr val="accent1">
+              <a:shade val="50000"/>
+            </a:schemeClr>
+          </a:lnRef>
+          <a:fillRef idx="1">
+            <a:schemeClr val="accent1"/>
+          </a:fillRef>
+          <a:effectRef idx="0">
+            <a:schemeClr val="accent1"/>
+          </a:effectRef>
+          <a:fontRef idx="minor">
+            <a:schemeClr val="lt1"/>
+          </a:fontRef>
+        </p:style>
+        <p:txBody>
+          <a:bodyPr rtlCol="0" anchor="ctr"/>
+          <a:lstStyle/>
+          <a:p>
+            <a:pPr algn="ctr"/>
+            <a:r>
+              <a:rPr lang="en-AU" dirty="0"/>
+              <a:t>elastic CI/CD pipeline</a:t>
+            </a:r>
+          </a:p>
+        </p:txBody>
+      </p:sp>
+      <p:sp>
+        <p:nvSpPr>
+          <p:cNvPr id="8" name="Rectangle: Rounded Corners 7">
+            <a:extLst>
+              <a:ext uri="{FF2B5EF4-FFF2-40B4-BE49-F238E27FC236}">
+                <a16:creationId xmlns="" xmlns:a16="http://schemas.microsoft.com/office/drawing/2014/main" id="{0F035666-46AE-4EF1-8615-DA9A8F3E69CE}"/>
+              </a:ext>
+            </a:extLst>
+          </p:cNvPr>
+          <p:cNvSpPr/>
+          <p:nvPr/>
+        </p:nvSpPr>
+        <p:spPr>
+          <a:xfrm>
+            <a:off x="1027200" y="1920164"/>
+            <a:ext cx="1972475" cy="827836"/>
+          </a:xfrm>
+          <a:prstGeom prst="roundRect">
+            <a:avLst/>
+          </a:prstGeom>
+          <a:ln>
+            <a:solidFill>
+              <a:schemeClr val="bg1"/>
+            </a:solidFill>
+          </a:ln>
+        </p:spPr>
+        <p:style>
+          <a:lnRef idx="2">
+            <a:schemeClr val="accent1">
+              <a:shade val="50000"/>
+            </a:schemeClr>
+          </a:lnRef>
+          <a:fillRef idx="1">
+            <a:schemeClr val="accent1"/>
+          </a:fillRef>
+          <a:effectRef idx="0">
+            <a:schemeClr val="accent1"/>
+          </a:effectRef>
+          <a:fontRef idx="minor">
+            <a:schemeClr val="lt1"/>
+          </a:fontRef>
+        </p:style>
+        <p:txBody>
+          <a:bodyPr rtlCol="0" anchor="ctr"/>
+          <a:lstStyle/>
+          <a:p>
+            <a:pPr algn="ctr"/>
+            <a:r>
+              <a:rPr lang="en-AU" dirty="0"/>
+              <a:t>Git strategy &amp; hook</a:t>
+            </a:r>
+          </a:p>
+        </p:txBody>
+      </p:sp>
+      <p:sp>
+        <p:nvSpPr>
+          <p:cNvPr id="11" name="Rectangle: Rounded Corners 10">
+            <a:extLst>
+              <a:ext uri="{FF2B5EF4-FFF2-40B4-BE49-F238E27FC236}">
+                <a16:creationId xmlns="" xmlns:a16="http://schemas.microsoft.com/office/drawing/2014/main" id="{C83017FB-FA2C-4CE0-B14B-2278CF8A8DA2}"/>
+              </a:ext>
+            </a:extLst>
+          </p:cNvPr>
+          <p:cNvSpPr/>
+          <p:nvPr/>
+        </p:nvSpPr>
+        <p:spPr>
+          <a:xfrm>
+            <a:off x="6127891" y="1885364"/>
+            <a:ext cx="1881600" cy="779836"/>
+          </a:xfrm>
+          <a:prstGeom prst="roundRect">
+            <a:avLst/>
+          </a:prstGeom>
+          <a:ln>
+            <a:solidFill>
+              <a:schemeClr val="bg1"/>
+            </a:solidFill>
+          </a:ln>
+        </p:spPr>
+        <p:style>
+          <a:lnRef idx="2">
+            <a:schemeClr val="accent1">
+              <a:shade val="50000"/>
+            </a:schemeClr>
+          </a:lnRef>
+          <a:fillRef idx="1">
+            <a:schemeClr val="accent1"/>
+          </a:fillRef>
+          <a:effectRef idx="0">
+            <a:schemeClr val="accent1"/>
+          </a:effectRef>
+          <a:fontRef idx="minor">
+            <a:schemeClr val="lt1"/>
+          </a:fontRef>
+        </p:style>
+        <p:txBody>
+          <a:bodyPr rtlCol="0" anchor="ctr"/>
+          <a:lstStyle/>
+          <a:p>
+            <a:pPr algn="ctr"/>
+            <a:r>
+              <a:rPr lang="en-AU" dirty="0"/>
+              <a:t>adaptive </a:t>
+            </a:r>
+            <a:r>
+              <a:rPr lang="en-AU" dirty="0" err="1"/>
+              <a:t>webpack</a:t>
+            </a:r>
+            <a:endParaRPr lang="en-AU" dirty="0"/>
+          </a:p>
+        </p:txBody>
+      </p:sp>
+      <p:sp>
+        <p:nvSpPr>
+          <p:cNvPr id="12" name="Rectangle: Rounded Corners 11">
+            <a:extLst>
+              <a:ext uri="{FF2B5EF4-FFF2-40B4-BE49-F238E27FC236}">
+                <a16:creationId xmlns="" xmlns:a16="http://schemas.microsoft.com/office/drawing/2014/main" id="{D02F0EDA-1F76-41E5-B9DB-AF50179CD422}"/>
+              </a:ext>
+            </a:extLst>
+          </p:cNvPr>
+          <p:cNvSpPr/>
+          <p:nvPr/>
+        </p:nvSpPr>
+        <p:spPr>
+          <a:xfrm>
+            <a:off x="8632800" y="1888964"/>
+            <a:ext cx="1881600" cy="779836"/>
+          </a:xfrm>
+          <a:prstGeom prst="roundRect">
+            <a:avLst/>
+          </a:prstGeom>
+          <a:ln>
+            <a:solidFill>
+              <a:schemeClr val="bg1"/>
+            </a:solidFill>
+          </a:ln>
+        </p:spPr>
+        <p:style>
+          <a:lnRef idx="2">
+            <a:schemeClr val="accent1">
+              <a:shade val="50000"/>
+            </a:schemeClr>
+          </a:lnRef>
+          <a:fillRef idx="1">
+            <a:schemeClr val="accent1"/>
+          </a:fillRef>
+          <a:effectRef idx="0">
+            <a:schemeClr val="accent1"/>
+          </a:effectRef>
+          <a:fontRef idx="minor">
+            <a:schemeClr val="lt1"/>
+          </a:fontRef>
+        </p:style>
+        <p:txBody>
+          <a:bodyPr rtlCol="0" anchor="ctr"/>
+          <a:lstStyle/>
+          <a:p>
+            <a:pPr algn="ctr"/>
+            <a:r>
+              <a:rPr lang="en-AU" dirty="0"/>
+              <a:t>Dynamic runtime</a:t>
+            </a:r>
+          </a:p>
+        </p:txBody>
+      </p:sp>
+      <p:sp>
+        <p:nvSpPr>
+          <p:cNvPr id="13" name="TextBox 12">
+            <a:extLst>
+              <a:ext uri="{FF2B5EF4-FFF2-40B4-BE49-F238E27FC236}">
+                <a16:creationId xmlns="" xmlns:a16="http://schemas.microsoft.com/office/drawing/2014/main" id="{05B20F83-55F0-446A-979B-E53AED1662A4}"/>
+              </a:ext>
+            </a:extLst>
+          </p:cNvPr>
+          <p:cNvSpPr txBox="1"/>
+          <p:nvPr/>
+        </p:nvSpPr>
+        <p:spPr>
+          <a:xfrm>
+            <a:off x="1027200" y="3075937"/>
+            <a:ext cx="9434401" cy="1477328"/>
+          </a:xfrm>
+          <a:prstGeom prst="rect">
+            <a:avLst/>
+          </a:prstGeom>
+          <a:noFill/>
+        </p:spPr>
+        <p:txBody>
+          <a:bodyPr wrap="square" rtlCol="0">
+            <a:spAutoFit/>
+          </a:bodyPr>
+          <a:lstStyle/>
+          <a:p>
+            <a:r>
+              <a:rPr lang="en-AU" dirty="0"/>
+              <a:t>Apparently only happy path considered</a:t>
+            </a:r>
+          </a:p>
+          <a:p>
+            <a:r>
+              <a:rPr lang="en-AU" dirty="0" smtClean="0"/>
+              <a:t>Configure </a:t>
+            </a:r>
+            <a:r>
+              <a:rPr lang="en-AU" b="1" dirty="0" smtClean="0"/>
+              <a:t>is not runtime</a:t>
+            </a:r>
+            <a:r>
+              <a:rPr lang="en-AU" dirty="0" smtClean="0"/>
+              <a:t>, </a:t>
+            </a:r>
+            <a:r>
+              <a:rPr lang="en-AU" dirty="0"/>
+              <a:t>but click-build-deploy, still </a:t>
+            </a:r>
+            <a:r>
+              <a:rPr lang="en-AU" dirty="0" smtClean="0"/>
+              <a:t>acceptable (for admin)</a:t>
+            </a:r>
+            <a:r>
+              <a:rPr lang="en-AU" dirty="0" smtClean="0"/>
+              <a:t>?</a:t>
+            </a:r>
+          </a:p>
+          <a:p>
+            <a:r>
+              <a:rPr lang="en-US" dirty="0" smtClean="0"/>
+              <a:t>Actually feature toggling </a:t>
+            </a:r>
+            <a:r>
+              <a:rPr lang="en-US" b="1" dirty="0" smtClean="0"/>
+              <a:t>is runtime </a:t>
+            </a:r>
+            <a:r>
+              <a:rPr lang="en-US" dirty="0" smtClean="0"/>
+              <a:t>(for users)</a:t>
+            </a:r>
+          </a:p>
+          <a:p>
+            <a:endParaRPr lang="en-US" dirty="0"/>
+          </a:p>
+          <a:p>
+            <a:r>
+              <a:rPr lang="en-US" dirty="0" smtClean="0"/>
+              <a:t>Advanced: feature dependency, </a:t>
+            </a:r>
+            <a:r>
+              <a:rPr lang="en-US" dirty="0"/>
+              <a:t>feature before(uncertainty)/</a:t>
+            </a:r>
+            <a:r>
+              <a:rPr lang="en-US" dirty="0" smtClean="0"/>
+              <a:t>after(certainty</a:t>
+            </a:r>
+            <a:r>
+              <a:rPr lang="en-US" dirty="0"/>
+              <a:t>) </a:t>
+            </a:r>
+            <a:r>
+              <a:rPr lang="en-US" dirty="0" smtClean="0"/>
+              <a:t>login, </a:t>
+            </a:r>
+            <a:r>
+              <a:rPr lang="en-US" dirty="0" err="1" smtClean="0"/>
+              <a:t>etc</a:t>
+            </a:r>
+            <a:endParaRPr lang="en-AU" dirty="0"/>
+          </a:p>
+        </p:txBody>
+      </p:sp>
+    </p:spTree>
+    <p:extLst>
+      <p:ext uri="{BB962C8B-B14F-4D97-AF65-F5344CB8AC3E}">
+        <p14:creationId xmlns:p14="http://schemas.microsoft.com/office/powerpoint/2010/main" val="1284333701"/>
+      </p:ext>
+    </p:extLst>
+  </p:cSld>
+  <p:clrMapOvr>
+    <a:masterClrMapping/>
+  </p:clrMapOvr>
+  <p:timing>
+    <p:tnLst>
+      <p:par>
+        <p:cTn id="1" dur="indefinite" restart="never" nodeType="tmRoot"/>
+      </p:par>
+    </p:tnLst>
+  </p:timing>
+</p:sld>
+</file>
+
+<file path=ppt/slides/slide26.xml><?xml version="1.0" encoding="utf-8"?>
+<p:sld xmlns:a="http://schemas.openxmlformats.org/drawingml/2006/main" xmlns:r="http://schemas.openxmlformats.org/officeDocument/2006/relationships" xmlns:p="http://schemas.openxmlformats.org/presentationml/2006/main">
+  <p:cSld>
+    <p:spTree>
+      <p:nvGrpSpPr>
+        <p:cNvPr id="1" name=""/>
+        <p:cNvGrpSpPr/>
+        <p:nvPr/>
+      </p:nvGrpSpPr>
+      <p:grpSpPr>
+        <a:xfrm>
+          <a:off x="0" y="0"/>
+          <a:ext cx="0" cy="0"/>
+          <a:chOff x="0" y="0"/>
+          <a:chExt cx="0" cy="0"/>
+        </a:xfrm>
+      </p:grpSpPr>
       <p:pic>
         <p:nvPicPr>
           <p:cNvPr id="5" name="Content Placeholder 4">
             <a:extLst>
               <a:ext uri="{FF2B5EF4-FFF2-40B4-BE49-F238E27FC236}">
-                <a16:creationId xmlns:a16="http://schemas.microsoft.com/office/drawing/2014/main" xmlns="" id="{AD93727E-7F42-4C0C-9BEB-A4BCF2B99BC4}"/>
+                <a16:creationId xmlns="" xmlns:a16="http://schemas.microsoft.com/office/drawing/2014/main" id="{AD93727E-7F42-4C0C-9BEB-A4BCF2B99BC4}"/>
               </a:ext>
             </a:extLst>
           </p:cNvPr>
@@ -6339,8 +8068,8 @@
         </p:blipFill>
         <p:spPr>
           <a:xfrm>
-            <a:off x="2651151" y="1189625"/>
-            <a:ext cx="6539298" cy="4351338"/>
+            <a:off x="0" y="0"/>
+            <a:ext cx="12192000" cy="6858000"/>
           </a:xfrm>
         </p:spPr>
       </p:pic>
@@ -6349,7 +8078,7 @@
           <p:cNvPr id="2" name="Title 1">
             <a:extLst>
               <a:ext uri="{FF2B5EF4-FFF2-40B4-BE49-F238E27FC236}">
-                <a16:creationId xmlns:a16="http://schemas.microsoft.com/office/drawing/2014/main" xmlns="" id="{0281058A-E1D9-44B2-BFF2-0ACD4AB1569D}"/>
+                <a16:creationId xmlns="" xmlns:a16="http://schemas.microsoft.com/office/drawing/2014/main" id="{0281058A-E1D9-44B2-BFF2-0ACD4AB1569D}"/>
               </a:ext>
             </a:extLst>
           </p:cNvPr>
@@ -6362,8 +8091,8 @@
         </p:nvSpPr>
         <p:spPr>
           <a:xfrm>
-            <a:off x="4078759" y="1317600"/>
-            <a:ext cx="3757241" cy="624297"/>
+            <a:off x="3188852" y="354214"/>
+            <a:ext cx="6861384" cy="624297"/>
           </a:xfrm>
         </p:spPr>
         <p:txBody>
@@ -6399,6 +8128,13 @@
   <p:clrMapOvr>
     <a:masterClrMapping/>
   </p:clrMapOvr>
+  <p:timing>
+    <p:tnLst>
+      <p:par>
+        <p:cTn id="1" dur="indefinite" restart="never" nodeType="tmRoot"/>
+      </p:par>
+    </p:tnLst>
+  </p:timing>
 </p:sld>
 </file>
 
@@ -6424,7 +8160,7 @@
           <p:cNvPr id="2" name="Title 1">
             <a:extLst>
               <a:ext uri="{FF2B5EF4-FFF2-40B4-BE49-F238E27FC236}">
-                <a16:creationId xmlns:a16="http://schemas.microsoft.com/office/drawing/2014/main" xmlns="" id="{60FC3D32-322A-45DE-8BD9-4CC279C9EBB9}"/>
+                <a16:creationId xmlns="" xmlns:a16="http://schemas.microsoft.com/office/drawing/2014/main" id="{60FC3D32-322A-45DE-8BD9-4CC279C9EBB9}"/>
               </a:ext>
             </a:extLst>
           </p:cNvPr>
@@ -6452,7 +8188,7 @@
           <p:cNvPr id="3" name="Content Placeholder 2">
             <a:extLst>
               <a:ext uri="{FF2B5EF4-FFF2-40B4-BE49-F238E27FC236}">
-                <a16:creationId xmlns:a16="http://schemas.microsoft.com/office/drawing/2014/main" xmlns="" id="{01B526C5-9CC5-4942-9B23-39DE40E1944F}"/>
+                <a16:creationId xmlns="" xmlns:a16="http://schemas.microsoft.com/office/drawing/2014/main" id="{01B526C5-9CC5-4942-9B23-39DE40E1944F}"/>
               </a:ext>
             </a:extLst>
           </p:cNvPr>
@@ -6582,7 +8318,7 @@
           <p:cNvPr id="2" name="Title 1">
             <a:extLst>
               <a:ext uri="{FF2B5EF4-FFF2-40B4-BE49-F238E27FC236}">
-                <a16:creationId xmlns:a16="http://schemas.microsoft.com/office/drawing/2014/main" xmlns="" id="{351E2D6D-5B89-4FFB-885C-F2D1A3D85300}"/>
+                <a16:creationId xmlns="" xmlns:a16="http://schemas.microsoft.com/office/drawing/2014/main" id="{351E2D6D-5B89-4FFB-885C-F2D1A3D85300}"/>
               </a:ext>
             </a:extLst>
           </p:cNvPr>
@@ -6610,7 +8346,7 @@
           <p:cNvPr id="10" name="Rectangle: Rounded Corners 9">
             <a:extLst>
               <a:ext uri="{FF2B5EF4-FFF2-40B4-BE49-F238E27FC236}">
-                <a16:creationId xmlns:a16="http://schemas.microsoft.com/office/drawing/2014/main" xmlns="" id="{3E60A93E-3EFC-4238-9C19-7AD9C0DB83BF}"/>
+                <a16:creationId xmlns="" xmlns:a16="http://schemas.microsoft.com/office/drawing/2014/main" id="{3E60A93E-3EFC-4238-9C19-7AD9C0DB83BF}"/>
               </a:ext>
             </a:extLst>
           </p:cNvPr>
@@ -6664,7 +8400,7 @@
           <p:cNvPr id="11" name="Rectangle: Rounded Corners 10">
             <a:extLst>
               <a:ext uri="{FF2B5EF4-FFF2-40B4-BE49-F238E27FC236}">
-                <a16:creationId xmlns:a16="http://schemas.microsoft.com/office/drawing/2014/main" xmlns="" id="{9F4B82D9-AE48-47D0-B664-20BBDEF49994}"/>
+                <a16:creationId xmlns="" xmlns:a16="http://schemas.microsoft.com/office/drawing/2014/main" id="{9F4B82D9-AE48-47D0-B664-20BBDEF49994}"/>
               </a:ext>
             </a:extLst>
           </p:cNvPr>
@@ -6718,7 +8454,7 @@
           <p:cNvPr id="12" name="Straight Arrow Connector 11">
             <a:extLst>
               <a:ext uri="{FF2B5EF4-FFF2-40B4-BE49-F238E27FC236}">
-                <a16:creationId xmlns:a16="http://schemas.microsoft.com/office/drawing/2014/main" xmlns="" id="{815A87B5-9B7D-4471-AFD8-4B8028430FCF}"/>
+                <a16:creationId xmlns="" xmlns:a16="http://schemas.microsoft.com/office/drawing/2014/main" id="{815A87B5-9B7D-4471-AFD8-4B8028430FCF}"/>
               </a:ext>
             </a:extLst>
           </p:cNvPr>
@@ -6757,7 +8493,7 @@
           <p:cNvPr id="13" name="Straight Arrow Connector 12">
             <a:extLst>
               <a:ext uri="{FF2B5EF4-FFF2-40B4-BE49-F238E27FC236}">
-                <a16:creationId xmlns:a16="http://schemas.microsoft.com/office/drawing/2014/main" xmlns="" id="{ED5C6514-695A-4A15-A0F7-E6D0CC090184}"/>
+                <a16:creationId xmlns="" xmlns:a16="http://schemas.microsoft.com/office/drawing/2014/main" id="{ED5C6514-695A-4A15-A0F7-E6D0CC090184}"/>
               </a:ext>
             </a:extLst>
           </p:cNvPr>
@@ -6798,7 +8534,7 @@
           <p:cNvPr id="14" name="Rectangle: Rounded Corners 13">
             <a:extLst>
               <a:ext uri="{FF2B5EF4-FFF2-40B4-BE49-F238E27FC236}">
-                <a16:creationId xmlns:a16="http://schemas.microsoft.com/office/drawing/2014/main" xmlns="" id="{57E57005-B21A-4A45-ADC3-F95369B260FF}"/>
+                <a16:creationId xmlns="" xmlns:a16="http://schemas.microsoft.com/office/drawing/2014/main" id="{57E57005-B21A-4A45-ADC3-F95369B260FF}"/>
               </a:ext>
             </a:extLst>
           </p:cNvPr>
@@ -6852,7 +8588,7 @@
           <p:cNvPr id="15" name="Straight Arrow Connector 14">
             <a:extLst>
               <a:ext uri="{FF2B5EF4-FFF2-40B4-BE49-F238E27FC236}">
-                <a16:creationId xmlns:a16="http://schemas.microsoft.com/office/drawing/2014/main" xmlns="" id="{1A5077B3-93C1-40B0-A262-6A5BCC734D75}"/>
+                <a16:creationId xmlns="" xmlns:a16="http://schemas.microsoft.com/office/drawing/2014/main" id="{1A5077B3-93C1-40B0-A262-6A5BCC734D75}"/>
               </a:ext>
             </a:extLst>
           </p:cNvPr>
@@ -6895,7 +8631,7 @@
           <p:cNvPr id="16" name="Rectangle: Rounded Corners 15">
             <a:extLst>
               <a:ext uri="{FF2B5EF4-FFF2-40B4-BE49-F238E27FC236}">
-                <a16:creationId xmlns:a16="http://schemas.microsoft.com/office/drawing/2014/main" xmlns="" id="{26DF092E-0126-41D3-8BE8-6B6B7398B27D}"/>
+                <a16:creationId xmlns="" xmlns:a16="http://schemas.microsoft.com/office/drawing/2014/main" id="{26DF092E-0126-41D3-8BE8-6B6B7398B27D}"/>
               </a:ext>
             </a:extLst>
           </p:cNvPr>
@@ -6949,7 +8685,7 @@
           <p:cNvPr id="17" name="Straight Arrow Connector 16">
             <a:extLst>
               <a:ext uri="{FF2B5EF4-FFF2-40B4-BE49-F238E27FC236}">
-                <a16:creationId xmlns:a16="http://schemas.microsoft.com/office/drawing/2014/main" xmlns="" id="{7DAA150C-31ED-4433-B9A3-6E8877F4B2F5}"/>
+                <a16:creationId xmlns="" xmlns:a16="http://schemas.microsoft.com/office/drawing/2014/main" id="{7DAA150C-31ED-4433-B9A3-6E8877F4B2F5}"/>
               </a:ext>
             </a:extLst>
           </p:cNvPr>
@@ -6990,7 +8726,7 @@
           <p:cNvPr id="18" name="Rectangle: Rounded Corners 17">
             <a:extLst>
               <a:ext uri="{FF2B5EF4-FFF2-40B4-BE49-F238E27FC236}">
-                <a16:creationId xmlns:a16="http://schemas.microsoft.com/office/drawing/2014/main" xmlns="" id="{BBF1D18F-3D39-46F6-B2A9-CCF40F0816FA}"/>
+                <a16:creationId xmlns="" xmlns:a16="http://schemas.microsoft.com/office/drawing/2014/main" id="{BBF1D18F-3D39-46F6-B2A9-CCF40F0816FA}"/>
               </a:ext>
             </a:extLst>
           </p:cNvPr>
@@ -7044,7 +8780,7 @@
           <p:cNvPr id="19" name="Straight Arrow Connector 18">
             <a:extLst>
               <a:ext uri="{FF2B5EF4-FFF2-40B4-BE49-F238E27FC236}">
-                <a16:creationId xmlns:a16="http://schemas.microsoft.com/office/drawing/2014/main" xmlns="" id="{CC990130-9158-419F-9341-964A0E0E557B}"/>
+                <a16:creationId xmlns="" xmlns:a16="http://schemas.microsoft.com/office/drawing/2014/main" id="{CC990130-9158-419F-9341-964A0E0E557B}"/>
               </a:ext>
             </a:extLst>
           </p:cNvPr>
@@ -7087,7 +8823,7 @@
           <p:cNvPr id="20" name="Straight Arrow Connector 19">
             <a:extLst>
               <a:ext uri="{FF2B5EF4-FFF2-40B4-BE49-F238E27FC236}">
-                <a16:creationId xmlns:a16="http://schemas.microsoft.com/office/drawing/2014/main" xmlns="" id="{E36B0B59-4CE8-4884-B51F-4E0915B8E709}"/>
+                <a16:creationId xmlns="" xmlns:a16="http://schemas.microsoft.com/office/drawing/2014/main" id="{E36B0B59-4CE8-4884-B51F-4E0915B8E709}"/>
               </a:ext>
             </a:extLst>
           </p:cNvPr>
@@ -7158,7 +8894,7 @@
           <p:cNvPr id="2" name="Title 1">
             <a:extLst>
               <a:ext uri="{FF2B5EF4-FFF2-40B4-BE49-F238E27FC236}">
-                <a16:creationId xmlns:a16="http://schemas.microsoft.com/office/drawing/2014/main" xmlns="" id="{9D0AC49B-8687-4E37-B196-E85D6D97126B}"/>
+                <a16:creationId xmlns="" xmlns:a16="http://schemas.microsoft.com/office/drawing/2014/main" id="{9D0AC49B-8687-4E37-B196-E85D6D97126B}"/>
               </a:ext>
             </a:extLst>
           </p:cNvPr>
@@ -7186,7 +8922,7 @@
           <p:cNvPr id="3" name="Content Placeholder 2">
             <a:extLst>
               <a:ext uri="{FF2B5EF4-FFF2-40B4-BE49-F238E27FC236}">
-                <a16:creationId xmlns:a16="http://schemas.microsoft.com/office/drawing/2014/main" xmlns="" id="{6C5C3DC7-9103-4900-9CB2-D68911BC7DA7}"/>
+                <a16:creationId xmlns="" xmlns:a16="http://schemas.microsoft.com/office/drawing/2014/main" id="{6C5C3DC7-9103-4900-9CB2-D68911BC7DA7}"/>
               </a:ext>
             </a:extLst>
           </p:cNvPr>
@@ -7259,7 +8995,7 @@
           <p:cNvPr id="4" name="Content Placeholder 2">
             <a:extLst>
               <a:ext uri="{FF2B5EF4-FFF2-40B4-BE49-F238E27FC236}">
-                <a16:creationId xmlns:a16="http://schemas.microsoft.com/office/drawing/2014/main" xmlns="" id="{DE982E5C-5D42-4081-9766-A0BF38E2808B}"/>
+                <a16:creationId xmlns="" xmlns:a16="http://schemas.microsoft.com/office/drawing/2014/main" id="{DE982E5C-5D42-4081-9766-A0BF38E2808B}"/>
               </a:ext>
             </a:extLst>
           </p:cNvPr>
@@ -7519,7 +9255,7 @@
           <p:cNvPr id="9" name="Straight Arrow Connector 8">
             <a:extLst>
               <a:ext uri="{FF2B5EF4-FFF2-40B4-BE49-F238E27FC236}">
-                <a16:creationId xmlns:a16="http://schemas.microsoft.com/office/drawing/2014/main" xmlns="" id="{8AE8B345-C905-47D1-B7F3-66E22F605DA1}"/>
+                <a16:creationId xmlns="" xmlns:a16="http://schemas.microsoft.com/office/drawing/2014/main" id="{8AE8B345-C905-47D1-B7F3-66E22F605DA1}"/>
               </a:ext>
             </a:extLst>
           </p:cNvPr>
@@ -7558,7 +9294,7 @@
           <p:cNvPr id="10" name="Straight Arrow Connector 9">
             <a:extLst>
               <a:ext uri="{FF2B5EF4-FFF2-40B4-BE49-F238E27FC236}">
-                <a16:creationId xmlns:a16="http://schemas.microsoft.com/office/drawing/2014/main" xmlns="" id="{0F578E7E-4207-401C-9DA0-FC8FDA16DCAA}"/>
+                <a16:creationId xmlns="" xmlns:a16="http://schemas.microsoft.com/office/drawing/2014/main" id="{0F578E7E-4207-401C-9DA0-FC8FDA16DCAA}"/>
               </a:ext>
             </a:extLst>
           </p:cNvPr>
@@ -7597,7 +9333,7 @@
           <p:cNvPr id="11" name="TextBox 10">
             <a:extLst>
               <a:ext uri="{FF2B5EF4-FFF2-40B4-BE49-F238E27FC236}">
-                <a16:creationId xmlns:a16="http://schemas.microsoft.com/office/drawing/2014/main" xmlns="" id="{F36E3912-7913-4A78-975B-1BA28B6998EF}"/>
+                <a16:creationId xmlns="" xmlns:a16="http://schemas.microsoft.com/office/drawing/2014/main" id="{F36E3912-7913-4A78-975B-1BA28B6998EF}"/>
               </a:ext>
             </a:extLst>
           </p:cNvPr>
@@ -7662,7 +9398,7 @@
           <p:cNvPr id="2" name="Title 1">
             <a:extLst>
               <a:ext uri="{FF2B5EF4-FFF2-40B4-BE49-F238E27FC236}">
-                <a16:creationId xmlns:a16="http://schemas.microsoft.com/office/drawing/2014/main" xmlns="" id="{03D02295-3C38-422C-8BA0-7F0B9B86FA80}"/>
+                <a16:creationId xmlns="" xmlns:a16="http://schemas.microsoft.com/office/drawing/2014/main" id="{03D02295-3C38-422C-8BA0-7F0B9B86FA80}"/>
               </a:ext>
             </a:extLst>
           </p:cNvPr>
@@ -7726,7 +9462,7 @@
           <p:cNvPr id="2" name="Title 1">
             <a:extLst>
               <a:ext uri="{FF2B5EF4-FFF2-40B4-BE49-F238E27FC236}">
-                <a16:creationId xmlns:a16="http://schemas.microsoft.com/office/drawing/2014/main" xmlns="" id="{5DA731E3-253C-478D-B2BD-E87A72D99627}"/>
+                <a16:creationId xmlns="" xmlns:a16="http://schemas.microsoft.com/office/drawing/2014/main" id="{5DA731E3-253C-478D-B2BD-E87A72D99627}"/>
               </a:ext>
             </a:extLst>
           </p:cNvPr>
@@ -7790,7 +9526,7 @@
           <p:cNvPr id="4" name="Straight Connector 3">
             <a:extLst>
               <a:ext uri="{FF2B5EF4-FFF2-40B4-BE49-F238E27FC236}">
-                <a16:creationId xmlns:a16="http://schemas.microsoft.com/office/drawing/2014/main" xmlns="" id="{83B4F5AB-D851-4877-8348-5EB13AB6F388}"/>
+                <a16:creationId xmlns="" xmlns:a16="http://schemas.microsoft.com/office/drawing/2014/main" id="{83B4F5AB-D851-4877-8348-5EB13AB6F388}"/>
               </a:ext>
             </a:extLst>
           </p:cNvPr>
@@ -7826,7 +9562,7 @@
           <p:cNvPr id="5" name="Straight Connector 4">
             <a:extLst>
               <a:ext uri="{FF2B5EF4-FFF2-40B4-BE49-F238E27FC236}">
-                <a16:creationId xmlns:a16="http://schemas.microsoft.com/office/drawing/2014/main" xmlns="" id="{46B008F8-C54C-414E-A5EF-6BADE0853849}"/>
+                <a16:creationId xmlns="" xmlns:a16="http://schemas.microsoft.com/office/drawing/2014/main" id="{46B008F8-C54C-414E-A5EF-6BADE0853849}"/>
               </a:ext>
             </a:extLst>
           </p:cNvPr>
@@ -7862,7 +9598,7 @@
           <p:cNvPr id="6" name="Straight Connector 5">
             <a:extLst>
               <a:ext uri="{FF2B5EF4-FFF2-40B4-BE49-F238E27FC236}">
-                <a16:creationId xmlns:a16="http://schemas.microsoft.com/office/drawing/2014/main" xmlns="" id="{6445A927-27D1-4BEA-95A9-7FA125A69065}"/>
+                <a16:creationId xmlns="" xmlns:a16="http://schemas.microsoft.com/office/drawing/2014/main" id="{6445A927-27D1-4BEA-95A9-7FA125A69065}"/>
               </a:ext>
             </a:extLst>
           </p:cNvPr>
@@ -7898,7 +9634,7 @@
           <p:cNvPr id="7" name="Straight Connector 6">
             <a:extLst>
               <a:ext uri="{FF2B5EF4-FFF2-40B4-BE49-F238E27FC236}">
-                <a16:creationId xmlns:a16="http://schemas.microsoft.com/office/drawing/2014/main" xmlns="" id="{1B471109-2F24-4D59-BB94-23477A646218}"/>
+                <a16:creationId xmlns="" xmlns:a16="http://schemas.microsoft.com/office/drawing/2014/main" id="{1B471109-2F24-4D59-BB94-23477A646218}"/>
               </a:ext>
             </a:extLst>
           </p:cNvPr>
@@ -7934,7 +9670,7 @@
           <p:cNvPr id="8" name="Rectangle: Rounded Corners 7">
             <a:extLst>
               <a:ext uri="{FF2B5EF4-FFF2-40B4-BE49-F238E27FC236}">
-                <a16:creationId xmlns:a16="http://schemas.microsoft.com/office/drawing/2014/main" xmlns="" id="{78C342C3-9D87-45A9-A4A0-CC6C2CDEBE75}"/>
+                <a16:creationId xmlns="" xmlns:a16="http://schemas.microsoft.com/office/drawing/2014/main" id="{78C342C3-9D87-45A9-A4A0-CC6C2CDEBE75}"/>
               </a:ext>
             </a:extLst>
           </p:cNvPr>
@@ -7983,7 +9719,7 @@
           <p:cNvPr id="9" name="Rectangle: Rounded Corners 8">
             <a:extLst>
               <a:ext uri="{FF2B5EF4-FFF2-40B4-BE49-F238E27FC236}">
-                <a16:creationId xmlns:a16="http://schemas.microsoft.com/office/drawing/2014/main" xmlns="" id="{A730A3BD-E83B-4223-A71C-EEFC9FCB54F0}"/>
+                <a16:creationId xmlns="" xmlns:a16="http://schemas.microsoft.com/office/drawing/2014/main" id="{A730A3BD-E83B-4223-A71C-EEFC9FCB54F0}"/>
               </a:ext>
             </a:extLst>
           </p:cNvPr>
@@ -8033,7 +9769,7 @@
           <p:cNvPr id="10" name="Rectangle: Rounded Corners 9">
             <a:extLst>
               <a:ext uri="{FF2B5EF4-FFF2-40B4-BE49-F238E27FC236}">
-                <a16:creationId xmlns:a16="http://schemas.microsoft.com/office/drawing/2014/main" xmlns="" id="{BF914D4C-7479-4F4B-BB7F-94C3D6F87DAB}"/>
+                <a16:creationId xmlns="" xmlns:a16="http://schemas.microsoft.com/office/drawing/2014/main" id="{BF914D4C-7479-4F4B-BB7F-94C3D6F87DAB}"/>
               </a:ext>
             </a:extLst>
           </p:cNvPr>
@@ -8082,7 +9818,7 @@
           <p:cNvPr id="11" name="Rectangle: Rounded Corners 10">
             <a:extLst>
               <a:ext uri="{FF2B5EF4-FFF2-40B4-BE49-F238E27FC236}">
-                <a16:creationId xmlns:a16="http://schemas.microsoft.com/office/drawing/2014/main" xmlns="" id="{F8157968-ACC3-4A41-82C7-794C17603C66}"/>
+                <a16:creationId xmlns="" xmlns:a16="http://schemas.microsoft.com/office/drawing/2014/main" id="{F8157968-ACC3-4A41-82C7-794C17603C66}"/>
               </a:ext>
             </a:extLst>
           </p:cNvPr>
@@ -8131,7 +9867,7 @@
           <p:cNvPr id="12" name="Oval 11">
             <a:extLst>
               <a:ext uri="{FF2B5EF4-FFF2-40B4-BE49-F238E27FC236}">
-                <a16:creationId xmlns:a16="http://schemas.microsoft.com/office/drawing/2014/main" xmlns="" id="{B97395CC-9A0C-483F-9F43-477D09B12452}"/>
+                <a16:creationId xmlns="" xmlns:a16="http://schemas.microsoft.com/office/drawing/2014/main" id="{B97395CC-9A0C-483F-9F43-477D09B12452}"/>
               </a:ext>
             </a:extLst>
           </p:cNvPr>
@@ -8177,7 +9913,7 @@
           <p:cNvPr id="13" name="Oval 12">
             <a:extLst>
               <a:ext uri="{FF2B5EF4-FFF2-40B4-BE49-F238E27FC236}">
-                <a16:creationId xmlns:a16="http://schemas.microsoft.com/office/drawing/2014/main" xmlns="" id="{8A33C2A8-20F1-455C-BBFE-D8872C7D81EE}"/>
+                <a16:creationId xmlns="" xmlns:a16="http://schemas.microsoft.com/office/drawing/2014/main" id="{8A33C2A8-20F1-455C-BBFE-D8872C7D81EE}"/>
               </a:ext>
             </a:extLst>
           </p:cNvPr>
@@ -8223,7 +9959,7 @@
           <p:cNvPr id="14" name="Straight Arrow Connector 13">
             <a:extLst>
               <a:ext uri="{FF2B5EF4-FFF2-40B4-BE49-F238E27FC236}">
-                <a16:creationId xmlns:a16="http://schemas.microsoft.com/office/drawing/2014/main" xmlns="" id="{F999F119-0A33-44D0-9ED3-FC87108EB07F}"/>
+                <a16:creationId xmlns="" xmlns:a16="http://schemas.microsoft.com/office/drawing/2014/main" id="{F999F119-0A33-44D0-9ED3-FC87108EB07F}"/>
               </a:ext>
             </a:extLst>
           </p:cNvPr>
@@ -8265,7 +10001,7 @@
           <p:cNvPr id="15" name="Oval 14">
             <a:extLst>
               <a:ext uri="{FF2B5EF4-FFF2-40B4-BE49-F238E27FC236}">
-                <a16:creationId xmlns:a16="http://schemas.microsoft.com/office/drawing/2014/main" xmlns="" id="{5F52F451-F6A4-4CFA-B579-69BD1260DDFA}"/>
+                <a16:creationId xmlns="" xmlns:a16="http://schemas.microsoft.com/office/drawing/2014/main" id="{5F52F451-F6A4-4CFA-B579-69BD1260DDFA}"/>
               </a:ext>
             </a:extLst>
           </p:cNvPr>
@@ -8311,7 +10047,7 @@
           <p:cNvPr id="16" name="Straight Arrow Connector 15">
             <a:extLst>
               <a:ext uri="{FF2B5EF4-FFF2-40B4-BE49-F238E27FC236}">
-                <a16:creationId xmlns:a16="http://schemas.microsoft.com/office/drawing/2014/main" xmlns="" id="{49E3BB08-0A71-42C2-9A22-79BC6705AA4A}"/>
+                <a16:creationId xmlns="" xmlns:a16="http://schemas.microsoft.com/office/drawing/2014/main" id="{49E3BB08-0A71-42C2-9A22-79BC6705AA4A}"/>
               </a:ext>
             </a:extLst>
           </p:cNvPr>
@@ -8354,7 +10090,7 @@
           <p:cNvPr id="17" name="Star: 7 Points 16">
             <a:extLst>
               <a:ext uri="{FF2B5EF4-FFF2-40B4-BE49-F238E27FC236}">
-                <a16:creationId xmlns:a16="http://schemas.microsoft.com/office/drawing/2014/main" xmlns="" id="{D3004685-DBEB-495C-A77F-D54CA37FE5BB}"/>
+                <a16:creationId xmlns="" xmlns:a16="http://schemas.microsoft.com/office/drawing/2014/main" id="{D3004685-DBEB-495C-A77F-D54CA37FE5BB}"/>
               </a:ext>
             </a:extLst>
           </p:cNvPr>
@@ -8400,7 +10136,7 @@
           <p:cNvPr id="18" name="Oval 17">
             <a:extLst>
               <a:ext uri="{FF2B5EF4-FFF2-40B4-BE49-F238E27FC236}">
-                <a16:creationId xmlns:a16="http://schemas.microsoft.com/office/drawing/2014/main" xmlns="" id="{7B2280C8-E0C3-41F6-8733-5875FDD2869C}"/>
+                <a16:creationId xmlns="" xmlns:a16="http://schemas.microsoft.com/office/drawing/2014/main" id="{7B2280C8-E0C3-41F6-8733-5875FDD2869C}"/>
               </a:ext>
             </a:extLst>
           </p:cNvPr>
@@ -8446,7 +10182,7 @@
           <p:cNvPr id="19" name="Straight Arrow Connector 18">
             <a:extLst>
               <a:ext uri="{FF2B5EF4-FFF2-40B4-BE49-F238E27FC236}">
-                <a16:creationId xmlns:a16="http://schemas.microsoft.com/office/drawing/2014/main" xmlns="" id="{F2E7EE28-707C-4A68-A569-BD8F2289B794}"/>
+                <a16:creationId xmlns="" xmlns:a16="http://schemas.microsoft.com/office/drawing/2014/main" id="{F2E7EE28-707C-4A68-A569-BD8F2289B794}"/>
               </a:ext>
             </a:extLst>
           </p:cNvPr>
@@ -8489,7 +10225,7 @@
           <p:cNvPr id="20" name="Oval 19">
             <a:extLst>
               <a:ext uri="{FF2B5EF4-FFF2-40B4-BE49-F238E27FC236}">
-                <a16:creationId xmlns:a16="http://schemas.microsoft.com/office/drawing/2014/main" xmlns="" id="{819C0E69-B32D-4C75-94FB-43397116AF31}"/>
+                <a16:creationId xmlns="" xmlns:a16="http://schemas.microsoft.com/office/drawing/2014/main" id="{819C0E69-B32D-4C75-94FB-43397116AF31}"/>
               </a:ext>
             </a:extLst>
           </p:cNvPr>
@@ -8535,7 +10271,7 @@
           <p:cNvPr id="21" name="TextBox 20">
             <a:extLst>
               <a:ext uri="{FF2B5EF4-FFF2-40B4-BE49-F238E27FC236}">
-                <a16:creationId xmlns:a16="http://schemas.microsoft.com/office/drawing/2014/main" xmlns="" id="{D359BA50-A4B4-444B-AA67-87CF18FBE230}"/>
+                <a16:creationId xmlns="" xmlns:a16="http://schemas.microsoft.com/office/drawing/2014/main" id="{D359BA50-A4B4-444B-AA67-87CF18FBE230}"/>
               </a:ext>
             </a:extLst>
           </p:cNvPr>
@@ -8570,7 +10306,7 @@
           <p:cNvPr id="2" name="TextBox 1">
             <a:extLst>
               <a:ext uri="{FF2B5EF4-FFF2-40B4-BE49-F238E27FC236}">
-                <a16:creationId xmlns:a16="http://schemas.microsoft.com/office/drawing/2014/main" xmlns="" id="{4A5ADB36-D4CF-400A-8E2F-FB154A285EA4}"/>
+                <a16:creationId xmlns="" xmlns:a16="http://schemas.microsoft.com/office/drawing/2014/main" id="{4A5ADB36-D4CF-400A-8E2F-FB154A285EA4}"/>
               </a:ext>
             </a:extLst>
           </p:cNvPr>
@@ -8635,7 +10371,7 @@
           <p:cNvPr id="2" name="Title 1">
             <a:extLst>
               <a:ext uri="{FF2B5EF4-FFF2-40B4-BE49-F238E27FC236}">
-                <a16:creationId xmlns:a16="http://schemas.microsoft.com/office/drawing/2014/main" xmlns="" id="{B61BD2BC-2837-49E5-8C86-D998EC066742}"/>
+                <a16:creationId xmlns="" xmlns:a16="http://schemas.microsoft.com/office/drawing/2014/main" id="{B61BD2BC-2837-49E5-8C86-D998EC066742}"/>
               </a:ext>
             </a:extLst>
           </p:cNvPr>
@@ -8668,7 +10404,7 @@
           <p:cNvPr id="4" name="TextBox 3">
             <a:extLst>
               <a:ext uri="{FF2B5EF4-FFF2-40B4-BE49-F238E27FC236}">
-                <a16:creationId xmlns:a16="http://schemas.microsoft.com/office/drawing/2014/main" xmlns="" id="{9C52181B-1D07-4CB0-9F2D-F2EC2E2E6695}"/>
+                <a16:creationId xmlns="" xmlns:a16="http://schemas.microsoft.com/office/drawing/2014/main" id="{9C52181B-1D07-4CB0-9F2D-F2EC2E2E6695}"/>
               </a:ext>
             </a:extLst>
           </p:cNvPr>
@@ -8678,7 +10414,7 @@
         <p:spPr>
           <a:xfrm>
             <a:off x="720000" y="1708800"/>
-            <a:ext cx="10633800" cy="3139321"/>
+            <a:ext cx="10633800" cy="3416320"/>
           </a:xfrm>
           <a:prstGeom prst="rect">
             <a:avLst/>
@@ -8801,12 +10537,41 @@
             </a:r>
             <a:r>
               <a:rPr lang="en-AU" dirty="0"/>
-              <a:t> to rollback the merge </a:t>
-            </a:r>
+              <a:t> to rollback the </a:t>
+            </a:r>
+            <a:r>
+              <a:rPr lang="en-AU" dirty="0" smtClean="0"/>
+              <a:t>merge (</a:t>
+            </a:r>
+            <a:r>
+              <a:rPr lang="en-AU" dirty="0" err="1" smtClean="0"/>
+              <a:t>ie</a:t>
+            </a:r>
+            <a:r>
+              <a:rPr lang="en-AU" dirty="0"/>
+              <a:t>. git reset --merge)</a:t>
+            </a:r>
+            <a:endParaRPr lang="en-AU" dirty="0" smtClean="0"/>
           </a:p>
           <a:p>
             <a:pPr lvl="1"/>
             <a:r>
+              <a:rPr lang="en-AU" dirty="0" smtClean="0"/>
+              <a:t>    call </a:t>
+            </a:r>
+            <a:r>
+              <a:rPr lang="en-AU" dirty="0" err="1" smtClean="0"/>
+              <a:t>github</a:t>
+            </a:r>
+            <a:r>
+              <a:rPr lang="en-AU" dirty="0" smtClean="0"/>
+              <a:t> to create a new unfinished comment </a:t>
+            </a:r>
+            <a:endParaRPr lang="en-AU" dirty="0"/>
+          </a:p>
+          <a:p>
+            <a:pPr lvl="1"/>
+            <a:r>
               <a:rPr lang="en-AU" dirty="0"/>
               <a:t>    contact the committer with SHA</a:t>
             </a:r>
@@ -8824,7 +10589,7 @@
           <p:cNvPr id="5" name="TextBox 4">
             <a:extLst>
               <a:ext uri="{FF2B5EF4-FFF2-40B4-BE49-F238E27FC236}">
-                <a16:creationId xmlns:a16="http://schemas.microsoft.com/office/drawing/2014/main" xmlns="" id="{B18A6F19-5BB4-43F5-A37B-D22739072290}"/>
+                <a16:creationId xmlns="" xmlns:a16="http://schemas.microsoft.com/office/drawing/2014/main" id="{B18A6F19-5BB4-43F5-A37B-D22739072290}"/>
               </a:ext>
             </a:extLst>
           </p:cNvPr>
@@ -9164,7 +10929,7 @@
   <a:extraClrSchemeLst/>
   <a:extLst>
     <a:ext uri="{05A4C25C-085E-4340-85A3-A5531E510DB2}">
-      <thm15:themeFamily xmlns:thm15="http://schemas.microsoft.com/office/thememl/2012/main" xmlns="" name="Office Theme" id="{62F939B6-93AF-4DB8-9C6B-D6C7DFDC589F}" vid="{4A3C46E8-61CC-4603-A589-7422A47A8E4A}"/>
+      <thm15:themeFamily xmlns="" xmlns:thm15="http://schemas.microsoft.com/office/thememl/2012/main" name="Office Theme" id="{62F939B6-93AF-4DB8-9C6B-D6C7DFDC589F}" vid="{4A3C46E8-61CC-4603-A589-7422A47A8E4A}"/>
     </a:ext>
   </a:extLst>
 </a:theme>

--- a/featureToggles.pptx
+++ b/featureToggles.pptx
@@ -131,7 +131,7 @@
   </p:defaultTextStyle>
   <p:extLst>
     <p:ext uri="{EFAFB233-063F-42B5-8137-9DF3F51BA10A}">
-      <p15:sldGuideLst xmlns="" xmlns:p15="http://schemas.microsoft.com/office/powerpoint/2012/main">
+      <p15:sldGuideLst xmlns:p15="http://schemas.microsoft.com/office/powerpoint/2012/main" xmlns="">
         <p15:guide id="1" orient="horz" pos="2160">
           <p15:clr>
             <a:srgbClr val="A4A3A4"/>
@@ -174,7 +174,7 @@
           <p:cNvPr id="2" name="Title 1">
             <a:extLst>
               <a:ext uri="{FF2B5EF4-FFF2-40B4-BE49-F238E27FC236}">
-                <a16:creationId xmlns="" xmlns:a16="http://schemas.microsoft.com/office/drawing/2014/main" id="{38F81ACD-8C1F-4BB2-BA73-47F37386D344}"/>
+                <a16:creationId xmlns:a16="http://schemas.microsoft.com/office/drawing/2014/main" xmlns="" id="{38F81ACD-8C1F-4BB2-BA73-47F37386D344}"/>
               </a:ext>
             </a:extLst>
           </p:cNvPr>
@@ -212,7 +212,7 @@
           <p:cNvPr id="3" name="Subtitle 2">
             <a:extLst>
               <a:ext uri="{FF2B5EF4-FFF2-40B4-BE49-F238E27FC236}">
-                <a16:creationId xmlns="" xmlns:a16="http://schemas.microsoft.com/office/drawing/2014/main" id="{5BDFD646-F3F1-4378-91F9-75517FA3A993}"/>
+                <a16:creationId xmlns:a16="http://schemas.microsoft.com/office/drawing/2014/main" xmlns="" id="{5BDFD646-F3F1-4378-91F9-75517FA3A993}"/>
               </a:ext>
             </a:extLst>
           </p:cNvPr>
@@ -283,7 +283,7 @@
           <p:cNvPr id="4" name="Date Placeholder 3">
             <a:extLst>
               <a:ext uri="{FF2B5EF4-FFF2-40B4-BE49-F238E27FC236}">
-                <a16:creationId xmlns="" xmlns:a16="http://schemas.microsoft.com/office/drawing/2014/main" id="{C116471B-760C-4B29-BC65-A5261A6DD762}"/>
+                <a16:creationId xmlns:a16="http://schemas.microsoft.com/office/drawing/2014/main" xmlns="" id="{C116471B-760C-4B29-BC65-A5261A6DD762}"/>
               </a:ext>
             </a:extLst>
           </p:cNvPr>
@@ -301,7 +301,7 @@
           <a:p>
             <a:fld id="{ABAA4BC0-A8D9-4C08-86B1-EF96D428A184}" type="datetimeFigureOut">
               <a:rPr lang="en-AU" smtClean="0"/>
-              <a:t>4/12/2017</a:t>
+              <a:t>5/12/2017</a:t>
             </a:fld>
             <a:endParaRPr lang="en-AU"/>
           </a:p>
@@ -312,7 +312,7 @@
           <p:cNvPr id="5" name="Footer Placeholder 4">
             <a:extLst>
               <a:ext uri="{FF2B5EF4-FFF2-40B4-BE49-F238E27FC236}">
-                <a16:creationId xmlns="" xmlns:a16="http://schemas.microsoft.com/office/drawing/2014/main" id="{55048D6F-E27F-402B-9B6C-750D1A2AD34A}"/>
+                <a16:creationId xmlns:a16="http://schemas.microsoft.com/office/drawing/2014/main" xmlns="" id="{55048D6F-E27F-402B-9B6C-750D1A2AD34A}"/>
               </a:ext>
             </a:extLst>
           </p:cNvPr>
@@ -337,7 +337,7 @@
           <p:cNvPr id="6" name="Slide Number Placeholder 5">
             <a:extLst>
               <a:ext uri="{FF2B5EF4-FFF2-40B4-BE49-F238E27FC236}">
-                <a16:creationId xmlns="" xmlns:a16="http://schemas.microsoft.com/office/drawing/2014/main" id="{B3E9A2DE-C84E-4DC5-AA0C-C45C8E1E15A5}"/>
+                <a16:creationId xmlns:a16="http://schemas.microsoft.com/office/drawing/2014/main" xmlns="" id="{B3E9A2DE-C84E-4DC5-AA0C-C45C8E1E15A5}"/>
               </a:ext>
             </a:extLst>
           </p:cNvPr>
@@ -396,7 +396,7 @@
           <p:cNvPr id="2" name="Title 1">
             <a:extLst>
               <a:ext uri="{FF2B5EF4-FFF2-40B4-BE49-F238E27FC236}">
-                <a16:creationId xmlns="" xmlns:a16="http://schemas.microsoft.com/office/drawing/2014/main" id="{7C0EFEF6-DAD2-401D-8CEF-58DEEDA30E36}"/>
+                <a16:creationId xmlns:a16="http://schemas.microsoft.com/office/drawing/2014/main" xmlns="" id="{7C0EFEF6-DAD2-401D-8CEF-58DEEDA30E36}"/>
               </a:ext>
             </a:extLst>
           </p:cNvPr>
@@ -425,7 +425,7 @@
           <p:cNvPr id="3" name="Vertical Text Placeholder 2">
             <a:extLst>
               <a:ext uri="{FF2B5EF4-FFF2-40B4-BE49-F238E27FC236}">
-                <a16:creationId xmlns="" xmlns:a16="http://schemas.microsoft.com/office/drawing/2014/main" id="{117EED84-C3CB-4AF5-AD23-90CA35E96273}"/>
+                <a16:creationId xmlns:a16="http://schemas.microsoft.com/office/drawing/2014/main" xmlns="" id="{117EED84-C3CB-4AF5-AD23-90CA35E96273}"/>
               </a:ext>
             </a:extLst>
           </p:cNvPr>
@@ -483,7 +483,7 @@
           <p:cNvPr id="4" name="Date Placeholder 3">
             <a:extLst>
               <a:ext uri="{FF2B5EF4-FFF2-40B4-BE49-F238E27FC236}">
-                <a16:creationId xmlns="" xmlns:a16="http://schemas.microsoft.com/office/drawing/2014/main" id="{004A36D1-B023-456D-A05D-E708709D6B75}"/>
+                <a16:creationId xmlns:a16="http://schemas.microsoft.com/office/drawing/2014/main" xmlns="" id="{004A36D1-B023-456D-A05D-E708709D6B75}"/>
               </a:ext>
             </a:extLst>
           </p:cNvPr>
@@ -501,7 +501,7 @@
           <a:p>
             <a:fld id="{ABAA4BC0-A8D9-4C08-86B1-EF96D428A184}" type="datetimeFigureOut">
               <a:rPr lang="en-AU" smtClean="0"/>
-              <a:t>4/12/2017</a:t>
+              <a:t>5/12/2017</a:t>
             </a:fld>
             <a:endParaRPr lang="en-AU"/>
           </a:p>
@@ -512,7 +512,7 @@
           <p:cNvPr id="5" name="Footer Placeholder 4">
             <a:extLst>
               <a:ext uri="{FF2B5EF4-FFF2-40B4-BE49-F238E27FC236}">
-                <a16:creationId xmlns="" xmlns:a16="http://schemas.microsoft.com/office/drawing/2014/main" id="{05D3A2AD-699E-462A-B229-90E89740B46F}"/>
+                <a16:creationId xmlns:a16="http://schemas.microsoft.com/office/drawing/2014/main" xmlns="" id="{05D3A2AD-699E-462A-B229-90E89740B46F}"/>
               </a:ext>
             </a:extLst>
           </p:cNvPr>
@@ -537,7 +537,7 @@
           <p:cNvPr id="6" name="Slide Number Placeholder 5">
             <a:extLst>
               <a:ext uri="{FF2B5EF4-FFF2-40B4-BE49-F238E27FC236}">
-                <a16:creationId xmlns="" xmlns:a16="http://schemas.microsoft.com/office/drawing/2014/main" id="{9050A44C-61DD-456A-8955-C46F258F8157}"/>
+                <a16:creationId xmlns:a16="http://schemas.microsoft.com/office/drawing/2014/main" xmlns="" id="{9050A44C-61DD-456A-8955-C46F258F8157}"/>
               </a:ext>
             </a:extLst>
           </p:cNvPr>
@@ -596,7 +596,7 @@
           <p:cNvPr id="2" name="Vertical Title 1">
             <a:extLst>
               <a:ext uri="{FF2B5EF4-FFF2-40B4-BE49-F238E27FC236}">
-                <a16:creationId xmlns="" xmlns:a16="http://schemas.microsoft.com/office/drawing/2014/main" id="{F5377BB8-079C-4A89-A9FD-32FF6E883D75}"/>
+                <a16:creationId xmlns:a16="http://schemas.microsoft.com/office/drawing/2014/main" xmlns="" id="{F5377BB8-079C-4A89-A9FD-32FF6E883D75}"/>
               </a:ext>
             </a:extLst>
           </p:cNvPr>
@@ -630,7 +630,7 @@
           <p:cNvPr id="3" name="Vertical Text Placeholder 2">
             <a:extLst>
               <a:ext uri="{FF2B5EF4-FFF2-40B4-BE49-F238E27FC236}">
-                <a16:creationId xmlns="" xmlns:a16="http://schemas.microsoft.com/office/drawing/2014/main" id="{EB81C5F0-725D-449A-8EF3-6531E2FA1AA8}"/>
+                <a16:creationId xmlns:a16="http://schemas.microsoft.com/office/drawing/2014/main" xmlns="" id="{EB81C5F0-725D-449A-8EF3-6531E2FA1AA8}"/>
               </a:ext>
             </a:extLst>
           </p:cNvPr>
@@ -693,7 +693,7 @@
           <p:cNvPr id="4" name="Date Placeholder 3">
             <a:extLst>
               <a:ext uri="{FF2B5EF4-FFF2-40B4-BE49-F238E27FC236}">
-                <a16:creationId xmlns="" xmlns:a16="http://schemas.microsoft.com/office/drawing/2014/main" id="{FC0181BA-19FD-4050-9029-64DEBEBE498A}"/>
+                <a16:creationId xmlns:a16="http://schemas.microsoft.com/office/drawing/2014/main" xmlns="" id="{FC0181BA-19FD-4050-9029-64DEBEBE498A}"/>
               </a:ext>
             </a:extLst>
           </p:cNvPr>
@@ -711,7 +711,7 @@
           <a:p>
             <a:fld id="{ABAA4BC0-A8D9-4C08-86B1-EF96D428A184}" type="datetimeFigureOut">
               <a:rPr lang="en-AU" smtClean="0"/>
-              <a:t>4/12/2017</a:t>
+              <a:t>5/12/2017</a:t>
             </a:fld>
             <a:endParaRPr lang="en-AU"/>
           </a:p>
@@ -722,7 +722,7 @@
           <p:cNvPr id="5" name="Footer Placeholder 4">
             <a:extLst>
               <a:ext uri="{FF2B5EF4-FFF2-40B4-BE49-F238E27FC236}">
-                <a16:creationId xmlns="" xmlns:a16="http://schemas.microsoft.com/office/drawing/2014/main" id="{C5BBB84B-A425-43A6-9E6B-AF292D520063}"/>
+                <a16:creationId xmlns:a16="http://schemas.microsoft.com/office/drawing/2014/main" xmlns="" id="{C5BBB84B-A425-43A6-9E6B-AF292D520063}"/>
               </a:ext>
             </a:extLst>
           </p:cNvPr>
@@ -747,7 +747,7 @@
           <p:cNvPr id="6" name="Slide Number Placeholder 5">
             <a:extLst>
               <a:ext uri="{FF2B5EF4-FFF2-40B4-BE49-F238E27FC236}">
-                <a16:creationId xmlns="" xmlns:a16="http://schemas.microsoft.com/office/drawing/2014/main" id="{C6BEEE56-BCA2-41E1-8198-EA1D0263C7A3}"/>
+                <a16:creationId xmlns:a16="http://schemas.microsoft.com/office/drawing/2014/main" xmlns="" id="{C6BEEE56-BCA2-41E1-8198-EA1D0263C7A3}"/>
               </a:ext>
             </a:extLst>
           </p:cNvPr>
@@ -806,7 +806,7 @@
           <p:cNvPr id="2" name="Title 1">
             <a:extLst>
               <a:ext uri="{FF2B5EF4-FFF2-40B4-BE49-F238E27FC236}">
-                <a16:creationId xmlns="" xmlns:a16="http://schemas.microsoft.com/office/drawing/2014/main" id="{1FAB533F-D466-4C2E-A38D-D6DAB9435884}"/>
+                <a16:creationId xmlns:a16="http://schemas.microsoft.com/office/drawing/2014/main" xmlns="" id="{1FAB533F-D466-4C2E-A38D-D6DAB9435884}"/>
               </a:ext>
             </a:extLst>
           </p:cNvPr>
@@ -835,7 +835,7 @@
           <p:cNvPr id="3" name="Content Placeholder 2">
             <a:extLst>
               <a:ext uri="{FF2B5EF4-FFF2-40B4-BE49-F238E27FC236}">
-                <a16:creationId xmlns="" xmlns:a16="http://schemas.microsoft.com/office/drawing/2014/main" id="{25260A0A-1EB9-4D07-8FE5-FEE29792F594}"/>
+                <a16:creationId xmlns:a16="http://schemas.microsoft.com/office/drawing/2014/main" xmlns="" id="{25260A0A-1EB9-4D07-8FE5-FEE29792F594}"/>
               </a:ext>
             </a:extLst>
           </p:cNvPr>
@@ -893,7 +893,7 @@
           <p:cNvPr id="4" name="Date Placeholder 3">
             <a:extLst>
               <a:ext uri="{FF2B5EF4-FFF2-40B4-BE49-F238E27FC236}">
-                <a16:creationId xmlns="" xmlns:a16="http://schemas.microsoft.com/office/drawing/2014/main" id="{A1C8AA27-F3BA-44A6-9B2B-C315B74FFBA5}"/>
+                <a16:creationId xmlns:a16="http://schemas.microsoft.com/office/drawing/2014/main" xmlns="" id="{A1C8AA27-F3BA-44A6-9B2B-C315B74FFBA5}"/>
               </a:ext>
             </a:extLst>
           </p:cNvPr>
@@ -911,7 +911,7 @@
           <a:p>
             <a:fld id="{ABAA4BC0-A8D9-4C08-86B1-EF96D428A184}" type="datetimeFigureOut">
               <a:rPr lang="en-AU" smtClean="0"/>
-              <a:t>4/12/2017</a:t>
+              <a:t>5/12/2017</a:t>
             </a:fld>
             <a:endParaRPr lang="en-AU"/>
           </a:p>
@@ -922,7 +922,7 @@
           <p:cNvPr id="5" name="Footer Placeholder 4">
             <a:extLst>
               <a:ext uri="{FF2B5EF4-FFF2-40B4-BE49-F238E27FC236}">
-                <a16:creationId xmlns="" xmlns:a16="http://schemas.microsoft.com/office/drawing/2014/main" id="{FDAE1B9D-3A65-4218-9B24-F7F07259FE98}"/>
+                <a16:creationId xmlns:a16="http://schemas.microsoft.com/office/drawing/2014/main" xmlns="" id="{FDAE1B9D-3A65-4218-9B24-F7F07259FE98}"/>
               </a:ext>
             </a:extLst>
           </p:cNvPr>
@@ -947,7 +947,7 @@
           <p:cNvPr id="6" name="Slide Number Placeholder 5">
             <a:extLst>
               <a:ext uri="{FF2B5EF4-FFF2-40B4-BE49-F238E27FC236}">
-                <a16:creationId xmlns="" xmlns:a16="http://schemas.microsoft.com/office/drawing/2014/main" id="{7F6469AC-87CC-4110-853E-4EF47FB24469}"/>
+                <a16:creationId xmlns:a16="http://schemas.microsoft.com/office/drawing/2014/main" xmlns="" id="{7F6469AC-87CC-4110-853E-4EF47FB24469}"/>
               </a:ext>
             </a:extLst>
           </p:cNvPr>
@@ -1006,7 +1006,7 @@
           <p:cNvPr id="2" name="Title 1">
             <a:extLst>
               <a:ext uri="{FF2B5EF4-FFF2-40B4-BE49-F238E27FC236}">
-                <a16:creationId xmlns="" xmlns:a16="http://schemas.microsoft.com/office/drawing/2014/main" id="{7CD84C07-8032-40E4-8188-26C90C375735}"/>
+                <a16:creationId xmlns:a16="http://schemas.microsoft.com/office/drawing/2014/main" xmlns="" id="{7CD84C07-8032-40E4-8188-26C90C375735}"/>
               </a:ext>
             </a:extLst>
           </p:cNvPr>
@@ -1044,7 +1044,7 @@
           <p:cNvPr id="3" name="Text Placeholder 2">
             <a:extLst>
               <a:ext uri="{FF2B5EF4-FFF2-40B4-BE49-F238E27FC236}">
-                <a16:creationId xmlns="" xmlns:a16="http://schemas.microsoft.com/office/drawing/2014/main" id="{58BBB9ED-EEEF-486B-BBD2-B0F5F29FB751}"/>
+                <a16:creationId xmlns:a16="http://schemas.microsoft.com/office/drawing/2014/main" xmlns="" id="{58BBB9ED-EEEF-486B-BBD2-B0F5F29FB751}"/>
               </a:ext>
             </a:extLst>
           </p:cNvPr>
@@ -1169,7 +1169,7 @@
           <p:cNvPr id="4" name="Date Placeholder 3">
             <a:extLst>
               <a:ext uri="{FF2B5EF4-FFF2-40B4-BE49-F238E27FC236}">
-                <a16:creationId xmlns="" xmlns:a16="http://schemas.microsoft.com/office/drawing/2014/main" id="{C1886328-7A1B-432B-899F-09D7885145D0}"/>
+                <a16:creationId xmlns:a16="http://schemas.microsoft.com/office/drawing/2014/main" xmlns="" id="{C1886328-7A1B-432B-899F-09D7885145D0}"/>
               </a:ext>
             </a:extLst>
           </p:cNvPr>
@@ -1187,7 +1187,7 @@
           <a:p>
             <a:fld id="{ABAA4BC0-A8D9-4C08-86B1-EF96D428A184}" type="datetimeFigureOut">
               <a:rPr lang="en-AU" smtClean="0"/>
-              <a:t>4/12/2017</a:t>
+              <a:t>5/12/2017</a:t>
             </a:fld>
             <a:endParaRPr lang="en-AU"/>
           </a:p>
@@ -1198,7 +1198,7 @@
           <p:cNvPr id="5" name="Footer Placeholder 4">
             <a:extLst>
               <a:ext uri="{FF2B5EF4-FFF2-40B4-BE49-F238E27FC236}">
-                <a16:creationId xmlns="" xmlns:a16="http://schemas.microsoft.com/office/drawing/2014/main" id="{687EDC61-8E2E-47AA-B91B-3A51ED2E1244}"/>
+                <a16:creationId xmlns:a16="http://schemas.microsoft.com/office/drawing/2014/main" xmlns="" id="{687EDC61-8E2E-47AA-B91B-3A51ED2E1244}"/>
               </a:ext>
             </a:extLst>
           </p:cNvPr>
@@ -1223,7 +1223,7 @@
           <p:cNvPr id="6" name="Slide Number Placeholder 5">
             <a:extLst>
               <a:ext uri="{FF2B5EF4-FFF2-40B4-BE49-F238E27FC236}">
-                <a16:creationId xmlns="" xmlns:a16="http://schemas.microsoft.com/office/drawing/2014/main" id="{7D9AD1A8-963F-4E0F-A996-1D59DEB2AB11}"/>
+                <a16:creationId xmlns:a16="http://schemas.microsoft.com/office/drawing/2014/main" xmlns="" id="{7D9AD1A8-963F-4E0F-A996-1D59DEB2AB11}"/>
               </a:ext>
             </a:extLst>
           </p:cNvPr>
@@ -1282,7 +1282,7 @@
           <p:cNvPr id="2" name="Title 1">
             <a:extLst>
               <a:ext uri="{FF2B5EF4-FFF2-40B4-BE49-F238E27FC236}">
-                <a16:creationId xmlns="" xmlns:a16="http://schemas.microsoft.com/office/drawing/2014/main" id="{F94DB45A-071D-4C99-A5B5-35979556A0CC}"/>
+                <a16:creationId xmlns:a16="http://schemas.microsoft.com/office/drawing/2014/main" xmlns="" id="{F94DB45A-071D-4C99-A5B5-35979556A0CC}"/>
               </a:ext>
             </a:extLst>
           </p:cNvPr>
@@ -1311,7 +1311,7 @@
           <p:cNvPr id="3" name="Content Placeholder 2">
             <a:extLst>
               <a:ext uri="{FF2B5EF4-FFF2-40B4-BE49-F238E27FC236}">
-                <a16:creationId xmlns="" xmlns:a16="http://schemas.microsoft.com/office/drawing/2014/main" id="{0A2162A9-A21E-4501-AC10-15F68B1F8653}"/>
+                <a16:creationId xmlns:a16="http://schemas.microsoft.com/office/drawing/2014/main" xmlns="" id="{0A2162A9-A21E-4501-AC10-15F68B1F8653}"/>
               </a:ext>
             </a:extLst>
           </p:cNvPr>
@@ -1374,7 +1374,7 @@
           <p:cNvPr id="4" name="Content Placeholder 3">
             <a:extLst>
               <a:ext uri="{FF2B5EF4-FFF2-40B4-BE49-F238E27FC236}">
-                <a16:creationId xmlns="" xmlns:a16="http://schemas.microsoft.com/office/drawing/2014/main" id="{C9808B4B-FAC3-4EF5-945D-276AEBCEEB56}"/>
+                <a16:creationId xmlns:a16="http://schemas.microsoft.com/office/drawing/2014/main" xmlns="" id="{C9808B4B-FAC3-4EF5-945D-276AEBCEEB56}"/>
               </a:ext>
             </a:extLst>
           </p:cNvPr>
@@ -1437,7 +1437,7 @@
           <p:cNvPr id="5" name="Date Placeholder 4">
             <a:extLst>
               <a:ext uri="{FF2B5EF4-FFF2-40B4-BE49-F238E27FC236}">
-                <a16:creationId xmlns="" xmlns:a16="http://schemas.microsoft.com/office/drawing/2014/main" id="{111E4125-3763-4CDE-A124-A7F37129BF6F}"/>
+                <a16:creationId xmlns:a16="http://schemas.microsoft.com/office/drawing/2014/main" xmlns="" id="{111E4125-3763-4CDE-A124-A7F37129BF6F}"/>
               </a:ext>
             </a:extLst>
           </p:cNvPr>
@@ -1455,7 +1455,7 @@
           <a:p>
             <a:fld id="{ABAA4BC0-A8D9-4C08-86B1-EF96D428A184}" type="datetimeFigureOut">
               <a:rPr lang="en-AU" smtClean="0"/>
-              <a:t>4/12/2017</a:t>
+              <a:t>5/12/2017</a:t>
             </a:fld>
             <a:endParaRPr lang="en-AU"/>
           </a:p>
@@ -1466,7 +1466,7 @@
           <p:cNvPr id="6" name="Footer Placeholder 5">
             <a:extLst>
               <a:ext uri="{FF2B5EF4-FFF2-40B4-BE49-F238E27FC236}">
-                <a16:creationId xmlns="" xmlns:a16="http://schemas.microsoft.com/office/drawing/2014/main" id="{6A31F033-2EFA-4A06-8CCE-4CC9C6D6F2C9}"/>
+                <a16:creationId xmlns:a16="http://schemas.microsoft.com/office/drawing/2014/main" xmlns="" id="{6A31F033-2EFA-4A06-8CCE-4CC9C6D6F2C9}"/>
               </a:ext>
             </a:extLst>
           </p:cNvPr>
@@ -1491,7 +1491,7 @@
           <p:cNvPr id="7" name="Slide Number Placeholder 6">
             <a:extLst>
               <a:ext uri="{FF2B5EF4-FFF2-40B4-BE49-F238E27FC236}">
-                <a16:creationId xmlns="" xmlns:a16="http://schemas.microsoft.com/office/drawing/2014/main" id="{39784076-D524-4AB4-96F2-C3CDEFC47AB1}"/>
+                <a16:creationId xmlns:a16="http://schemas.microsoft.com/office/drawing/2014/main" xmlns="" id="{39784076-D524-4AB4-96F2-C3CDEFC47AB1}"/>
               </a:ext>
             </a:extLst>
           </p:cNvPr>
@@ -1550,7 +1550,7 @@
           <p:cNvPr id="2" name="Title 1">
             <a:extLst>
               <a:ext uri="{FF2B5EF4-FFF2-40B4-BE49-F238E27FC236}">
-                <a16:creationId xmlns="" xmlns:a16="http://schemas.microsoft.com/office/drawing/2014/main" id="{B745368A-B171-42D4-B621-B342A8582657}"/>
+                <a16:creationId xmlns:a16="http://schemas.microsoft.com/office/drawing/2014/main" xmlns="" id="{B745368A-B171-42D4-B621-B342A8582657}"/>
               </a:ext>
             </a:extLst>
           </p:cNvPr>
@@ -1584,7 +1584,7 @@
           <p:cNvPr id="3" name="Text Placeholder 2">
             <a:extLst>
               <a:ext uri="{FF2B5EF4-FFF2-40B4-BE49-F238E27FC236}">
-                <a16:creationId xmlns="" xmlns:a16="http://schemas.microsoft.com/office/drawing/2014/main" id="{6EB5C1D4-3980-42FF-B1F5-02359E1FF18B}"/>
+                <a16:creationId xmlns:a16="http://schemas.microsoft.com/office/drawing/2014/main" xmlns="" id="{6EB5C1D4-3980-42FF-B1F5-02359E1FF18B}"/>
               </a:ext>
             </a:extLst>
           </p:cNvPr>
@@ -1655,7 +1655,7 @@
           <p:cNvPr id="4" name="Content Placeholder 3">
             <a:extLst>
               <a:ext uri="{FF2B5EF4-FFF2-40B4-BE49-F238E27FC236}">
-                <a16:creationId xmlns="" xmlns:a16="http://schemas.microsoft.com/office/drawing/2014/main" id="{83C8D96C-588F-4783-A633-494FB037A1EE}"/>
+                <a16:creationId xmlns:a16="http://schemas.microsoft.com/office/drawing/2014/main" xmlns="" id="{83C8D96C-588F-4783-A633-494FB037A1EE}"/>
               </a:ext>
             </a:extLst>
           </p:cNvPr>
@@ -1718,7 +1718,7 @@
           <p:cNvPr id="5" name="Text Placeholder 4">
             <a:extLst>
               <a:ext uri="{FF2B5EF4-FFF2-40B4-BE49-F238E27FC236}">
-                <a16:creationId xmlns="" xmlns:a16="http://schemas.microsoft.com/office/drawing/2014/main" id="{28667787-A838-4CC1-A1ED-AE08B50E6BCC}"/>
+                <a16:creationId xmlns:a16="http://schemas.microsoft.com/office/drawing/2014/main" xmlns="" id="{28667787-A838-4CC1-A1ED-AE08B50E6BCC}"/>
               </a:ext>
             </a:extLst>
           </p:cNvPr>
@@ -1789,7 +1789,7 @@
           <p:cNvPr id="6" name="Content Placeholder 5">
             <a:extLst>
               <a:ext uri="{FF2B5EF4-FFF2-40B4-BE49-F238E27FC236}">
-                <a16:creationId xmlns="" xmlns:a16="http://schemas.microsoft.com/office/drawing/2014/main" id="{7B40A859-B47C-4D03-8DBB-62106BCC6396}"/>
+                <a16:creationId xmlns:a16="http://schemas.microsoft.com/office/drawing/2014/main" xmlns="" id="{7B40A859-B47C-4D03-8DBB-62106BCC6396}"/>
               </a:ext>
             </a:extLst>
           </p:cNvPr>
@@ -1852,7 +1852,7 @@
           <p:cNvPr id="7" name="Date Placeholder 6">
             <a:extLst>
               <a:ext uri="{FF2B5EF4-FFF2-40B4-BE49-F238E27FC236}">
-                <a16:creationId xmlns="" xmlns:a16="http://schemas.microsoft.com/office/drawing/2014/main" id="{9E8971B1-954C-4FAC-B307-11F8197CCC26}"/>
+                <a16:creationId xmlns:a16="http://schemas.microsoft.com/office/drawing/2014/main" xmlns="" id="{9E8971B1-954C-4FAC-B307-11F8197CCC26}"/>
               </a:ext>
             </a:extLst>
           </p:cNvPr>
@@ -1870,7 +1870,7 @@
           <a:p>
             <a:fld id="{ABAA4BC0-A8D9-4C08-86B1-EF96D428A184}" type="datetimeFigureOut">
               <a:rPr lang="en-AU" smtClean="0"/>
-              <a:t>4/12/2017</a:t>
+              <a:t>5/12/2017</a:t>
             </a:fld>
             <a:endParaRPr lang="en-AU"/>
           </a:p>
@@ -1881,7 +1881,7 @@
           <p:cNvPr id="8" name="Footer Placeholder 7">
             <a:extLst>
               <a:ext uri="{FF2B5EF4-FFF2-40B4-BE49-F238E27FC236}">
-                <a16:creationId xmlns="" xmlns:a16="http://schemas.microsoft.com/office/drawing/2014/main" id="{495E3B1A-D948-4A43-9383-89A59162C90A}"/>
+                <a16:creationId xmlns:a16="http://schemas.microsoft.com/office/drawing/2014/main" xmlns="" id="{495E3B1A-D948-4A43-9383-89A59162C90A}"/>
               </a:ext>
             </a:extLst>
           </p:cNvPr>
@@ -1906,7 +1906,7 @@
           <p:cNvPr id="9" name="Slide Number Placeholder 8">
             <a:extLst>
               <a:ext uri="{FF2B5EF4-FFF2-40B4-BE49-F238E27FC236}">
-                <a16:creationId xmlns="" xmlns:a16="http://schemas.microsoft.com/office/drawing/2014/main" id="{3104F6C4-5756-4122-8B27-29C65B744BB6}"/>
+                <a16:creationId xmlns:a16="http://schemas.microsoft.com/office/drawing/2014/main" xmlns="" id="{3104F6C4-5756-4122-8B27-29C65B744BB6}"/>
               </a:ext>
             </a:extLst>
           </p:cNvPr>
@@ -1965,7 +1965,7 @@
           <p:cNvPr id="2" name="Title 1">
             <a:extLst>
               <a:ext uri="{FF2B5EF4-FFF2-40B4-BE49-F238E27FC236}">
-                <a16:creationId xmlns="" xmlns:a16="http://schemas.microsoft.com/office/drawing/2014/main" id="{204971F9-7824-41A4-8398-B33DB2E25B17}"/>
+                <a16:creationId xmlns:a16="http://schemas.microsoft.com/office/drawing/2014/main" xmlns="" id="{204971F9-7824-41A4-8398-B33DB2E25B17}"/>
               </a:ext>
             </a:extLst>
           </p:cNvPr>
@@ -1994,7 +1994,7 @@
           <p:cNvPr id="3" name="Date Placeholder 2">
             <a:extLst>
               <a:ext uri="{FF2B5EF4-FFF2-40B4-BE49-F238E27FC236}">
-                <a16:creationId xmlns="" xmlns:a16="http://schemas.microsoft.com/office/drawing/2014/main" id="{2CD14C02-4114-42B0-A0A0-1561A896C5F6}"/>
+                <a16:creationId xmlns:a16="http://schemas.microsoft.com/office/drawing/2014/main" xmlns="" id="{2CD14C02-4114-42B0-A0A0-1561A896C5F6}"/>
               </a:ext>
             </a:extLst>
           </p:cNvPr>
@@ -2012,7 +2012,7 @@
           <a:p>
             <a:fld id="{ABAA4BC0-A8D9-4C08-86B1-EF96D428A184}" type="datetimeFigureOut">
               <a:rPr lang="en-AU" smtClean="0"/>
-              <a:t>4/12/2017</a:t>
+              <a:t>5/12/2017</a:t>
             </a:fld>
             <a:endParaRPr lang="en-AU"/>
           </a:p>
@@ -2023,7 +2023,7 @@
           <p:cNvPr id="4" name="Footer Placeholder 3">
             <a:extLst>
               <a:ext uri="{FF2B5EF4-FFF2-40B4-BE49-F238E27FC236}">
-                <a16:creationId xmlns="" xmlns:a16="http://schemas.microsoft.com/office/drawing/2014/main" id="{69224448-8C00-4357-8694-938F1723F49C}"/>
+                <a16:creationId xmlns:a16="http://schemas.microsoft.com/office/drawing/2014/main" xmlns="" id="{69224448-8C00-4357-8694-938F1723F49C}"/>
               </a:ext>
             </a:extLst>
           </p:cNvPr>
@@ -2048,7 +2048,7 @@
           <p:cNvPr id="5" name="Slide Number Placeholder 4">
             <a:extLst>
               <a:ext uri="{FF2B5EF4-FFF2-40B4-BE49-F238E27FC236}">
-                <a16:creationId xmlns="" xmlns:a16="http://schemas.microsoft.com/office/drawing/2014/main" id="{6C7DCA96-9B71-49D7-B19E-DF6F73963068}"/>
+                <a16:creationId xmlns:a16="http://schemas.microsoft.com/office/drawing/2014/main" xmlns="" id="{6C7DCA96-9B71-49D7-B19E-DF6F73963068}"/>
               </a:ext>
             </a:extLst>
           </p:cNvPr>
@@ -2107,7 +2107,7 @@
           <p:cNvPr id="2" name="Date Placeholder 1">
             <a:extLst>
               <a:ext uri="{FF2B5EF4-FFF2-40B4-BE49-F238E27FC236}">
-                <a16:creationId xmlns="" xmlns:a16="http://schemas.microsoft.com/office/drawing/2014/main" id="{E8DF68A8-5D4D-47DE-A680-03D5A49717C6}"/>
+                <a16:creationId xmlns:a16="http://schemas.microsoft.com/office/drawing/2014/main" xmlns="" id="{E8DF68A8-5D4D-47DE-A680-03D5A49717C6}"/>
               </a:ext>
             </a:extLst>
           </p:cNvPr>
@@ -2125,7 +2125,7 @@
           <a:p>
             <a:fld id="{ABAA4BC0-A8D9-4C08-86B1-EF96D428A184}" type="datetimeFigureOut">
               <a:rPr lang="en-AU" smtClean="0"/>
-              <a:t>4/12/2017</a:t>
+              <a:t>5/12/2017</a:t>
             </a:fld>
             <a:endParaRPr lang="en-AU"/>
           </a:p>
@@ -2136,7 +2136,7 @@
           <p:cNvPr id="3" name="Footer Placeholder 2">
             <a:extLst>
               <a:ext uri="{FF2B5EF4-FFF2-40B4-BE49-F238E27FC236}">
-                <a16:creationId xmlns="" xmlns:a16="http://schemas.microsoft.com/office/drawing/2014/main" id="{155CD824-5C15-4A04-82D3-7B629C181F19}"/>
+                <a16:creationId xmlns:a16="http://schemas.microsoft.com/office/drawing/2014/main" xmlns="" id="{155CD824-5C15-4A04-82D3-7B629C181F19}"/>
               </a:ext>
             </a:extLst>
           </p:cNvPr>
@@ -2161,7 +2161,7 @@
           <p:cNvPr id="4" name="Slide Number Placeholder 3">
             <a:extLst>
               <a:ext uri="{FF2B5EF4-FFF2-40B4-BE49-F238E27FC236}">
-                <a16:creationId xmlns="" xmlns:a16="http://schemas.microsoft.com/office/drawing/2014/main" id="{018AE5D8-A796-4C5F-AF96-633C586CE814}"/>
+                <a16:creationId xmlns:a16="http://schemas.microsoft.com/office/drawing/2014/main" xmlns="" id="{018AE5D8-A796-4C5F-AF96-633C586CE814}"/>
               </a:ext>
             </a:extLst>
           </p:cNvPr>
@@ -2220,7 +2220,7 @@
           <p:cNvPr id="2" name="Title 1">
             <a:extLst>
               <a:ext uri="{FF2B5EF4-FFF2-40B4-BE49-F238E27FC236}">
-                <a16:creationId xmlns="" xmlns:a16="http://schemas.microsoft.com/office/drawing/2014/main" id="{5785C08C-F708-4E59-9638-67476CCE6F8E}"/>
+                <a16:creationId xmlns:a16="http://schemas.microsoft.com/office/drawing/2014/main" xmlns="" id="{5785C08C-F708-4E59-9638-67476CCE6F8E}"/>
               </a:ext>
             </a:extLst>
           </p:cNvPr>
@@ -2258,7 +2258,7 @@
           <p:cNvPr id="3" name="Content Placeholder 2">
             <a:extLst>
               <a:ext uri="{FF2B5EF4-FFF2-40B4-BE49-F238E27FC236}">
-                <a16:creationId xmlns="" xmlns:a16="http://schemas.microsoft.com/office/drawing/2014/main" id="{37D67BF5-8B86-462B-B714-E04C03AFACB1}"/>
+                <a16:creationId xmlns:a16="http://schemas.microsoft.com/office/drawing/2014/main" xmlns="" id="{37D67BF5-8B86-462B-B714-E04C03AFACB1}"/>
               </a:ext>
             </a:extLst>
           </p:cNvPr>
@@ -2349,7 +2349,7 @@
           <p:cNvPr id="4" name="Text Placeholder 3">
             <a:extLst>
               <a:ext uri="{FF2B5EF4-FFF2-40B4-BE49-F238E27FC236}">
-                <a16:creationId xmlns="" xmlns:a16="http://schemas.microsoft.com/office/drawing/2014/main" id="{11D7DB8C-9AFD-4BF2-86F3-684F952F52FC}"/>
+                <a16:creationId xmlns:a16="http://schemas.microsoft.com/office/drawing/2014/main" xmlns="" id="{11D7DB8C-9AFD-4BF2-86F3-684F952F52FC}"/>
               </a:ext>
             </a:extLst>
           </p:cNvPr>
@@ -2420,7 +2420,7 @@
           <p:cNvPr id="5" name="Date Placeholder 4">
             <a:extLst>
               <a:ext uri="{FF2B5EF4-FFF2-40B4-BE49-F238E27FC236}">
-                <a16:creationId xmlns="" xmlns:a16="http://schemas.microsoft.com/office/drawing/2014/main" id="{7E4D098C-4950-4964-9D3B-09607BD26634}"/>
+                <a16:creationId xmlns:a16="http://schemas.microsoft.com/office/drawing/2014/main" xmlns="" id="{7E4D098C-4950-4964-9D3B-09607BD26634}"/>
               </a:ext>
             </a:extLst>
           </p:cNvPr>
@@ -2438,7 +2438,7 @@
           <a:p>
             <a:fld id="{ABAA4BC0-A8D9-4C08-86B1-EF96D428A184}" type="datetimeFigureOut">
               <a:rPr lang="en-AU" smtClean="0"/>
-              <a:t>4/12/2017</a:t>
+              <a:t>5/12/2017</a:t>
             </a:fld>
             <a:endParaRPr lang="en-AU"/>
           </a:p>
@@ -2449,7 +2449,7 @@
           <p:cNvPr id="6" name="Footer Placeholder 5">
             <a:extLst>
               <a:ext uri="{FF2B5EF4-FFF2-40B4-BE49-F238E27FC236}">
-                <a16:creationId xmlns="" xmlns:a16="http://schemas.microsoft.com/office/drawing/2014/main" id="{F2CA40CB-8C56-4909-A6E1-D90B748B0886}"/>
+                <a16:creationId xmlns:a16="http://schemas.microsoft.com/office/drawing/2014/main" xmlns="" id="{F2CA40CB-8C56-4909-A6E1-D90B748B0886}"/>
               </a:ext>
             </a:extLst>
           </p:cNvPr>
@@ -2474,7 +2474,7 @@
           <p:cNvPr id="7" name="Slide Number Placeholder 6">
             <a:extLst>
               <a:ext uri="{FF2B5EF4-FFF2-40B4-BE49-F238E27FC236}">
-                <a16:creationId xmlns="" xmlns:a16="http://schemas.microsoft.com/office/drawing/2014/main" id="{1551E7B9-06EE-4679-B231-5169CDC44B45}"/>
+                <a16:creationId xmlns:a16="http://schemas.microsoft.com/office/drawing/2014/main" xmlns="" id="{1551E7B9-06EE-4679-B231-5169CDC44B45}"/>
               </a:ext>
             </a:extLst>
           </p:cNvPr>
@@ -2533,7 +2533,7 @@
           <p:cNvPr id="2" name="Title 1">
             <a:extLst>
               <a:ext uri="{FF2B5EF4-FFF2-40B4-BE49-F238E27FC236}">
-                <a16:creationId xmlns="" xmlns:a16="http://schemas.microsoft.com/office/drawing/2014/main" id="{50226FEE-AE82-46F3-A9E5-F264D85E74BA}"/>
+                <a16:creationId xmlns:a16="http://schemas.microsoft.com/office/drawing/2014/main" xmlns="" id="{50226FEE-AE82-46F3-A9E5-F264D85E74BA}"/>
               </a:ext>
             </a:extLst>
           </p:cNvPr>
@@ -2571,7 +2571,7 @@
           <p:cNvPr id="3" name="Picture Placeholder 2">
             <a:extLst>
               <a:ext uri="{FF2B5EF4-FFF2-40B4-BE49-F238E27FC236}">
-                <a16:creationId xmlns="" xmlns:a16="http://schemas.microsoft.com/office/drawing/2014/main" id="{7AD3BDF5-6F94-4C5F-A081-4F39CD8DF92C}"/>
+                <a16:creationId xmlns:a16="http://schemas.microsoft.com/office/drawing/2014/main" xmlns="" id="{7AD3BDF5-6F94-4C5F-A081-4F39CD8DF92C}"/>
               </a:ext>
             </a:extLst>
           </p:cNvPr>
@@ -2638,7 +2638,7 @@
           <p:cNvPr id="4" name="Text Placeholder 3">
             <a:extLst>
               <a:ext uri="{FF2B5EF4-FFF2-40B4-BE49-F238E27FC236}">
-                <a16:creationId xmlns="" xmlns:a16="http://schemas.microsoft.com/office/drawing/2014/main" id="{C669047C-3BD7-4697-A39B-E0FA10A4C5F9}"/>
+                <a16:creationId xmlns:a16="http://schemas.microsoft.com/office/drawing/2014/main" xmlns="" id="{C669047C-3BD7-4697-A39B-E0FA10A4C5F9}"/>
               </a:ext>
             </a:extLst>
           </p:cNvPr>
@@ -2709,7 +2709,7 @@
           <p:cNvPr id="5" name="Date Placeholder 4">
             <a:extLst>
               <a:ext uri="{FF2B5EF4-FFF2-40B4-BE49-F238E27FC236}">
-                <a16:creationId xmlns="" xmlns:a16="http://schemas.microsoft.com/office/drawing/2014/main" id="{6812A225-2F33-4179-8DB9-53942F3FBF3C}"/>
+                <a16:creationId xmlns:a16="http://schemas.microsoft.com/office/drawing/2014/main" xmlns="" id="{6812A225-2F33-4179-8DB9-53942F3FBF3C}"/>
               </a:ext>
             </a:extLst>
           </p:cNvPr>
@@ -2727,7 +2727,7 @@
           <a:p>
             <a:fld id="{ABAA4BC0-A8D9-4C08-86B1-EF96D428A184}" type="datetimeFigureOut">
               <a:rPr lang="en-AU" smtClean="0"/>
-              <a:t>4/12/2017</a:t>
+              <a:t>5/12/2017</a:t>
             </a:fld>
             <a:endParaRPr lang="en-AU"/>
           </a:p>
@@ -2738,7 +2738,7 @@
           <p:cNvPr id="6" name="Footer Placeholder 5">
             <a:extLst>
               <a:ext uri="{FF2B5EF4-FFF2-40B4-BE49-F238E27FC236}">
-                <a16:creationId xmlns="" xmlns:a16="http://schemas.microsoft.com/office/drawing/2014/main" id="{5DCCCAF8-1A25-44ED-92D3-EAA55863C860}"/>
+                <a16:creationId xmlns:a16="http://schemas.microsoft.com/office/drawing/2014/main" xmlns="" id="{5DCCCAF8-1A25-44ED-92D3-EAA55863C860}"/>
               </a:ext>
             </a:extLst>
           </p:cNvPr>
@@ -2763,7 +2763,7 @@
           <p:cNvPr id="7" name="Slide Number Placeholder 6">
             <a:extLst>
               <a:ext uri="{FF2B5EF4-FFF2-40B4-BE49-F238E27FC236}">
-                <a16:creationId xmlns="" xmlns:a16="http://schemas.microsoft.com/office/drawing/2014/main" id="{081D2EF8-4469-4E48-998D-B582FE060B65}"/>
+                <a16:creationId xmlns:a16="http://schemas.microsoft.com/office/drawing/2014/main" xmlns="" id="{081D2EF8-4469-4E48-998D-B582FE060B65}"/>
               </a:ext>
             </a:extLst>
           </p:cNvPr>
@@ -2827,7 +2827,7 @@
           <p:cNvPr id="2" name="Title Placeholder 1">
             <a:extLst>
               <a:ext uri="{FF2B5EF4-FFF2-40B4-BE49-F238E27FC236}">
-                <a16:creationId xmlns="" xmlns:a16="http://schemas.microsoft.com/office/drawing/2014/main" id="{9CDA4241-5F65-4F1F-91FC-6A9573E87A72}"/>
+                <a16:creationId xmlns:a16="http://schemas.microsoft.com/office/drawing/2014/main" xmlns="" id="{9CDA4241-5F65-4F1F-91FC-6A9573E87A72}"/>
               </a:ext>
             </a:extLst>
           </p:cNvPr>
@@ -2866,7 +2866,7 @@
           <p:cNvPr id="3" name="Text Placeholder 2">
             <a:extLst>
               <a:ext uri="{FF2B5EF4-FFF2-40B4-BE49-F238E27FC236}">
-                <a16:creationId xmlns="" xmlns:a16="http://schemas.microsoft.com/office/drawing/2014/main" id="{3BC58C6C-4267-4E58-A71E-23F428330912}"/>
+                <a16:creationId xmlns:a16="http://schemas.microsoft.com/office/drawing/2014/main" xmlns="" id="{3BC58C6C-4267-4E58-A71E-23F428330912}"/>
               </a:ext>
             </a:extLst>
           </p:cNvPr>
@@ -2934,7 +2934,7 @@
           <p:cNvPr id="4" name="Date Placeholder 3">
             <a:extLst>
               <a:ext uri="{FF2B5EF4-FFF2-40B4-BE49-F238E27FC236}">
-                <a16:creationId xmlns="" xmlns:a16="http://schemas.microsoft.com/office/drawing/2014/main" id="{F644D2BD-1B24-4FD2-9415-DA9215D62A57}"/>
+                <a16:creationId xmlns:a16="http://schemas.microsoft.com/office/drawing/2014/main" xmlns="" id="{F644D2BD-1B24-4FD2-9415-DA9215D62A57}"/>
               </a:ext>
             </a:extLst>
           </p:cNvPr>
@@ -2970,7 +2970,7 @@
           <a:p>
             <a:fld id="{ABAA4BC0-A8D9-4C08-86B1-EF96D428A184}" type="datetimeFigureOut">
               <a:rPr lang="en-AU" smtClean="0"/>
-              <a:t>4/12/2017</a:t>
+              <a:t>5/12/2017</a:t>
             </a:fld>
             <a:endParaRPr lang="en-AU"/>
           </a:p>
@@ -2981,7 +2981,7 @@
           <p:cNvPr id="5" name="Footer Placeholder 4">
             <a:extLst>
               <a:ext uri="{FF2B5EF4-FFF2-40B4-BE49-F238E27FC236}">
-                <a16:creationId xmlns="" xmlns:a16="http://schemas.microsoft.com/office/drawing/2014/main" id="{052B2DEC-4883-463C-AF09-7784E5013BE5}"/>
+                <a16:creationId xmlns:a16="http://schemas.microsoft.com/office/drawing/2014/main" xmlns="" id="{052B2DEC-4883-463C-AF09-7784E5013BE5}"/>
               </a:ext>
             </a:extLst>
           </p:cNvPr>
@@ -3024,7 +3024,7 @@
           <p:cNvPr id="6" name="Slide Number Placeholder 5">
             <a:extLst>
               <a:ext uri="{FF2B5EF4-FFF2-40B4-BE49-F238E27FC236}">
-                <a16:creationId xmlns="" xmlns:a16="http://schemas.microsoft.com/office/drawing/2014/main" id="{B91E765B-C133-4BEF-9B0E-51DD0E9F5B27}"/>
+                <a16:creationId xmlns:a16="http://schemas.microsoft.com/office/drawing/2014/main" xmlns="" id="{B91E765B-C133-4BEF-9B0E-51DD0E9F5B27}"/>
               </a:ext>
             </a:extLst>
           </p:cNvPr>
@@ -3392,7 +3392,7 @@
           <p:cNvPr id="2" name="Title 1">
             <a:extLst>
               <a:ext uri="{FF2B5EF4-FFF2-40B4-BE49-F238E27FC236}">
-                <a16:creationId xmlns="" xmlns:a16="http://schemas.microsoft.com/office/drawing/2014/main" id="{46D20EEB-69A2-4947-B9C0-B5C51449390F}"/>
+                <a16:creationId xmlns:a16="http://schemas.microsoft.com/office/drawing/2014/main" xmlns="" id="{46D20EEB-69A2-4947-B9C0-B5C51449390F}"/>
               </a:ext>
             </a:extLst>
           </p:cNvPr>
@@ -3422,7 +3422,7 @@
           <p:cNvPr id="3" name="Subtitle 2">
             <a:extLst>
               <a:ext uri="{FF2B5EF4-FFF2-40B4-BE49-F238E27FC236}">
-                <a16:creationId xmlns="" xmlns:a16="http://schemas.microsoft.com/office/drawing/2014/main" id="{87970C47-FB20-494C-B2FC-D44C678CD97A}"/>
+                <a16:creationId xmlns:a16="http://schemas.microsoft.com/office/drawing/2014/main" xmlns="" id="{87970C47-FB20-494C-B2FC-D44C678CD97A}"/>
               </a:ext>
             </a:extLst>
           </p:cNvPr>
@@ -3480,7 +3480,7 @@
           <p:cNvPr id="2" name="Title 1">
             <a:extLst>
               <a:ext uri="{FF2B5EF4-FFF2-40B4-BE49-F238E27FC236}">
-                <a16:creationId xmlns="" xmlns:a16="http://schemas.microsoft.com/office/drawing/2014/main" id="{5AEACDF5-E062-45D5-A343-01EC2AD8C1FD}"/>
+                <a16:creationId xmlns:a16="http://schemas.microsoft.com/office/drawing/2014/main" xmlns="" id="{5AEACDF5-E062-45D5-A343-01EC2AD8C1FD}"/>
               </a:ext>
             </a:extLst>
           </p:cNvPr>
@@ -3508,7 +3508,7 @@
           <p:cNvPr id="3" name="Content Placeholder 2">
             <a:extLst>
               <a:ext uri="{FF2B5EF4-FFF2-40B4-BE49-F238E27FC236}">
-                <a16:creationId xmlns="" xmlns:a16="http://schemas.microsoft.com/office/drawing/2014/main" id="{6A6FF85F-C9FB-4F56-8D6B-2583AF24D2E9}"/>
+                <a16:creationId xmlns:a16="http://schemas.microsoft.com/office/drawing/2014/main" xmlns="" id="{6A6FF85F-C9FB-4F56-8D6B-2583AF24D2E9}"/>
               </a:ext>
             </a:extLst>
           </p:cNvPr>
@@ -3530,7 +3530,7 @@
             </a:r>
             <a:r>
               <a:rPr lang="en-AU" dirty="0" smtClean="0"/>
-              <a:t>times/day</a:t>
+              <a:t>times/day, unit test, e2e test, build</a:t>
             </a:r>
             <a:endParaRPr lang="en-AU" dirty="0"/>
           </a:p>
@@ -3571,7 +3571,7 @@
           <p:cNvPr id="3" name="Content Placeholder 2">
             <a:extLst>
               <a:ext uri="{FF2B5EF4-FFF2-40B4-BE49-F238E27FC236}">
-                <a16:creationId xmlns="" xmlns:a16="http://schemas.microsoft.com/office/drawing/2014/main" id="{C9A5D316-4BC8-407F-B333-AFF90256DD5D}"/>
+                <a16:creationId xmlns:a16="http://schemas.microsoft.com/office/drawing/2014/main" xmlns="" id="{C9A5D316-4BC8-407F-B333-AFF90256DD5D}"/>
               </a:ext>
             </a:extLst>
           </p:cNvPr>
@@ -3648,7 +3648,7 @@
           <p:cNvPr id="2" name="Title 1">
             <a:extLst>
               <a:ext uri="{FF2B5EF4-FFF2-40B4-BE49-F238E27FC236}">
-                <a16:creationId xmlns="" xmlns:a16="http://schemas.microsoft.com/office/drawing/2014/main" id="{7A314DC1-A148-43FE-A875-9257708AC501}"/>
+                <a16:creationId xmlns:a16="http://schemas.microsoft.com/office/drawing/2014/main" xmlns="" id="{7A314DC1-A148-43FE-A875-9257708AC501}"/>
               </a:ext>
             </a:extLst>
           </p:cNvPr>
@@ -3712,7 +3712,7 @@
           <p:cNvPr id="2" name="Title 1">
             <a:extLst>
               <a:ext uri="{FF2B5EF4-FFF2-40B4-BE49-F238E27FC236}">
-                <a16:creationId xmlns="" xmlns:a16="http://schemas.microsoft.com/office/drawing/2014/main" id="{42E80B67-816B-4805-81B1-91ED500C40B9}"/>
+                <a16:creationId xmlns:a16="http://schemas.microsoft.com/office/drawing/2014/main" xmlns="" id="{42E80B67-816B-4805-81B1-91ED500C40B9}"/>
               </a:ext>
             </a:extLst>
           </p:cNvPr>
@@ -3740,7 +3740,7 @@
           <p:cNvPr id="3" name="Content Placeholder 2">
             <a:extLst>
               <a:ext uri="{FF2B5EF4-FFF2-40B4-BE49-F238E27FC236}">
-                <a16:creationId xmlns="" xmlns:a16="http://schemas.microsoft.com/office/drawing/2014/main" id="{B7AE8FF8-276A-4B82-8B87-2A0DB8D7C833}"/>
+                <a16:creationId xmlns:a16="http://schemas.microsoft.com/office/drawing/2014/main" xmlns="" id="{B7AE8FF8-276A-4B82-8B87-2A0DB8D7C833}"/>
               </a:ext>
             </a:extLst>
           </p:cNvPr>
@@ -3803,13 +3803,8 @@
             </a:pPr>
             <a:r>
               <a:rPr lang="en-AU" dirty="0"/>
-              <a:t>Not finished: </a:t>
-            </a:r>
-            <a:r>
-              <a:rPr lang="en-AU" dirty="0"/>
-              <a:t>??? / Not finished</a:t>
-            </a:r>
-            <a:endParaRPr lang="en-AU" dirty="0"/>
+              <a:t>Not finished: ??? / Not finished</a:t>
+            </a:r>
           </a:p>
           <a:p>
             <a:pPr marL="1428750" lvl="2" indent="-514350">
@@ -3858,7 +3853,7 @@
           <p:cNvPr id="2" name="Title 1">
             <a:extLst>
               <a:ext uri="{FF2B5EF4-FFF2-40B4-BE49-F238E27FC236}">
-                <a16:creationId xmlns="" xmlns:a16="http://schemas.microsoft.com/office/drawing/2014/main" id="{D1414B65-0177-4A54-A913-98463AB982CF}"/>
+                <a16:creationId xmlns:a16="http://schemas.microsoft.com/office/drawing/2014/main" xmlns="" id="{D1414B65-0177-4A54-A913-98463AB982CF}"/>
               </a:ext>
             </a:extLst>
           </p:cNvPr>
@@ -3886,7 +3881,7 @@
           <p:cNvPr id="3" name="Content Placeholder 2">
             <a:extLst>
               <a:ext uri="{FF2B5EF4-FFF2-40B4-BE49-F238E27FC236}">
-                <a16:creationId xmlns="" xmlns:a16="http://schemas.microsoft.com/office/drawing/2014/main" id="{15AE89D6-962C-4069-9B0D-E280DFCF4FA9}"/>
+                <a16:creationId xmlns:a16="http://schemas.microsoft.com/office/drawing/2014/main" xmlns="" id="{15AE89D6-962C-4069-9B0D-E280DFCF4FA9}"/>
               </a:ext>
             </a:extLst>
           </p:cNvPr>
@@ -4132,7 +4127,7 @@
           <p:cNvPr id="3" name="Content Placeholder 2">
             <a:extLst>
               <a:ext uri="{FF2B5EF4-FFF2-40B4-BE49-F238E27FC236}">
-                <a16:creationId xmlns="" xmlns:a16="http://schemas.microsoft.com/office/drawing/2014/main" id="{C6D2743B-E048-4C36-BFE3-A63B5EAD2557}"/>
+                <a16:creationId xmlns:a16="http://schemas.microsoft.com/office/drawing/2014/main" xmlns="" id="{C6D2743B-E048-4C36-BFE3-A63B5EAD2557}"/>
               </a:ext>
             </a:extLst>
           </p:cNvPr>
@@ -4186,7 +4181,7 @@
           <p:cNvPr id="6" name="Picture 5">
             <a:extLst>
               <a:ext uri="{FF2B5EF4-FFF2-40B4-BE49-F238E27FC236}">
-                <a16:creationId xmlns="" xmlns:a16="http://schemas.microsoft.com/office/drawing/2014/main" id="{84150866-0F51-4A6A-A1C6-41FE94B390F7}"/>
+                <a16:creationId xmlns:a16="http://schemas.microsoft.com/office/drawing/2014/main" xmlns="" id="{84150866-0F51-4A6A-A1C6-41FE94B390F7}"/>
               </a:ext>
             </a:extLst>
           </p:cNvPr>
@@ -4246,7 +4241,7 @@
           <p:cNvPr id="4" name="Rectangle: Rounded Corners 3">
             <a:extLst>
               <a:ext uri="{FF2B5EF4-FFF2-40B4-BE49-F238E27FC236}">
-                <a16:creationId xmlns="" xmlns:a16="http://schemas.microsoft.com/office/drawing/2014/main" id="{22F580C1-A0CE-4DE1-9125-45C894E8919B}"/>
+                <a16:creationId xmlns:a16="http://schemas.microsoft.com/office/drawing/2014/main" xmlns="" id="{22F580C1-A0CE-4DE1-9125-45C894E8919B}"/>
               </a:ext>
             </a:extLst>
           </p:cNvPr>
@@ -4295,7 +4290,7 @@
           <p:cNvPr id="5" name="Rectangle: Rounded Corners 4">
             <a:extLst>
               <a:ext uri="{FF2B5EF4-FFF2-40B4-BE49-F238E27FC236}">
-                <a16:creationId xmlns="" xmlns:a16="http://schemas.microsoft.com/office/drawing/2014/main" id="{BAB322B6-52C3-4BEF-AE12-CEFE4AF1737D}"/>
+                <a16:creationId xmlns:a16="http://schemas.microsoft.com/office/drawing/2014/main" xmlns="" id="{BAB322B6-52C3-4BEF-AE12-CEFE4AF1737D}"/>
               </a:ext>
             </a:extLst>
           </p:cNvPr>
@@ -4344,7 +4339,7 @@
           <p:cNvPr id="6" name="Rectangle: Rounded Corners 5">
             <a:extLst>
               <a:ext uri="{FF2B5EF4-FFF2-40B4-BE49-F238E27FC236}">
-                <a16:creationId xmlns="" xmlns:a16="http://schemas.microsoft.com/office/drawing/2014/main" id="{6E1CAEE1-F7D0-4692-87EE-C81F99C972C6}"/>
+                <a16:creationId xmlns:a16="http://schemas.microsoft.com/office/drawing/2014/main" xmlns="" id="{6E1CAEE1-F7D0-4692-87EE-C81F99C972C6}"/>
               </a:ext>
             </a:extLst>
           </p:cNvPr>
@@ -4393,7 +4388,7 @@
           <p:cNvPr id="8" name="Rectangle: Rounded Corners 3">
             <a:extLst>
               <a:ext uri="{FF2B5EF4-FFF2-40B4-BE49-F238E27FC236}">
-                <a16:creationId xmlns="" xmlns:a16="http://schemas.microsoft.com/office/drawing/2014/main" id="{22F580C1-A0CE-4DE1-9125-45C894E8919B}"/>
+                <a16:creationId xmlns:a16="http://schemas.microsoft.com/office/drawing/2014/main" xmlns="" id="{22F580C1-A0CE-4DE1-9125-45C894E8919B}"/>
               </a:ext>
             </a:extLst>
           </p:cNvPr>
@@ -4443,7 +4438,7 @@
           <p:cNvPr id="9" name="Rectangle: Rounded Corners 4">
             <a:extLst>
               <a:ext uri="{FF2B5EF4-FFF2-40B4-BE49-F238E27FC236}">
-                <a16:creationId xmlns="" xmlns:a16="http://schemas.microsoft.com/office/drawing/2014/main" id="{BAB322B6-52C3-4BEF-AE12-CEFE4AF1737D}"/>
+                <a16:creationId xmlns:a16="http://schemas.microsoft.com/office/drawing/2014/main" xmlns="" id="{BAB322B6-52C3-4BEF-AE12-CEFE4AF1737D}"/>
               </a:ext>
             </a:extLst>
           </p:cNvPr>
@@ -4493,7 +4488,7 @@
           <p:cNvPr id="10" name="Rectangle: Rounded Corners 5">
             <a:extLst>
               <a:ext uri="{FF2B5EF4-FFF2-40B4-BE49-F238E27FC236}">
-                <a16:creationId xmlns="" xmlns:a16="http://schemas.microsoft.com/office/drawing/2014/main" id="{6E1CAEE1-F7D0-4692-87EE-C81F99C972C6}"/>
+                <a16:creationId xmlns:a16="http://schemas.microsoft.com/office/drawing/2014/main" xmlns="" id="{6E1CAEE1-F7D0-4692-87EE-C81F99C972C6}"/>
               </a:ext>
             </a:extLst>
           </p:cNvPr>
@@ -4543,7 +4538,7 @@
           <p:cNvPr id="11" name="Straight Arrow Connector 10">
             <a:extLst>
               <a:ext uri="{FF2B5EF4-FFF2-40B4-BE49-F238E27FC236}">
-                <a16:creationId xmlns="" xmlns:a16="http://schemas.microsoft.com/office/drawing/2014/main" id="{4DBDDFB9-BB6B-4DC0-8721-90D2A2E86008}"/>
+                <a16:creationId xmlns:a16="http://schemas.microsoft.com/office/drawing/2014/main" xmlns="" id="{4DBDDFB9-BB6B-4DC0-8721-90D2A2E86008}"/>
               </a:ext>
             </a:extLst>
           </p:cNvPr>
@@ -4586,7 +4581,7 @@
           <p:cNvPr id="14" name="Straight Arrow Connector 13">
             <a:extLst>
               <a:ext uri="{FF2B5EF4-FFF2-40B4-BE49-F238E27FC236}">
-                <a16:creationId xmlns="" xmlns:a16="http://schemas.microsoft.com/office/drawing/2014/main" id="{4DBDDFB9-BB6B-4DC0-8721-90D2A2E86008}"/>
+                <a16:creationId xmlns:a16="http://schemas.microsoft.com/office/drawing/2014/main" xmlns="" id="{4DBDDFB9-BB6B-4DC0-8721-90D2A2E86008}"/>
               </a:ext>
             </a:extLst>
           </p:cNvPr>
@@ -4629,7 +4624,7 @@
           <p:cNvPr id="17" name="Straight Arrow Connector 16">
             <a:extLst>
               <a:ext uri="{FF2B5EF4-FFF2-40B4-BE49-F238E27FC236}">
-                <a16:creationId xmlns="" xmlns:a16="http://schemas.microsoft.com/office/drawing/2014/main" id="{4DBDDFB9-BB6B-4DC0-8721-90D2A2E86008}"/>
+                <a16:creationId xmlns:a16="http://schemas.microsoft.com/office/drawing/2014/main" xmlns="" id="{4DBDDFB9-BB6B-4DC0-8721-90D2A2E86008}"/>
               </a:ext>
             </a:extLst>
           </p:cNvPr>
@@ -4672,7 +4667,7 @@
           <p:cNvPr id="20" name="Straight Arrow Connector 19">
             <a:extLst>
               <a:ext uri="{FF2B5EF4-FFF2-40B4-BE49-F238E27FC236}">
-                <a16:creationId xmlns="" xmlns:a16="http://schemas.microsoft.com/office/drawing/2014/main" id="{4DBDDFB9-BB6B-4DC0-8721-90D2A2E86008}"/>
+                <a16:creationId xmlns:a16="http://schemas.microsoft.com/office/drawing/2014/main" xmlns="" id="{4DBDDFB9-BB6B-4DC0-8721-90D2A2E86008}"/>
               </a:ext>
             </a:extLst>
           </p:cNvPr>
@@ -4715,7 +4710,7 @@
           <p:cNvPr id="23" name="Straight Arrow Connector 22">
             <a:extLst>
               <a:ext uri="{FF2B5EF4-FFF2-40B4-BE49-F238E27FC236}">
-                <a16:creationId xmlns="" xmlns:a16="http://schemas.microsoft.com/office/drawing/2014/main" id="{4DBDDFB9-BB6B-4DC0-8721-90D2A2E86008}"/>
+                <a16:creationId xmlns:a16="http://schemas.microsoft.com/office/drawing/2014/main" xmlns="" id="{4DBDDFB9-BB6B-4DC0-8721-90D2A2E86008}"/>
               </a:ext>
             </a:extLst>
           </p:cNvPr>
@@ -4758,7 +4753,7 @@
           <p:cNvPr id="26" name="Straight Arrow Connector 25">
             <a:extLst>
               <a:ext uri="{FF2B5EF4-FFF2-40B4-BE49-F238E27FC236}">
-                <a16:creationId xmlns="" xmlns:a16="http://schemas.microsoft.com/office/drawing/2014/main" id="{4DBDDFB9-BB6B-4DC0-8721-90D2A2E86008}"/>
+                <a16:creationId xmlns:a16="http://schemas.microsoft.com/office/drawing/2014/main" xmlns="" id="{4DBDDFB9-BB6B-4DC0-8721-90D2A2E86008}"/>
               </a:ext>
             </a:extLst>
           </p:cNvPr>
@@ -4801,7 +4796,7 @@
           <p:cNvPr id="30" name="Title 1">
             <a:extLst>
               <a:ext uri="{FF2B5EF4-FFF2-40B4-BE49-F238E27FC236}">
-                <a16:creationId xmlns="" xmlns:a16="http://schemas.microsoft.com/office/drawing/2014/main" id="{D1414B65-0177-4A54-A913-98463AB982CF}"/>
+                <a16:creationId xmlns:a16="http://schemas.microsoft.com/office/drawing/2014/main" xmlns="" id="{D1414B65-0177-4A54-A913-98463AB982CF}"/>
               </a:ext>
             </a:extLst>
           </p:cNvPr>
@@ -4865,7 +4860,7 @@
           <p:cNvPr id="3" name="Content Placeholder 2">
             <a:extLst>
               <a:ext uri="{FF2B5EF4-FFF2-40B4-BE49-F238E27FC236}">
-                <a16:creationId xmlns="" xmlns:a16="http://schemas.microsoft.com/office/drawing/2014/main" id="{C00F5369-1212-4EFF-9A2F-15998C0D4852}"/>
+                <a16:creationId xmlns:a16="http://schemas.microsoft.com/office/drawing/2014/main" xmlns="" id="{C00F5369-1212-4EFF-9A2F-15998C0D4852}"/>
               </a:ext>
             </a:extLst>
           </p:cNvPr>
@@ -5194,7 +5189,7 @@
           <p:cNvPr id="7" name="TextBox 6">
             <a:extLst>
               <a:ext uri="{FF2B5EF4-FFF2-40B4-BE49-F238E27FC236}">
-                <a16:creationId xmlns="" xmlns:a16="http://schemas.microsoft.com/office/drawing/2014/main" id="{AAED3613-F3B3-469B-8611-F832AC9EC84C}"/>
+                <a16:creationId xmlns:a16="http://schemas.microsoft.com/office/drawing/2014/main" xmlns="" id="{AAED3613-F3B3-469B-8611-F832AC9EC84C}"/>
               </a:ext>
             </a:extLst>
           </p:cNvPr>
@@ -5321,7 +5316,7 @@
           <p:cNvPr id="4" name="Title 1">
             <a:extLst>
               <a:ext uri="{FF2B5EF4-FFF2-40B4-BE49-F238E27FC236}">
-                <a16:creationId xmlns="" xmlns:a16="http://schemas.microsoft.com/office/drawing/2014/main" id="{6A06393E-99D8-4695-9207-D1A2BAC66F38}"/>
+                <a16:creationId xmlns:a16="http://schemas.microsoft.com/office/drawing/2014/main" xmlns="" id="{6A06393E-99D8-4695-9207-D1A2BAC66F38}"/>
               </a:ext>
             </a:extLst>
           </p:cNvPr>
@@ -5394,7 +5389,7 @@
           <p:cNvPr id="2" name="Title 1">
             <a:extLst>
               <a:ext uri="{FF2B5EF4-FFF2-40B4-BE49-F238E27FC236}">
-                <a16:creationId xmlns="" xmlns:a16="http://schemas.microsoft.com/office/drawing/2014/main" id="{7A803F35-0FC6-4F91-A1FB-F2EA3D07BA08}"/>
+                <a16:creationId xmlns:a16="http://schemas.microsoft.com/office/drawing/2014/main" xmlns="" id="{7A803F35-0FC6-4F91-A1FB-F2EA3D07BA08}"/>
               </a:ext>
             </a:extLst>
           </p:cNvPr>
@@ -5427,7 +5422,7 @@
           <p:cNvPr id="3" name="Content Placeholder 2">
             <a:extLst>
               <a:ext uri="{FF2B5EF4-FFF2-40B4-BE49-F238E27FC236}">
-                <a16:creationId xmlns="" xmlns:a16="http://schemas.microsoft.com/office/drawing/2014/main" id="{C7039667-7B1D-4E42-83DD-DA7569B25DE8}"/>
+                <a16:creationId xmlns:a16="http://schemas.microsoft.com/office/drawing/2014/main" xmlns="" id="{C7039667-7B1D-4E42-83DD-DA7569B25DE8}"/>
               </a:ext>
             </a:extLst>
           </p:cNvPr>
@@ -5569,7 +5564,7 @@
           <p:cNvPr id="2" name="Title 1">
             <a:extLst>
               <a:ext uri="{FF2B5EF4-FFF2-40B4-BE49-F238E27FC236}">
-                <a16:creationId xmlns="" xmlns:a16="http://schemas.microsoft.com/office/drawing/2014/main" id="{22615686-17FF-482C-922E-0E93B7206CA2}"/>
+                <a16:creationId xmlns:a16="http://schemas.microsoft.com/office/drawing/2014/main" xmlns="" id="{22615686-17FF-482C-922E-0E93B7206CA2}"/>
               </a:ext>
             </a:extLst>
           </p:cNvPr>
@@ -5597,7 +5592,7 @@
           <p:cNvPr id="3" name="Content Placeholder 2">
             <a:extLst>
               <a:ext uri="{FF2B5EF4-FFF2-40B4-BE49-F238E27FC236}">
-                <a16:creationId xmlns="" xmlns:a16="http://schemas.microsoft.com/office/drawing/2014/main" id="{669EAA0D-DBFC-4A88-8236-2795907B48AA}"/>
+                <a16:creationId xmlns:a16="http://schemas.microsoft.com/office/drawing/2014/main" xmlns="" id="{669EAA0D-DBFC-4A88-8236-2795907B48AA}"/>
               </a:ext>
             </a:extLst>
           </p:cNvPr>
@@ -6159,7 +6154,7 @@
           <p:cNvPr id="4" name="Title 1">
             <a:extLst>
               <a:ext uri="{FF2B5EF4-FFF2-40B4-BE49-F238E27FC236}">
-                <a16:creationId xmlns="" xmlns:a16="http://schemas.microsoft.com/office/drawing/2014/main" id="{78D141BE-904B-41D6-A1F5-70EACB375A02}"/>
+                <a16:creationId xmlns:a16="http://schemas.microsoft.com/office/drawing/2014/main" xmlns="" id="{78D141BE-904B-41D6-A1F5-70EACB375A02}"/>
               </a:ext>
             </a:extLst>
           </p:cNvPr>
@@ -6230,7 +6225,7 @@
           <p:cNvPr id="2" name="Title 1">
             <a:extLst>
               <a:ext uri="{FF2B5EF4-FFF2-40B4-BE49-F238E27FC236}">
-                <a16:creationId xmlns="" xmlns:a16="http://schemas.microsoft.com/office/drawing/2014/main" id="{CDFF9C88-CA8A-4EDD-A2FD-2CBB1560A2AC}"/>
+                <a16:creationId xmlns:a16="http://schemas.microsoft.com/office/drawing/2014/main" xmlns="" id="{CDFF9C88-CA8A-4EDD-A2FD-2CBB1560A2AC}"/>
               </a:ext>
             </a:extLst>
           </p:cNvPr>
@@ -6265,7 +6260,7 @@
           <p:cNvPr id="3" name="Content Placeholder 2">
             <a:extLst>
               <a:ext uri="{FF2B5EF4-FFF2-40B4-BE49-F238E27FC236}">
-                <a16:creationId xmlns="" xmlns:a16="http://schemas.microsoft.com/office/drawing/2014/main" id="{A360B579-2AEB-4554-875C-E618D99B5A9A}"/>
+                <a16:creationId xmlns:a16="http://schemas.microsoft.com/office/drawing/2014/main" xmlns="" id="{A360B579-2AEB-4554-875C-E618D99B5A9A}"/>
               </a:ext>
             </a:extLst>
           </p:cNvPr>
@@ -6312,7 +6307,7 @@
           <p:cNvPr id="4" name="Rectangle: Rounded Corners 3">
             <a:extLst>
               <a:ext uri="{FF2B5EF4-FFF2-40B4-BE49-F238E27FC236}">
-                <a16:creationId xmlns="" xmlns:a16="http://schemas.microsoft.com/office/drawing/2014/main" id="{22F580C1-A0CE-4DE1-9125-45C894E8919B}"/>
+                <a16:creationId xmlns:a16="http://schemas.microsoft.com/office/drawing/2014/main" xmlns="" id="{22F580C1-A0CE-4DE1-9125-45C894E8919B}"/>
               </a:ext>
             </a:extLst>
           </p:cNvPr>
@@ -6373,7 +6368,7 @@
           <p:cNvPr id="5" name="Rectangle: Rounded Corners 4">
             <a:extLst>
               <a:ext uri="{FF2B5EF4-FFF2-40B4-BE49-F238E27FC236}">
-                <a16:creationId xmlns="" xmlns:a16="http://schemas.microsoft.com/office/drawing/2014/main" id="{BAB322B6-52C3-4BEF-AE12-CEFE4AF1737D}"/>
+                <a16:creationId xmlns:a16="http://schemas.microsoft.com/office/drawing/2014/main" xmlns="" id="{BAB322B6-52C3-4BEF-AE12-CEFE4AF1737D}"/>
               </a:ext>
             </a:extLst>
           </p:cNvPr>
@@ -6434,7 +6429,7 @@
           <p:cNvPr id="6" name="Rectangle: Rounded Corners 5">
             <a:extLst>
               <a:ext uri="{FF2B5EF4-FFF2-40B4-BE49-F238E27FC236}">
-                <a16:creationId xmlns="" xmlns:a16="http://schemas.microsoft.com/office/drawing/2014/main" id="{6E1CAEE1-F7D0-4692-87EE-C81F99C972C6}"/>
+                <a16:creationId xmlns:a16="http://schemas.microsoft.com/office/drawing/2014/main" xmlns="" id="{6E1CAEE1-F7D0-4692-87EE-C81F99C972C6}"/>
               </a:ext>
             </a:extLst>
           </p:cNvPr>
@@ -6490,7 +6485,7 @@
           <p:cNvPr id="7" name="Rectangle: Rounded Corners 6">
             <a:extLst>
               <a:ext uri="{FF2B5EF4-FFF2-40B4-BE49-F238E27FC236}">
-                <a16:creationId xmlns="" xmlns:a16="http://schemas.microsoft.com/office/drawing/2014/main" id="{2B2DADE3-74F8-4DD2-850B-2DAB16F42835}"/>
+                <a16:creationId xmlns:a16="http://schemas.microsoft.com/office/drawing/2014/main" xmlns="" id="{2B2DADE3-74F8-4DD2-850B-2DAB16F42835}"/>
               </a:ext>
             </a:extLst>
           </p:cNvPr>
@@ -6539,7 +6534,7 @@
           <p:cNvPr id="9" name="Straight Arrow Connector 8">
             <a:extLst>
               <a:ext uri="{FF2B5EF4-FFF2-40B4-BE49-F238E27FC236}">
-                <a16:creationId xmlns="" xmlns:a16="http://schemas.microsoft.com/office/drawing/2014/main" id="{29342EDE-10B4-4566-A05F-EE67D11DFC15}"/>
+                <a16:creationId xmlns:a16="http://schemas.microsoft.com/office/drawing/2014/main" xmlns="" id="{29342EDE-10B4-4566-A05F-EE67D11DFC15}"/>
               </a:ext>
             </a:extLst>
           </p:cNvPr>
@@ -6582,7 +6577,7 @@
           <p:cNvPr id="10" name="Straight Arrow Connector 9">
             <a:extLst>
               <a:ext uri="{FF2B5EF4-FFF2-40B4-BE49-F238E27FC236}">
-                <a16:creationId xmlns="" xmlns:a16="http://schemas.microsoft.com/office/drawing/2014/main" id="{4DBDDFB9-BB6B-4DC0-8721-90D2A2E86008}"/>
+                <a16:creationId xmlns:a16="http://schemas.microsoft.com/office/drawing/2014/main" xmlns="" id="{4DBDDFB9-BB6B-4DC0-8721-90D2A2E86008}"/>
               </a:ext>
             </a:extLst>
           </p:cNvPr>
@@ -6625,7 +6620,7 @@
           <p:cNvPr id="13" name="Straight Arrow Connector 12">
             <a:extLst>
               <a:ext uri="{FF2B5EF4-FFF2-40B4-BE49-F238E27FC236}">
-                <a16:creationId xmlns="" xmlns:a16="http://schemas.microsoft.com/office/drawing/2014/main" id="{F7807ED4-61EC-4614-8D90-574B7B83C6E1}"/>
+                <a16:creationId xmlns:a16="http://schemas.microsoft.com/office/drawing/2014/main" xmlns="" id="{F7807ED4-61EC-4614-8D90-574B7B83C6E1}"/>
               </a:ext>
             </a:extLst>
           </p:cNvPr>
@@ -6668,7 +6663,7 @@
           <p:cNvPr id="16" name="TextBox 15">
             <a:extLst>
               <a:ext uri="{FF2B5EF4-FFF2-40B4-BE49-F238E27FC236}">
-                <a16:creationId xmlns="" xmlns:a16="http://schemas.microsoft.com/office/drawing/2014/main" id="{781B57AE-A8AF-4C28-B9C0-EBF4AF0EE7FC}"/>
+                <a16:creationId xmlns:a16="http://schemas.microsoft.com/office/drawing/2014/main" xmlns="" id="{781B57AE-A8AF-4C28-B9C0-EBF4AF0EE7FC}"/>
               </a:ext>
             </a:extLst>
           </p:cNvPr>
@@ -6795,7 +6790,7 @@
           <p:cNvPr id="2" name="Title 1">
             <a:extLst>
               <a:ext uri="{FF2B5EF4-FFF2-40B4-BE49-F238E27FC236}">
-                <a16:creationId xmlns="" xmlns:a16="http://schemas.microsoft.com/office/drawing/2014/main" id="{6580116B-469C-4A92-B2C2-9BDE67496583}"/>
+                <a16:creationId xmlns:a16="http://schemas.microsoft.com/office/drawing/2014/main" xmlns="" id="{6580116B-469C-4A92-B2C2-9BDE67496583}"/>
               </a:ext>
             </a:extLst>
           </p:cNvPr>
@@ -6861,7 +6856,7 @@
           <p:cNvPr id="6" name="Content Placeholder 5">
             <a:extLst>
               <a:ext uri="{FF2B5EF4-FFF2-40B4-BE49-F238E27FC236}">
-                <a16:creationId xmlns="" xmlns:a16="http://schemas.microsoft.com/office/drawing/2014/main" id="{C7DFB363-8077-4763-B6EA-8873B846E7B3}"/>
+                <a16:creationId xmlns:a16="http://schemas.microsoft.com/office/drawing/2014/main" xmlns="" id="{C7DFB363-8077-4763-B6EA-8873B846E7B3}"/>
               </a:ext>
             </a:extLst>
           </p:cNvPr>
@@ -6912,7 +6907,7 @@
           <p:cNvPr id="8" name="Picture 7">
             <a:extLst>
               <a:ext uri="{FF2B5EF4-FFF2-40B4-BE49-F238E27FC236}">
-                <a16:creationId xmlns="" xmlns:a16="http://schemas.microsoft.com/office/drawing/2014/main" id="{90B177CF-B5E3-4B8F-BD17-3C3EC96B4E7B}"/>
+                <a16:creationId xmlns:a16="http://schemas.microsoft.com/office/drawing/2014/main" xmlns="" id="{90B177CF-B5E3-4B8F-BD17-3C3EC96B4E7B}"/>
               </a:ext>
             </a:extLst>
           </p:cNvPr>
@@ -6942,7 +6937,7 @@
           <p:cNvPr id="5" name="Rectangle: Rounded Corners 3">
             <a:extLst>
               <a:ext uri="{FF2B5EF4-FFF2-40B4-BE49-F238E27FC236}">
-                <a16:creationId xmlns="" xmlns:a16="http://schemas.microsoft.com/office/drawing/2014/main" id="{22F580C1-A0CE-4DE1-9125-45C894E8919B}"/>
+                <a16:creationId xmlns:a16="http://schemas.microsoft.com/office/drawing/2014/main" xmlns="" id="{22F580C1-A0CE-4DE1-9125-45C894E8919B}"/>
               </a:ext>
             </a:extLst>
           </p:cNvPr>
@@ -7018,7 +7013,7 @@
           <p:cNvPr id="7" name="Rectangle: Rounded Corners 4">
             <a:extLst>
               <a:ext uri="{FF2B5EF4-FFF2-40B4-BE49-F238E27FC236}">
-                <a16:creationId xmlns="" xmlns:a16="http://schemas.microsoft.com/office/drawing/2014/main" id="{BAB322B6-52C3-4BEF-AE12-CEFE4AF1737D}"/>
+                <a16:creationId xmlns:a16="http://schemas.microsoft.com/office/drawing/2014/main" xmlns="" id="{BAB322B6-52C3-4BEF-AE12-CEFE4AF1737D}"/>
               </a:ext>
             </a:extLst>
           </p:cNvPr>
@@ -7086,7 +7081,7 @@
           <p:cNvPr id="9" name="Rectangle: Rounded Corners 5">
             <a:extLst>
               <a:ext uri="{FF2B5EF4-FFF2-40B4-BE49-F238E27FC236}">
-                <a16:creationId xmlns="" xmlns:a16="http://schemas.microsoft.com/office/drawing/2014/main" id="{6E1CAEE1-F7D0-4692-87EE-C81F99C972C6}"/>
+                <a16:creationId xmlns:a16="http://schemas.microsoft.com/office/drawing/2014/main" xmlns="" id="{6E1CAEE1-F7D0-4692-87EE-C81F99C972C6}"/>
               </a:ext>
             </a:extLst>
           </p:cNvPr>
@@ -7150,7 +7145,7 @@
           <p:cNvPr id="10" name="Straight Arrow Connector 9">
             <a:extLst>
               <a:ext uri="{FF2B5EF4-FFF2-40B4-BE49-F238E27FC236}">
-                <a16:creationId xmlns="" xmlns:a16="http://schemas.microsoft.com/office/drawing/2014/main" id="{F7807ED4-61EC-4614-8D90-574B7B83C6E1}"/>
+                <a16:creationId xmlns:a16="http://schemas.microsoft.com/office/drawing/2014/main" xmlns="" id="{F7807ED4-61EC-4614-8D90-574B7B83C6E1}"/>
               </a:ext>
             </a:extLst>
           </p:cNvPr>
@@ -7193,7 +7188,7 @@
           <p:cNvPr id="11" name="Straight Arrow Connector 10">
             <a:extLst>
               <a:ext uri="{FF2B5EF4-FFF2-40B4-BE49-F238E27FC236}">
-                <a16:creationId xmlns="" xmlns:a16="http://schemas.microsoft.com/office/drawing/2014/main" id="{F7807ED4-61EC-4614-8D90-574B7B83C6E1}"/>
+                <a16:creationId xmlns:a16="http://schemas.microsoft.com/office/drawing/2014/main" xmlns="" id="{F7807ED4-61EC-4614-8D90-574B7B83C6E1}"/>
               </a:ext>
             </a:extLst>
           </p:cNvPr>
@@ -7236,7 +7231,7 @@
           <p:cNvPr id="14" name="Straight Arrow Connector 13">
             <a:extLst>
               <a:ext uri="{FF2B5EF4-FFF2-40B4-BE49-F238E27FC236}">
-                <a16:creationId xmlns="" xmlns:a16="http://schemas.microsoft.com/office/drawing/2014/main" id="{F7807ED4-61EC-4614-8D90-574B7B83C6E1}"/>
+                <a16:creationId xmlns:a16="http://schemas.microsoft.com/office/drawing/2014/main" xmlns="" id="{F7807ED4-61EC-4614-8D90-574B7B83C6E1}"/>
               </a:ext>
             </a:extLst>
           </p:cNvPr>
@@ -7316,7 +7311,7 @@
           <p:cNvPr id="2" name="Title 1">
             <a:extLst>
               <a:ext uri="{FF2B5EF4-FFF2-40B4-BE49-F238E27FC236}">
-                <a16:creationId xmlns="" xmlns:a16="http://schemas.microsoft.com/office/drawing/2014/main" id="{33F06CFE-7E28-48E4-9C8E-52EF37937809}"/>
+                <a16:creationId xmlns:a16="http://schemas.microsoft.com/office/drawing/2014/main" xmlns="" id="{33F06CFE-7E28-48E4-9C8E-52EF37937809}"/>
               </a:ext>
             </a:extLst>
           </p:cNvPr>
@@ -7344,7 +7339,7 @@
           <p:cNvPr id="4" name="Content Placeholder 2">
             <a:extLst>
               <a:ext uri="{FF2B5EF4-FFF2-40B4-BE49-F238E27FC236}">
-                <a16:creationId xmlns="" xmlns:a16="http://schemas.microsoft.com/office/drawing/2014/main" id="{284737B6-E0BD-4584-81E7-2CD25B88C98D}"/>
+                <a16:creationId xmlns:a16="http://schemas.microsoft.com/office/drawing/2014/main" xmlns="" id="{284737B6-E0BD-4584-81E7-2CD25B88C98D}"/>
               </a:ext>
             </a:extLst>
           </p:cNvPr>
@@ -7616,7 +7611,7 @@
           <p:cNvPr id="2" name="Title 1">
             <a:extLst>
               <a:ext uri="{FF2B5EF4-FFF2-40B4-BE49-F238E27FC236}">
-                <a16:creationId xmlns="" xmlns:a16="http://schemas.microsoft.com/office/drawing/2014/main" id="{11E1DF8B-9E4A-4840-A2A1-4EDDBA6B07EE}"/>
+                <a16:creationId xmlns:a16="http://schemas.microsoft.com/office/drawing/2014/main" xmlns="" id="{11E1DF8B-9E4A-4840-A2A1-4EDDBA6B07EE}"/>
               </a:ext>
             </a:extLst>
           </p:cNvPr>
@@ -7644,7 +7639,7 @@
           <p:cNvPr id="3" name="Content Placeholder 2">
             <a:extLst>
               <a:ext uri="{FF2B5EF4-FFF2-40B4-BE49-F238E27FC236}">
-                <a16:creationId xmlns="" xmlns:a16="http://schemas.microsoft.com/office/drawing/2014/main" id="{D75B4ED2-165E-4B98-96C0-22387CEEF9DA}"/>
+                <a16:creationId xmlns:a16="http://schemas.microsoft.com/office/drawing/2014/main" xmlns="" id="{D75B4ED2-165E-4B98-96C0-22387CEEF9DA}"/>
               </a:ext>
             </a:extLst>
           </p:cNvPr>
@@ -7680,7 +7675,7 @@
           <p:cNvPr id="4" name="Rectangle: Rounded Corners 3">
             <a:extLst>
               <a:ext uri="{FF2B5EF4-FFF2-40B4-BE49-F238E27FC236}">
-                <a16:creationId xmlns="" xmlns:a16="http://schemas.microsoft.com/office/drawing/2014/main" id="{A0879E72-D641-4A88-B06B-428D7CB7C5DE}"/>
+                <a16:creationId xmlns:a16="http://schemas.microsoft.com/office/drawing/2014/main" xmlns="" id="{A0879E72-D641-4A88-B06B-428D7CB7C5DE}"/>
               </a:ext>
             </a:extLst>
           </p:cNvPr>
@@ -7734,7 +7729,7 @@
           <p:cNvPr id="8" name="Rectangle: Rounded Corners 7">
             <a:extLst>
               <a:ext uri="{FF2B5EF4-FFF2-40B4-BE49-F238E27FC236}">
-                <a16:creationId xmlns="" xmlns:a16="http://schemas.microsoft.com/office/drawing/2014/main" id="{0F035666-46AE-4EF1-8615-DA9A8F3E69CE}"/>
+                <a16:creationId xmlns:a16="http://schemas.microsoft.com/office/drawing/2014/main" xmlns="" id="{0F035666-46AE-4EF1-8615-DA9A8F3E69CE}"/>
               </a:ext>
             </a:extLst>
           </p:cNvPr>
@@ -7788,7 +7783,7 @@
           <p:cNvPr id="11" name="Rectangle: Rounded Corners 10">
             <a:extLst>
               <a:ext uri="{FF2B5EF4-FFF2-40B4-BE49-F238E27FC236}">
-                <a16:creationId xmlns="" xmlns:a16="http://schemas.microsoft.com/office/drawing/2014/main" id="{C83017FB-FA2C-4CE0-B14B-2278CF8A8DA2}"/>
+                <a16:creationId xmlns:a16="http://schemas.microsoft.com/office/drawing/2014/main" xmlns="" id="{C83017FB-FA2C-4CE0-B14B-2278CF8A8DA2}"/>
               </a:ext>
             </a:extLst>
           </p:cNvPr>
@@ -7847,7 +7842,7 @@
           <p:cNvPr id="12" name="Rectangle: Rounded Corners 11">
             <a:extLst>
               <a:ext uri="{FF2B5EF4-FFF2-40B4-BE49-F238E27FC236}">
-                <a16:creationId xmlns="" xmlns:a16="http://schemas.microsoft.com/office/drawing/2014/main" id="{D02F0EDA-1F76-41E5-B9DB-AF50179CD422}"/>
+                <a16:creationId xmlns:a16="http://schemas.microsoft.com/office/drawing/2014/main" xmlns="" id="{D02F0EDA-1F76-41E5-B9DB-AF50179CD422}"/>
               </a:ext>
             </a:extLst>
           </p:cNvPr>
@@ -7901,7 +7896,7 @@
           <p:cNvPr id="13" name="TextBox 12">
             <a:extLst>
               <a:ext uri="{FF2B5EF4-FFF2-40B4-BE49-F238E27FC236}">
-                <a16:creationId xmlns="" xmlns:a16="http://schemas.microsoft.com/office/drawing/2014/main" id="{05B20F83-55F0-446A-979B-E53AED1662A4}"/>
+                <a16:creationId xmlns:a16="http://schemas.microsoft.com/office/drawing/2014/main" xmlns="" id="{05B20F83-55F0-446A-979B-E53AED1662A4}"/>
               </a:ext>
             </a:extLst>
           </p:cNvPr>
@@ -7948,11 +7943,7 @@
             </a:r>
             <a:r>
               <a:rPr lang="en-AU" dirty="0" smtClean="0"/>
-              <a:t>acceptable (for admin)</a:t>
-            </a:r>
-            <a:r>
-              <a:rPr lang="en-AU" dirty="0" smtClean="0"/>
-              <a:t>?</a:t>
+              <a:t>acceptable (for admin)?</a:t>
             </a:r>
           </a:p>
           <a:p>
@@ -8043,7 +8034,7 @@
           <p:cNvPr id="5" name="Content Placeholder 4">
             <a:extLst>
               <a:ext uri="{FF2B5EF4-FFF2-40B4-BE49-F238E27FC236}">
-                <a16:creationId xmlns="" xmlns:a16="http://schemas.microsoft.com/office/drawing/2014/main" id="{AD93727E-7F42-4C0C-9BEB-A4BCF2B99BC4}"/>
+                <a16:creationId xmlns:a16="http://schemas.microsoft.com/office/drawing/2014/main" xmlns="" id="{AD93727E-7F42-4C0C-9BEB-A4BCF2B99BC4}"/>
               </a:ext>
             </a:extLst>
           </p:cNvPr>
@@ -8078,7 +8069,7 @@
           <p:cNvPr id="2" name="Title 1">
             <a:extLst>
               <a:ext uri="{FF2B5EF4-FFF2-40B4-BE49-F238E27FC236}">
-                <a16:creationId xmlns="" xmlns:a16="http://schemas.microsoft.com/office/drawing/2014/main" id="{0281058A-E1D9-44B2-BFF2-0ACD4AB1569D}"/>
+                <a16:creationId xmlns:a16="http://schemas.microsoft.com/office/drawing/2014/main" xmlns="" id="{0281058A-E1D9-44B2-BFF2-0ACD4AB1569D}"/>
               </a:ext>
             </a:extLst>
           </p:cNvPr>
@@ -8160,7 +8151,7 @@
           <p:cNvPr id="2" name="Title 1">
             <a:extLst>
               <a:ext uri="{FF2B5EF4-FFF2-40B4-BE49-F238E27FC236}">
-                <a16:creationId xmlns="" xmlns:a16="http://schemas.microsoft.com/office/drawing/2014/main" id="{60FC3D32-322A-45DE-8BD9-4CC279C9EBB9}"/>
+                <a16:creationId xmlns:a16="http://schemas.microsoft.com/office/drawing/2014/main" xmlns="" id="{60FC3D32-322A-45DE-8BD9-4CC279C9EBB9}"/>
               </a:ext>
             </a:extLst>
           </p:cNvPr>
@@ -8188,7 +8179,7 @@
           <p:cNvPr id="3" name="Content Placeholder 2">
             <a:extLst>
               <a:ext uri="{FF2B5EF4-FFF2-40B4-BE49-F238E27FC236}">
-                <a16:creationId xmlns="" xmlns:a16="http://schemas.microsoft.com/office/drawing/2014/main" id="{01B526C5-9CC5-4942-9B23-39DE40E1944F}"/>
+                <a16:creationId xmlns:a16="http://schemas.microsoft.com/office/drawing/2014/main" xmlns="" id="{01B526C5-9CC5-4942-9B23-39DE40E1944F}"/>
               </a:ext>
             </a:extLst>
           </p:cNvPr>
@@ -8318,7 +8309,7 @@
           <p:cNvPr id="2" name="Title 1">
             <a:extLst>
               <a:ext uri="{FF2B5EF4-FFF2-40B4-BE49-F238E27FC236}">
-                <a16:creationId xmlns="" xmlns:a16="http://schemas.microsoft.com/office/drawing/2014/main" id="{351E2D6D-5B89-4FFB-885C-F2D1A3D85300}"/>
+                <a16:creationId xmlns:a16="http://schemas.microsoft.com/office/drawing/2014/main" xmlns="" id="{351E2D6D-5B89-4FFB-885C-F2D1A3D85300}"/>
               </a:ext>
             </a:extLst>
           </p:cNvPr>
@@ -8346,7 +8337,7 @@
           <p:cNvPr id="10" name="Rectangle: Rounded Corners 9">
             <a:extLst>
               <a:ext uri="{FF2B5EF4-FFF2-40B4-BE49-F238E27FC236}">
-                <a16:creationId xmlns="" xmlns:a16="http://schemas.microsoft.com/office/drawing/2014/main" id="{3E60A93E-3EFC-4238-9C19-7AD9C0DB83BF}"/>
+                <a16:creationId xmlns:a16="http://schemas.microsoft.com/office/drawing/2014/main" xmlns="" id="{3E60A93E-3EFC-4238-9C19-7AD9C0DB83BF}"/>
               </a:ext>
             </a:extLst>
           </p:cNvPr>
@@ -8400,7 +8391,7 @@
           <p:cNvPr id="11" name="Rectangle: Rounded Corners 10">
             <a:extLst>
               <a:ext uri="{FF2B5EF4-FFF2-40B4-BE49-F238E27FC236}">
-                <a16:creationId xmlns="" xmlns:a16="http://schemas.microsoft.com/office/drawing/2014/main" id="{9F4B82D9-AE48-47D0-B664-20BBDEF49994}"/>
+                <a16:creationId xmlns:a16="http://schemas.microsoft.com/office/drawing/2014/main" xmlns="" id="{9F4B82D9-AE48-47D0-B664-20BBDEF49994}"/>
               </a:ext>
             </a:extLst>
           </p:cNvPr>
@@ -8454,7 +8445,7 @@
           <p:cNvPr id="12" name="Straight Arrow Connector 11">
             <a:extLst>
               <a:ext uri="{FF2B5EF4-FFF2-40B4-BE49-F238E27FC236}">
-                <a16:creationId xmlns="" xmlns:a16="http://schemas.microsoft.com/office/drawing/2014/main" id="{815A87B5-9B7D-4471-AFD8-4B8028430FCF}"/>
+                <a16:creationId xmlns:a16="http://schemas.microsoft.com/office/drawing/2014/main" xmlns="" id="{815A87B5-9B7D-4471-AFD8-4B8028430FCF}"/>
               </a:ext>
             </a:extLst>
           </p:cNvPr>
@@ -8493,7 +8484,7 @@
           <p:cNvPr id="13" name="Straight Arrow Connector 12">
             <a:extLst>
               <a:ext uri="{FF2B5EF4-FFF2-40B4-BE49-F238E27FC236}">
-                <a16:creationId xmlns="" xmlns:a16="http://schemas.microsoft.com/office/drawing/2014/main" id="{ED5C6514-695A-4A15-A0F7-E6D0CC090184}"/>
+                <a16:creationId xmlns:a16="http://schemas.microsoft.com/office/drawing/2014/main" xmlns="" id="{ED5C6514-695A-4A15-A0F7-E6D0CC090184}"/>
               </a:ext>
             </a:extLst>
           </p:cNvPr>
@@ -8534,7 +8525,7 @@
           <p:cNvPr id="14" name="Rectangle: Rounded Corners 13">
             <a:extLst>
               <a:ext uri="{FF2B5EF4-FFF2-40B4-BE49-F238E27FC236}">
-                <a16:creationId xmlns="" xmlns:a16="http://schemas.microsoft.com/office/drawing/2014/main" id="{57E57005-B21A-4A45-ADC3-F95369B260FF}"/>
+                <a16:creationId xmlns:a16="http://schemas.microsoft.com/office/drawing/2014/main" xmlns="" id="{57E57005-B21A-4A45-ADC3-F95369B260FF}"/>
               </a:ext>
             </a:extLst>
           </p:cNvPr>
@@ -8588,7 +8579,7 @@
           <p:cNvPr id="15" name="Straight Arrow Connector 14">
             <a:extLst>
               <a:ext uri="{FF2B5EF4-FFF2-40B4-BE49-F238E27FC236}">
-                <a16:creationId xmlns="" xmlns:a16="http://schemas.microsoft.com/office/drawing/2014/main" id="{1A5077B3-93C1-40B0-A262-6A5BCC734D75}"/>
+                <a16:creationId xmlns:a16="http://schemas.microsoft.com/office/drawing/2014/main" xmlns="" id="{1A5077B3-93C1-40B0-A262-6A5BCC734D75}"/>
               </a:ext>
             </a:extLst>
           </p:cNvPr>
@@ -8631,7 +8622,7 @@
           <p:cNvPr id="16" name="Rectangle: Rounded Corners 15">
             <a:extLst>
               <a:ext uri="{FF2B5EF4-FFF2-40B4-BE49-F238E27FC236}">
-                <a16:creationId xmlns="" xmlns:a16="http://schemas.microsoft.com/office/drawing/2014/main" id="{26DF092E-0126-41D3-8BE8-6B6B7398B27D}"/>
+                <a16:creationId xmlns:a16="http://schemas.microsoft.com/office/drawing/2014/main" xmlns="" id="{26DF092E-0126-41D3-8BE8-6B6B7398B27D}"/>
               </a:ext>
             </a:extLst>
           </p:cNvPr>
@@ -8685,7 +8676,7 @@
           <p:cNvPr id="17" name="Straight Arrow Connector 16">
             <a:extLst>
               <a:ext uri="{FF2B5EF4-FFF2-40B4-BE49-F238E27FC236}">
-                <a16:creationId xmlns="" xmlns:a16="http://schemas.microsoft.com/office/drawing/2014/main" id="{7DAA150C-31ED-4433-B9A3-6E8877F4B2F5}"/>
+                <a16:creationId xmlns:a16="http://schemas.microsoft.com/office/drawing/2014/main" xmlns="" id="{7DAA150C-31ED-4433-B9A3-6E8877F4B2F5}"/>
               </a:ext>
             </a:extLst>
           </p:cNvPr>
@@ -8726,7 +8717,7 @@
           <p:cNvPr id="18" name="Rectangle: Rounded Corners 17">
             <a:extLst>
               <a:ext uri="{FF2B5EF4-FFF2-40B4-BE49-F238E27FC236}">
-                <a16:creationId xmlns="" xmlns:a16="http://schemas.microsoft.com/office/drawing/2014/main" id="{BBF1D18F-3D39-46F6-B2A9-CCF40F0816FA}"/>
+                <a16:creationId xmlns:a16="http://schemas.microsoft.com/office/drawing/2014/main" xmlns="" id="{BBF1D18F-3D39-46F6-B2A9-CCF40F0816FA}"/>
               </a:ext>
             </a:extLst>
           </p:cNvPr>
@@ -8780,7 +8771,7 @@
           <p:cNvPr id="19" name="Straight Arrow Connector 18">
             <a:extLst>
               <a:ext uri="{FF2B5EF4-FFF2-40B4-BE49-F238E27FC236}">
-                <a16:creationId xmlns="" xmlns:a16="http://schemas.microsoft.com/office/drawing/2014/main" id="{CC990130-9158-419F-9341-964A0E0E557B}"/>
+                <a16:creationId xmlns:a16="http://schemas.microsoft.com/office/drawing/2014/main" xmlns="" id="{CC990130-9158-419F-9341-964A0E0E557B}"/>
               </a:ext>
             </a:extLst>
           </p:cNvPr>
@@ -8823,7 +8814,7 @@
           <p:cNvPr id="20" name="Straight Arrow Connector 19">
             <a:extLst>
               <a:ext uri="{FF2B5EF4-FFF2-40B4-BE49-F238E27FC236}">
-                <a16:creationId xmlns="" xmlns:a16="http://schemas.microsoft.com/office/drawing/2014/main" id="{E36B0B59-4CE8-4884-B51F-4E0915B8E709}"/>
+                <a16:creationId xmlns:a16="http://schemas.microsoft.com/office/drawing/2014/main" xmlns="" id="{E36B0B59-4CE8-4884-B51F-4E0915B8E709}"/>
               </a:ext>
             </a:extLst>
           </p:cNvPr>
@@ -8894,7 +8885,7 @@
           <p:cNvPr id="2" name="Title 1">
             <a:extLst>
               <a:ext uri="{FF2B5EF4-FFF2-40B4-BE49-F238E27FC236}">
-                <a16:creationId xmlns="" xmlns:a16="http://schemas.microsoft.com/office/drawing/2014/main" id="{9D0AC49B-8687-4E37-B196-E85D6D97126B}"/>
+                <a16:creationId xmlns:a16="http://schemas.microsoft.com/office/drawing/2014/main" xmlns="" id="{9D0AC49B-8687-4E37-B196-E85D6D97126B}"/>
               </a:ext>
             </a:extLst>
           </p:cNvPr>
@@ -8922,7 +8913,7 @@
           <p:cNvPr id="3" name="Content Placeholder 2">
             <a:extLst>
               <a:ext uri="{FF2B5EF4-FFF2-40B4-BE49-F238E27FC236}">
-                <a16:creationId xmlns="" xmlns:a16="http://schemas.microsoft.com/office/drawing/2014/main" id="{6C5C3DC7-9103-4900-9CB2-D68911BC7DA7}"/>
+                <a16:creationId xmlns:a16="http://schemas.microsoft.com/office/drawing/2014/main" xmlns="" id="{6C5C3DC7-9103-4900-9CB2-D68911BC7DA7}"/>
               </a:ext>
             </a:extLst>
           </p:cNvPr>
@@ -8995,7 +8986,7 @@
           <p:cNvPr id="4" name="Content Placeholder 2">
             <a:extLst>
               <a:ext uri="{FF2B5EF4-FFF2-40B4-BE49-F238E27FC236}">
-                <a16:creationId xmlns="" xmlns:a16="http://schemas.microsoft.com/office/drawing/2014/main" id="{DE982E5C-5D42-4081-9766-A0BF38E2808B}"/>
+                <a16:creationId xmlns:a16="http://schemas.microsoft.com/office/drawing/2014/main" xmlns="" id="{DE982E5C-5D42-4081-9766-A0BF38E2808B}"/>
               </a:ext>
             </a:extLst>
           </p:cNvPr>
@@ -9255,7 +9246,7 @@
           <p:cNvPr id="9" name="Straight Arrow Connector 8">
             <a:extLst>
               <a:ext uri="{FF2B5EF4-FFF2-40B4-BE49-F238E27FC236}">
-                <a16:creationId xmlns="" xmlns:a16="http://schemas.microsoft.com/office/drawing/2014/main" id="{8AE8B345-C905-47D1-B7F3-66E22F605DA1}"/>
+                <a16:creationId xmlns:a16="http://schemas.microsoft.com/office/drawing/2014/main" xmlns="" id="{8AE8B345-C905-47D1-B7F3-66E22F605DA1}"/>
               </a:ext>
             </a:extLst>
           </p:cNvPr>
@@ -9294,7 +9285,7 @@
           <p:cNvPr id="10" name="Straight Arrow Connector 9">
             <a:extLst>
               <a:ext uri="{FF2B5EF4-FFF2-40B4-BE49-F238E27FC236}">
-                <a16:creationId xmlns="" xmlns:a16="http://schemas.microsoft.com/office/drawing/2014/main" id="{0F578E7E-4207-401C-9DA0-FC8FDA16DCAA}"/>
+                <a16:creationId xmlns:a16="http://schemas.microsoft.com/office/drawing/2014/main" xmlns="" id="{0F578E7E-4207-401C-9DA0-FC8FDA16DCAA}"/>
               </a:ext>
             </a:extLst>
           </p:cNvPr>
@@ -9333,7 +9324,7 @@
           <p:cNvPr id="11" name="TextBox 10">
             <a:extLst>
               <a:ext uri="{FF2B5EF4-FFF2-40B4-BE49-F238E27FC236}">
-                <a16:creationId xmlns="" xmlns:a16="http://schemas.microsoft.com/office/drawing/2014/main" id="{F36E3912-7913-4A78-975B-1BA28B6998EF}"/>
+                <a16:creationId xmlns:a16="http://schemas.microsoft.com/office/drawing/2014/main" xmlns="" id="{F36E3912-7913-4A78-975B-1BA28B6998EF}"/>
               </a:ext>
             </a:extLst>
           </p:cNvPr>
@@ -9398,7 +9389,7 @@
           <p:cNvPr id="2" name="Title 1">
             <a:extLst>
               <a:ext uri="{FF2B5EF4-FFF2-40B4-BE49-F238E27FC236}">
-                <a16:creationId xmlns="" xmlns:a16="http://schemas.microsoft.com/office/drawing/2014/main" id="{03D02295-3C38-422C-8BA0-7F0B9B86FA80}"/>
+                <a16:creationId xmlns:a16="http://schemas.microsoft.com/office/drawing/2014/main" xmlns="" id="{03D02295-3C38-422C-8BA0-7F0B9B86FA80}"/>
               </a:ext>
             </a:extLst>
           </p:cNvPr>
@@ -9462,7 +9453,7 @@
           <p:cNvPr id="2" name="Title 1">
             <a:extLst>
               <a:ext uri="{FF2B5EF4-FFF2-40B4-BE49-F238E27FC236}">
-                <a16:creationId xmlns="" xmlns:a16="http://schemas.microsoft.com/office/drawing/2014/main" id="{5DA731E3-253C-478D-B2BD-E87A72D99627}"/>
+                <a16:creationId xmlns:a16="http://schemas.microsoft.com/office/drawing/2014/main" xmlns="" id="{5DA731E3-253C-478D-B2BD-E87A72D99627}"/>
               </a:ext>
             </a:extLst>
           </p:cNvPr>
@@ -9526,7 +9517,7 @@
           <p:cNvPr id="4" name="Straight Connector 3">
             <a:extLst>
               <a:ext uri="{FF2B5EF4-FFF2-40B4-BE49-F238E27FC236}">
-                <a16:creationId xmlns="" xmlns:a16="http://schemas.microsoft.com/office/drawing/2014/main" id="{83B4F5AB-D851-4877-8348-5EB13AB6F388}"/>
+                <a16:creationId xmlns:a16="http://schemas.microsoft.com/office/drawing/2014/main" xmlns="" id="{83B4F5AB-D851-4877-8348-5EB13AB6F388}"/>
               </a:ext>
             </a:extLst>
           </p:cNvPr>
@@ -9562,7 +9553,7 @@
           <p:cNvPr id="5" name="Straight Connector 4">
             <a:extLst>
               <a:ext uri="{FF2B5EF4-FFF2-40B4-BE49-F238E27FC236}">
-                <a16:creationId xmlns="" xmlns:a16="http://schemas.microsoft.com/office/drawing/2014/main" id="{46B008F8-C54C-414E-A5EF-6BADE0853849}"/>
+                <a16:creationId xmlns:a16="http://schemas.microsoft.com/office/drawing/2014/main" xmlns="" id="{46B008F8-C54C-414E-A5EF-6BADE0853849}"/>
               </a:ext>
             </a:extLst>
           </p:cNvPr>
@@ -9598,7 +9589,7 @@
           <p:cNvPr id="6" name="Straight Connector 5">
             <a:extLst>
               <a:ext uri="{FF2B5EF4-FFF2-40B4-BE49-F238E27FC236}">
-                <a16:creationId xmlns="" xmlns:a16="http://schemas.microsoft.com/office/drawing/2014/main" id="{6445A927-27D1-4BEA-95A9-7FA125A69065}"/>
+                <a16:creationId xmlns:a16="http://schemas.microsoft.com/office/drawing/2014/main" xmlns="" id="{6445A927-27D1-4BEA-95A9-7FA125A69065}"/>
               </a:ext>
             </a:extLst>
           </p:cNvPr>
@@ -9634,7 +9625,7 @@
           <p:cNvPr id="7" name="Straight Connector 6">
             <a:extLst>
               <a:ext uri="{FF2B5EF4-FFF2-40B4-BE49-F238E27FC236}">
-                <a16:creationId xmlns="" xmlns:a16="http://schemas.microsoft.com/office/drawing/2014/main" id="{1B471109-2F24-4D59-BB94-23477A646218}"/>
+                <a16:creationId xmlns:a16="http://schemas.microsoft.com/office/drawing/2014/main" xmlns="" id="{1B471109-2F24-4D59-BB94-23477A646218}"/>
               </a:ext>
             </a:extLst>
           </p:cNvPr>
@@ -9670,7 +9661,7 @@
           <p:cNvPr id="8" name="Rectangle: Rounded Corners 7">
             <a:extLst>
               <a:ext uri="{FF2B5EF4-FFF2-40B4-BE49-F238E27FC236}">
-                <a16:creationId xmlns="" xmlns:a16="http://schemas.microsoft.com/office/drawing/2014/main" id="{78C342C3-9D87-45A9-A4A0-CC6C2CDEBE75}"/>
+                <a16:creationId xmlns:a16="http://schemas.microsoft.com/office/drawing/2014/main" xmlns="" id="{78C342C3-9D87-45A9-A4A0-CC6C2CDEBE75}"/>
               </a:ext>
             </a:extLst>
           </p:cNvPr>
@@ -9719,7 +9710,7 @@
           <p:cNvPr id="9" name="Rectangle: Rounded Corners 8">
             <a:extLst>
               <a:ext uri="{FF2B5EF4-FFF2-40B4-BE49-F238E27FC236}">
-                <a16:creationId xmlns="" xmlns:a16="http://schemas.microsoft.com/office/drawing/2014/main" id="{A730A3BD-E83B-4223-A71C-EEFC9FCB54F0}"/>
+                <a16:creationId xmlns:a16="http://schemas.microsoft.com/office/drawing/2014/main" xmlns="" id="{A730A3BD-E83B-4223-A71C-EEFC9FCB54F0}"/>
               </a:ext>
             </a:extLst>
           </p:cNvPr>
@@ -9769,7 +9760,7 @@
           <p:cNvPr id="10" name="Rectangle: Rounded Corners 9">
             <a:extLst>
               <a:ext uri="{FF2B5EF4-FFF2-40B4-BE49-F238E27FC236}">
-                <a16:creationId xmlns="" xmlns:a16="http://schemas.microsoft.com/office/drawing/2014/main" id="{BF914D4C-7479-4F4B-BB7F-94C3D6F87DAB}"/>
+                <a16:creationId xmlns:a16="http://schemas.microsoft.com/office/drawing/2014/main" xmlns="" id="{BF914D4C-7479-4F4B-BB7F-94C3D6F87DAB}"/>
               </a:ext>
             </a:extLst>
           </p:cNvPr>
@@ -9818,7 +9809,7 @@
           <p:cNvPr id="11" name="Rectangle: Rounded Corners 10">
             <a:extLst>
               <a:ext uri="{FF2B5EF4-FFF2-40B4-BE49-F238E27FC236}">
-                <a16:creationId xmlns="" xmlns:a16="http://schemas.microsoft.com/office/drawing/2014/main" id="{F8157968-ACC3-4A41-82C7-794C17603C66}"/>
+                <a16:creationId xmlns:a16="http://schemas.microsoft.com/office/drawing/2014/main" xmlns="" id="{F8157968-ACC3-4A41-82C7-794C17603C66}"/>
               </a:ext>
             </a:extLst>
           </p:cNvPr>
@@ -9867,7 +9858,7 @@
           <p:cNvPr id="12" name="Oval 11">
             <a:extLst>
               <a:ext uri="{FF2B5EF4-FFF2-40B4-BE49-F238E27FC236}">
-                <a16:creationId xmlns="" xmlns:a16="http://schemas.microsoft.com/office/drawing/2014/main" id="{B97395CC-9A0C-483F-9F43-477D09B12452}"/>
+                <a16:creationId xmlns:a16="http://schemas.microsoft.com/office/drawing/2014/main" xmlns="" id="{B97395CC-9A0C-483F-9F43-477D09B12452}"/>
               </a:ext>
             </a:extLst>
           </p:cNvPr>
@@ -9913,7 +9904,7 @@
           <p:cNvPr id="13" name="Oval 12">
             <a:extLst>
               <a:ext uri="{FF2B5EF4-FFF2-40B4-BE49-F238E27FC236}">
-                <a16:creationId xmlns="" xmlns:a16="http://schemas.microsoft.com/office/drawing/2014/main" id="{8A33C2A8-20F1-455C-BBFE-D8872C7D81EE}"/>
+                <a16:creationId xmlns:a16="http://schemas.microsoft.com/office/drawing/2014/main" xmlns="" id="{8A33C2A8-20F1-455C-BBFE-D8872C7D81EE}"/>
               </a:ext>
             </a:extLst>
           </p:cNvPr>
@@ -9959,7 +9950,7 @@
           <p:cNvPr id="14" name="Straight Arrow Connector 13">
             <a:extLst>
               <a:ext uri="{FF2B5EF4-FFF2-40B4-BE49-F238E27FC236}">
-                <a16:creationId xmlns="" xmlns:a16="http://schemas.microsoft.com/office/drawing/2014/main" id="{F999F119-0A33-44D0-9ED3-FC87108EB07F}"/>
+                <a16:creationId xmlns:a16="http://schemas.microsoft.com/office/drawing/2014/main" xmlns="" id="{F999F119-0A33-44D0-9ED3-FC87108EB07F}"/>
               </a:ext>
             </a:extLst>
           </p:cNvPr>
@@ -10001,7 +9992,7 @@
           <p:cNvPr id="15" name="Oval 14">
             <a:extLst>
               <a:ext uri="{FF2B5EF4-FFF2-40B4-BE49-F238E27FC236}">
-                <a16:creationId xmlns="" xmlns:a16="http://schemas.microsoft.com/office/drawing/2014/main" id="{5F52F451-F6A4-4CFA-B579-69BD1260DDFA}"/>
+                <a16:creationId xmlns:a16="http://schemas.microsoft.com/office/drawing/2014/main" xmlns="" id="{5F52F451-F6A4-4CFA-B579-69BD1260DDFA}"/>
               </a:ext>
             </a:extLst>
           </p:cNvPr>
@@ -10047,7 +10038,7 @@
           <p:cNvPr id="16" name="Straight Arrow Connector 15">
             <a:extLst>
               <a:ext uri="{FF2B5EF4-FFF2-40B4-BE49-F238E27FC236}">
-                <a16:creationId xmlns="" xmlns:a16="http://schemas.microsoft.com/office/drawing/2014/main" id="{49E3BB08-0A71-42C2-9A22-79BC6705AA4A}"/>
+                <a16:creationId xmlns:a16="http://schemas.microsoft.com/office/drawing/2014/main" xmlns="" id="{49E3BB08-0A71-42C2-9A22-79BC6705AA4A}"/>
               </a:ext>
             </a:extLst>
           </p:cNvPr>
@@ -10090,7 +10081,7 @@
           <p:cNvPr id="17" name="Star: 7 Points 16">
             <a:extLst>
               <a:ext uri="{FF2B5EF4-FFF2-40B4-BE49-F238E27FC236}">
-                <a16:creationId xmlns="" xmlns:a16="http://schemas.microsoft.com/office/drawing/2014/main" id="{D3004685-DBEB-495C-A77F-D54CA37FE5BB}"/>
+                <a16:creationId xmlns:a16="http://schemas.microsoft.com/office/drawing/2014/main" xmlns="" id="{D3004685-DBEB-495C-A77F-D54CA37FE5BB}"/>
               </a:ext>
             </a:extLst>
           </p:cNvPr>
@@ -10136,7 +10127,7 @@
           <p:cNvPr id="18" name="Oval 17">
             <a:extLst>
               <a:ext uri="{FF2B5EF4-FFF2-40B4-BE49-F238E27FC236}">
-                <a16:creationId xmlns="" xmlns:a16="http://schemas.microsoft.com/office/drawing/2014/main" id="{7B2280C8-E0C3-41F6-8733-5875FDD2869C}"/>
+                <a16:creationId xmlns:a16="http://schemas.microsoft.com/office/drawing/2014/main" xmlns="" id="{7B2280C8-E0C3-41F6-8733-5875FDD2869C}"/>
               </a:ext>
             </a:extLst>
           </p:cNvPr>
@@ -10182,7 +10173,7 @@
           <p:cNvPr id="19" name="Straight Arrow Connector 18">
             <a:extLst>
               <a:ext uri="{FF2B5EF4-FFF2-40B4-BE49-F238E27FC236}">
-                <a16:creationId xmlns="" xmlns:a16="http://schemas.microsoft.com/office/drawing/2014/main" id="{F2E7EE28-707C-4A68-A569-BD8F2289B794}"/>
+                <a16:creationId xmlns:a16="http://schemas.microsoft.com/office/drawing/2014/main" xmlns="" id="{F2E7EE28-707C-4A68-A569-BD8F2289B794}"/>
               </a:ext>
             </a:extLst>
           </p:cNvPr>
@@ -10225,7 +10216,7 @@
           <p:cNvPr id="20" name="Oval 19">
             <a:extLst>
               <a:ext uri="{FF2B5EF4-FFF2-40B4-BE49-F238E27FC236}">
-                <a16:creationId xmlns="" xmlns:a16="http://schemas.microsoft.com/office/drawing/2014/main" id="{819C0E69-B32D-4C75-94FB-43397116AF31}"/>
+                <a16:creationId xmlns:a16="http://schemas.microsoft.com/office/drawing/2014/main" xmlns="" id="{819C0E69-B32D-4C75-94FB-43397116AF31}"/>
               </a:ext>
             </a:extLst>
           </p:cNvPr>
@@ -10271,7 +10262,7 @@
           <p:cNvPr id="21" name="TextBox 20">
             <a:extLst>
               <a:ext uri="{FF2B5EF4-FFF2-40B4-BE49-F238E27FC236}">
-                <a16:creationId xmlns="" xmlns:a16="http://schemas.microsoft.com/office/drawing/2014/main" id="{D359BA50-A4B4-444B-AA67-87CF18FBE230}"/>
+                <a16:creationId xmlns:a16="http://schemas.microsoft.com/office/drawing/2014/main" xmlns="" id="{D359BA50-A4B4-444B-AA67-87CF18FBE230}"/>
               </a:ext>
             </a:extLst>
           </p:cNvPr>
@@ -10306,7 +10297,7 @@
           <p:cNvPr id="2" name="TextBox 1">
             <a:extLst>
               <a:ext uri="{FF2B5EF4-FFF2-40B4-BE49-F238E27FC236}">
-                <a16:creationId xmlns="" xmlns:a16="http://schemas.microsoft.com/office/drawing/2014/main" id="{4A5ADB36-D4CF-400A-8E2F-FB154A285EA4}"/>
+                <a16:creationId xmlns:a16="http://schemas.microsoft.com/office/drawing/2014/main" xmlns="" id="{4A5ADB36-D4CF-400A-8E2F-FB154A285EA4}"/>
               </a:ext>
             </a:extLst>
           </p:cNvPr>
@@ -10371,7 +10362,7 @@
           <p:cNvPr id="2" name="Title 1">
             <a:extLst>
               <a:ext uri="{FF2B5EF4-FFF2-40B4-BE49-F238E27FC236}">
-                <a16:creationId xmlns="" xmlns:a16="http://schemas.microsoft.com/office/drawing/2014/main" id="{B61BD2BC-2837-49E5-8C86-D998EC066742}"/>
+                <a16:creationId xmlns:a16="http://schemas.microsoft.com/office/drawing/2014/main" xmlns="" id="{B61BD2BC-2837-49E5-8C86-D998EC066742}"/>
               </a:ext>
             </a:extLst>
           </p:cNvPr>
@@ -10404,7 +10395,7 @@
           <p:cNvPr id="4" name="TextBox 3">
             <a:extLst>
               <a:ext uri="{FF2B5EF4-FFF2-40B4-BE49-F238E27FC236}">
-                <a16:creationId xmlns="" xmlns:a16="http://schemas.microsoft.com/office/drawing/2014/main" id="{9C52181B-1D07-4CB0-9F2D-F2EC2E2E6695}"/>
+                <a16:creationId xmlns:a16="http://schemas.microsoft.com/office/drawing/2014/main" xmlns="" id="{9C52181B-1D07-4CB0-9F2D-F2EC2E2E6695}"/>
               </a:ext>
             </a:extLst>
           </p:cNvPr>
@@ -10589,7 +10580,7 @@
           <p:cNvPr id="5" name="TextBox 4">
             <a:extLst>
               <a:ext uri="{FF2B5EF4-FFF2-40B4-BE49-F238E27FC236}">
-                <a16:creationId xmlns="" xmlns:a16="http://schemas.microsoft.com/office/drawing/2014/main" id="{B18A6F19-5BB4-43F5-A37B-D22739072290}"/>
+                <a16:creationId xmlns:a16="http://schemas.microsoft.com/office/drawing/2014/main" xmlns="" id="{B18A6F19-5BB4-43F5-A37B-D22739072290}"/>
               </a:ext>
             </a:extLst>
           </p:cNvPr>
@@ -10929,7 +10920,7 @@
   <a:extraClrSchemeLst/>
   <a:extLst>
     <a:ext uri="{05A4C25C-085E-4340-85A3-A5531E510DB2}">
-      <thm15:themeFamily xmlns="" xmlns:thm15="http://schemas.microsoft.com/office/thememl/2012/main" name="Office Theme" id="{62F939B6-93AF-4DB8-9C6B-D6C7DFDC589F}" vid="{4A3C46E8-61CC-4603-A589-7422A47A8E4A}"/>
+      <thm15:themeFamily xmlns:thm15="http://schemas.microsoft.com/office/thememl/2012/main" xmlns="" name="Office Theme" id="{62F939B6-93AF-4DB8-9C6B-D6C7DFDC589F}" vid="{4A3C46E8-61CC-4603-A589-7422A47A8E4A}"/>
     </a:ext>
   </a:extLst>
 </a:theme>
